--- a/documentation/Presentation.pptx
+++ b/documentation/Presentation.pptx
@@ -5,10 +5,10 @@
     <p:sldMasterId id="2147483648" r:id="rId1"/>
   </p:sldMasterIdLst>
   <p:notesMasterIdLst>
-    <p:notesMasterId r:id="rId10"/>
+    <p:notesMasterId r:id="rId12"/>
   </p:notesMasterIdLst>
   <p:handoutMasterIdLst>
-    <p:handoutMasterId r:id="rId11"/>
+    <p:handoutMasterId r:id="rId13"/>
   </p:handoutMasterIdLst>
   <p:sldIdLst>
     <p:sldId id="266" r:id="rId2"/>
@@ -18,7 +18,9 @@
     <p:sldId id="276" r:id="rId6"/>
     <p:sldId id="277" r:id="rId7"/>
     <p:sldId id="278" r:id="rId8"/>
-    <p:sldId id="274" r:id="rId9"/>
+    <p:sldId id="279" r:id="rId9"/>
+    <p:sldId id="280" r:id="rId10"/>
+    <p:sldId id="274" r:id="rId11"/>
   </p:sldIdLst>
   <p:sldSz cx="9144000" cy="6858000" type="screen4x3"/>
   <p:notesSz cx="6858000" cy="9144000"/>
@@ -473,7 +475,7 @@
         <p:nvSpPr>
           <p:cNvPr id="10244" name="Rectangle 4"/>
           <p:cNvSpPr>
-            <a:spLocks noRot="1" noChangeArrowheads="1" noTextEdit="1"/>
+            <a:spLocks noGrp="1" noRot="1" noChangeAspect="1" noChangeArrowheads="1" noTextEdit="1"/>
           </p:cNvSpPr>
           <p:nvPr>
             <p:ph type="sldImg" idx="2"/>
@@ -836,7 +838,7 @@
         <p:nvSpPr>
           <p:cNvPr id="72706" name="Rectangle 2"/>
           <p:cNvSpPr>
-            <a:spLocks noRot="1" noChangeArrowheads="1" noTextEdit="1"/>
+            <a:spLocks noGrp="1" noRot="1" noChangeAspect="1" noChangeArrowheads="1" noTextEdit="1"/>
           </p:cNvSpPr>
           <p:nvPr>
             <p:ph type="sldImg"/>
@@ -849,6 +851,90 @@
       <p:sp>
         <p:nvSpPr>
           <p:cNvPr id="72707" name="Rectangle 3"/>
+          <p:cNvSpPr>
+            <a:spLocks noGrp="1" noChangeArrowheads="1"/>
+          </p:cNvSpPr>
+          <p:nvPr>
+            <p:ph type="body" idx="1"/>
+          </p:nvPr>
+        </p:nvSpPr>
+        <p:spPr/>
+        <p:txBody>
+          <a:bodyPr/>
+          <a:lstStyle/>
+          <a:p>
+            <a:endParaRPr lang="ru-RU" dirty="0"/>
+          </a:p>
+        </p:txBody>
+      </p:sp>
+    </p:spTree>
+  </p:cSld>
+  <p:clrMapOvr>
+    <a:masterClrMapping/>
+  </p:clrMapOvr>
+</p:notes>
+</file>
+
+<file path=ppt/notesSlides/notesSlide10.xml><?xml version="1.0" encoding="utf-8"?>
+<p:notes xmlns:a="http://schemas.openxmlformats.org/drawingml/2006/main" xmlns:r="http://schemas.openxmlformats.org/officeDocument/2006/relationships" xmlns:p="http://schemas.openxmlformats.org/presentationml/2006/main">
+  <p:cSld>
+    <p:spTree>
+      <p:nvGrpSpPr>
+        <p:cNvPr id="1" name=""/>
+        <p:cNvGrpSpPr/>
+        <p:nvPr/>
+      </p:nvGrpSpPr>
+      <p:grpSpPr>
+        <a:xfrm>
+          <a:off x="0" y="0"/>
+          <a:ext cx="0" cy="0"/>
+          <a:chOff x="0" y="0"/>
+          <a:chExt cx="0" cy="0"/>
+        </a:xfrm>
+      </p:grpSpPr>
+      <p:sp>
+        <p:nvSpPr>
+          <p:cNvPr id="7" name="Rectangle 7"/>
+          <p:cNvSpPr>
+            <a:spLocks noGrp="1" noChangeArrowheads="1"/>
+          </p:cNvSpPr>
+          <p:nvPr>
+            <p:ph type="sldNum" sz="quarter" idx="5"/>
+          </p:nvPr>
+        </p:nvSpPr>
+        <p:spPr>
+          <a:ln/>
+        </p:spPr>
+        <p:txBody>
+          <a:bodyPr/>
+          <a:lstStyle/>
+          <a:p>
+            <a:fld id="{A72D49AE-6F32-429D-8345-6C0D449561C6}" type="slidenum">
+              <a:rPr lang="ru-RU"/>
+              <a:pPr/>
+              <a:t>10</a:t>
+            </a:fld>
+            <a:endParaRPr lang="ru-RU" dirty="0"/>
+          </a:p>
+        </p:txBody>
+      </p:sp>
+      <p:sp>
+        <p:nvSpPr>
+          <p:cNvPr id="183298" name="Rectangle 2"/>
+          <p:cNvSpPr>
+            <a:spLocks noGrp="1" noRot="1" noChangeAspect="1" noChangeArrowheads="1" noTextEdit="1"/>
+          </p:cNvSpPr>
+          <p:nvPr>
+            <p:ph type="sldImg"/>
+          </p:nvPr>
+        </p:nvSpPr>
+        <p:spPr>
+          <a:ln/>
+        </p:spPr>
+      </p:sp>
+      <p:sp>
+        <p:nvSpPr>
+          <p:cNvPr id="183299" name="Rectangle 3"/>
           <p:cNvSpPr>
             <a:spLocks noGrp="1" noChangeArrowheads="1"/>
           </p:cNvSpPr>
@@ -920,7 +1006,7 @@
         <p:nvSpPr>
           <p:cNvPr id="144386" name="Rectangle 2"/>
           <p:cNvSpPr>
-            <a:spLocks noRot="1" noChangeArrowheads="1" noTextEdit="1"/>
+            <a:spLocks noGrp="1" noRot="1" noChangeAspect="1" noChangeArrowheads="1" noTextEdit="1"/>
           </p:cNvSpPr>
           <p:nvPr>
             <p:ph type="sldImg"/>
@@ -1004,7 +1090,7 @@
         <p:nvSpPr>
           <p:cNvPr id="152578" name="Rectangle 2"/>
           <p:cNvSpPr>
-            <a:spLocks noRot="1" noChangeArrowheads="1" noTextEdit="1"/>
+            <a:spLocks noGrp="1" noRot="1" noChangeAspect="1" noChangeArrowheads="1" noTextEdit="1"/>
           </p:cNvSpPr>
           <p:nvPr>
             <p:ph type="sldImg"/>
@@ -1088,7 +1174,7 @@
         <p:nvSpPr>
           <p:cNvPr id="152578" name="Rectangle 2"/>
           <p:cNvSpPr>
-            <a:spLocks noRot="1" noChangeArrowheads="1" noTextEdit="1"/>
+            <a:spLocks noGrp="1" noRot="1" noChangeAspect="1" noChangeArrowheads="1" noTextEdit="1"/>
           </p:cNvSpPr>
           <p:nvPr>
             <p:ph type="sldImg"/>
@@ -1172,7 +1258,7 @@
         <p:nvSpPr>
           <p:cNvPr id="152578" name="Rectangle 2"/>
           <p:cNvSpPr>
-            <a:spLocks noRot="1" noChangeArrowheads="1" noTextEdit="1"/>
+            <a:spLocks noGrp="1" noRot="1" noChangeAspect="1" noChangeArrowheads="1" noTextEdit="1"/>
           </p:cNvSpPr>
           <p:nvPr>
             <p:ph type="sldImg"/>
@@ -1256,7 +1342,7 @@
         <p:nvSpPr>
           <p:cNvPr id="152578" name="Rectangle 2"/>
           <p:cNvSpPr>
-            <a:spLocks noRot="1" noChangeArrowheads="1" noTextEdit="1"/>
+            <a:spLocks noGrp="1" noRot="1" noChangeAspect="1" noChangeArrowheads="1" noTextEdit="1"/>
           </p:cNvSpPr>
           <p:nvPr>
             <p:ph type="sldImg"/>
@@ -1340,7 +1426,7 @@
         <p:nvSpPr>
           <p:cNvPr id="152578" name="Rectangle 2"/>
           <p:cNvSpPr>
-            <a:spLocks noRot="1" noChangeArrowheads="1" noTextEdit="1"/>
+            <a:spLocks noGrp="1" noRot="1" noChangeAspect="1" noChangeArrowheads="1" noTextEdit="1"/>
           </p:cNvSpPr>
           <p:nvPr>
             <p:ph type="sldImg"/>
@@ -1411,7 +1497,7 @@
           <a:bodyPr/>
           <a:lstStyle/>
           <a:p>
-            <a:fld id="{A72D49AE-6F32-429D-8345-6C0D449561C6}" type="slidenum">
+            <a:fld id="{21638A55-6E18-4C71-A460-84C2FB964C64}" type="slidenum">
               <a:rPr lang="ru-RU"/>
               <a:pPr/>
               <a:t>8</a:t>
@@ -1422,9 +1508,9 @@
       </p:sp>
       <p:sp>
         <p:nvSpPr>
-          <p:cNvPr id="183298" name="Rectangle 2"/>
-          <p:cNvSpPr>
-            <a:spLocks noRot="1" noChangeArrowheads="1" noTextEdit="1"/>
+          <p:cNvPr id="152578" name="Rectangle 2"/>
+          <p:cNvSpPr>
+            <a:spLocks noGrp="1" noRot="1" noChangeAspect="1" noChangeArrowheads="1" noTextEdit="1"/>
           </p:cNvSpPr>
           <p:nvPr>
             <p:ph type="sldImg"/>
@@ -1436,7 +1522,91 @@
       </p:sp>
       <p:sp>
         <p:nvSpPr>
-          <p:cNvPr id="183299" name="Rectangle 3"/>
+          <p:cNvPr id="152579" name="Rectangle 3"/>
+          <p:cNvSpPr>
+            <a:spLocks noGrp="1" noChangeArrowheads="1"/>
+          </p:cNvSpPr>
+          <p:nvPr>
+            <p:ph type="body" idx="1"/>
+          </p:nvPr>
+        </p:nvSpPr>
+        <p:spPr/>
+        <p:txBody>
+          <a:bodyPr/>
+          <a:lstStyle/>
+          <a:p>
+            <a:endParaRPr lang="ru-RU" dirty="0"/>
+          </a:p>
+        </p:txBody>
+      </p:sp>
+    </p:spTree>
+  </p:cSld>
+  <p:clrMapOvr>
+    <a:masterClrMapping/>
+  </p:clrMapOvr>
+</p:notes>
+</file>
+
+<file path=ppt/notesSlides/notesSlide9.xml><?xml version="1.0" encoding="utf-8"?>
+<p:notes xmlns:a="http://schemas.openxmlformats.org/drawingml/2006/main" xmlns:r="http://schemas.openxmlformats.org/officeDocument/2006/relationships" xmlns:p="http://schemas.openxmlformats.org/presentationml/2006/main">
+  <p:cSld>
+    <p:spTree>
+      <p:nvGrpSpPr>
+        <p:cNvPr id="1" name=""/>
+        <p:cNvGrpSpPr/>
+        <p:nvPr/>
+      </p:nvGrpSpPr>
+      <p:grpSpPr>
+        <a:xfrm>
+          <a:off x="0" y="0"/>
+          <a:ext cx="0" cy="0"/>
+          <a:chOff x="0" y="0"/>
+          <a:chExt cx="0" cy="0"/>
+        </a:xfrm>
+      </p:grpSpPr>
+      <p:sp>
+        <p:nvSpPr>
+          <p:cNvPr id="7" name="Rectangle 7"/>
+          <p:cNvSpPr>
+            <a:spLocks noGrp="1" noChangeArrowheads="1"/>
+          </p:cNvSpPr>
+          <p:nvPr>
+            <p:ph type="sldNum" sz="quarter" idx="5"/>
+          </p:nvPr>
+        </p:nvSpPr>
+        <p:spPr>
+          <a:ln/>
+        </p:spPr>
+        <p:txBody>
+          <a:bodyPr/>
+          <a:lstStyle/>
+          <a:p>
+            <a:fld id="{21638A55-6E18-4C71-A460-84C2FB964C64}" type="slidenum">
+              <a:rPr lang="ru-RU"/>
+              <a:pPr/>
+              <a:t>9</a:t>
+            </a:fld>
+            <a:endParaRPr lang="ru-RU" dirty="0"/>
+          </a:p>
+        </p:txBody>
+      </p:sp>
+      <p:sp>
+        <p:nvSpPr>
+          <p:cNvPr id="152578" name="Rectangle 2"/>
+          <p:cNvSpPr>
+            <a:spLocks noGrp="1" noRot="1" noChangeAspect="1" noChangeArrowheads="1" noTextEdit="1"/>
+          </p:cNvSpPr>
+          <p:nvPr>
+            <p:ph type="sldImg"/>
+          </p:nvPr>
+        </p:nvSpPr>
+        <p:spPr>
+          <a:ln/>
+        </p:spPr>
+      </p:sp>
+      <p:sp>
+        <p:nvSpPr>
+          <p:cNvPr id="152579" name="Rectangle 3"/>
           <p:cNvSpPr>
             <a:spLocks noGrp="1" noChangeArrowheads="1"/>
           </p:cNvSpPr>
@@ -5060,6 +5230,444 @@
 </p:sld>
 </file>
 
+<file path=ppt/slides/slide10.xml><?xml version="1.0" encoding="utf-8"?>
+<p:sld xmlns:a="http://schemas.openxmlformats.org/drawingml/2006/main" xmlns:r="http://schemas.openxmlformats.org/officeDocument/2006/relationships" xmlns:p="http://schemas.openxmlformats.org/presentationml/2006/main">
+  <p:cSld>
+    <p:spTree>
+      <p:nvGrpSpPr>
+        <p:cNvPr id="1" name=""/>
+        <p:cNvGrpSpPr/>
+        <p:nvPr/>
+      </p:nvGrpSpPr>
+      <p:grpSpPr>
+        <a:xfrm>
+          <a:off x="0" y="0"/>
+          <a:ext cx="0" cy="0"/>
+          <a:chOff x="0" y="0"/>
+          <a:chExt cx="0" cy="0"/>
+        </a:xfrm>
+      </p:grpSpPr>
+      <p:sp>
+        <p:nvSpPr>
+          <p:cNvPr id="182274" name="Text Box 2"/>
+          <p:cNvSpPr txBox="1">
+            <a:spLocks noChangeArrowheads="1"/>
+          </p:cNvSpPr>
+          <p:nvPr/>
+        </p:nvSpPr>
+        <p:spPr bwMode="auto">
+          <a:xfrm>
+            <a:off x="8675688" y="44450"/>
+            <a:ext cx="468312" cy="511175"/>
+          </a:xfrm>
+          <a:prstGeom prst="rect">
+            <a:avLst/>
+          </a:prstGeom>
+          <a:solidFill>
+            <a:schemeClr val="bg1"/>
+          </a:solidFill>
+          <a:ln w="9525">
+            <a:noFill/>
+            <a:miter lim="800000"/>
+            <a:headEnd/>
+            <a:tailEnd/>
+          </a:ln>
+          <a:effectLst/>
+        </p:spPr>
+        <p:txBody>
+          <a:bodyPr/>
+          <a:lstStyle/>
+          <a:p>
+            <a:pPr algn="ctr">
+              <a:spcBef>
+                <a:spcPct val="50000"/>
+              </a:spcBef>
+            </a:pPr>
+            <a:endParaRPr lang="ru-RU" sz="2400" b="1" dirty="0">
+              <a:solidFill>
+                <a:schemeClr val="accent2"/>
+              </a:solidFill>
+            </a:endParaRPr>
+          </a:p>
+        </p:txBody>
+      </p:sp>
+      <p:pic>
+        <p:nvPicPr>
+          <p:cNvPr id="182275" name="Picture 3" descr="XAI"/>
+          <p:cNvPicPr>
+            <a:picLocks noChangeAspect="1" noChangeArrowheads="1"/>
+          </p:cNvPicPr>
+          <p:nvPr/>
+        </p:nvPicPr>
+        <p:blipFill>
+          <a:blip r:embed="rId3" cstate="print"/>
+          <a:srcRect/>
+          <a:stretch>
+            <a:fillRect/>
+          </a:stretch>
+        </p:blipFill>
+        <p:spPr bwMode="auto">
+          <a:xfrm>
+            <a:off x="0" y="30163"/>
+            <a:ext cx="863600" cy="519112"/>
+          </a:xfrm>
+          <a:prstGeom prst="rect">
+            <a:avLst/>
+          </a:prstGeom>
+          <a:noFill/>
+          <a:ln w="9525">
+            <a:noFill/>
+            <a:miter lim="800000"/>
+            <a:headEnd/>
+            <a:tailEnd/>
+          </a:ln>
+        </p:spPr>
+      </p:pic>
+      <p:sp>
+        <p:nvSpPr>
+          <p:cNvPr id="182276" name="Line 4"/>
+          <p:cNvSpPr>
+            <a:spLocks noChangeShapeType="1"/>
+          </p:cNvSpPr>
+          <p:nvPr/>
+        </p:nvSpPr>
+        <p:spPr bwMode="auto">
+          <a:xfrm>
+            <a:off x="74613" y="549275"/>
+            <a:ext cx="8997950" cy="0"/>
+          </a:xfrm>
+          <a:prstGeom prst="line">
+            <a:avLst/>
+          </a:prstGeom>
+          <a:noFill/>
+          <a:ln w="19050">
+            <a:solidFill>
+              <a:srgbClr val="333399"/>
+            </a:solidFill>
+            <a:round/>
+            <a:headEnd/>
+            <a:tailEnd/>
+          </a:ln>
+          <a:effectLst/>
+        </p:spPr>
+        <p:txBody>
+          <a:bodyPr/>
+          <a:lstStyle/>
+          <a:p>
+            <a:endParaRPr lang="ru-RU" dirty="0"/>
+          </a:p>
+        </p:txBody>
+      </p:sp>
+      <p:sp>
+        <p:nvSpPr>
+          <p:cNvPr id="182277" name="Text Box 5"/>
+          <p:cNvSpPr txBox="1">
+            <a:spLocks noChangeArrowheads="1"/>
+          </p:cNvSpPr>
+          <p:nvPr/>
+        </p:nvSpPr>
+        <p:spPr bwMode="auto">
+          <a:xfrm>
+            <a:off x="8532813" y="0"/>
+            <a:ext cx="611187" cy="511175"/>
+          </a:xfrm>
+          <a:prstGeom prst="rect">
+            <a:avLst/>
+          </a:prstGeom>
+          <a:solidFill>
+            <a:schemeClr val="bg1"/>
+          </a:solidFill>
+          <a:ln w="9525">
+            <a:noFill/>
+            <a:miter lim="800000"/>
+            <a:headEnd/>
+            <a:tailEnd/>
+          </a:ln>
+          <a:effectLst/>
+        </p:spPr>
+        <p:txBody>
+          <a:bodyPr/>
+          <a:lstStyle/>
+          <a:p>
+            <a:pPr algn="ctr">
+              <a:spcBef>
+                <a:spcPct val="50000"/>
+              </a:spcBef>
+            </a:pPr>
+            <a:r>
+              <a:rPr lang="uk-UA" sz="2000" b="1" dirty="0">
+                <a:solidFill>
+                  <a:schemeClr val="accent2"/>
+                </a:solidFill>
+              </a:rPr>
+              <a:t>20</a:t>
+            </a:r>
+            <a:endParaRPr lang="ru-RU" sz="2000" b="1" dirty="0">
+              <a:solidFill>
+                <a:schemeClr val="accent2"/>
+              </a:solidFill>
+            </a:endParaRPr>
+          </a:p>
+        </p:txBody>
+      </p:sp>
+      <p:sp>
+        <p:nvSpPr>
+          <p:cNvPr id="182278" name="Rectangle 6"/>
+          <p:cNvSpPr>
+            <a:spLocks noChangeArrowheads="1"/>
+          </p:cNvSpPr>
+          <p:nvPr/>
+        </p:nvSpPr>
+        <p:spPr bwMode="auto">
+          <a:xfrm>
+            <a:off x="971550" y="130175"/>
+            <a:ext cx="7561263" cy="336550"/>
+          </a:xfrm>
+          <a:prstGeom prst="rect">
+            <a:avLst/>
+          </a:prstGeom>
+          <a:noFill/>
+          <a:ln w="9525">
+            <a:noFill/>
+            <a:miter lim="800000"/>
+            <a:headEnd/>
+            <a:tailEnd/>
+          </a:ln>
+          <a:effectLst/>
+        </p:spPr>
+        <p:txBody>
+          <a:bodyPr anchor="ctr">
+            <a:spAutoFit/>
+          </a:bodyPr>
+          <a:lstStyle/>
+          <a:p>
+            <a:pPr algn="ctr"/>
+            <a:r>
+              <a:rPr lang="ru-RU" sz="1600" b="1" dirty="0">
+                <a:solidFill>
+                  <a:schemeClr val="accent2"/>
+                </a:solidFill>
+              </a:rPr>
+              <a:t>Заключение</a:t>
+            </a:r>
+          </a:p>
+        </p:txBody>
+      </p:sp>
+      <p:sp>
+        <p:nvSpPr>
+          <p:cNvPr id="182279" name="Line 7"/>
+          <p:cNvSpPr>
+            <a:spLocks noChangeShapeType="1"/>
+          </p:cNvSpPr>
+          <p:nvPr/>
+        </p:nvSpPr>
+        <p:spPr bwMode="auto">
+          <a:xfrm>
+            <a:off x="74613" y="6561138"/>
+            <a:ext cx="8997950" cy="0"/>
+          </a:xfrm>
+          <a:prstGeom prst="line">
+            <a:avLst/>
+          </a:prstGeom>
+          <a:noFill/>
+          <a:ln w="19050">
+            <a:solidFill>
+              <a:srgbClr val="333399"/>
+            </a:solidFill>
+            <a:round/>
+            <a:headEnd/>
+            <a:tailEnd/>
+          </a:ln>
+          <a:effectLst/>
+        </p:spPr>
+        <p:txBody>
+          <a:bodyPr/>
+          <a:lstStyle/>
+          <a:p>
+            <a:endParaRPr lang="ru-RU" dirty="0"/>
+          </a:p>
+        </p:txBody>
+      </p:sp>
+      <p:sp>
+        <p:nvSpPr>
+          <p:cNvPr id="182281" name="Rectangle 9"/>
+          <p:cNvSpPr>
+            <a:spLocks noChangeArrowheads="1"/>
+          </p:cNvSpPr>
+          <p:nvPr/>
+        </p:nvSpPr>
+        <p:spPr bwMode="auto">
+          <a:xfrm>
+            <a:off x="179388" y="800100"/>
+            <a:ext cx="8748712" cy="1252538"/>
+          </a:xfrm>
+          <a:prstGeom prst="rect">
+            <a:avLst/>
+          </a:prstGeom>
+          <a:noFill/>
+          <a:ln w="9525">
+            <a:noFill/>
+            <a:miter lim="800000"/>
+            <a:headEnd/>
+            <a:tailEnd/>
+          </a:ln>
+          <a:effectLst/>
+        </p:spPr>
+        <p:txBody>
+          <a:bodyPr/>
+          <a:lstStyle/>
+          <a:p>
+            <a:r>
+              <a:rPr lang="ru-RU" sz="1400" u="sng" dirty="0"/>
+              <a:t>Результаты работы, автором полученные самостоятельно:</a:t>
+            </a:r>
+            <a:endParaRPr lang="ru-RU" sz="1400" dirty="0"/>
+          </a:p>
+          <a:p>
+            <a:r>
+              <a:rPr lang="ru-RU" sz="1400" dirty="0"/>
+              <a:t>1)</a:t>
+            </a:r>
+          </a:p>
+          <a:p>
+            <a:r>
+              <a:rPr lang="ru-RU" sz="1400" dirty="0"/>
+              <a:t>2)</a:t>
+            </a:r>
+          </a:p>
+          <a:p>
+            <a:r>
+              <a:rPr lang="ru-RU" sz="1400" dirty="0"/>
+              <a:t>3) </a:t>
+            </a:r>
+          </a:p>
+        </p:txBody>
+      </p:sp>
+      <p:sp>
+        <p:nvSpPr>
+          <p:cNvPr id="182283" name="Rectangle 11"/>
+          <p:cNvSpPr>
+            <a:spLocks noChangeArrowheads="1"/>
+          </p:cNvSpPr>
+          <p:nvPr/>
+        </p:nvSpPr>
+        <p:spPr bwMode="auto">
+          <a:xfrm>
+            <a:off x="179388" y="2492375"/>
+            <a:ext cx="8748712" cy="1252538"/>
+          </a:xfrm>
+          <a:prstGeom prst="rect">
+            <a:avLst/>
+          </a:prstGeom>
+          <a:noFill/>
+          <a:ln w="9525">
+            <a:noFill/>
+            <a:miter lim="800000"/>
+            <a:headEnd/>
+            <a:tailEnd/>
+          </a:ln>
+          <a:effectLst/>
+        </p:spPr>
+        <p:txBody>
+          <a:bodyPr/>
+          <a:lstStyle/>
+          <a:p>
+            <a:r>
+              <a:rPr lang="ru-RU" sz="1400" u="sng" dirty="0"/>
+              <a:t>Выводы, предложения по использованию результатов работы:</a:t>
+            </a:r>
+            <a:endParaRPr lang="ru-RU" sz="1400" dirty="0"/>
+          </a:p>
+          <a:p>
+            <a:r>
+              <a:rPr lang="ru-RU" sz="1400" dirty="0"/>
+              <a:t>1)</a:t>
+            </a:r>
+          </a:p>
+          <a:p>
+            <a:r>
+              <a:rPr lang="ru-RU" sz="1400" dirty="0"/>
+              <a:t>2)</a:t>
+            </a:r>
+          </a:p>
+          <a:p>
+            <a:r>
+              <a:rPr lang="ru-RU" sz="1400" dirty="0"/>
+              <a:t>3) </a:t>
+            </a:r>
+          </a:p>
+        </p:txBody>
+      </p:sp>
+      <p:sp>
+        <p:nvSpPr>
+          <p:cNvPr id="182284" name="Rectangle 12"/>
+          <p:cNvSpPr>
+            <a:spLocks noChangeArrowheads="1"/>
+          </p:cNvSpPr>
+          <p:nvPr/>
+        </p:nvSpPr>
+        <p:spPr bwMode="auto">
+          <a:xfrm>
+            <a:off x="179388" y="4292600"/>
+            <a:ext cx="8748712" cy="1252538"/>
+          </a:xfrm>
+          <a:prstGeom prst="rect">
+            <a:avLst/>
+          </a:prstGeom>
+          <a:noFill/>
+          <a:ln w="9525">
+            <a:noFill/>
+            <a:miter lim="800000"/>
+            <a:headEnd/>
+            <a:tailEnd/>
+          </a:ln>
+          <a:effectLst/>
+        </p:spPr>
+        <p:txBody>
+          <a:bodyPr/>
+          <a:lstStyle/>
+          <a:p>
+            <a:r>
+              <a:rPr lang="ru-RU" sz="1400" u="sng" dirty="0"/>
+              <a:t>Публикации, участие в конкурсах, выступления на научно-технических конференциях:</a:t>
+            </a:r>
+            <a:endParaRPr lang="ru-RU" sz="1400" dirty="0"/>
+          </a:p>
+          <a:p>
+            <a:r>
+              <a:rPr lang="ru-RU" sz="1400" dirty="0"/>
+              <a:t>1)</a:t>
+            </a:r>
+          </a:p>
+          <a:p>
+            <a:r>
+              <a:rPr lang="ru-RU" sz="1400" dirty="0"/>
+              <a:t>2)</a:t>
+            </a:r>
+          </a:p>
+          <a:p>
+            <a:r>
+              <a:rPr lang="ru-RU" sz="1400" dirty="0"/>
+              <a:t>3) </a:t>
+            </a:r>
+          </a:p>
+        </p:txBody>
+      </p:sp>
+    </p:spTree>
+  </p:cSld>
+  <p:clrMapOvr>
+    <a:masterClrMapping/>
+  </p:clrMapOvr>
+  <p:timing>
+    <p:tnLst>
+      <p:par>
+        <p:cTn id="1" dur="indefinite" restart="never" nodeType="tmRoot"/>
+      </p:par>
+    </p:tnLst>
+  </p:timing>
+</p:sld>
+</file>
+
 <file path=ppt/slides/slide2.xml><?xml version="1.0" encoding="utf-8"?>
 <p:sld xmlns:a="http://schemas.openxmlformats.org/drawingml/2006/main" xmlns:r="http://schemas.openxmlformats.org/officeDocument/2006/relationships" xmlns:p="http://schemas.openxmlformats.org/presentationml/2006/main">
   <p:cSld>
@@ -6272,6 +6880,11 @@
                   <a:schemeClr val="accent2"/>
                 </a:solidFill>
               </a:rPr>
+              <a:pPr algn="ctr">
+                <a:spcBef>
+                  <a:spcPct val="50000"/>
+                </a:spcBef>
+              </a:pPr>
               <a:t>4</a:t>
             </a:fld>
             <a:endParaRPr lang="ru-RU" sz="2000" b="1" dirty="0">
@@ -7439,7 +8052,7 @@
           <p:nvPr/>
         </p:nvPicPr>
         <p:blipFill>
-          <a:blip r:embed="rId3" cstate="print"/>
+          <a:blip r:embed="rId4" cstate="print"/>
           <a:srcRect/>
           <a:stretch>
             <a:fillRect/>
@@ -7648,6 +8261,26 @@
           </a:p>
         </p:txBody>
       </p:sp>
+      <p:graphicFrame>
+        <p:nvGraphicFramePr>
+          <p:cNvPr id="16" name="Объект 15"/>
+          <p:cNvGraphicFramePr>
+            <a:graphicFrameLocks noChangeAspect="1"/>
+          </p:cNvGraphicFramePr>
+          <p:nvPr/>
+        </p:nvGraphicFramePr>
+        <p:xfrm>
+          <a:off x="1763713" y="661988"/>
+          <a:ext cx="5364162" cy="5805487"/>
+        </p:xfrm>
+        <a:graphic>
+          <a:graphicData uri="http://schemas.openxmlformats.org/presentationml/2006/ole">
+            <p:oleObj spid="_x0000_s1033" name="Visio" r:id="rId5" imgW="7181698" imgH="7766532" progId="Visio.Drawing.11">
+              <p:link updateAutomatic="1"/>
+            </p:oleObj>
+          </a:graphicData>
+        </a:graphic>
+      </p:graphicFrame>
     </p:spTree>
   </p:cSld>
   <p:clrMapOvr>
@@ -7682,7 +8315,47 @@
       </p:grpSpPr>
       <p:sp>
         <p:nvSpPr>
-          <p:cNvPr id="182274" name="Text Box 2"/>
+          <p:cNvPr id="17" name="Скругленный прямоугольник 16"/>
+          <p:cNvSpPr/>
+          <p:nvPr/>
+        </p:nvSpPr>
+        <p:spPr>
+          <a:xfrm>
+            <a:off x="467544" y="3645024"/>
+            <a:ext cx="7920880" cy="396044"/>
+          </a:xfrm>
+          <a:prstGeom prst="roundRect">
+            <a:avLst/>
+          </a:prstGeom>
+        </p:spPr>
+        <p:style>
+          <a:lnRef idx="2">
+            <a:schemeClr val="accent1">
+              <a:shade val="50000"/>
+            </a:schemeClr>
+          </a:lnRef>
+          <a:fillRef idx="1">
+            <a:schemeClr val="accent1"/>
+          </a:fillRef>
+          <a:effectRef idx="0">
+            <a:schemeClr val="accent1"/>
+          </a:effectRef>
+          <a:fontRef idx="minor">
+            <a:schemeClr val="lt1"/>
+          </a:fontRef>
+        </p:style>
+        <p:txBody>
+          <a:bodyPr rtlCol="0" anchor="ctr"/>
+          <a:lstStyle/>
+          <a:p>
+            <a:pPr algn="ctr"/>
+            <a:endParaRPr lang="ru-RU"/>
+          </a:p>
+        </p:txBody>
+      </p:sp>
+      <p:sp>
+        <p:nvSpPr>
+          <p:cNvPr id="151554" name="Text Box 2"/>
           <p:cNvSpPr txBox="1">
             <a:spLocks noChangeArrowheads="1"/>
           </p:cNvSpPr>
@@ -7726,7 +8399,999 @@
       </p:sp>
       <p:pic>
         <p:nvPicPr>
-          <p:cNvPr id="182275" name="Picture 3" descr="XAI"/>
+          <p:cNvPr id="151555" name="Picture 3" descr="XAI"/>
+          <p:cNvPicPr>
+            <a:picLocks noChangeAspect="1" noChangeArrowheads="1"/>
+          </p:cNvPicPr>
+          <p:nvPr/>
+        </p:nvPicPr>
+        <p:blipFill>
+          <a:blip r:embed="rId4" cstate="print"/>
+          <a:srcRect/>
+          <a:stretch>
+            <a:fillRect/>
+          </a:stretch>
+        </p:blipFill>
+        <p:spPr bwMode="auto">
+          <a:xfrm>
+            <a:off x="0" y="30163"/>
+            <a:ext cx="863600" cy="519112"/>
+          </a:xfrm>
+          <a:prstGeom prst="rect">
+            <a:avLst/>
+          </a:prstGeom>
+          <a:noFill/>
+          <a:ln w="9525">
+            <a:noFill/>
+            <a:miter lim="800000"/>
+            <a:headEnd/>
+            <a:tailEnd/>
+          </a:ln>
+        </p:spPr>
+      </p:pic>
+      <p:sp>
+        <p:nvSpPr>
+          <p:cNvPr id="151556" name="Line 4"/>
+          <p:cNvSpPr>
+            <a:spLocks noChangeShapeType="1"/>
+          </p:cNvSpPr>
+          <p:nvPr/>
+        </p:nvSpPr>
+        <p:spPr bwMode="auto">
+          <a:xfrm>
+            <a:off x="74613" y="549275"/>
+            <a:ext cx="8997950" cy="0"/>
+          </a:xfrm>
+          <a:prstGeom prst="line">
+            <a:avLst/>
+          </a:prstGeom>
+          <a:noFill/>
+          <a:ln w="19050">
+            <a:solidFill>
+              <a:srgbClr val="333399"/>
+            </a:solidFill>
+            <a:round/>
+            <a:headEnd/>
+            <a:tailEnd/>
+          </a:ln>
+          <a:effectLst/>
+        </p:spPr>
+        <p:txBody>
+          <a:bodyPr/>
+          <a:lstStyle/>
+          <a:p>
+            <a:endParaRPr lang="ru-RU" dirty="0"/>
+          </a:p>
+        </p:txBody>
+      </p:sp>
+      <p:sp>
+        <p:nvSpPr>
+          <p:cNvPr id="151558" name="Rectangle 6"/>
+          <p:cNvSpPr>
+            <a:spLocks noChangeArrowheads="1"/>
+          </p:cNvSpPr>
+          <p:nvPr/>
+        </p:nvSpPr>
+        <p:spPr bwMode="auto">
+          <a:xfrm>
+            <a:off x="971550" y="130175"/>
+            <a:ext cx="7561263" cy="336550"/>
+          </a:xfrm>
+          <a:prstGeom prst="rect">
+            <a:avLst/>
+          </a:prstGeom>
+          <a:noFill/>
+          <a:ln w="9525">
+            <a:noFill/>
+            <a:miter lim="800000"/>
+            <a:headEnd/>
+            <a:tailEnd/>
+          </a:ln>
+          <a:effectLst/>
+        </p:spPr>
+        <p:txBody>
+          <a:bodyPr anchor="ctr">
+            <a:spAutoFit/>
+          </a:bodyPr>
+          <a:lstStyle/>
+          <a:p>
+            <a:pPr algn="ctr"/>
+            <a:r>
+              <a:rPr lang="ru-RU" sz="1600" b="1" dirty="0" smtClean="0">
+                <a:solidFill>
+                  <a:schemeClr val="accent2"/>
+                </a:solidFill>
+              </a:rPr>
+              <a:t>Программная реализация </a:t>
+            </a:r>
+            <a:r>
+              <a:rPr lang="ru-RU" sz="1600" b="1" dirty="0" smtClean="0">
+                <a:solidFill>
+                  <a:schemeClr val="accent2"/>
+                </a:solidFill>
+              </a:rPr>
+              <a:t>генератора шума</a:t>
+            </a:r>
+            <a:endParaRPr lang="ru-RU" sz="1600" b="1" dirty="0">
+              <a:solidFill>
+                <a:schemeClr val="accent2"/>
+              </a:solidFill>
+            </a:endParaRPr>
+          </a:p>
+        </p:txBody>
+      </p:sp>
+      <p:sp>
+        <p:nvSpPr>
+          <p:cNvPr id="151559" name="Line 7"/>
+          <p:cNvSpPr>
+            <a:spLocks noChangeShapeType="1"/>
+          </p:cNvSpPr>
+          <p:nvPr/>
+        </p:nvSpPr>
+        <p:spPr bwMode="auto">
+          <a:xfrm>
+            <a:off x="74613" y="6561138"/>
+            <a:ext cx="8997950" cy="0"/>
+          </a:xfrm>
+          <a:prstGeom prst="line">
+            <a:avLst/>
+          </a:prstGeom>
+          <a:noFill/>
+          <a:ln w="19050">
+            <a:solidFill>
+              <a:srgbClr val="333399"/>
+            </a:solidFill>
+            <a:round/>
+            <a:headEnd/>
+            <a:tailEnd/>
+          </a:ln>
+          <a:effectLst/>
+        </p:spPr>
+        <p:txBody>
+          <a:bodyPr/>
+          <a:lstStyle/>
+          <a:p>
+            <a:endParaRPr lang="ru-RU" dirty="0"/>
+          </a:p>
+        </p:txBody>
+      </p:sp>
+      <p:sp>
+        <p:nvSpPr>
+          <p:cNvPr id="151566" name="Text Box 14"/>
+          <p:cNvSpPr txBox="1">
+            <a:spLocks noChangeArrowheads="1"/>
+          </p:cNvSpPr>
+          <p:nvPr/>
+        </p:nvSpPr>
+        <p:spPr bwMode="auto">
+          <a:xfrm>
+            <a:off x="8532813" y="0"/>
+            <a:ext cx="611187" cy="511175"/>
+          </a:xfrm>
+          <a:prstGeom prst="rect">
+            <a:avLst/>
+          </a:prstGeom>
+          <a:solidFill>
+            <a:schemeClr val="bg1"/>
+          </a:solidFill>
+          <a:ln w="9525">
+            <a:noFill/>
+            <a:miter lim="800000"/>
+            <a:headEnd/>
+            <a:tailEnd/>
+          </a:ln>
+          <a:effectLst/>
+        </p:spPr>
+        <p:txBody>
+          <a:bodyPr/>
+          <a:lstStyle/>
+          <a:p>
+            <a:pPr algn="ctr">
+              <a:spcBef>
+                <a:spcPct val="50000"/>
+              </a:spcBef>
+            </a:pPr>
+            <a:r>
+              <a:rPr lang="uk-UA" sz="2000" b="1" dirty="0" smtClean="0">
+                <a:solidFill>
+                  <a:schemeClr val="accent2"/>
+                </a:solidFill>
+              </a:rPr>
+              <a:t>5</a:t>
+            </a:r>
+            <a:endParaRPr lang="ru-RU" sz="2000" b="1" dirty="0">
+              <a:solidFill>
+                <a:schemeClr val="accent2"/>
+              </a:solidFill>
+            </a:endParaRPr>
+          </a:p>
+        </p:txBody>
+      </p:sp>
+      <p:sp>
+        <p:nvSpPr>
+          <p:cNvPr id="9" name="Прямоугольник 8"/>
+          <p:cNvSpPr/>
+          <p:nvPr/>
+        </p:nvSpPr>
+        <p:spPr>
+          <a:xfrm>
+            <a:off x="-144016" y="3676382"/>
+            <a:ext cx="9144000" cy="369332"/>
+          </a:xfrm>
+          <a:prstGeom prst="rect">
+            <a:avLst/>
+          </a:prstGeom>
+        </p:spPr>
+        <p:txBody>
+          <a:bodyPr wrap="square" anchor="ctr">
+            <a:spAutoFit/>
+          </a:bodyPr>
+          <a:lstStyle/>
+          <a:p>
+            <a:pPr algn="ctr"/>
+            <a:r>
+              <a:rPr lang="pt-BR" dirty="0" smtClean="0"/>
+              <a:t>R</a:t>
+            </a:r>
+            <a:r>
+              <a:rPr lang="ru-RU" dirty="0" smtClean="0"/>
+              <a:t> </a:t>
+            </a:r>
+            <a:r>
+              <a:rPr lang="pt-BR" dirty="0" smtClean="0"/>
+              <a:t>= (</a:t>
+            </a:r>
+            <a:r>
+              <a:rPr lang="ru-RU" dirty="0" smtClean="0"/>
+              <a:t> </a:t>
+            </a:r>
+            <a:r>
+              <a:rPr lang="pt-BR" dirty="0" smtClean="0"/>
+              <a:t> (</a:t>
+            </a:r>
+            <a:r>
+              <a:rPr lang="ru-RU" dirty="0" smtClean="0"/>
+              <a:t> </a:t>
+            </a:r>
+            <a:r>
+              <a:rPr lang="pt-BR" dirty="0" smtClean="0"/>
+              <a:t> </a:t>
+            </a:r>
+            <a:r>
+              <a:rPr lang="pt-BR" dirty="0" smtClean="0"/>
+              <a:t>( </a:t>
+            </a:r>
+            <a:r>
+              <a:rPr lang="ru-RU" dirty="0" smtClean="0"/>
+              <a:t> </a:t>
+            </a:r>
+            <a:r>
+              <a:rPr lang="pt-BR" dirty="0" smtClean="0"/>
+              <a:t>(</a:t>
+            </a:r>
+            <a:r>
+              <a:rPr lang="ru-RU" dirty="0" smtClean="0"/>
+              <a:t> </a:t>
+            </a:r>
+            <a:r>
+              <a:rPr lang="pt-BR" dirty="0" smtClean="0"/>
+              <a:t>R</a:t>
+            </a:r>
+            <a:r>
+              <a:rPr lang="ru-RU" dirty="0" smtClean="0"/>
+              <a:t> </a:t>
+            </a:r>
+            <a:r>
+              <a:rPr lang="pt-BR" dirty="0" smtClean="0"/>
+              <a:t>&gt;&gt;</a:t>
+            </a:r>
+            <a:r>
+              <a:rPr lang="ru-RU" dirty="0" smtClean="0"/>
+              <a:t> </a:t>
+            </a:r>
+            <a:r>
+              <a:rPr lang="pt-BR" dirty="0" smtClean="0"/>
+              <a:t>6</a:t>
+            </a:r>
+            <a:r>
+              <a:rPr lang="ru-RU" dirty="0" smtClean="0"/>
+              <a:t> </a:t>
+            </a:r>
+            <a:r>
+              <a:rPr lang="pt-BR" dirty="0" smtClean="0"/>
+              <a:t>)</a:t>
+            </a:r>
+            <a:r>
+              <a:rPr lang="ru-RU" dirty="0" smtClean="0"/>
+              <a:t> </a:t>
+            </a:r>
+            <a:r>
+              <a:rPr lang="pt-BR" dirty="0" smtClean="0"/>
+              <a:t> ^</a:t>
+            </a:r>
+            <a:r>
+              <a:rPr lang="ru-RU" dirty="0" smtClean="0"/>
+              <a:t> </a:t>
+            </a:r>
+            <a:r>
+              <a:rPr lang="pt-BR" dirty="0" smtClean="0"/>
+              <a:t> (</a:t>
+            </a:r>
+            <a:r>
+              <a:rPr lang="ru-RU" dirty="0" smtClean="0"/>
+              <a:t> </a:t>
+            </a:r>
+            <a:r>
+              <a:rPr lang="pt-BR" dirty="0" smtClean="0"/>
+              <a:t>R</a:t>
+            </a:r>
+            <a:r>
+              <a:rPr lang="ru-RU" dirty="0" smtClean="0"/>
+              <a:t> </a:t>
+            </a:r>
+            <a:r>
+              <a:rPr lang="pt-BR" dirty="0" smtClean="0"/>
+              <a:t>&gt;&gt;</a:t>
+            </a:r>
+            <a:r>
+              <a:rPr lang="ru-RU" dirty="0" smtClean="0"/>
+              <a:t> </a:t>
+            </a:r>
+            <a:r>
+              <a:rPr lang="pt-BR" dirty="0" smtClean="0"/>
+              <a:t>4</a:t>
+            </a:r>
+            <a:r>
+              <a:rPr lang="ru-RU" dirty="0" smtClean="0"/>
+              <a:t> </a:t>
+            </a:r>
+            <a:r>
+              <a:rPr lang="pt-BR" dirty="0" smtClean="0"/>
+              <a:t>) ^</a:t>
+            </a:r>
+            <a:r>
+              <a:rPr lang="ru-RU" dirty="0" smtClean="0"/>
+              <a:t> </a:t>
+            </a:r>
+            <a:r>
+              <a:rPr lang="pt-BR" dirty="0" smtClean="0"/>
+              <a:t>(</a:t>
+            </a:r>
+            <a:r>
+              <a:rPr lang="ru-RU" dirty="0" smtClean="0"/>
+              <a:t> </a:t>
+            </a:r>
+            <a:r>
+              <a:rPr lang="pt-BR" dirty="0" smtClean="0"/>
+              <a:t>R</a:t>
+            </a:r>
+            <a:r>
+              <a:rPr lang="ru-RU" dirty="0" smtClean="0"/>
+              <a:t> </a:t>
+            </a:r>
+            <a:r>
+              <a:rPr lang="pt-BR" dirty="0" smtClean="0"/>
+              <a:t>&gt;&gt;</a:t>
+            </a:r>
+            <a:r>
+              <a:rPr lang="ru-RU" dirty="0" smtClean="0"/>
+              <a:t> </a:t>
+            </a:r>
+            <a:r>
+              <a:rPr lang="pt-BR" dirty="0" smtClean="0"/>
+              <a:t>1</a:t>
+            </a:r>
+            <a:r>
+              <a:rPr lang="ru-RU" dirty="0" smtClean="0"/>
+              <a:t> </a:t>
+            </a:r>
+            <a:r>
+              <a:rPr lang="pt-BR" dirty="0" smtClean="0"/>
+              <a:t>) </a:t>
+            </a:r>
+            <a:r>
+              <a:rPr lang="pt-BR" dirty="0" smtClean="0"/>
+              <a:t>^ </a:t>
+            </a:r>
+            <a:r>
+              <a:rPr lang="pt-BR" dirty="0" smtClean="0"/>
+              <a:t>R </a:t>
+            </a:r>
+            <a:r>
+              <a:rPr lang="pt-BR" dirty="0" smtClean="0"/>
+              <a:t>) &amp; </a:t>
+            </a:r>
+            <a:r>
+              <a:rPr lang="pt-BR" dirty="0" smtClean="0"/>
+              <a:t>1</a:t>
+            </a:r>
+            <a:r>
+              <a:rPr lang="ru-RU" dirty="0" smtClean="0"/>
+              <a:t> </a:t>
+            </a:r>
+            <a:r>
+              <a:rPr lang="pt-BR" dirty="0" smtClean="0"/>
+              <a:t> </a:t>
+            </a:r>
+            <a:r>
+              <a:rPr lang="pt-BR" dirty="0" smtClean="0"/>
+              <a:t>) &lt;&lt; 11 </a:t>
+            </a:r>
+            <a:r>
+              <a:rPr lang="ru-RU" dirty="0" smtClean="0"/>
+              <a:t> </a:t>
+            </a:r>
+            <a:r>
+              <a:rPr lang="pt-BR" dirty="0" smtClean="0"/>
+              <a:t>) </a:t>
+            </a:r>
+            <a:r>
+              <a:rPr lang="ru-RU" dirty="0" smtClean="0"/>
+              <a:t> </a:t>
+            </a:r>
+            <a:r>
+              <a:rPr lang="pt-BR" dirty="0" smtClean="0"/>
+              <a:t>|</a:t>
+            </a:r>
+            <a:r>
+              <a:rPr lang="ru-RU" dirty="0" smtClean="0"/>
+              <a:t> </a:t>
+            </a:r>
+            <a:r>
+              <a:rPr lang="pt-BR" dirty="0" smtClean="0"/>
+              <a:t> (</a:t>
+            </a:r>
+            <a:r>
+              <a:rPr lang="ru-RU" dirty="0" smtClean="0"/>
+              <a:t> </a:t>
+            </a:r>
+            <a:r>
+              <a:rPr lang="pt-BR" dirty="0" smtClean="0"/>
+              <a:t>R </a:t>
+            </a:r>
+            <a:r>
+              <a:rPr lang="pt-BR" dirty="0" smtClean="0"/>
+              <a:t>&gt;&gt; </a:t>
+            </a:r>
+            <a:r>
+              <a:rPr lang="pt-BR" dirty="0" smtClean="0"/>
+              <a:t>1</a:t>
+            </a:r>
+            <a:r>
+              <a:rPr lang="ru-RU" dirty="0" smtClean="0"/>
+              <a:t> </a:t>
+            </a:r>
+            <a:r>
+              <a:rPr lang="pt-BR" dirty="0" smtClean="0"/>
+              <a:t>);</a:t>
+            </a:r>
+            <a:endParaRPr lang="pt-BR" dirty="0" smtClean="0"/>
+          </a:p>
+        </p:txBody>
+      </p:sp>
+      <p:graphicFrame>
+        <p:nvGraphicFramePr>
+          <p:cNvPr id="11" name="Объект 10"/>
+          <p:cNvGraphicFramePr>
+            <a:graphicFrameLocks noChangeAspect="1"/>
+          </p:cNvGraphicFramePr>
+          <p:nvPr/>
+        </p:nvGraphicFramePr>
+        <p:xfrm>
+          <a:off x="575556" y="548680"/>
+          <a:ext cx="7885112" cy="2397125"/>
+        </p:xfrm>
+        <a:graphic>
+          <a:graphicData uri="http://schemas.openxmlformats.org/presentationml/2006/ole">
+            <p:oleObj spid="_x0000_s2052" name="Visio" r:id="rId5" imgW="7885481" imgH="2397146" progId="Visio.Drawing.11">
+              <p:link updateAutomatic="1"/>
+            </p:oleObj>
+          </a:graphicData>
+        </a:graphic>
+      </p:graphicFrame>
+      <p:sp>
+        <p:nvSpPr>
+          <p:cNvPr id="12" name="TextBox 11"/>
+          <p:cNvSpPr txBox="1"/>
+          <p:nvPr/>
+        </p:nvSpPr>
+        <p:spPr>
+          <a:xfrm>
+            <a:off x="2411760" y="2960948"/>
+            <a:ext cx="4292778" cy="369332"/>
+          </a:xfrm>
+          <a:prstGeom prst="rect">
+            <a:avLst/>
+          </a:prstGeom>
+          <a:noFill/>
+        </p:spPr>
+        <p:txBody>
+          <a:bodyPr wrap="square" rtlCol="0">
+            <a:spAutoFit/>
+          </a:bodyPr>
+          <a:lstStyle/>
+          <a:p>
+            <a:pPr algn="ctr"/>
+            <a:r>
+              <a:rPr lang="ru-RU" dirty="0" smtClean="0"/>
+              <a:t>Алгоритм работы сдвигового регистра</a:t>
+            </a:r>
+            <a:endParaRPr lang="ru-RU" dirty="0"/>
+          </a:p>
+        </p:txBody>
+      </p:sp>
+      <p:sp>
+        <p:nvSpPr>
+          <p:cNvPr id="13" name="TextBox 12"/>
+          <p:cNvSpPr txBox="1"/>
+          <p:nvPr/>
+        </p:nvSpPr>
+        <p:spPr>
+          <a:xfrm>
+            <a:off x="1439652" y="4113076"/>
+            <a:ext cx="5868652" cy="369332"/>
+          </a:xfrm>
+          <a:prstGeom prst="rect">
+            <a:avLst/>
+          </a:prstGeom>
+          <a:noFill/>
+        </p:spPr>
+        <p:txBody>
+          <a:bodyPr wrap="square" rtlCol="0" anchor="ctr">
+            <a:spAutoFit/>
+          </a:bodyPr>
+          <a:lstStyle/>
+          <a:p>
+            <a:pPr algn="ctr"/>
+            <a:r>
+              <a:rPr lang="ru-RU" dirty="0" smtClean="0"/>
+              <a:t>Программная реализация сдвигового регистра</a:t>
+            </a:r>
+            <a:endParaRPr lang="ru-RU" dirty="0"/>
+          </a:p>
+        </p:txBody>
+      </p:sp>
+      <p:sp>
+        <p:nvSpPr>
+          <p:cNvPr id="18" name="Скругленный прямоугольник 17"/>
+          <p:cNvSpPr/>
+          <p:nvPr/>
+        </p:nvSpPr>
+        <p:spPr>
+          <a:xfrm>
+            <a:off x="431540" y="4829380"/>
+            <a:ext cx="8280920" cy="1224136"/>
+          </a:xfrm>
+          <a:prstGeom prst="roundRect">
+            <a:avLst/>
+          </a:prstGeom>
+        </p:spPr>
+        <p:style>
+          <a:lnRef idx="2">
+            <a:schemeClr val="accent1">
+              <a:shade val="50000"/>
+            </a:schemeClr>
+          </a:lnRef>
+          <a:fillRef idx="1">
+            <a:schemeClr val="accent1"/>
+          </a:fillRef>
+          <a:effectRef idx="0">
+            <a:schemeClr val="accent1"/>
+          </a:effectRef>
+          <a:fontRef idx="minor">
+            <a:schemeClr val="lt1"/>
+          </a:fontRef>
+        </p:style>
+        <p:txBody>
+          <a:bodyPr rtlCol="0" anchor="ctr"/>
+          <a:lstStyle/>
+          <a:p>
+            <a:pPr algn="ctr"/>
+            <a:endParaRPr lang="ru-RU"/>
+          </a:p>
+        </p:txBody>
+      </p:sp>
+      <p:sp>
+        <p:nvSpPr>
+          <p:cNvPr id="19" name="Прямоугольник 18"/>
+          <p:cNvSpPr/>
+          <p:nvPr/>
+        </p:nvSpPr>
+        <p:spPr>
+          <a:xfrm>
+            <a:off x="0" y="4912422"/>
+            <a:ext cx="9144000" cy="923330"/>
+          </a:xfrm>
+          <a:prstGeom prst="rect">
+            <a:avLst/>
+          </a:prstGeom>
+        </p:spPr>
+        <p:txBody>
+          <a:bodyPr wrap="square" anchor="ctr">
+            <a:spAutoFit/>
+          </a:bodyPr>
+          <a:lstStyle/>
+          <a:p>
+            <a:r>
+              <a:rPr lang="pt-BR" dirty="0" smtClean="0"/>
+              <a:t>        for( ; i &lt; 16; i++ )</a:t>
+            </a:r>
+          </a:p>
+          <a:p>
+            <a:pPr algn="ctr"/>
+            <a:r>
+              <a:rPr lang="pt-BR" dirty="0" smtClean="0"/>
+              <a:t>    R</a:t>
+            </a:r>
+            <a:r>
+              <a:rPr lang="ru-RU" dirty="0" smtClean="0"/>
+              <a:t> +</a:t>
+            </a:r>
+            <a:r>
+              <a:rPr lang="pt-BR" dirty="0" smtClean="0"/>
+              <a:t>= (</a:t>
+            </a:r>
+            <a:r>
+              <a:rPr lang="ru-RU" dirty="0" smtClean="0"/>
+              <a:t> </a:t>
+            </a:r>
+            <a:r>
+              <a:rPr lang="pt-BR" dirty="0" smtClean="0"/>
+              <a:t> (</a:t>
+            </a:r>
+            <a:r>
+              <a:rPr lang="ru-RU" dirty="0" smtClean="0"/>
+              <a:t> </a:t>
+            </a:r>
+            <a:r>
+              <a:rPr lang="pt-BR" dirty="0" smtClean="0"/>
+              <a:t> </a:t>
+            </a:r>
+            <a:r>
+              <a:rPr lang="pt-BR" dirty="0" smtClean="0"/>
+              <a:t>( </a:t>
+            </a:r>
+            <a:r>
+              <a:rPr lang="ru-RU" dirty="0" smtClean="0"/>
+              <a:t> </a:t>
+            </a:r>
+            <a:r>
+              <a:rPr lang="pt-BR" dirty="0" smtClean="0"/>
+              <a:t>(</a:t>
+            </a:r>
+            <a:r>
+              <a:rPr lang="ru-RU" dirty="0" smtClean="0"/>
+              <a:t> </a:t>
+            </a:r>
+            <a:r>
+              <a:rPr lang="pt-BR" dirty="0" smtClean="0"/>
+              <a:t>R</a:t>
+            </a:r>
+            <a:r>
+              <a:rPr lang="ru-RU" dirty="0" smtClean="0"/>
+              <a:t> </a:t>
+            </a:r>
+            <a:r>
+              <a:rPr lang="pt-BR" dirty="0" smtClean="0"/>
+              <a:t>&gt;&gt;</a:t>
+            </a:r>
+            <a:r>
+              <a:rPr lang="ru-RU" dirty="0" smtClean="0"/>
+              <a:t> </a:t>
+            </a:r>
+            <a:r>
+              <a:rPr lang="pt-BR" dirty="0" smtClean="0"/>
+              <a:t>6</a:t>
+            </a:r>
+            <a:r>
+              <a:rPr lang="ru-RU" dirty="0" smtClean="0"/>
+              <a:t> </a:t>
+            </a:r>
+            <a:r>
+              <a:rPr lang="pt-BR" dirty="0" smtClean="0"/>
+              <a:t>)</a:t>
+            </a:r>
+            <a:r>
+              <a:rPr lang="ru-RU" dirty="0" smtClean="0"/>
+              <a:t> </a:t>
+            </a:r>
+            <a:r>
+              <a:rPr lang="pt-BR" dirty="0" smtClean="0"/>
+              <a:t> ^</a:t>
+            </a:r>
+            <a:r>
+              <a:rPr lang="ru-RU" dirty="0" smtClean="0"/>
+              <a:t> </a:t>
+            </a:r>
+            <a:r>
+              <a:rPr lang="pt-BR" dirty="0" smtClean="0"/>
+              <a:t> (</a:t>
+            </a:r>
+            <a:r>
+              <a:rPr lang="ru-RU" dirty="0" smtClean="0"/>
+              <a:t> </a:t>
+            </a:r>
+            <a:r>
+              <a:rPr lang="pt-BR" dirty="0" smtClean="0"/>
+              <a:t>R</a:t>
+            </a:r>
+            <a:r>
+              <a:rPr lang="ru-RU" dirty="0" smtClean="0"/>
+              <a:t> </a:t>
+            </a:r>
+            <a:r>
+              <a:rPr lang="pt-BR" dirty="0" smtClean="0"/>
+              <a:t>&gt;&gt;</a:t>
+            </a:r>
+            <a:r>
+              <a:rPr lang="ru-RU" dirty="0" smtClean="0"/>
+              <a:t> </a:t>
+            </a:r>
+            <a:r>
+              <a:rPr lang="pt-BR" dirty="0" smtClean="0"/>
+              <a:t>4</a:t>
+            </a:r>
+            <a:r>
+              <a:rPr lang="ru-RU" dirty="0" smtClean="0"/>
+              <a:t> </a:t>
+            </a:r>
+            <a:r>
+              <a:rPr lang="pt-BR" dirty="0" smtClean="0"/>
+              <a:t>) ^</a:t>
+            </a:r>
+            <a:r>
+              <a:rPr lang="ru-RU" dirty="0" smtClean="0"/>
+              <a:t> </a:t>
+            </a:r>
+            <a:r>
+              <a:rPr lang="pt-BR" dirty="0" smtClean="0"/>
+              <a:t>(</a:t>
+            </a:r>
+            <a:r>
+              <a:rPr lang="ru-RU" dirty="0" smtClean="0"/>
+              <a:t> </a:t>
+            </a:r>
+            <a:r>
+              <a:rPr lang="pt-BR" dirty="0" smtClean="0"/>
+              <a:t>R</a:t>
+            </a:r>
+            <a:r>
+              <a:rPr lang="ru-RU" dirty="0" smtClean="0"/>
+              <a:t> </a:t>
+            </a:r>
+            <a:r>
+              <a:rPr lang="pt-BR" dirty="0" smtClean="0"/>
+              <a:t>&gt;&gt;</a:t>
+            </a:r>
+            <a:r>
+              <a:rPr lang="ru-RU" dirty="0" smtClean="0"/>
+              <a:t> </a:t>
+            </a:r>
+            <a:r>
+              <a:rPr lang="pt-BR" dirty="0" smtClean="0"/>
+              <a:t>1</a:t>
+            </a:r>
+            <a:r>
+              <a:rPr lang="ru-RU" dirty="0" smtClean="0"/>
+              <a:t> </a:t>
+            </a:r>
+            <a:r>
+              <a:rPr lang="pt-BR" dirty="0" smtClean="0"/>
+              <a:t>) </a:t>
+            </a:r>
+            <a:r>
+              <a:rPr lang="pt-BR" dirty="0" smtClean="0"/>
+              <a:t>^ </a:t>
+            </a:r>
+            <a:r>
+              <a:rPr lang="pt-BR" dirty="0" smtClean="0"/>
+              <a:t>R </a:t>
+            </a:r>
+            <a:r>
+              <a:rPr lang="pt-BR" dirty="0" smtClean="0"/>
+              <a:t>) &amp; </a:t>
+            </a:r>
+            <a:r>
+              <a:rPr lang="pt-BR" dirty="0" smtClean="0"/>
+              <a:t>1</a:t>
+            </a:r>
+            <a:r>
+              <a:rPr lang="ru-RU" dirty="0" smtClean="0"/>
+              <a:t> </a:t>
+            </a:r>
+            <a:r>
+              <a:rPr lang="pt-BR" dirty="0" smtClean="0"/>
+              <a:t> </a:t>
+            </a:r>
+            <a:r>
+              <a:rPr lang="pt-BR" dirty="0" smtClean="0"/>
+              <a:t>) &lt;&lt; 11 </a:t>
+            </a:r>
+            <a:r>
+              <a:rPr lang="ru-RU" dirty="0" smtClean="0"/>
+              <a:t> </a:t>
+            </a:r>
+            <a:r>
+              <a:rPr lang="pt-BR" dirty="0" smtClean="0"/>
+              <a:t>) </a:t>
+            </a:r>
+            <a:r>
+              <a:rPr lang="ru-RU" dirty="0" smtClean="0"/>
+              <a:t> </a:t>
+            </a:r>
+            <a:r>
+              <a:rPr lang="pt-BR" dirty="0" smtClean="0"/>
+              <a:t>|</a:t>
+            </a:r>
+            <a:r>
+              <a:rPr lang="ru-RU" dirty="0" smtClean="0"/>
+              <a:t> </a:t>
+            </a:r>
+            <a:r>
+              <a:rPr lang="pt-BR" dirty="0" smtClean="0"/>
+              <a:t> (</a:t>
+            </a:r>
+            <a:r>
+              <a:rPr lang="ru-RU" dirty="0" smtClean="0"/>
+              <a:t> </a:t>
+            </a:r>
+            <a:r>
+              <a:rPr lang="pt-BR" dirty="0" smtClean="0"/>
+              <a:t>R </a:t>
+            </a:r>
+            <a:r>
+              <a:rPr lang="pt-BR" dirty="0" smtClean="0"/>
+              <a:t>&gt;&gt; </a:t>
+            </a:r>
+            <a:r>
+              <a:rPr lang="pt-BR" dirty="0" smtClean="0"/>
+              <a:t>1</a:t>
+            </a:r>
+            <a:r>
+              <a:rPr lang="ru-RU" dirty="0" smtClean="0"/>
+              <a:t> </a:t>
+            </a:r>
+            <a:r>
+              <a:rPr lang="pt-BR" dirty="0" smtClean="0"/>
+              <a:t>);</a:t>
+            </a:r>
+            <a:endParaRPr lang="ru-RU" dirty="0" smtClean="0"/>
+          </a:p>
+          <a:p>
+            <a:r>
+              <a:rPr lang="en-US" dirty="0" smtClean="0"/>
+              <a:t>        R &gt;&gt;= 4;</a:t>
+            </a:r>
+            <a:r>
+              <a:rPr lang="ru-RU" dirty="0" smtClean="0"/>
+              <a:t> </a:t>
+            </a:r>
+            <a:r>
+              <a:rPr lang="ru-RU" dirty="0" smtClean="0"/>
+              <a:t>//</a:t>
+            </a:r>
+            <a:r>
+              <a:rPr lang="en-US" dirty="0" smtClean="0"/>
+              <a:t> max R </a:t>
+            </a:r>
+            <a:r>
+              <a:rPr lang="en-US" dirty="0" smtClean="0"/>
+              <a:t>== 65 535</a:t>
+            </a:r>
+            <a:endParaRPr lang="pt-BR" dirty="0" smtClean="0"/>
+          </a:p>
+        </p:txBody>
+      </p:sp>
+      <p:sp>
+        <p:nvSpPr>
+          <p:cNvPr id="20" name="TextBox 19"/>
+          <p:cNvSpPr txBox="1"/>
+          <p:nvPr/>
+        </p:nvSpPr>
+        <p:spPr>
+          <a:xfrm>
+            <a:off x="1511660" y="5987025"/>
+            <a:ext cx="5868652" cy="646331"/>
+          </a:xfrm>
+          <a:prstGeom prst="rect">
+            <a:avLst/>
+          </a:prstGeom>
+          <a:noFill/>
+        </p:spPr>
+        <p:txBody>
+          <a:bodyPr wrap="square" rtlCol="0" anchor="ctr">
+            <a:spAutoFit/>
+          </a:bodyPr>
+          <a:lstStyle/>
+          <a:p>
+            <a:pPr algn="ctr"/>
+            <a:r>
+              <a:rPr lang="ru-RU" dirty="0" smtClean="0"/>
+              <a:t>Программная реализация генератора случайных чисел с нормальным распределением</a:t>
+            </a:r>
+            <a:endParaRPr lang="ru-RU" dirty="0"/>
+          </a:p>
+        </p:txBody>
+      </p:sp>
+    </p:spTree>
+  </p:cSld>
+  <p:clrMapOvr>
+    <a:masterClrMapping/>
+  </p:clrMapOvr>
+  <p:timing>
+    <p:tnLst>
+      <p:par>
+        <p:cTn id="1" dur="indefinite" restart="never" nodeType="tmRoot"/>
+      </p:par>
+    </p:tnLst>
+  </p:timing>
+</p:sld>
+</file>
+
+<file path=ppt/slides/slide9.xml><?xml version="1.0" encoding="utf-8"?>
+<p:sld xmlns:a="http://schemas.openxmlformats.org/drawingml/2006/main" xmlns:r="http://schemas.openxmlformats.org/officeDocument/2006/relationships" xmlns:p="http://schemas.openxmlformats.org/presentationml/2006/main">
+  <p:cSld>
+    <p:spTree>
+      <p:nvGrpSpPr>
+        <p:cNvPr id="1" name=""/>
+        <p:cNvGrpSpPr/>
+        <p:nvPr/>
+      </p:nvGrpSpPr>
+      <p:grpSpPr>
+        <a:xfrm>
+          <a:off x="0" y="0"/>
+          <a:ext cx="0" cy="0"/>
+          <a:chOff x="0" y="0"/>
+          <a:chExt cx="0" cy="0"/>
+        </a:xfrm>
+      </p:grpSpPr>
+      <p:sp>
+        <p:nvSpPr>
+          <p:cNvPr id="151554" name="Text Box 2"/>
+          <p:cNvSpPr txBox="1">
+            <a:spLocks noChangeArrowheads="1"/>
+          </p:cNvSpPr>
+          <p:nvPr/>
+        </p:nvSpPr>
+        <p:spPr bwMode="auto">
+          <a:xfrm>
+            <a:off x="8675688" y="44450"/>
+            <a:ext cx="468312" cy="511175"/>
+          </a:xfrm>
+          <a:prstGeom prst="rect">
+            <a:avLst/>
+          </a:prstGeom>
+          <a:solidFill>
+            <a:schemeClr val="bg1"/>
+          </a:solidFill>
+          <a:ln w="9525">
+            <a:noFill/>
+            <a:miter lim="800000"/>
+            <a:headEnd/>
+            <a:tailEnd/>
+          </a:ln>
+          <a:effectLst/>
+        </p:spPr>
+        <p:txBody>
+          <a:bodyPr/>
+          <a:lstStyle/>
+          <a:p>
+            <a:pPr algn="ctr">
+              <a:spcBef>
+                <a:spcPct val="50000"/>
+              </a:spcBef>
+            </a:pPr>
+            <a:endParaRPr lang="ru-RU" sz="2400" b="1" dirty="0">
+              <a:solidFill>
+                <a:schemeClr val="accent2"/>
+              </a:solidFill>
+            </a:endParaRPr>
+          </a:p>
+        </p:txBody>
+      </p:sp>
+      <p:pic>
+        <p:nvPicPr>
+          <p:cNvPr id="151555" name="Picture 3" descr="XAI"/>
           <p:cNvPicPr>
             <a:picLocks noChangeAspect="1" noChangeArrowheads="1"/>
           </p:cNvPicPr>
@@ -7758,7 +9423,7 @@
       </p:pic>
       <p:sp>
         <p:nvSpPr>
-          <p:cNvPr id="182276" name="Line 4"/>
+          <p:cNvPr id="151556" name="Line 4"/>
           <p:cNvSpPr>
             <a:spLocks noChangeShapeType="1"/>
           </p:cNvSpPr>
@@ -7793,7 +9458,98 @@
       </p:sp>
       <p:sp>
         <p:nvSpPr>
-          <p:cNvPr id="182277" name="Text Box 5"/>
+          <p:cNvPr id="151558" name="Rectangle 6"/>
+          <p:cNvSpPr>
+            <a:spLocks noChangeArrowheads="1"/>
+          </p:cNvSpPr>
+          <p:nvPr/>
+        </p:nvSpPr>
+        <p:spPr bwMode="auto">
+          <a:xfrm>
+            <a:off x="971550" y="130175"/>
+            <a:ext cx="7561263" cy="336550"/>
+          </a:xfrm>
+          <a:prstGeom prst="rect">
+            <a:avLst/>
+          </a:prstGeom>
+          <a:noFill/>
+          <a:ln w="9525">
+            <a:noFill/>
+            <a:miter lim="800000"/>
+            <a:headEnd/>
+            <a:tailEnd/>
+          </a:ln>
+          <a:effectLst/>
+        </p:spPr>
+        <p:txBody>
+          <a:bodyPr anchor="ctr">
+            <a:spAutoFit/>
+          </a:bodyPr>
+          <a:lstStyle/>
+          <a:p>
+            <a:pPr algn="ctr"/>
+            <a:r>
+              <a:rPr lang="ru-RU" sz="1600" b="1" dirty="0" smtClean="0">
+                <a:solidFill>
+                  <a:schemeClr val="accent2"/>
+                </a:solidFill>
+              </a:rPr>
+              <a:t>Программная реализация </a:t>
+            </a:r>
+            <a:r>
+              <a:rPr lang="ru-RU" sz="1600" b="1" dirty="0" smtClean="0">
+                <a:solidFill>
+                  <a:schemeClr val="accent2"/>
+                </a:solidFill>
+              </a:rPr>
+              <a:t>генератора шума</a:t>
+            </a:r>
+            <a:endParaRPr lang="ru-RU" sz="1600" b="1" dirty="0">
+              <a:solidFill>
+                <a:schemeClr val="accent2"/>
+              </a:solidFill>
+            </a:endParaRPr>
+          </a:p>
+        </p:txBody>
+      </p:sp>
+      <p:sp>
+        <p:nvSpPr>
+          <p:cNvPr id="151559" name="Line 7"/>
+          <p:cNvSpPr>
+            <a:spLocks noChangeShapeType="1"/>
+          </p:cNvSpPr>
+          <p:nvPr/>
+        </p:nvSpPr>
+        <p:spPr bwMode="auto">
+          <a:xfrm>
+            <a:off x="74613" y="6561138"/>
+            <a:ext cx="8997950" cy="0"/>
+          </a:xfrm>
+          <a:prstGeom prst="line">
+            <a:avLst/>
+          </a:prstGeom>
+          <a:noFill/>
+          <a:ln w="19050">
+            <a:solidFill>
+              <a:srgbClr val="333399"/>
+            </a:solidFill>
+            <a:round/>
+            <a:headEnd/>
+            <a:tailEnd/>
+          </a:ln>
+          <a:effectLst/>
+        </p:spPr>
+        <p:txBody>
+          <a:bodyPr/>
+          <a:lstStyle/>
+          <a:p>
+            <a:endParaRPr lang="ru-RU" dirty="0"/>
+          </a:p>
+        </p:txBody>
+      </p:sp>
+      <p:sp>
+        <p:nvSpPr>
+          <p:cNvPr id="151566" name="Text Box 14"/>
           <p:cNvSpPr txBox="1">
             <a:spLocks noChangeArrowheads="1"/>
           </p:cNvSpPr>
@@ -7828,261 +9584,18 @@
               </a:spcBef>
             </a:pPr>
             <a:r>
-              <a:rPr lang="uk-UA" sz="2000" b="1" dirty="0">
+              <a:rPr lang="uk-UA" sz="2000" b="1" dirty="0" smtClean="0">
                 <a:solidFill>
                   <a:schemeClr val="accent2"/>
                 </a:solidFill>
               </a:rPr>
-              <a:t>20</a:t>
+              <a:t>5</a:t>
             </a:r>
             <a:endParaRPr lang="ru-RU" sz="2000" b="1" dirty="0">
               <a:solidFill>
                 <a:schemeClr val="accent2"/>
               </a:solidFill>
             </a:endParaRPr>
-          </a:p>
-        </p:txBody>
-      </p:sp>
-      <p:sp>
-        <p:nvSpPr>
-          <p:cNvPr id="182278" name="Rectangle 6"/>
-          <p:cNvSpPr>
-            <a:spLocks noChangeArrowheads="1"/>
-          </p:cNvSpPr>
-          <p:nvPr/>
-        </p:nvSpPr>
-        <p:spPr bwMode="auto">
-          <a:xfrm>
-            <a:off x="971550" y="130175"/>
-            <a:ext cx="7561263" cy="336550"/>
-          </a:xfrm>
-          <a:prstGeom prst="rect">
-            <a:avLst/>
-          </a:prstGeom>
-          <a:noFill/>
-          <a:ln w="9525">
-            <a:noFill/>
-            <a:miter lim="800000"/>
-            <a:headEnd/>
-            <a:tailEnd/>
-          </a:ln>
-          <a:effectLst/>
-        </p:spPr>
-        <p:txBody>
-          <a:bodyPr anchor="ctr">
-            <a:spAutoFit/>
-          </a:bodyPr>
-          <a:lstStyle/>
-          <a:p>
-            <a:pPr algn="ctr"/>
-            <a:r>
-              <a:rPr lang="ru-RU" sz="1600" b="1" dirty="0">
-                <a:solidFill>
-                  <a:schemeClr val="accent2"/>
-                </a:solidFill>
-              </a:rPr>
-              <a:t>Заключение</a:t>
-            </a:r>
-          </a:p>
-        </p:txBody>
-      </p:sp>
-      <p:sp>
-        <p:nvSpPr>
-          <p:cNvPr id="182279" name="Line 7"/>
-          <p:cNvSpPr>
-            <a:spLocks noChangeShapeType="1"/>
-          </p:cNvSpPr>
-          <p:nvPr/>
-        </p:nvSpPr>
-        <p:spPr bwMode="auto">
-          <a:xfrm>
-            <a:off x="74613" y="6561138"/>
-            <a:ext cx="8997950" cy="0"/>
-          </a:xfrm>
-          <a:prstGeom prst="line">
-            <a:avLst/>
-          </a:prstGeom>
-          <a:noFill/>
-          <a:ln w="19050">
-            <a:solidFill>
-              <a:srgbClr val="333399"/>
-            </a:solidFill>
-            <a:round/>
-            <a:headEnd/>
-            <a:tailEnd/>
-          </a:ln>
-          <a:effectLst/>
-        </p:spPr>
-        <p:txBody>
-          <a:bodyPr/>
-          <a:lstStyle/>
-          <a:p>
-            <a:endParaRPr lang="ru-RU" dirty="0"/>
-          </a:p>
-        </p:txBody>
-      </p:sp>
-      <p:sp>
-        <p:nvSpPr>
-          <p:cNvPr id="182281" name="Rectangle 9"/>
-          <p:cNvSpPr>
-            <a:spLocks noChangeArrowheads="1"/>
-          </p:cNvSpPr>
-          <p:nvPr/>
-        </p:nvSpPr>
-        <p:spPr bwMode="auto">
-          <a:xfrm>
-            <a:off x="179388" y="800100"/>
-            <a:ext cx="8748712" cy="1252538"/>
-          </a:xfrm>
-          <a:prstGeom prst="rect">
-            <a:avLst/>
-          </a:prstGeom>
-          <a:noFill/>
-          <a:ln w="9525">
-            <a:noFill/>
-            <a:miter lim="800000"/>
-            <a:headEnd/>
-            <a:tailEnd/>
-          </a:ln>
-          <a:effectLst/>
-        </p:spPr>
-        <p:txBody>
-          <a:bodyPr/>
-          <a:lstStyle/>
-          <a:p>
-            <a:r>
-              <a:rPr lang="ru-RU" sz="1400" u="sng" dirty="0"/>
-              <a:t>Результаты работы, автором полученные самостоятельно:</a:t>
-            </a:r>
-            <a:endParaRPr lang="ru-RU" sz="1400" dirty="0"/>
-          </a:p>
-          <a:p>
-            <a:r>
-              <a:rPr lang="ru-RU" sz="1400" dirty="0"/>
-              <a:t>1)</a:t>
-            </a:r>
-          </a:p>
-          <a:p>
-            <a:r>
-              <a:rPr lang="ru-RU" sz="1400" dirty="0"/>
-              <a:t>2)</a:t>
-            </a:r>
-          </a:p>
-          <a:p>
-            <a:r>
-              <a:rPr lang="ru-RU" sz="1400" dirty="0"/>
-              <a:t>3) </a:t>
-            </a:r>
-          </a:p>
-        </p:txBody>
-      </p:sp>
-      <p:sp>
-        <p:nvSpPr>
-          <p:cNvPr id="182283" name="Rectangle 11"/>
-          <p:cNvSpPr>
-            <a:spLocks noChangeArrowheads="1"/>
-          </p:cNvSpPr>
-          <p:nvPr/>
-        </p:nvSpPr>
-        <p:spPr bwMode="auto">
-          <a:xfrm>
-            <a:off x="179388" y="2492375"/>
-            <a:ext cx="8748712" cy="1252538"/>
-          </a:xfrm>
-          <a:prstGeom prst="rect">
-            <a:avLst/>
-          </a:prstGeom>
-          <a:noFill/>
-          <a:ln w="9525">
-            <a:noFill/>
-            <a:miter lim="800000"/>
-            <a:headEnd/>
-            <a:tailEnd/>
-          </a:ln>
-          <a:effectLst/>
-        </p:spPr>
-        <p:txBody>
-          <a:bodyPr/>
-          <a:lstStyle/>
-          <a:p>
-            <a:r>
-              <a:rPr lang="ru-RU" sz="1400" u="sng" dirty="0"/>
-              <a:t>Выводы, предложения по использованию результатов работы:</a:t>
-            </a:r>
-            <a:endParaRPr lang="ru-RU" sz="1400" dirty="0"/>
-          </a:p>
-          <a:p>
-            <a:r>
-              <a:rPr lang="ru-RU" sz="1400" dirty="0"/>
-              <a:t>1)</a:t>
-            </a:r>
-          </a:p>
-          <a:p>
-            <a:r>
-              <a:rPr lang="ru-RU" sz="1400" dirty="0"/>
-              <a:t>2)</a:t>
-            </a:r>
-          </a:p>
-          <a:p>
-            <a:r>
-              <a:rPr lang="ru-RU" sz="1400" dirty="0"/>
-              <a:t>3) </a:t>
-            </a:r>
-          </a:p>
-        </p:txBody>
-      </p:sp>
-      <p:sp>
-        <p:nvSpPr>
-          <p:cNvPr id="182284" name="Rectangle 12"/>
-          <p:cNvSpPr>
-            <a:spLocks noChangeArrowheads="1"/>
-          </p:cNvSpPr>
-          <p:nvPr/>
-        </p:nvSpPr>
-        <p:spPr bwMode="auto">
-          <a:xfrm>
-            <a:off x="179388" y="4292600"/>
-            <a:ext cx="8748712" cy="1252538"/>
-          </a:xfrm>
-          <a:prstGeom prst="rect">
-            <a:avLst/>
-          </a:prstGeom>
-          <a:noFill/>
-          <a:ln w="9525">
-            <a:noFill/>
-            <a:miter lim="800000"/>
-            <a:headEnd/>
-            <a:tailEnd/>
-          </a:ln>
-          <a:effectLst/>
-        </p:spPr>
-        <p:txBody>
-          <a:bodyPr/>
-          <a:lstStyle/>
-          <a:p>
-            <a:r>
-              <a:rPr lang="ru-RU" sz="1400" u="sng" dirty="0"/>
-              <a:t>Публикации, участие в конкурсах, выступления на научно-технических конференциях:</a:t>
-            </a:r>
-            <a:endParaRPr lang="ru-RU" sz="1400" dirty="0"/>
-          </a:p>
-          <a:p>
-            <a:r>
-              <a:rPr lang="ru-RU" sz="1400" dirty="0"/>
-              <a:t>1)</a:t>
-            </a:r>
-          </a:p>
-          <a:p>
-            <a:r>
-              <a:rPr lang="ru-RU" sz="1400" dirty="0"/>
-              <a:t>2)</a:t>
-            </a:r>
-          </a:p>
-          <a:p>
-            <a:r>
-              <a:rPr lang="ru-RU" sz="1400" dirty="0"/>
-              <a:t>3) </a:t>
-            </a:r>
           </a:p>
         </p:txBody>
       </p:sp>

--- a/documentation/Presentation.pptx
+++ b/documentation/Presentation.pptx
@@ -5,10 +5,10 @@
     <p:sldMasterId id="2147483648" r:id="rId1"/>
   </p:sldMasterIdLst>
   <p:notesMasterIdLst>
-    <p:notesMasterId r:id="rId12"/>
+    <p:notesMasterId r:id="rId19"/>
   </p:notesMasterIdLst>
   <p:handoutMasterIdLst>
-    <p:handoutMasterId r:id="rId13"/>
+    <p:handoutMasterId r:id="rId20"/>
   </p:handoutMasterIdLst>
   <p:sldIdLst>
     <p:sldId id="266" r:id="rId2"/>
@@ -20,7 +20,14 @@
     <p:sldId id="278" r:id="rId8"/>
     <p:sldId id="279" r:id="rId9"/>
     <p:sldId id="280" r:id="rId10"/>
-    <p:sldId id="274" r:id="rId11"/>
+    <p:sldId id="281" r:id="rId11"/>
+    <p:sldId id="282" r:id="rId12"/>
+    <p:sldId id="283" r:id="rId13"/>
+    <p:sldId id="284" r:id="rId14"/>
+    <p:sldId id="285" r:id="rId15"/>
+    <p:sldId id="286" r:id="rId16"/>
+    <p:sldId id="287" r:id="rId17"/>
+    <p:sldId id="274" r:id="rId18"/>
   </p:sldIdLst>
   <p:sldSz cx="9144000" cy="6858000" type="screen4x3"/>
   <p:notesSz cx="6858000" cy="9144000"/>
@@ -909,10 +916,598 @@
           <a:bodyPr/>
           <a:lstStyle/>
           <a:p>
+            <a:fld id="{21638A55-6E18-4C71-A460-84C2FB964C64}" type="slidenum">
+              <a:rPr lang="ru-RU"/>
+              <a:pPr/>
+              <a:t>10</a:t>
+            </a:fld>
+            <a:endParaRPr lang="ru-RU" dirty="0"/>
+          </a:p>
+        </p:txBody>
+      </p:sp>
+      <p:sp>
+        <p:nvSpPr>
+          <p:cNvPr id="152578" name="Rectangle 2"/>
+          <p:cNvSpPr>
+            <a:spLocks noGrp="1" noRot="1" noChangeAspect="1" noChangeArrowheads="1" noTextEdit="1"/>
+          </p:cNvSpPr>
+          <p:nvPr>
+            <p:ph type="sldImg"/>
+          </p:nvPr>
+        </p:nvSpPr>
+        <p:spPr>
+          <a:ln/>
+        </p:spPr>
+      </p:sp>
+      <p:sp>
+        <p:nvSpPr>
+          <p:cNvPr id="152579" name="Rectangle 3"/>
+          <p:cNvSpPr>
+            <a:spLocks noGrp="1" noChangeArrowheads="1"/>
+          </p:cNvSpPr>
+          <p:nvPr>
+            <p:ph type="body" idx="1"/>
+          </p:nvPr>
+        </p:nvSpPr>
+        <p:spPr/>
+        <p:txBody>
+          <a:bodyPr/>
+          <a:lstStyle/>
+          <a:p>
+            <a:endParaRPr lang="ru-RU" dirty="0"/>
+          </a:p>
+        </p:txBody>
+      </p:sp>
+    </p:spTree>
+  </p:cSld>
+  <p:clrMapOvr>
+    <a:masterClrMapping/>
+  </p:clrMapOvr>
+</p:notes>
+</file>
+
+<file path=ppt/notesSlides/notesSlide11.xml><?xml version="1.0" encoding="utf-8"?>
+<p:notes xmlns:a="http://schemas.openxmlformats.org/drawingml/2006/main" xmlns:r="http://schemas.openxmlformats.org/officeDocument/2006/relationships" xmlns:p="http://schemas.openxmlformats.org/presentationml/2006/main">
+  <p:cSld>
+    <p:spTree>
+      <p:nvGrpSpPr>
+        <p:cNvPr id="1" name=""/>
+        <p:cNvGrpSpPr/>
+        <p:nvPr/>
+      </p:nvGrpSpPr>
+      <p:grpSpPr>
+        <a:xfrm>
+          <a:off x="0" y="0"/>
+          <a:ext cx="0" cy="0"/>
+          <a:chOff x="0" y="0"/>
+          <a:chExt cx="0" cy="0"/>
+        </a:xfrm>
+      </p:grpSpPr>
+      <p:sp>
+        <p:nvSpPr>
+          <p:cNvPr id="7" name="Rectangle 7"/>
+          <p:cNvSpPr>
+            <a:spLocks noGrp="1" noChangeArrowheads="1"/>
+          </p:cNvSpPr>
+          <p:nvPr>
+            <p:ph type="sldNum" sz="quarter" idx="5"/>
+          </p:nvPr>
+        </p:nvSpPr>
+        <p:spPr>
+          <a:ln/>
+        </p:spPr>
+        <p:txBody>
+          <a:bodyPr/>
+          <a:lstStyle/>
+          <a:p>
+            <a:fld id="{21638A55-6E18-4C71-A460-84C2FB964C64}" type="slidenum">
+              <a:rPr lang="ru-RU"/>
+              <a:pPr/>
+              <a:t>11</a:t>
+            </a:fld>
+            <a:endParaRPr lang="ru-RU" dirty="0"/>
+          </a:p>
+        </p:txBody>
+      </p:sp>
+      <p:sp>
+        <p:nvSpPr>
+          <p:cNvPr id="152578" name="Rectangle 2"/>
+          <p:cNvSpPr>
+            <a:spLocks noGrp="1" noRot="1" noChangeAspect="1" noChangeArrowheads="1" noTextEdit="1"/>
+          </p:cNvSpPr>
+          <p:nvPr>
+            <p:ph type="sldImg"/>
+          </p:nvPr>
+        </p:nvSpPr>
+        <p:spPr>
+          <a:ln/>
+        </p:spPr>
+      </p:sp>
+      <p:sp>
+        <p:nvSpPr>
+          <p:cNvPr id="152579" name="Rectangle 3"/>
+          <p:cNvSpPr>
+            <a:spLocks noGrp="1" noChangeArrowheads="1"/>
+          </p:cNvSpPr>
+          <p:nvPr>
+            <p:ph type="body" idx="1"/>
+          </p:nvPr>
+        </p:nvSpPr>
+        <p:spPr/>
+        <p:txBody>
+          <a:bodyPr/>
+          <a:lstStyle/>
+          <a:p>
+            <a:endParaRPr lang="ru-RU" dirty="0"/>
+          </a:p>
+        </p:txBody>
+      </p:sp>
+    </p:spTree>
+  </p:cSld>
+  <p:clrMapOvr>
+    <a:masterClrMapping/>
+  </p:clrMapOvr>
+</p:notes>
+</file>
+
+<file path=ppt/notesSlides/notesSlide12.xml><?xml version="1.0" encoding="utf-8"?>
+<p:notes xmlns:a="http://schemas.openxmlformats.org/drawingml/2006/main" xmlns:r="http://schemas.openxmlformats.org/officeDocument/2006/relationships" xmlns:p="http://schemas.openxmlformats.org/presentationml/2006/main">
+  <p:cSld>
+    <p:spTree>
+      <p:nvGrpSpPr>
+        <p:cNvPr id="1" name=""/>
+        <p:cNvGrpSpPr/>
+        <p:nvPr/>
+      </p:nvGrpSpPr>
+      <p:grpSpPr>
+        <a:xfrm>
+          <a:off x="0" y="0"/>
+          <a:ext cx="0" cy="0"/>
+          <a:chOff x="0" y="0"/>
+          <a:chExt cx="0" cy="0"/>
+        </a:xfrm>
+      </p:grpSpPr>
+      <p:sp>
+        <p:nvSpPr>
+          <p:cNvPr id="7" name="Rectangle 7"/>
+          <p:cNvSpPr>
+            <a:spLocks noGrp="1" noChangeArrowheads="1"/>
+          </p:cNvSpPr>
+          <p:nvPr>
+            <p:ph type="sldNum" sz="quarter" idx="5"/>
+          </p:nvPr>
+        </p:nvSpPr>
+        <p:spPr>
+          <a:ln/>
+        </p:spPr>
+        <p:txBody>
+          <a:bodyPr/>
+          <a:lstStyle/>
+          <a:p>
+            <a:fld id="{21638A55-6E18-4C71-A460-84C2FB964C64}" type="slidenum">
+              <a:rPr lang="ru-RU"/>
+              <a:pPr/>
+              <a:t>12</a:t>
+            </a:fld>
+            <a:endParaRPr lang="ru-RU" dirty="0"/>
+          </a:p>
+        </p:txBody>
+      </p:sp>
+      <p:sp>
+        <p:nvSpPr>
+          <p:cNvPr id="152578" name="Rectangle 2"/>
+          <p:cNvSpPr>
+            <a:spLocks noGrp="1" noRot="1" noChangeAspect="1" noChangeArrowheads="1" noTextEdit="1"/>
+          </p:cNvSpPr>
+          <p:nvPr>
+            <p:ph type="sldImg"/>
+          </p:nvPr>
+        </p:nvSpPr>
+        <p:spPr>
+          <a:ln/>
+        </p:spPr>
+      </p:sp>
+      <p:sp>
+        <p:nvSpPr>
+          <p:cNvPr id="152579" name="Rectangle 3"/>
+          <p:cNvSpPr>
+            <a:spLocks noGrp="1" noChangeArrowheads="1"/>
+          </p:cNvSpPr>
+          <p:nvPr>
+            <p:ph type="body" idx="1"/>
+          </p:nvPr>
+        </p:nvSpPr>
+        <p:spPr/>
+        <p:txBody>
+          <a:bodyPr/>
+          <a:lstStyle/>
+          <a:p>
+            <a:endParaRPr lang="ru-RU" dirty="0"/>
+          </a:p>
+        </p:txBody>
+      </p:sp>
+    </p:spTree>
+  </p:cSld>
+  <p:clrMapOvr>
+    <a:masterClrMapping/>
+  </p:clrMapOvr>
+</p:notes>
+</file>
+
+<file path=ppt/notesSlides/notesSlide13.xml><?xml version="1.0" encoding="utf-8"?>
+<p:notes xmlns:a="http://schemas.openxmlformats.org/drawingml/2006/main" xmlns:r="http://schemas.openxmlformats.org/officeDocument/2006/relationships" xmlns:p="http://schemas.openxmlformats.org/presentationml/2006/main">
+  <p:cSld>
+    <p:spTree>
+      <p:nvGrpSpPr>
+        <p:cNvPr id="1" name=""/>
+        <p:cNvGrpSpPr/>
+        <p:nvPr/>
+      </p:nvGrpSpPr>
+      <p:grpSpPr>
+        <a:xfrm>
+          <a:off x="0" y="0"/>
+          <a:ext cx="0" cy="0"/>
+          <a:chOff x="0" y="0"/>
+          <a:chExt cx="0" cy="0"/>
+        </a:xfrm>
+      </p:grpSpPr>
+      <p:sp>
+        <p:nvSpPr>
+          <p:cNvPr id="7" name="Rectangle 7"/>
+          <p:cNvSpPr>
+            <a:spLocks noGrp="1" noChangeArrowheads="1"/>
+          </p:cNvSpPr>
+          <p:nvPr>
+            <p:ph type="sldNum" sz="quarter" idx="5"/>
+          </p:nvPr>
+        </p:nvSpPr>
+        <p:spPr>
+          <a:ln/>
+        </p:spPr>
+        <p:txBody>
+          <a:bodyPr/>
+          <a:lstStyle/>
+          <a:p>
+            <a:fld id="{21638A55-6E18-4C71-A460-84C2FB964C64}" type="slidenum">
+              <a:rPr lang="ru-RU"/>
+              <a:pPr/>
+              <a:t>13</a:t>
+            </a:fld>
+            <a:endParaRPr lang="ru-RU" dirty="0"/>
+          </a:p>
+        </p:txBody>
+      </p:sp>
+      <p:sp>
+        <p:nvSpPr>
+          <p:cNvPr id="152578" name="Rectangle 2"/>
+          <p:cNvSpPr>
+            <a:spLocks noGrp="1" noRot="1" noChangeAspect="1" noChangeArrowheads="1" noTextEdit="1"/>
+          </p:cNvSpPr>
+          <p:nvPr>
+            <p:ph type="sldImg"/>
+          </p:nvPr>
+        </p:nvSpPr>
+        <p:spPr>
+          <a:ln/>
+        </p:spPr>
+      </p:sp>
+      <p:sp>
+        <p:nvSpPr>
+          <p:cNvPr id="152579" name="Rectangle 3"/>
+          <p:cNvSpPr>
+            <a:spLocks noGrp="1" noChangeArrowheads="1"/>
+          </p:cNvSpPr>
+          <p:nvPr>
+            <p:ph type="body" idx="1"/>
+          </p:nvPr>
+        </p:nvSpPr>
+        <p:spPr/>
+        <p:txBody>
+          <a:bodyPr/>
+          <a:lstStyle/>
+          <a:p>
+            <a:endParaRPr lang="ru-RU" dirty="0"/>
+          </a:p>
+        </p:txBody>
+      </p:sp>
+    </p:spTree>
+  </p:cSld>
+  <p:clrMapOvr>
+    <a:masterClrMapping/>
+  </p:clrMapOvr>
+</p:notes>
+</file>
+
+<file path=ppt/notesSlides/notesSlide14.xml><?xml version="1.0" encoding="utf-8"?>
+<p:notes xmlns:a="http://schemas.openxmlformats.org/drawingml/2006/main" xmlns:r="http://schemas.openxmlformats.org/officeDocument/2006/relationships" xmlns:p="http://schemas.openxmlformats.org/presentationml/2006/main">
+  <p:cSld>
+    <p:spTree>
+      <p:nvGrpSpPr>
+        <p:cNvPr id="1" name=""/>
+        <p:cNvGrpSpPr/>
+        <p:nvPr/>
+      </p:nvGrpSpPr>
+      <p:grpSpPr>
+        <a:xfrm>
+          <a:off x="0" y="0"/>
+          <a:ext cx="0" cy="0"/>
+          <a:chOff x="0" y="0"/>
+          <a:chExt cx="0" cy="0"/>
+        </a:xfrm>
+      </p:grpSpPr>
+      <p:sp>
+        <p:nvSpPr>
+          <p:cNvPr id="7" name="Rectangle 7"/>
+          <p:cNvSpPr>
+            <a:spLocks noGrp="1" noChangeArrowheads="1"/>
+          </p:cNvSpPr>
+          <p:nvPr>
+            <p:ph type="sldNum" sz="quarter" idx="5"/>
+          </p:nvPr>
+        </p:nvSpPr>
+        <p:spPr>
+          <a:ln/>
+        </p:spPr>
+        <p:txBody>
+          <a:bodyPr/>
+          <a:lstStyle/>
+          <a:p>
+            <a:fld id="{21638A55-6E18-4C71-A460-84C2FB964C64}" type="slidenum">
+              <a:rPr lang="ru-RU"/>
+              <a:pPr/>
+              <a:t>14</a:t>
+            </a:fld>
+            <a:endParaRPr lang="ru-RU" dirty="0"/>
+          </a:p>
+        </p:txBody>
+      </p:sp>
+      <p:sp>
+        <p:nvSpPr>
+          <p:cNvPr id="152578" name="Rectangle 2"/>
+          <p:cNvSpPr>
+            <a:spLocks noGrp="1" noRot="1" noChangeAspect="1" noChangeArrowheads="1" noTextEdit="1"/>
+          </p:cNvSpPr>
+          <p:nvPr>
+            <p:ph type="sldImg"/>
+          </p:nvPr>
+        </p:nvSpPr>
+        <p:spPr>
+          <a:ln/>
+        </p:spPr>
+      </p:sp>
+      <p:sp>
+        <p:nvSpPr>
+          <p:cNvPr id="152579" name="Rectangle 3"/>
+          <p:cNvSpPr>
+            <a:spLocks noGrp="1" noChangeArrowheads="1"/>
+          </p:cNvSpPr>
+          <p:nvPr>
+            <p:ph type="body" idx="1"/>
+          </p:nvPr>
+        </p:nvSpPr>
+        <p:spPr/>
+        <p:txBody>
+          <a:bodyPr/>
+          <a:lstStyle/>
+          <a:p>
+            <a:endParaRPr lang="ru-RU" dirty="0"/>
+          </a:p>
+        </p:txBody>
+      </p:sp>
+    </p:spTree>
+  </p:cSld>
+  <p:clrMapOvr>
+    <a:masterClrMapping/>
+  </p:clrMapOvr>
+</p:notes>
+</file>
+
+<file path=ppt/notesSlides/notesSlide15.xml><?xml version="1.0" encoding="utf-8"?>
+<p:notes xmlns:a="http://schemas.openxmlformats.org/drawingml/2006/main" xmlns:r="http://schemas.openxmlformats.org/officeDocument/2006/relationships" xmlns:p="http://schemas.openxmlformats.org/presentationml/2006/main">
+  <p:cSld>
+    <p:spTree>
+      <p:nvGrpSpPr>
+        <p:cNvPr id="1" name=""/>
+        <p:cNvGrpSpPr/>
+        <p:nvPr/>
+      </p:nvGrpSpPr>
+      <p:grpSpPr>
+        <a:xfrm>
+          <a:off x="0" y="0"/>
+          <a:ext cx="0" cy="0"/>
+          <a:chOff x="0" y="0"/>
+          <a:chExt cx="0" cy="0"/>
+        </a:xfrm>
+      </p:grpSpPr>
+      <p:sp>
+        <p:nvSpPr>
+          <p:cNvPr id="7" name="Rectangle 7"/>
+          <p:cNvSpPr>
+            <a:spLocks noGrp="1" noChangeArrowheads="1"/>
+          </p:cNvSpPr>
+          <p:nvPr>
+            <p:ph type="sldNum" sz="quarter" idx="5"/>
+          </p:nvPr>
+        </p:nvSpPr>
+        <p:spPr>
+          <a:ln/>
+        </p:spPr>
+        <p:txBody>
+          <a:bodyPr/>
+          <a:lstStyle/>
+          <a:p>
+            <a:fld id="{21638A55-6E18-4C71-A460-84C2FB964C64}" type="slidenum">
+              <a:rPr lang="ru-RU"/>
+              <a:pPr/>
+              <a:t>15</a:t>
+            </a:fld>
+            <a:endParaRPr lang="ru-RU" dirty="0"/>
+          </a:p>
+        </p:txBody>
+      </p:sp>
+      <p:sp>
+        <p:nvSpPr>
+          <p:cNvPr id="152578" name="Rectangle 2"/>
+          <p:cNvSpPr>
+            <a:spLocks noGrp="1" noRot="1" noChangeAspect="1" noChangeArrowheads="1" noTextEdit="1"/>
+          </p:cNvSpPr>
+          <p:nvPr>
+            <p:ph type="sldImg"/>
+          </p:nvPr>
+        </p:nvSpPr>
+        <p:spPr>
+          <a:ln/>
+        </p:spPr>
+      </p:sp>
+      <p:sp>
+        <p:nvSpPr>
+          <p:cNvPr id="152579" name="Rectangle 3"/>
+          <p:cNvSpPr>
+            <a:spLocks noGrp="1" noChangeArrowheads="1"/>
+          </p:cNvSpPr>
+          <p:nvPr>
+            <p:ph type="body" idx="1"/>
+          </p:nvPr>
+        </p:nvSpPr>
+        <p:spPr/>
+        <p:txBody>
+          <a:bodyPr/>
+          <a:lstStyle/>
+          <a:p>
+            <a:endParaRPr lang="ru-RU" dirty="0"/>
+          </a:p>
+        </p:txBody>
+      </p:sp>
+    </p:spTree>
+  </p:cSld>
+  <p:clrMapOvr>
+    <a:masterClrMapping/>
+  </p:clrMapOvr>
+</p:notes>
+</file>
+
+<file path=ppt/notesSlides/notesSlide16.xml><?xml version="1.0" encoding="utf-8"?>
+<p:notes xmlns:a="http://schemas.openxmlformats.org/drawingml/2006/main" xmlns:r="http://schemas.openxmlformats.org/officeDocument/2006/relationships" xmlns:p="http://schemas.openxmlformats.org/presentationml/2006/main">
+  <p:cSld>
+    <p:spTree>
+      <p:nvGrpSpPr>
+        <p:cNvPr id="1" name=""/>
+        <p:cNvGrpSpPr/>
+        <p:nvPr/>
+      </p:nvGrpSpPr>
+      <p:grpSpPr>
+        <a:xfrm>
+          <a:off x="0" y="0"/>
+          <a:ext cx="0" cy="0"/>
+          <a:chOff x="0" y="0"/>
+          <a:chExt cx="0" cy="0"/>
+        </a:xfrm>
+      </p:grpSpPr>
+      <p:sp>
+        <p:nvSpPr>
+          <p:cNvPr id="7" name="Rectangle 7"/>
+          <p:cNvSpPr>
+            <a:spLocks noGrp="1" noChangeArrowheads="1"/>
+          </p:cNvSpPr>
+          <p:nvPr>
+            <p:ph type="sldNum" sz="quarter" idx="5"/>
+          </p:nvPr>
+        </p:nvSpPr>
+        <p:spPr>
+          <a:ln/>
+        </p:spPr>
+        <p:txBody>
+          <a:bodyPr/>
+          <a:lstStyle/>
+          <a:p>
+            <a:fld id="{21638A55-6E18-4C71-A460-84C2FB964C64}" type="slidenum">
+              <a:rPr lang="ru-RU"/>
+              <a:pPr/>
+              <a:t>16</a:t>
+            </a:fld>
+            <a:endParaRPr lang="ru-RU" dirty="0"/>
+          </a:p>
+        </p:txBody>
+      </p:sp>
+      <p:sp>
+        <p:nvSpPr>
+          <p:cNvPr id="152578" name="Rectangle 2"/>
+          <p:cNvSpPr>
+            <a:spLocks noGrp="1" noRot="1" noChangeAspect="1" noChangeArrowheads="1" noTextEdit="1"/>
+          </p:cNvSpPr>
+          <p:nvPr>
+            <p:ph type="sldImg"/>
+          </p:nvPr>
+        </p:nvSpPr>
+        <p:spPr>
+          <a:ln/>
+        </p:spPr>
+      </p:sp>
+      <p:sp>
+        <p:nvSpPr>
+          <p:cNvPr id="152579" name="Rectangle 3"/>
+          <p:cNvSpPr>
+            <a:spLocks noGrp="1" noChangeArrowheads="1"/>
+          </p:cNvSpPr>
+          <p:nvPr>
+            <p:ph type="body" idx="1"/>
+          </p:nvPr>
+        </p:nvSpPr>
+        <p:spPr/>
+        <p:txBody>
+          <a:bodyPr/>
+          <a:lstStyle/>
+          <a:p>
+            <a:endParaRPr lang="ru-RU" dirty="0"/>
+          </a:p>
+        </p:txBody>
+      </p:sp>
+    </p:spTree>
+  </p:cSld>
+  <p:clrMapOvr>
+    <a:masterClrMapping/>
+  </p:clrMapOvr>
+</p:notes>
+</file>
+
+<file path=ppt/notesSlides/notesSlide17.xml><?xml version="1.0" encoding="utf-8"?>
+<p:notes xmlns:a="http://schemas.openxmlformats.org/drawingml/2006/main" xmlns:r="http://schemas.openxmlformats.org/officeDocument/2006/relationships" xmlns:p="http://schemas.openxmlformats.org/presentationml/2006/main">
+  <p:cSld>
+    <p:spTree>
+      <p:nvGrpSpPr>
+        <p:cNvPr id="1" name=""/>
+        <p:cNvGrpSpPr/>
+        <p:nvPr/>
+      </p:nvGrpSpPr>
+      <p:grpSpPr>
+        <a:xfrm>
+          <a:off x="0" y="0"/>
+          <a:ext cx="0" cy="0"/>
+          <a:chOff x="0" y="0"/>
+          <a:chExt cx="0" cy="0"/>
+        </a:xfrm>
+      </p:grpSpPr>
+      <p:sp>
+        <p:nvSpPr>
+          <p:cNvPr id="7" name="Rectangle 7"/>
+          <p:cNvSpPr>
+            <a:spLocks noGrp="1" noChangeArrowheads="1"/>
+          </p:cNvSpPr>
+          <p:nvPr>
+            <p:ph type="sldNum" sz="quarter" idx="5"/>
+          </p:nvPr>
+        </p:nvSpPr>
+        <p:spPr>
+          <a:ln/>
+        </p:spPr>
+        <p:txBody>
+          <a:bodyPr/>
+          <a:lstStyle/>
+          <a:p>
             <a:fld id="{A72D49AE-6F32-429D-8345-6C0D449561C6}" type="slidenum">
               <a:rPr lang="ru-RU"/>
               <a:pPr/>
-              <a:t>10</a:t>
+              <a:t>17</a:t>
             </a:fld>
             <a:endParaRPr lang="ru-RU" dirty="0"/>
           </a:p>
@@ -5249,6 +5844,6578 @@
       </p:grpSpPr>
       <p:sp>
         <p:nvSpPr>
+          <p:cNvPr id="151554" name="Text Box 2"/>
+          <p:cNvSpPr txBox="1">
+            <a:spLocks noChangeArrowheads="1"/>
+          </p:cNvSpPr>
+          <p:nvPr/>
+        </p:nvSpPr>
+        <p:spPr bwMode="auto">
+          <a:xfrm>
+            <a:off x="8675688" y="44450"/>
+            <a:ext cx="468312" cy="511175"/>
+          </a:xfrm>
+          <a:prstGeom prst="rect">
+            <a:avLst/>
+          </a:prstGeom>
+          <a:solidFill>
+            <a:schemeClr val="bg1"/>
+          </a:solidFill>
+          <a:ln w="9525">
+            <a:noFill/>
+            <a:miter lim="800000"/>
+            <a:headEnd/>
+            <a:tailEnd/>
+          </a:ln>
+          <a:effectLst/>
+        </p:spPr>
+        <p:txBody>
+          <a:bodyPr/>
+          <a:lstStyle/>
+          <a:p>
+            <a:pPr algn="ctr">
+              <a:spcBef>
+                <a:spcPct val="50000"/>
+              </a:spcBef>
+            </a:pPr>
+            <a:endParaRPr lang="ru-RU" sz="2400" b="1" dirty="0">
+              <a:solidFill>
+                <a:schemeClr val="accent2"/>
+              </a:solidFill>
+            </a:endParaRPr>
+          </a:p>
+        </p:txBody>
+      </p:sp>
+      <p:pic>
+        <p:nvPicPr>
+          <p:cNvPr id="151555" name="Picture 3" descr="XAI"/>
+          <p:cNvPicPr>
+            <a:picLocks noChangeAspect="1" noChangeArrowheads="1"/>
+          </p:cNvPicPr>
+          <p:nvPr/>
+        </p:nvPicPr>
+        <p:blipFill>
+          <a:blip r:embed="rId4" cstate="print"/>
+          <a:srcRect/>
+          <a:stretch>
+            <a:fillRect/>
+          </a:stretch>
+        </p:blipFill>
+        <p:spPr bwMode="auto">
+          <a:xfrm>
+            <a:off x="0" y="30163"/>
+            <a:ext cx="863600" cy="519112"/>
+          </a:xfrm>
+          <a:prstGeom prst="rect">
+            <a:avLst/>
+          </a:prstGeom>
+          <a:noFill/>
+          <a:ln w="9525">
+            <a:noFill/>
+            <a:miter lim="800000"/>
+            <a:headEnd/>
+            <a:tailEnd/>
+          </a:ln>
+        </p:spPr>
+      </p:pic>
+      <p:sp>
+        <p:nvSpPr>
+          <p:cNvPr id="151556" name="Line 4"/>
+          <p:cNvSpPr>
+            <a:spLocks noChangeShapeType="1"/>
+          </p:cNvSpPr>
+          <p:nvPr/>
+        </p:nvSpPr>
+        <p:spPr bwMode="auto">
+          <a:xfrm>
+            <a:off x="74613" y="549275"/>
+            <a:ext cx="8997950" cy="0"/>
+          </a:xfrm>
+          <a:prstGeom prst="line">
+            <a:avLst/>
+          </a:prstGeom>
+          <a:noFill/>
+          <a:ln w="19050">
+            <a:solidFill>
+              <a:srgbClr val="333399"/>
+            </a:solidFill>
+            <a:round/>
+            <a:headEnd/>
+            <a:tailEnd/>
+          </a:ln>
+          <a:effectLst/>
+        </p:spPr>
+        <p:txBody>
+          <a:bodyPr/>
+          <a:lstStyle/>
+          <a:p>
+            <a:endParaRPr lang="ru-RU" dirty="0"/>
+          </a:p>
+        </p:txBody>
+      </p:sp>
+      <p:sp>
+        <p:nvSpPr>
+          <p:cNvPr id="151558" name="Rectangle 6"/>
+          <p:cNvSpPr>
+            <a:spLocks noChangeArrowheads="1"/>
+          </p:cNvSpPr>
+          <p:nvPr/>
+        </p:nvSpPr>
+        <p:spPr bwMode="auto">
+          <a:xfrm>
+            <a:off x="971550" y="130175"/>
+            <a:ext cx="7561263" cy="336550"/>
+          </a:xfrm>
+          <a:prstGeom prst="rect">
+            <a:avLst/>
+          </a:prstGeom>
+          <a:noFill/>
+          <a:ln w="9525">
+            <a:noFill/>
+            <a:miter lim="800000"/>
+            <a:headEnd/>
+            <a:tailEnd/>
+          </a:ln>
+          <a:effectLst/>
+        </p:spPr>
+        <p:txBody>
+          <a:bodyPr anchor="ctr">
+            <a:spAutoFit/>
+          </a:bodyPr>
+          <a:lstStyle/>
+          <a:p>
+            <a:pPr algn="ctr"/>
+            <a:r>
+              <a:rPr lang="en-US" sz="1600" b="1" dirty="0" smtClean="0">
+                <a:solidFill>
+                  <a:schemeClr val="accent2"/>
+                </a:solidFill>
+              </a:rPr>
+              <a:t>State-machine </a:t>
+            </a:r>
+            <a:r>
+              <a:rPr lang="ru-RU" sz="1600" b="1" dirty="0" smtClean="0">
+                <a:solidFill>
+                  <a:schemeClr val="accent2"/>
+                </a:solidFill>
+              </a:rPr>
+              <a:t>опроса кнопок </a:t>
+            </a:r>
+            <a:endParaRPr lang="ru-RU" sz="1600" b="1" dirty="0">
+              <a:solidFill>
+                <a:schemeClr val="accent2"/>
+              </a:solidFill>
+            </a:endParaRPr>
+          </a:p>
+        </p:txBody>
+      </p:sp>
+      <p:sp>
+        <p:nvSpPr>
+          <p:cNvPr id="151559" name="Line 7"/>
+          <p:cNvSpPr>
+            <a:spLocks noChangeShapeType="1"/>
+          </p:cNvSpPr>
+          <p:nvPr/>
+        </p:nvSpPr>
+        <p:spPr bwMode="auto">
+          <a:xfrm>
+            <a:off x="74613" y="6561138"/>
+            <a:ext cx="8997950" cy="0"/>
+          </a:xfrm>
+          <a:prstGeom prst="line">
+            <a:avLst/>
+          </a:prstGeom>
+          <a:noFill/>
+          <a:ln w="19050">
+            <a:solidFill>
+              <a:srgbClr val="333399"/>
+            </a:solidFill>
+            <a:round/>
+            <a:headEnd/>
+            <a:tailEnd/>
+          </a:ln>
+          <a:effectLst/>
+        </p:spPr>
+        <p:txBody>
+          <a:bodyPr/>
+          <a:lstStyle/>
+          <a:p>
+            <a:endParaRPr lang="ru-RU" dirty="0"/>
+          </a:p>
+        </p:txBody>
+      </p:sp>
+      <p:sp>
+        <p:nvSpPr>
+          <p:cNvPr id="151566" name="Text Box 14"/>
+          <p:cNvSpPr txBox="1">
+            <a:spLocks noChangeArrowheads="1"/>
+          </p:cNvSpPr>
+          <p:nvPr/>
+        </p:nvSpPr>
+        <p:spPr bwMode="auto">
+          <a:xfrm>
+            <a:off x="8532813" y="0"/>
+            <a:ext cx="611187" cy="511175"/>
+          </a:xfrm>
+          <a:prstGeom prst="rect">
+            <a:avLst/>
+          </a:prstGeom>
+          <a:solidFill>
+            <a:schemeClr val="bg1"/>
+          </a:solidFill>
+          <a:ln w="9525">
+            <a:noFill/>
+            <a:miter lim="800000"/>
+            <a:headEnd/>
+            <a:tailEnd/>
+          </a:ln>
+          <a:effectLst/>
+        </p:spPr>
+        <p:txBody>
+          <a:bodyPr/>
+          <a:lstStyle/>
+          <a:p>
+            <a:pPr algn="ctr">
+              <a:spcBef>
+                <a:spcPct val="50000"/>
+              </a:spcBef>
+            </a:pPr>
+            <a:r>
+              <a:rPr lang="uk-UA" sz="2000" b="1" dirty="0" smtClean="0">
+                <a:solidFill>
+                  <a:schemeClr val="accent2"/>
+                </a:solidFill>
+              </a:rPr>
+              <a:t>5</a:t>
+            </a:r>
+            <a:endParaRPr lang="ru-RU" sz="2000" b="1" dirty="0">
+              <a:solidFill>
+                <a:schemeClr val="accent2"/>
+              </a:solidFill>
+            </a:endParaRPr>
+          </a:p>
+        </p:txBody>
+      </p:sp>
+      <p:sp>
+        <p:nvSpPr>
+          <p:cNvPr id="18436" name="Rectangle 4"/>
+          <p:cNvSpPr>
+            <a:spLocks noChangeArrowheads="1"/>
+          </p:cNvSpPr>
+          <p:nvPr/>
+        </p:nvSpPr>
+        <p:spPr bwMode="auto">
+          <a:xfrm>
+            <a:off x="0" y="0"/>
+            <a:ext cx="9144000" cy="0"/>
+          </a:xfrm>
+          <a:prstGeom prst="rect">
+            <a:avLst/>
+          </a:prstGeom>
+          <a:noFill/>
+          <a:ln w="9525">
+            <a:noFill/>
+            <a:miter lim="800000"/>
+            <a:headEnd/>
+            <a:tailEnd/>
+          </a:ln>
+          <a:effectLst/>
+        </p:spPr>
+        <p:txBody>
+          <a:bodyPr vert="horz" wrap="none" lIns="91440" tIns="45720" rIns="91440" bIns="45720" numCol="1" anchor="ctr" anchorCtr="0" compatLnSpc="1">
+            <a:prstTxWarp prst="textNoShape">
+              <a:avLst/>
+            </a:prstTxWarp>
+            <a:spAutoFit/>
+          </a:bodyPr>
+          <a:lstStyle/>
+          <a:p>
+            <a:endParaRPr lang="ru-RU"/>
+          </a:p>
+        </p:txBody>
+      </p:sp>
+      <p:graphicFrame>
+        <p:nvGraphicFramePr>
+          <p:cNvPr id="18435" name="Object 3"/>
+          <p:cNvGraphicFramePr>
+            <a:graphicFrameLocks noChangeAspect="1"/>
+          </p:cNvGraphicFramePr>
+          <p:nvPr/>
+        </p:nvGraphicFramePr>
+        <p:xfrm>
+          <a:off x="1034567" y="548680"/>
+          <a:ext cx="6772163" cy="6012668"/>
+        </p:xfrm>
+        <a:graphic>
+          <a:graphicData uri="http://schemas.openxmlformats.org/presentationml/2006/ole">
+            <p:oleObj spid="_x0000_s18435" name="Visio" r:id="rId5" imgW="11342866" imgH="10080708" progId="Visio.Drawing.11">
+              <p:embed/>
+            </p:oleObj>
+          </a:graphicData>
+        </a:graphic>
+      </p:graphicFrame>
+    </p:spTree>
+  </p:cSld>
+  <p:clrMapOvr>
+    <a:masterClrMapping/>
+  </p:clrMapOvr>
+  <p:timing>
+    <p:tnLst>
+      <p:par>
+        <p:cTn id="1" dur="indefinite" restart="never" nodeType="tmRoot"/>
+      </p:par>
+    </p:tnLst>
+  </p:timing>
+</p:sld>
+</file>
+
+<file path=ppt/slides/slide11.xml><?xml version="1.0" encoding="utf-8"?>
+<p:sld xmlns:a="http://schemas.openxmlformats.org/drawingml/2006/main" xmlns:r="http://schemas.openxmlformats.org/officeDocument/2006/relationships" xmlns:p="http://schemas.openxmlformats.org/presentationml/2006/main">
+  <p:cSld>
+    <p:spTree>
+      <p:nvGrpSpPr>
+        <p:cNvPr id="1" name=""/>
+        <p:cNvGrpSpPr/>
+        <p:nvPr/>
+      </p:nvGrpSpPr>
+      <p:grpSpPr>
+        <a:xfrm>
+          <a:off x="0" y="0"/>
+          <a:ext cx="0" cy="0"/>
+          <a:chOff x="0" y="0"/>
+          <a:chExt cx="0" cy="0"/>
+        </a:xfrm>
+      </p:grpSpPr>
+      <p:sp>
+        <p:nvSpPr>
+          <p:cNvPr id="151554" name="Text Box 2"/>
+          <p:cNvSpPr txBox="1">
+            <a:spLocks noChangeArrowheads="1"/>
+          </p:cNvSpPr>
+          <p:nvPr/>
+        </p:nvSpPr>
+        <p:spPr bwMode="auto">
+          <a:xfrm>
+            <a:off x="8675688" y="44450"/>
+            <a:ext cx="468312" cy="511175"/>
+          </a:xfrm>
+          <a:prstGeom prst="rect">
+            <a:avLst/>
+          </a:prstGeom>
+          <a:solidFill>
+            <a:schemeClr val="bg1"/>
+          </a:solidFill>
+          <a:ln w="9525">
+            <a:noFill/>
+            <a:miter lim="800000"/>
+            <a:headEnd/>
+            <a:tailEnd/>
+          </a:ln>
+          <a:effectLst/>
+        </p:spPr>
+        <p:txBody>
+          <a:bodyPr/>
+          <a:lstStyle/>
+          <a:p>
+            <a:pPr algn="ctr">
+              <a:spcBef>
+                <a:spcPct val="50000"/>
+              </a:spcBef>
+            </a:pPr>
+            <a:endParaRPr lang="ru-RU" sz="2400" b="1" dirty="0">
+              <a:solidFill>
+                <a:schemeClr val="accent2"/>
+              </a:solidFill>
+            </a:endParaRPr>
+          </a:p>
+        </p:txBody>
+      </p:sp>
+      <p:pic>
+        <p:nvPicPr>
+          <p:cNvPr id="151555" name="Picture 3" descr="XAI"/>
+          <p:cNvPicPr>
+            <a:picLocks noChangeAspect="1" noChangeArrowheads="1"/>
+          </p:cNvPicPr>
+          <p:nvPr/>
+        </p:nvPicPr>
+        <p:blipFill>
+          <a:blip r:embed="rId3" cstate="print"/>
+          <a:srcRect/>
+          <a:stretch>
+            <a:fillRect/>
+          </a:stretch>
+        </p:blipFill>
+        <p:spPr bwMode="auto">
+          <a:xfrm>
+            <a:off x="0" y="30163"/>
+            <a:ext cx="863600" cy="519112"/>
+          </a:xfrm>
+          <a:prstGeom prst="rect">
+            <a:avLst/>
+          </a:prstGeom>
+          <a:noFill/>
+          <a:ln w="9525">
+            <a:noFill/>
+            <a:miter lim="800000"/>
+            <a:headEnd/>
+            <a:tailEnd/>
+          </a:ln>
+        </p:spPr>
+      </p:pic>
+      <p:sp>
+        <p:nvSpPr>
+          <p:cNvPr id="151556" name="Line 4"/>
+          <p:cNvSpPr>
+            <a:spLocks noChangeShapeType="1"/>
+          </p:cNvSpPr>
+          <p:nvPr/>
+        </p:nvSpPr>
+        <p:spPr bwMode="auto">
+          <a:xfrm>
+            <a:off x="74613" y="549275"/>
+            <a:ext cx="8997950" cy="0"/>
+          </a:xfrm>
+          <a:prstGeom prst="line">
+            <a:avLst/>
+          </a:prstGeom>
+          <a:noFill/>
+          <a:ln w="19050">
+            <a:solidFill>
+              <a:srgbClr val="333399"/>
+            </a:solidFill>
+            <a:round/>
+            <a:headEnd/>
+            <a:tailEnd/>
+          </a:ln>
+          <a:effectLst/>
+        </p:spPr>
+        <p:txBody>
+          <a:bodyPr/>
+          <a:lstStyle/>
+          <a:p>
+            <a:endParaRPr lang="ru-RU" dirty="0"/>
+          </a:p>
+        </p:txBody>
+      </p:sp>
+      <p:sp>
+        <p:nvSpPr>
+          <p:cNvPr id="151558" name="Rectangle 6"/>
+          <p:cNvSpPr>
+            <a:spLocks noChangeArrowheads="1"/>
+          </p:cNvSpPr>
+          <p:nvPr/>
+        </p:nvSpPr>
+        <p:spPr bwMode="auto">
+          <a:xfrm>
+            <a:off x="971550" y="130175"/>
+            <a:ext cx="7561263" cy="336550"/>
+          </a:xfrm>
+          <a:prstGeom prst="rect">
+            <a:avLst/>
+          </a:prstGeom>
+          <a:noFill/>
+          <a:ln w="9525">
+            <a:noFill/>
+            <a:miter lim="800000"/>
+            <a:headEnd/>
+            <a:tailEnd/>
+          </a:ln>
+          <a:effectLst/>
+        </p:spPr>
+        <p:txBody>
+          <a:bodyPr anchor="ctr">
+            <a:spAutoFit/>
+          </a:bodyPr>
+          <a:lstStyle/>
+          <a:p>
+            <a:pPr algn="ctr"/>
+            <a:r>
+              <a:rPr lang="ru-RU" sz="1600" b="1" dirty="0" smtClean="0">
+                <a:solidFill>
+                  <a:schemeClr val="accent2"/>
+                </a:solidFill>
+              </a:rPr>
+              <a:t>Блокировка доступа к аппаратуре таймера</a:t>
+            </a:r>
+            <a:endParaRPr lang="ru-RU" sz="1600" b="1" dirty="0">
+              <a:solidFill>
+                <a:schemeClr val="accent2"/>
+              </a:solidFill>
+            </a:endParaRPr>
+          </a:p>
+        </p:txBody>
+      </p:sp>
+      <p:sp>
+        <p:nvSpPr>
+          <p:cNvPr id="151559" name="Line 7"/>
+          <p:cNvSpPr>
+            <a:spLocks noChangeShapeType="1"/>
+          </p:cNvSpPr>
+          <p:nvPr/>
+        </p:nvSpPr>
+        <p:spPr bwMode="auto">
+          <a:xfrm>
+            <a:off x="74613" y="6561138"/>
+            <a:ext cx="8997950" cy="0"/>
+          </a:xfrm>
+          <a:prstGeom prst="line">
+            <a:avLst/>
+          </a:prstGeom>
+          <a:noFill/>
+          <a:ln w="19050">
+            <a:solidFill>
+              <a:srgbClr val="333399"/>
+            </a:solidFill>
+            <a:round/>
+            <a:headEnd/>
+            <a:tailEnd/>
+          </a:ln>
+          <a:effectLst/>
+        </p:spPr>
+        <p:txBody>
+          <a:bodyPr/>
+          <a:lstStyle/>
+          <a:p>
+            <a:endParaRPr lang="ru-RU" dirty="0"/>
+          </a:p>
+        </p:txBody>
+      </p:sp>
+      <p:sp>
+        <p:nvSpPr>
+          <p:cNvPr id="151566" name="Text Box 14"/>
+          <p:cNvSpPr txBox="1">
+            <a:spLocks noChangeArrowheads="1"/>
+          </p:cNvSpPr>
+          <p:nvPr/>
+        </p:nvSpPr>
+        <p:spPr bwMode="auto">
+          <a:xfrm>
+            <a:off x="8532813" y="0"/>
+            <a:ext cx="611187" cy="511175"/>
+          </a:xfrm>
+          <a:prstGeom prst="rect">
+            <a:avLst/>
+          </a:prstGeom>
+          <a:solidFill>
+            <a:schemeClr val="bg1"/>
+          </a:solidFill>
+          <a:ln w="9525">
+            <a:noFill/>
+            <a:miter lim="800000"/>
+            <a:headEnd/>
+            <a:tailEnd/>
+          </a:ln>
+          <a:effectLst/>
+        </p:spPr>
+        <p:txBody>
+          <a:bodyPr/>
+          <a:lstStyle/>
+          <a:p>
+            <a:pPr algn="ctr">
+              <a:spcBef>
+                <a:spcPct val="50000"/>
+              </a:spcBef>
+            </a:pPr>
+            <a:r>
+              <a:rPr lang="uk-UA" sz="2000" b="1" dirty="0" smtClean="0">
+                <a:solidFill>
+                  <a:schemeClr val="accent2"/>
+                </a:solidFill>
+              </a:rPr>
+              <a:t>5</a:t>
+            </a:r>
+            <a:endParaRPr lang="ru-RU" sz="2000" b="1" dirty="0">
+              <a:solidFill>
+                <a:schemeClr val="accent2"/>
+              </a:solidFill>
+            </a:endParaRPr>
+          </a:p>
+        </p:txBody>
+      </p:sp>
+      <p:sp>
+        <p:nvSpPr>
+          <p:cNvPr id="18436" name="Rectangle 4"/>
+          <p:cNvSpPr>
+            <a:spLocks noChangeArrowheads="1"/>
+          </p:cNvSpPr>
+          <p:nvPr/>
+        </p:nvSpPr>
+        <p:spPr bwMode="auto">
+          <a:xfrm>
+            <a:off x="0" y="0"/>
+            <a:ext cx="9144000" cy="0"/>
+          </a:xfrm>
+          <a:prstGeom prst="rect">
+            <a:avLst/>
+          </a:prstGeom>
+          <a:noFill/>
+          <a:ln w="9525">
+            <a:noFill/>
+            <a:miter lim="800000"/>
+            <a:headEnd/>
+            <a:tailEnd/>
+          </a:ln>
+          <a:effectLst/>
+        </p:spPr>
+        <p:txBody>
+          <a:bodyPr vert="horz" wrap="none" lIns="91440" tIns="45720" rIns="91440" bIns="45720" numCol="1" anchor="ctr" anchorCtr="0" compatLnSpc="1">
+            <a:prstTxWarp prst="textNoShape">
+              <a:avLst/>
+            </a:prstTxWarp>
+            <a:spAutoFit/>
+          </a:bodyPr>
+          <a:lstStyle/>
+          <a:p>
+            <a:endParaRPr lang="ru-RU"/>
+          </a:p>
+        </p:txBody>
+      </p:sp>
+    </p:spTree>
+  </p:cSld>
+  <p:clrMapOvr>
+    <a:masterClrMapping/>
+  </p:clrMapOvr>
+  <p:timing>
+    <p:tnLst>
+      <p:par>
+        <p:cTn id="1" dur="indefinite" restart="never" nodeType="tmRoot"/>
+      </p:par>
+    </p:tnLst>
+  </p:timing>
+</p:sld>
+</file>
+
+<file path=ppt/slides/slide12.xml><?xml version="1.0" encoding="utf-8"?>
+<p:sld xmlns:a="http://schemas.openxmlformats.org/drawingml/2006/main" xmlns:r="http://schemas.openxmlformats.org/officeDocument/2006/relationships" xmlns:p="http://schemas.openxmlformats.org/presentationml/2006/main">
+  <p:cSld>
+    <p:spTree>
+      <p:nvGrpSpPr>
+        <p:cNvPr id="1" name=""/>
+        <p:cNvGrpSpPr/>
+        <p:nvPr/>
+      </p:nvGrpSpPr>
+      <p:grpSpPr>
+        <a:xfrm>
+          <a:off x="0" y="0"/>
+          <a:ext cx="0" cy="0"/>
+          <a:chOff x="0" y="0"/>
+          <a:chExt cx="0" cy="0"/>
+        </a:xfrm>
+      </p:grpSpPr>
+      <p:sp>
+        <p:nvSpPr>
+          <p:cNvPr id="151554" name="Text Box 2"/>
+          <p:cNvSpPr txBox="1">
+            <a:spLocks noChangeArrowheads="1"/>
+          </p:cNvSpPr>
+          <p:nvPr/>
+        </p:nvSpPr>
+        <p:spPr bwMode="auto">
+          <a:xfrm>
+            <a:off x="8675688" y="44450"/>
+            <a:ext cx="468312" cy="511175"/>
+          </a:xfrm>
+          <a:prstGeom prst="rect">
+            <a:avLst/>
+          </a:prstGeom>
+          <a:solidFill>
+            <a:schemeClr val="bg1"/>
+          </a:solidFill>
+          <a:ln w="9525">
+            <a:noFill/>
+            <a:miter lim="800000"/>
+            <a:headEnd/>
+            <a:tailEnd/>
+          </a:ln>
+          <a:effectLst/>
+        </p:spPr>
+        <p:txBody>
+          <a:bodyPr/>
+          <a:lstStyle/>
+          <a:p>
+            <a:pPr algn="ctr">
+              <a:spcBef>
+                <a:spcPct val="50000"/>
+              </a:spcBef>
+            </a:pPr>
+            <a:endParaRPr lang="ru-RU" sz="2400" b="1" dirty="0">
+              <a:solidFill>
+                <a:schemeClr val="accent2"/>
+              </a:solidFill>
+            </a:endParaRPr>
+          </a:p>
+        </p:txBody>
+      </p:sp>
+      <p:pic>
+        <p:nvPicPr>
+          <p:cNvPr id="151555" name="Picture 3" descr="XAI"/>
+          <p:cNvPicPr>
+            <a:picLocks noChangeAspect="1" noChangeArrowheads="1"/>
+          </p:cNvPicPr>
+          <p:nvPr/>
+        </p:nvPicPr>
+        <p:blipFill>
+          <a:blip r:embed="rId4" cstate="print"/>
+          <a:srcRect/>
+          <a:stretch>
+            <a:fillRect/>
+          </a:stretch>
+        </p:blipFill>
+        <p:spPr bwMode="auto">
+          <a:xfrm>
+            <a:off x="0" y="30163"/>
+            <a:ext cx="863600" cy="519112"/>
+          </a:xfrm>
+          <a:prstGeom prst="rect">
+            <a:avLst/>
+          </a:prstGeom>
+          <a:noFill/>
+          <a:ln w="9525">
+            <a:noFill/>
+            <a:miter lim="800000"/>
+            <a:headEnd/>
+            <a:tailEnd/>
+          </a:ln>
+        </p:spPr>
+      </p:pic>
+      <p:sp>
+        <p:nvSpPr>
+          <p:cNvPr id="151556" name="Line 4"/>
+          <p:cNvSpPr>
+            <a:spLocks noChangeShapeType="1"/>
+          </p:cNvSpPr>
+          <p:nvPr/>
+        </p:nvSpPr>
+        <p:spPr bwMode="auto">
+          <a:xfrm>
+            <a:off x="74613" y="549275"/>
+            <a:ext cx="8997950" cy="0"/>
+          </a:xfrm>
+          <a:prstGeom prst="line">
+            <a:avLst/>
+          </a:prstGeom>
+          <a:noFill/>
+          <a:ln w="19050">
+            <a:solidFill>
+              <a:srgbClr val="333399"/>
+            </a:solidFill>
+            <a:round/>
+            <a:headEnd/>
+            <a:tailEnd/>
+          </a:ln>
+          <a:effectLst/>
+        </p:spPr>
+        <p:txBody>
+          <a:bodyPr/>
+          <a:lstStyle/>
+          <a:p>
+            <a:endParaRPr lang="ru-RU" dirty="0"/>
+          </a:p>
+        </p:txBody>
+      </p:sp>
+      <p:sp>
+        <p:nvSpPr>
+          <p:cNvPr id="151558" name="Rectangle 6"/>
+          <p:cNvSpPr>
+            <a:spLocks noChangeArrowheads="1"/>
+          </p:cNvSpPr>
+          <p:nvPr/>
+        </p:nvSpPr>
+        <p:spPr bwMode="auto">
+          <a:xfrm>
+            <a:off x="971550" y="130175"/>
+            <a:ext cx="7561263" cy="336550"/>
+          </a:xfrm>
+          <a:prstGeom prst="rect">
+            <a:avLst/>
+          </a:prstGeom>
+          <a:noFill/>
+          <a:ln w="9525">
+            <a:noFill/>
+            <a:miter lim="800000"/>
+            <a:headEnd/>
+            <a:tailEnd/>
+          </a:ln>
+          <a:effectLst/>
+        </p:spPr>
+        <p:txBody>
+          <a:bodyPr anchor="ctr">
+            <a:spAutoFit/>
+          </a:bodyPr>
+          <a:lstStyle/>
+          <a:p>
+            <a:pPr algn="ctr"/>
+            <a:r>
+              <a:rPr lang="ru-RU" sz="1600" b="1" dirty="0" smtClean="0">
+                <a:solidFill>
+                  <a:schemeClr val="accent2"/>
+                </a:solidFill>
+              </a:rPr>
+              <a:t>Циклический буфер</a:t>
+            </a:r>
+            <a:endParaRPr lang="ru-RU" sz="1600" b="1" dirty="0">
+              <a:solidFill>
+                <a:schemeClr val="accent2"/>
+              </a:solidFill>
+            </a:endParaRPr>
+          </a:p>
+        </p:txBody>
+      </p:sp>
+      <p:sp>
+        <p:nvSpPr>
+          <p:cNvPr id="151559" name="Line 7"/>
+          <p:cNvSpPr>
+            <a:spLocks noChangeShapeType="1"/>
+          </p:cNvSpPr>
+          <p:nvPr/>
+        </p:nvSpPr>
+        <p:spPr bwMode="auto">
+          <a:xfrm>
+            <a:off x="74613" y="6561138"/>
+            <a:ext cx="8997950" cy="0"/>
+          </a:xfrm>
+          <a:prstGeom prst="line">
+            <a:avLst/>
+          </a:prstGeom>
+          <a:noFill/>
+          <a:ln w="19050">
+            <a:solidFill>
+              <a:srgbClr val="333399"/>
+            </a:solidFill>
+            <a:round/>
+            <a:headEnd/>
+            <a:tailEnd/>
+          </a:ln>
+          <a:effectLst/>
+        </p:spPr>
+        <p:txBody>
+          <a:bodyPr/>
+          <a:lstStyle/>
+          <a:p>
+            <a:endParaRPr lang="ru-RU" dirty="0"/>
+          </a:p>
+        </p:txBody>
+      </p:sp>
+      <p:sp>
+        <p:nvSpPr>
+          <p:cNvPr id="151566" name="Text Box 14"/>
+          <p:cNvSpPr txBox="1">
+            <a:spLocks noChangeArrowheads="1"/>
+          </p:cNvSpPr>
+          <p:nvPr/>
+        </p:nvSpPr>
+        <p:spPr bwMode="auto">
+          <a:xfrm>
+            <a:off x="8532813" y="0"/>
+            <a:ext cx="611187" cy="511175"/>
+          </a:xfrm>
+          <a:prstGeom prst="rect">
+            <a:avLst/>
+          </a:prstGeom>
+          <a:solidFill>
+            <a:schemeClr val="bg1"/>
+          </a:solidFill>
+          <a:ln w="9525">
+            <a:noFill/>
+            <a:miter lim="800000"/>
+            <a:headEnd/>
+            <a:tailEnd/>
+          </a:ln>
+          <a:effectLst/>
+        </p:spPr>
+        <p:txBody>
+          <a:bodyPr/>
+          <a:lstStyle/>
+          <a:p>
+            <a:pPr algn="ctr">
+              <a:spcBef>
+                <a:spcPct val="50000"/>
+              </a:spcBef>
+            </a:pPr>
+            <a:r>
+              <a:rPr lang="uk-UA" sz="2000" b="1" dirty="0" smtClean="0">
+                <a:solidFill>
+                  <a:schemeClr val="accent2"/>
+                </a:solidFill>
+              </a:rPr>
+              <a:t>5</a:t>
+            </a:r>
+            <a:endParaRPr lang="ru-RU" sz="2000" b="1" dirty="0">
+              <a:solidFill>
+                <a:schemeClr val="accent2"/>
+              </a:solidFill>
+            </a:endParaRPr>
+          </a:p>
+        </p:txBody>
+      </p:sp>
+      <p:sp>
+        <p:nvSpPr>
+          <p:cNvPr id="18436" name="Rectangle 4"/>
+          <p:cNvSpPr>
+            <a:spLocks noChangeArrowheads="1"/>
+          </p:cNvSpPr>
+          <p:nvPr/>
+        </p:nvSpPr>
+        <p:spPr bwMode="auto">
+          <a:xfrm>
+            <a:off x="0" y="0"/>
+            <a:ext cx="9144000" cy="0"/>
+          </a:xfrm>
+          <a:prstGeom prst="rect">
+            <a:avLst/>
+          </a:prstGeom>
+          <a:noFill/>
+          <a:ln w="9525">
+            <a:noFill/>
+            <a:miter lim="800000"/>
+            <a:headEnd/>
+            <a:tailEnd/>
+          </a:ln>
+          <a:effectLst/>
+        </p:spPr>
+        <p:txBody>
+          <a:bodyPr vert="horz" wrap="none" lIns="91440" tIns="45720" rIns="91440" bIns="45720" numCol="1" anchor="ctr" anchorCtr="0" compatLnSpc="1">
+            <a:prstTxWarp prst="textNoShape">
+              <a:avLst/>
+            </a:prstTxWarp>
+            <a:spAutoFit/>
+          </a:bodyPr>
+          <a:lstStyle/>
+          <a:p>
+            <a:endParaRPr lang="ru-RU"/>
+          </a:p>
+        </p:txBody>
+      </p:sp>
+      <p:sp>
+        <p:nvSpPr>
+          <p:cNvPr id="39938" name="Rectangle 2"/>
+          <p:cNvSpPr>
+            <a:spLocks noChangeArrowheads="1"/>
+          </p:cNvSpPr>
+          <p:nvPr/>
+        </p:nvSpPr>
+        <p:spPr bwMode="auto">
+          <a:xfrm>
+            <a:off x="0" y="0"/>
+            <a:ext cx="9144000" cy="0"/>
+          </a:xfrm>
+          <a:prstGeom prst="rect">
+            <a:avLst/>
+          </a:prstGeom>
+          <a:noFill/>
+          <a:ln w="9525">
+            <a:noFill/>
+            <a:miter lim="800000"/>
+            <a:headEnd/>
+            <a:tailEnd/>
+          </a:ln>
+          <a:effectLst/>
+        </p:spPr>
+        <p:txBody>
+          <a:bodyPr vert="horz" wrap="none" lIns="91440" tIns="45720" rIns="91440" bIns="45720" numCol="1" anchor="ctr" anchorCtr="0" compatLnSpc="1">
+            <a:prstTxWarp prst="textNoShape">
+              <a:avLst/>
+            </a:prstTxWarp>
+            <a:spAutoFit/>
+          </a:bodyPr>
+          <a:lstStyle/>
+          <a:p>
+            <a:endParaRPr lang="ru-RU"/>
+          </a:p>
+        </p:txBody>
+      </p:sp>
+      <p:sp>
+        <p:nvSpPr>
+          <p:cNvPr id="39940" name="Rectangle 4"/>
+          <p:cNvSpPr>
+            <a:spLocks noChangeArrowheads="1"/>
+          </p:cNvSpPr>
+          <p:nvPr/>
+        </p:nvSpPr>
+        <p:spPr bwMode="auto">
+          <a:xfrm>
+            <a:off x="0" y="0"/>
+            <a:ext cx="9144000" cy="0"/>
+          </a:xfrm>
+          <a:prstGeom prst="rect">
+            <a:avLst/>
+          </a:prstGeom>
+          <a:noFill/>
+          <a:ln w="9525">
+            <a:noFill/>
+            <a:miter lim="800000"/>
+            <a:headEnd/>
+            <a:tailEnd/>
+          </a:ln>
+          <a:effectLst/>
+        </p:spPr>
+        <p:txBody>
+          <a:bodyPr vert="horz" wrap="none" lIns="91440" tIns="45720" rIns="91440" bIns="45720" numCol="1" anchor="ctr" anchorCtr="0" compatLnSpc="1">
+            <a:prstTxWarp prst="textNoShape">
+              <a:avLst/>
+            </a:prstTxWarp>
+            <a:spAutoFit/>
+          </a:bodyPr>
+          <a:lstStyle/>
+          <a:p>
+            <a:endParaRPr lang="ru-RU"/>
+          </a:p>
+        </p:txBody>
+      </p:sp>
+      <p:graphicFrame>
+        <p:nvGraphicFramePr>
+          <p:cNvPr id="39939" name="Object 3"/>
+          <p:cNvGraphicFramePr>
+            <a:graphicFrameLocks noChangeAspect="1"/>
+          </p:cNvGraphicFramePr>
+          <p:nvPr/>
+        </p:nvGraphicFramePr>
+        <p:xfrm>
+          <a:off x="-216532" y="1160748"/>
+          <a:ext cx="9117042" cy="4384151"/>
+        </p:xfrm>
+        <a:graphic>
+          <a:graphicData uri="http://schemas.openxmlformats.org/presentationml/2006/ole">
+            <p:oleObj spid="_x0000_s39939" name="Visio" r:id="rId5" imgW="5230539" imgH="2534027" progId="Visio.Drawing.11">
+              <p:embed/>
+            </p:oleObj>
+          </a:graphicData>
+        </a:graphic>
+      </p:graphicFrame>
+      <p:sp>
+        <p:nvSpPr>
+          <p:cNvPr id="13" name="TextBox 12"/>
+          <p:cNvSpPr txBox="1"/>
+          <p:nvPr/>
+        </p:nvSpPr>
+        <p:spPr>
+          <a:xfrm>
+            <a:off x="484704" y="5913276"/>
+            <a:ext cx="7714571" cy="369332"/>
+          </a:xfrm>
+          <a:prstGeom prst="rect">
+            <a:avLst/>
+          </a:prstGeom>
+          <a:noFill/>
+        </p:spPr>
+        <p:txBody>
+          <a:bodyPr wrap="square" rtlCol="0">
+            <a:spAutoFit/>
+          </a:bodyPr>
+          <a:lstStyle/>
+          <a:p>
+            <a:pPr algn="ctr"/>
+            <a:r>
+              <a:rPr lang="ru-RU" dirty="0" smtClean="0"/>
+              <a:t>Структурная схема, поясняющая принцип работы генерации</a:t>
+            </a:r>
+            <a:endParaRPr lang="ru-RU" dirty="0"/>
+          </a:p>
+        </p:txBody>
+      </p:sp>
+    </p:spTree>
+  </p:cSld>
+  <p:clrMapOvr>
+    <a:masterClrMapping/>
+  </p:clrMapOvr>
+  <p:timing>
+    <p:tnLst>
+      <p:par>
+        <p:cTn id="1" dur="indefinite" restart="never" nodeType="tmRoot"/>
+      </p:par>
+    </p:tnLst>
+  </p:timing>
+</p:sld>
+</file>
+
+<file path=ppt/slides/slide13.xml><?xml version="1.0" encoding="utf-8"?>
+<p:sld xmlns:a="http://schemas.openxmlformats.org/drawingml/2006/main" xmlns:r="http://schemas.openxmlformats.org/officeDocument/2006/relationships" xmlns:p="http://schemas.openxmlformats.org/presentationml/2006/main">
+  <p:cSld>
+    <p:spTree>
+      <p:nvGrpSpPr>
+        <p:cNvPr id="1" name=""/>
+        <p:cNvGrpSpPr/>
+        <p:nvPr/>
+      </p:nvGrpSpPr>
+      <p:grpSpPr>
+        <a:xfrm>
+          <a:off x="0" y="0"/>
+          <a:ext cx="0" cy="0"/>
+          <a:chOff x="0" y="0"/>
+          <a:chExt cx="0" cy="0"/>
+        </a:xfrm>
+      </p:grpSpPr>
+      <p:sp>
+        <p:nvSpPr>
+          <p:cNvPr id="151554" name="Text Box 2"/>
+          <p:cNvSpPr txBox="1">
+            <a:spLocks noChangeArrowheads="1"/>
+          </p:cNvSpPr>
+          <p:nvPr/>
+        </p:nvSpPr>
+        <p:spPr bwMode="auto">
+          <a:xfrm>
+            <a:off x="8675688" y="44450"/>
+            <a:ext cx="468312" cy="511175"/>
+          </a:xfrm>
+          <a:prstGeom prst="rect">
+            <a:avLst/>
+          </a:prstGeom>
+          <a:solidFill>
+            <a:schemeClr val="bg1"/>
+          </a:solidFill>
+          <a:ln w="9525">
+            <a:noFill/>
+            <a:miter lim="800000"/>
+            <a:headEnd/>
+            <a:tailEnd/>
+          </a:ln>
+          <a:effectLst/>
+        </p:spPr>
+        <p:txBody>
+          <a:bodyPr/>
+          <a:lstStyle/>
+          <a:p>
+            <a:pPr algn="ctr">
+              <a:spcBef>
+                <a:spcPct val="50000"/>
+              </a:spcBef>
+            </a:pPr>
+            <a:endParaRPr lang="ru-RU" sz="2400" b="1" dirty="0">
+              <a:solidFill>
+                <a:schemeClr val="accent2"/>
+              </a:solidFill>
+            </a:endParaRPr>
+          </a:p>
+        </p:txBody>
+      </p:sp>
+      <p:pic>
+        <p:nvPicPr>
+          <p:cNvPr id="151555" name="Picture 3" descr="XAI"/>
+          <p:cNvPicPr>
+            <a:picLocks noChangeAspect="1" noChangeArrowheads="1"/>
+          </p:cNvPicPr>
+          <p:nvPr/>
+        </p:nvPicPr>
+        <p:blipFill>
+          <a:blip r:embed="rId3" cstate="print"/>
+          <a:srcRect/>
+          <a:stretch>
+            <a:fillRect/>
+          </a:stretch>
+        </p:blipFill>
+        <p:spPr bwMode="auto">
+          <a:xfrm>
+            <a:off x="0" y="30163"/>
+            <a:ext cx="863600" cy="519112"/>
+          </a:xfrm>
+          <a:prstGeom prst="rect">
+            <a:avLst/>
+          </a:prstGeom>
+          <a:noFill/>
+          <a:ln w="9525">
+            <a:noFill/>
+            <a:miter lim="800000"/>
+            <a:headEnd/>
+            <a:tailEnd/>
+          </a:ln>
+        </p:spPr>
+      </p:pic>
+      <p:sp>
+        <p:nvSpPr>
+          <p:cNvPr id="151556" name="Line 4"/>
+          <p:cNvSpPr>
+            <a:spLocks noChangeShapeType="1"/>
+          </p:cNvSpPr>
+          <p:nvPr/>
+        </p:nvSpPr>
+        <p:spPr bwMode="auto">
+          <a:xfrm>
+            <a:off x="74613" y="549275"/>
+            <a:ext cx="8997950" cy="0"/>
+          </a:xfrm>
+          <a:prstGeom prst="line">
+            <a:avLst/>
+          </a:prstGeom>
+          <a:noFill/>
+          <a:ln w="19050">
+            <a:solidFill>
+              <a:srgbClr val="333399"/>
+            </a:solidFill>
+            <a:round/>
+            <a:headEnd/>
+            <a:tailEnd/>
+          </a:ln>
+          <a:effectLst/>
+        </p:spPr>
+        <p:txBody>
+          <a:bodyPr/>
+          <a:lstStyle/>
+          <a:p>
+            <a:endParaRPr lang="ru-RU" dirty="0"/>
+          </a:p>
+        </p:txBody>
+      </p:sp>
+      <p:sp>
+        <p:nvSpPr>
+          <p:cNvPr id="151558" name="Rectangle 6"/>
+          <p:cNvSpPr>
+            <a:spLocks noChangeArrowheads="1"/>
+          </p:cNvSpPr>
+          <p:nvPr/>
+        </p:nvSpPr>
+        <p:spPr bwMode="auto">
+          <a:xfrm>
+            <a:off x="971550" y="130175"/>
+            <a:ext cx="7561263" cy="336550"/>
+          </a:xfrm>
+          <a:prstGeom prst="rect">
+            <a:avLst/>
+          </a:prstGeom>
+          <a:noFill/>
+          <a:ln w="9525">
+            <a:noFill/>
+            <a:miter lim="800000"/>
+            <a:headEnd/>
+            <a:tailEnd/>
+          </a:ln>
+          <a:effectLst/>
+        </p:spPr>
+        <p:txBody>
+          <a:bodyPr anchor="ctr">
+            <a:spAutoFit/>
+          </a:bodyPr>
+          <a:lstStyle/>
+          <a:p>
+            <a:pPr algn="ctr"/>
+            <a:r>
+              <a:rPr lang="ru-RU" sz="1600" b="1" dirty="0" smtClean="0">
+                <a:solidFill>
+                  <a:schemeClr val="accent2"/>
+                </a:solidFill>
+              </a:rPr>
+              <a:t>Генерируемые сигналы</a:t>
+            </a:r>
+            <a:endParaRPr lang="ru-RU" sz="1600" b="1" dirty="0">
+              <a:solidFill>
+                <a:schemeClr val="accent2"/>
+              </a:solidFill>
+            </a:endParaRPr>
+          </a:p>
+        </p:txBody>
+      </p:sp>
+      <p:sp>
+        <p:nvSpPr>
+          <p:cNvPr id="151559" name="Line 7"/>
+          <p:cNvSpPr>
+            <a:spLocks noChangeShapeType="1"/>
+          </p:cNvSpPr>
+          <p:nvPr/>
+        </p:nvSpPr>
+        <p:spPr bwMode="auto">
+          <a:xfrm>
+            <a:off x="74613" y="6561138"/>
+            <a:ext cx="8997950" cy="0"/>
+          </a:xfrm>
+          <a:prstGeom prst="line">
+            <a:avLst/>
+          </a:prstGeom>
+          <a:noFill/>
+          <a:ln w="19050">
+            <a:solidFill>
+              <a:srgbClr val="333399"/>
+            </a:solidFill>
+            <a:round/>
+            <a:headEnd/>
+            <a:tailEnd/>
+          </a:ln>
+          <a:effectLst/>
+        </p:spPr>
+        <p:txBody>
+          <a:bodyPr/>
+          <a:lstStyle/>
+          <a:p>
+            <a:endParaRPr lang="ru-RU" dirty="0"/>
+          </a:p>
+        </p:txBody>
+      </p:sp>
+      <p:sp>
+        <p:nvSpPr>
+          <p:cNvPr id="151566" name="Text Box 14"/>
+          <p:cNvSpPr txBox="1">
+            <a:spLocks noChangeArrowheads="1"/>
+          </p:cNvSpPr>
+          <p:nvPr/>
+        </p:nvSpPr>
+        <p:spPr bwMode="auto">
+          <a:xfrm>
+            <a:off x="8532813" y="0"/>
+            <a:ext cx="611187" cy="511175"/>
+          </a:xfrm>
+          <a:prstGeom prst="rect">
+            <a:avLst/>
+          </a:prstGeom>
+          <a:solidFill>
+            <a:schemeClr val="bg1"/>
+          </a:solidFill>
+          <a:ln w="9525">
+            <a:noFill/>
+            <a:miter lim="800000"/>
+            <a:headEnd/>
+            <a:tailEnd/>
+          </a:ln>
+          <a:effectLst/>
+        </p:spPr>
+        <p:txBody>
+          <a:bodyPr/>
+          <a:lstStyle/>
+          <a:p>
+            <a:pPr algn="ctr">
+              <a:spcBef>
+                <a:spcPct val="50000"/>
+              </a:spcBef>
+            </a:pPr>
+            <a:r>
+              <a:rPr lang="uk-UA" sz="2000" b="1" dirty="0" smtClean="0">
+                <a:solidFill>
+                  <a:schemeClr val="accent2"/>
+                </a:solidFill>
+              </a:rPr>
+              <a:t>5</a:t>
+            </a:r>
+            <a:endParaRPr lang="ru-RU" sz="2000" b="1" dirty="0">
+              <a:solidFill>
+                <a:schemeClr val="accent2"/>
+              </a:solidFill>
+            </a:endParaRPr>
+          </a:p>
+        </p:txBody>
+      </p:sp>
+      <p:sp>
+        <p:nvSpPr>
+          <p:cNvPr id="18436" name="Rectangle 4"/>
+          <p:cNvSpPr>
+            <a:spLocks noChangeArrowheads="1"/>
+          </p:cNvSpPr>
+          <p:nvPr/>
+        </p:nvSpPr>
+        <p:spPr bwMode="auto">
+          <a:xfrm>
+            <a:off x="0" y="0"/>
+            <a:ext cx="9144000" cy="0"/>
+          </a:xfrm>
+          <a:prstGeom prst="rect">
+            <a:avLst/>
+          </a:prstGeom>
+          <a:noFill/>
+          <a:ln w="9525">
+            <a:noFill/>
+            <a:miter lim="800000"/>
+            <a:headEnd/>
+            <a:tailEnd/>
+          </a:ln>
+          <a:effectLst/>
+        </p:spPr>
+        <p:txBody>
+          <a:bodyPr vert="horz" wrap="none" lIns="91440" tIns="45720" rIns="91440" bIns="45720" numCol="1" anchor="ctr" anchorCtr="0" compatLnSpc="1">
+            <a:prstTxWarp prst="textNoShape">
+              <a:avLst/>
+            </a:prstTxWarp>
+            <a:spAutoFit/>
+          </a:bodyPr>
+          <a:lstStyle/>
+          <a:p>
+            <a:endParaRPr lang="ru-RU"/>
+          </a:p>
+        </p:txBody>
+      </p:sp>
+      <p:sp>
+        <p:nvSpPr>
+          <p:cNvPr id="39938" name="Rectangle 2"/>
+          <p:cNvSpPr>
+            <a:spLocks noChangeArrowheads="1"/>
+          </p:cNvSpPr>
+          <p:nvPr/>
+        </p:nvSpPr>
+        <p:spPr bwMode="auto">
+          <a:xfrm>
+            <a:off x="0" y="0"/>
+            <a:ext cx="9144000" cy="0"/>
+          </a:xfrm>
+          <a:prstGeom prst="rect">
+            <a:avLst/>
+          </a:prstGeom>
+          <a:noFill/>
+          <a:ln w="9525">
+            <a:noFill/>
+            <a:miter lim="800000"/>
+            <a:headEnd/>
+            <a:tailEnd/>
+          </a:ln>
+          <a:effectLst/>
+        </p:spPr>
+        <p:txBody>
+          <a:bodyPr vert="horz" wrap="none" lIns="91440" tIns="45720" rIns="91440" bIns="45720" numCol="1" anchor="ctr" anchorCtr="0" compatLnSpc="1">
+            <a:prstTxWarp prst="textNoShape">
+              <a:avLst/>
+            </a:prstTxWarp>
+            <a:spAutoFit/>
+          </a:bodyPr>
+          <a:lstStyle/>
+          <a:p>
+            <a:endParaRPr lang="ru-RU"/>
+          </a:p>
+        </p:txBody>
+      </p:sp>
+      <p:sp>
+        <p:nvSpPr>
+          <p:cNvPr id="39940" name="Rectangle 4"/>
+          <p:cNvSpPr>
+            <a:spLocks noChangeArrowheads="1"/>
+          </p:cNvSpPr>
+          <p:nvPr/>
+        </p:nvSpPr>
+        <p:spPr bwMode="auto">
+          <a:xfrm>
+            <a:off x="0" y="0"/>
+            <a:ext cx="9144000" cy="0"/>
+          </a:xfrm>
+          <a:prstGeom prst="rect">
+            <a:avLst/>
+          </a:prstGeom>
+          <a:noFill/>
+          <a:ln w="9525">
+            <a:noFill/>
+            <a:miter lim="800000"/>
+            <a:headEnd/>
+            <a:tailEnd/>
+          </a:ln>
+          <a:effectLst/>
+        </p:spPr>
+        <p:txBody>
+          <a:bodyPr vert="horz" wrap="none" lIns="91440" tIns="45720" rIns="91440" bIns="45720" numCol="1" anchor="ctr" anchorCtr="0" compatLnSpc="1">
+            <a:prstTxWarp prst="textNoShape">
+              <a:avLst/>
+            </a:prstTxWarp>
+            <a:spAutoFit/>
+          </a:bodyPr>
+          <a:lstStyle/>
+          <a:p>
+            <a:endParaRPr lang="ru-RU"/>
+          </a:p>
+        </p:txBody>
+      </p:sp>
+    </p:spTree>
+  </p:cSld>
+  <p:clrMapOvr>
+    <a:masterClrMapping/>
+  </p:clrMapOvr>
+  <p:timing>
+    <p:tnLst>
+      <p:par>
+        <p:cTn id="1" dur="indefinite" restart="never" nodeType="tmRoot"/>
+      </p:par>
+    </p:tnLst>
+  </p:timing>
+</p:sld>
+</file>
+
+<file path=ppt/slides/slide14.xml><?xml version="1.0" encoding="utf-8"?>
+<p:sld xmlns:a="http://schemas.openxmlformats.org/drawingml/2006/main" xmlns:r="http://schemas.openxmlformats.org/officeDocument/2006/relationships" xmlns:p="http://schemas.openxmlformats.org/presentationml/2006/main">
+  <p:cSld>
+    <p:spTree>
+      <p:nvGrpSpPr>
+        <p:cNvPr id="1" name=""/>
+        <p:cNvGrpSpPr/>
+        <p:nvPr/>
+      </p:nvGrpSpPr>
+      <p:grpSpPr>
+        <a:xfrm>
+          <a:off x="0" y="0"/>
+          <a:ext cx="0" cy="0"/>
+          <a:chOff x="0" y="0"/>
+          <a:chExt cx="0" cy="0"/>
+        </a:xfrm>
+      </p:grpSpPr>
+      <p:sp>
+        <p:nvSpPr>
+          <p:cNvPr id="151554" name="Text Box 2"/>
+          <p:cNvSpPr txBox="1">
+            <a:spLocks noChangeArrowheads="1"/>
+          </p:cNvSpPr>
+          <p:nvPr/>
+        </p:nvSpPr>
+        <p:spPr bwMode="auto">
+          <a:xfrm>
+            <a:off x="8675688" y="44450"/>
+            <a:ext cx="468312" cy="511175"/>
+          </a:xfrm>
+          <a:prstGeom prst="rect">
+            <a:avLst/>
+          </a:prstGeom>
+          <a:solidFill>
+            <a:schemeClr val="bg1"/>
+          </a:solidFill>
+          <a:ln w="9525">
+            <a:noFill/>
+            <a:miter lim="800000"/>
+            <a:headEnd/>
+            <a:tailEnd/>
+          </a:ln>
+          <a:effectLst/>
+        </p:spPr>
+        <p:txBody>
+          <a:bodyPr/>
+          <a:lstStyle/>
+          <a:p>
+            <a:pPr algn="ctr">
+              <a:spcBef>
+                <a:spcPct val="50000"/>
+              </a:spcBef>
+            </a:pPr>
+            <a:endParaRPr lang="ru-RU" sz="2400" b="1" dirty="0">
+              <a:solidFill>
+                <a:schemeClr val="accent2"/>
+              </a:solidFill>
+            </a:endParaRPr>
+          </a:p>
+        </p:txBody>
+      </p:sp>
+      <p:pic>
+        <p:nvPicPr>
+          <p:cNvPr id="151555" name="Picture 3" descr="XAI"/>
+          <p:cNvPicPr>
+            <a:picLocks noChangeAspect="1" noChangeArrowheads="1"/>
+          </p:cNvPicPr>
+          <p:nvPr/>
+        </p:nvPicPr>
+        <p:blipFill>
+          <a:blip r:embed="rId3" cstate="print"/>
+          <a:srcRect/>
+          <a:stretch>
+            <a:fillRect/>
+          </a:stretch>
+        </p:blipFill>
+        <p:spPr bwMode="auto">
+          <a:xfrm>
+            <a:off x="0" y="30163"/>
+            <a:ext cx="863600" cy="519112"/>
+          </a:xfrm>
+          <a:prstGeom prst="rect">
+            <a:avLst/>
+          </a:prstGeom>
+          <a:noFill/>
+          <a:ln w="9525">
+            <a:noFill/>
+            <a:miter lim="800000"/>
+            <a:headEnd/>
+            <a:tailEnd/>
+          </a:ln>
+        </p:spPr>
+      </p:pic>
+      <p:sp>
+        <p:nvSpPr>
+          <p:cNvPr id="151556" name="Line 4"/>
+          <p:cNvSpPr>
+            <a:spLocks noChangeShapeType="1"/>
+          </p:cNvSpPr>
+          <p:nvPr/>
+        </p:nvSpPr>
+        <p:spPr bwMode="auto">
+          <a:xfrm>
+            <a:off x="74613" y="549275"/>
+            <a:ext cx="8997950" cy="0"/>
+          </a:xfrm>
+          <a:prstGeom prst="line">
+            <a:avLst/>
+          </a:prstGeom>
+          <a:noFill/>
+          <a:ln w="19050">
+            <a:solidFill>
+              <a:srgbClr val="333399"/>
+            </a:solidFill>
+            <a:round/>
+            <a:headEnd/>
+            <a:tailEnd/>
+          </a:ln>
+          <a:effectLst/>
+        </p:spPr>
+        <p:txBody>
+          <a:bodyPr/>
+          <a:lstStyle/>
+          <a:p>
+            <a:endParaRPr lang="ru-RU" dirty="0"/>
+          </a:p>
+        </p:txBody>
+      </p:sp>
+      <p:sp>
+        <p:nvSpPr>
+          <p:cNvPr id="151558" name="Rectangle 6"/>
+          <p:cNvSpPr>
+            <a:spLocks noChangeArrowheads="1"/>
+          </p:cNvSpPr>
+          <p:nvPr/>
+        </p:nvSpPr>
+        <p:spPr bwMode="auto">
+          <a:xfrm>
+            <a:off x="971550" y="130175"/>
+            <a:ext cx="7561263" cy="336550"/>
+          </a:xfrm>
+          <a:prstGeom prst="rect">
+            <a:avLst/>
+          </a:prstGeom>
+          <a:noFill/>
+          <a:ln w="9525">
+            <a:noFill/>
+            <a:miter lim="800000"/>
+            <a:headEnd/>
+            <a:tailEnd/>
+          </a:ln>
+          <a:effectLst/>
+        </p:spPr>
+        <p:txBody>
+          <a:bodyPr anchor="ctr">
+            <a:spAutoFit/>
+          </a:bodyPr>
+          <a:lstStyle/>
+          <a:p>
+            <a:pPr algn="ctr"/>
+            <a:r>
+              <a:rPr lang="ru-RU" sz="1600" b="1" dirty="0" smtClean="0">
+                <a:solidFill>
+                  <a:schemeClr val="accent2"/>
+                </a:solidFill>
+              </a:rPr>
+              <a:t>Экономическая часть</a:t>
+            </a:r>
+            <a:endParaRPr lang="ru-RU" sz="1600" b="1" dirty="0">
+              <a:solidFill>
+                <a:schemeClr val="accent2"/>
+              </a:solidFill>
+            </a:endParaRPr>
+          </a:p>
+        </p:txBody>
+      </p:sp>
+      <p:sp>
+        <p:nvSpPr>
+          <p:cNvPr id="151559" name="Line 7"/>
+          <p:cNvSpPr>
+            <a:spLocks noChangeShapeType="1"/>
+          </p:cNvSpPr>
+          <p:nvPr/>
+        </p:nvSpPr>
+        <p:spPr bwMode="auto">
+          <a:xfrm>
+            <a:off x="74613" y="6561138"/>
+            <a:ext cx="8997950" cy="0"/>
+          </a:xfrm>
+          <a:prstGeom prst="line">
+            <a:avLst/>
+          </a:prstGeom>
+          <a:noFill/>
+          <a:ln w="19050">
+            <a:solidFill>
+              <a:srgbClr val="333399"/>
+            </a:solidFill>
+            <a:round/>
+            <a:headEnd/>
+            <a:tailEnd/>
+          </a:ln>
+          <a:effectLst/>
+        </p:spPr>
+        <p:txBody>
+          <a:bodyPr/>
+          <a:lstStyle/>
+          <a:p>
+            <a:endParaRPr lang="ru-RU" dirty="0"/>
+          </a:p>
+        </p:txBody>
+      </p:sp>
+      <p:sp>
+        <p:nvSpPr>
+          <p:cNvPr id="151566" name="Text Box 14"/>
+          <p:cNvSpPr txBox="1">
+            <a:spLocks noChangeArrowheads="1"/>
+          </p:cNvSpPr>
+          <p:nvPr/>
+        </p:nvSpPr>
+        <p:spPr bwMode="auto">
+          <a:xfrm>
+            <a:off x="8532813" y="0"/>
+            <a:ext cx="611187" cy="511175"/>
+          </a:xfrm>
+          <a:prstGeom prst="rect">
+            <a:avLst/>
+          </a:prstGeom>
+          <a:solidFill>
+            <a:schemeClr val="bg1"/>
+          </a:solidFill>
+          <a:ln w="9525">
+            <a:noFill/>
+            <a:miter lim="800000"/>
+            <a:headEnd/>
+            <a:tailEnd/>
+          </a:ln>
+          <a:effectLst/>
+        </p:spPr>
+        <p:txBody>
+          <a:bodyPr/>
+          <a:lstStyle/>
+          <a:p>
+            <a:pPr algn="ctr">
+              <a:spcBef>
+                <a:spcPct val="50000"/>
+              </a:spcBef>
+            </a:pPr>
+            <a:r>
+              <a:rPr lang="uk-UA" sz="2000" b="1" dirty="0" smtClean="0">
+                <a:solidFill>
+                  <a:schemeClr val="accent2"/>
+                </a:solidFill>
+              </a:rPr>
+              <a:t>5</a:t>
+            </a:r>
+            <a:endParaRPr lang="ru-RU" sz="2000" b="1" dirty="0">
+              <a:solidFill>
+                <a:schemeClr val="accent2"/>
+              </a:solidFill>
+            </a:endParaRPr>
+          </a:p>
+        </p:txBody>
+      </p:sp>
+      <p:sp>
+        <p:nvSpPr>
+          <p:cNvPr id="18436" name="Rectangle 4"/>
+          <p:cNvSpPr>
+            <a:spLocks noChangeArrowheads="1"/>
+          </p:cNvSpPr>
+          <p:nvPr/>
+        </p:nvSpPr>
+        <p:spPr bwMode="auto">
+          <a:xfrm>
+            <a:off x="0" y="0"/>
+            <a:ext cx="9144000" cy="0"/>
+          </a:xfrm>
+          <a:prstGeom prst="rect">
+            <a:avLst/>
+          </a:prstGeom>
+          <a:noFill/>
+          <a:ln w="9525">
+            <a:noFill/>
+            <a:miter lim="800000"/>
+            <a:headEnd/>
+            <a:tailEnd/>
+          </a:ln>
+          <a:effectLst/>
+        </p:spPr>
+        <p:txBody>
+          <a:bodyPr vert="horz" wrap="none" lIns="91440" tIns="45720" rIns="91440" bIns="45720" numCol="1" anchor="ctr" anchorCtr="0" compatLnSpc="1">
+            <a:prstTxWarp prst="textNoShape">
+              <a:avLst/>
+            </a:prstTxWarp>
+            <a:spAutoFit/>
+          </a:bodyPr>
+          <a:lstStyle/>
+          <a:p>
+            <a:endParaRPr lang="ru-RU"/>
+          </a:p>
+        </p:txBody>
+      </p:sp>
+      <p:sp>
+        <p:nvSpPr>
+          <p:cNvPr id="39938" name="Rectangle 2"/>
+          <p:cNvSpPr>
+            <a:spLocks noChangeArrowheads="1"/>
+          </p:cNvSpPr>
+          <p:nvPr/>
+        </p:nvSpPr>
+        <p:spPr bwMode="auto">
+          <a:xfrm>
+            <a:off x="0" y="0"/>
+            <a:ext cx="9144000" cy="0"/>
+          </a:xfrm>
+          <a:prstGeom prst="rect">
+            <a:avLst/>
+          </a:prstGeom>
+          <a:noFill/>
+          <a:ln w="9525">
+            <a:noFill/>
+            <a:miter lim="800000"/>
+            <a:headEnd/>
+            <a:tailEnd/>
+          </a:ln>
+          <a:effectLst/>
+        </p:spPr>
+        <p:txBody>
+          <a:bodyPr vert="horz" wrap="none" lIns="91440" tIns="45720" rIns="91440" bIns="45720" numCol="1" anchor="ctr" anchorCtr="0" compatLnSpc="1">
+            <a:prstTxWarp prst="textNoShape">
+              <a:avLst/>
+            </a:prstTxWarp>
+            <a:spAutoFit/>
+          </a:bodyPr>
+          <a:lstStyle/>
+          <a:p>
+            <a:endParaRPr lang="ru-RU"/>
+          </a:p>
+        </p:txBody>
+      </p:sp>
+      <p:sp>
+        <p:nvSpPr>
+          <p:cNvPr id="39940" name="Rectangle 4"/>
+          <p:cNvSpPr>
+            <a:spLocks noChangeArrowheads="1"/>
+          </p:cNvSpPr>
+          <p:nvPr/>
+        </p:nvSpPr>
+        <p:spPr bwMode="auto">
+          <a:xfrm>
+            <a:off x="0" y="0"/>
+            <a:ext cx="9144000" cy="0"/>
+          </a:xfrm>
+          <a:prstGeom prst="rect">
+            <a:avLst/>
+          </a:prstGeom>
+          <a:noFill/>
+          <a:ln w="9525">
+            <a:noFill/>
+            <a:miter lim="800000"/>
+            <a:headEnd/>
+            <a:tailEnd/>
+          </a:ln>
+          <a:effectLst/>
+        </p:spPr>
+        <p:txBody>
+          <a:bodyPr vert="horz" wrap="none" lIns="91440" tIns="45720" rIns="91440" bIns="45720" numCol="1" anchor="ctr" anchorCtr="0" compatLnSpc="1">
+            <a:prstTxWarp prst="textNoShape">
+              <a:avLst/>
+            </a:prstTxWarp>
+            <a:spAutoFit/>
+          </a:bodyPr>
+          <a:lstStyle/>
+          <a:p>
+            <a:endParaRPr lang="ru-RU"/>
+          </a:p>
+        </p:txBody>
+      </p:sp>
+      <p:graphicFrame>
+        <p:nvGraphicFramePr>
+          <p:cNvPr id="14" name="Таблица 13"/>
+          <p:cNvGraphicFramePr>
+            <a:graphicFrameLocks noGrp="1"/>
+          </p:cNvGraphicFramePr>
+          <p:nvPr/>
+        </p:nvGraphicFramePr>
+        <p:xfrm>
+          <a:off x="1072635" y="656695"/>
+          <a:ext cx="7812869" cy="4644513"/>
+        </p:xfrm>
+        <a:graphic>
+          <a:graphicData uri="http://schemas.openxmlformats.org/drawingml/2006/table">
+            <a:tbl>
+              <a:tblPr/>
+              <a:tblGrid>
+                <a:gridCol w="423457"/>
+                <a:gridCol w="3859557"/>
+                <a:gridCol w="1376628"/>
+                <a:gridCol w="2153227"/>
+              </a:tblGrid>
+              <a:tr h="619271">
+                <a:tc>
+                  <a:txBody>
+                    <a:bodyPr/>
+                    <a:lstStyle/>
+                    <a:p>
+                      <a:pPr algn="just">
+                        <a:lnSpc>
+                          <a:spcPct val="115000"/>
+                        </a:lnSpc>
+                        <a:spcBef>
+                          <a:spcPts val="600"/>
+                        </a:spcBef>
+                        <a:spcAft>
+                          <a:spcPts val="0"/>
+                        </a:spcAft>
+                      </a:pPr>
+                      <a:r>
+                        <a:rPr lang="uk-UA" sz="1200" dirty="0">
+                          <a:latin typeface="Times New Roman"/>
+                          <a:ea typeface="Calibri"/>
+                          <a:cs typeface="Times New Roman"/>
+                        </a:rPr>
+                        <a:t>№</a:t>
+                      </a:r>
+                      <a:endParaRPr lang="ru-RU" sz="1200" dirty="0">
+                        <a:latin typeface="Times New Roman"/>
+                        <a:ea typeface="Calibri"/>
+                        <a:cs typeface="Times New Roman"/>
+                      </a:endParaRPr>
+                    </a:p>
+                  </a:txBody>
+                  <a:tcPr marL="68580" marR="68580" marT="0" marB="0">
+                    <a:lnL w="12700" cap="flat" cmpd="sng" algn="ctr">
+                      <a:solidFill>
+                        <a:srgbClr val="000000"/>
+                      </a:solidFill>
+                      <a:prstDash val="solid"/>
+                      <a:round/>
+                      <a:headEnd type="none" w="med" len="med"/>
+                      <a:tailEnd type="none" w="med" len="med"/>
+                    </a:lnL>
+                    <a:lnR w="12700" cap="flat" cmpd="sng" algn="ctr">
+                      <a:solidFill>
+                        <a:srgbClr val="000000"/>
+                      </a:solidFill>
+                      <a:prstDash val="solid"/>
+                      <a:round/>
+                      <a:headEnd type="none" w="med" len="med"/>
+                      <a:tailEnd type="none" w="med" len="med"/>
+                    </a:lnR>
+                    <a:lnT w="12700" cap="flat" cmpd="sng" algn="ctr">
+                      <a:solidFill>
+                        <a:srgbClr val="000000"/>
+                      </a:solidFill>
+                      <a:prstDash val="solid"/>
+                      <a:round/>
+                      <a:headEnd type="none" w="med" len="med"/>
+                      <a:tailEnd type="none" w="med" len="med"/>
+                    </a:lnT>
+                    <a:lnB w="12700" cap="flat" cmpd="sng" algn="ctr">
+                      <a:solidFill>
+                        <a:srgbClr val="000000"/>
+                      </a:solidFill>
+                      <a:prstDash val="solid"/>
+                      <a:round/>
+                      <a:headEnd type="none" w="med" len="med"/>
+                      <a:tailEnd type="none" w="med" len="med"/>
+                    </a:lnB>
+                    <a:solidFill>
+                      <a:srgbClr val="FFFFFF"/>
+                    </a:solidFill>
+                  </a:tcPr>
+                </a:tc>
+                <a:tc>
+                  <a:txBody>
+                    <a:bodyPr/>
+                    <a:lstStyle/>
+                    <a:p>
+                      <a:pPr algn="ctr">
+                        <a:lnSpc>
+                          <a:spcPct val="115000"/>
+                        </a:lnSpc>
+                        <a:spcAft>
+                          <a:spcPts val="0"/>
+                        </a:spcAft>
+                      </a:pPr>
+                      <a:r>
+                        <a:rPr lang="ru-RU" sz="1200">
+                          <a:latin typeface="Times New Roman"/>
+                          <a:ea typeface="Calibri"/>
+                          <a:cs typeface="Times New Roman"/>
+                        </a:rPr>
+                        <a:t>Статья калькуляции</a:t>
+                      </a:r>
+                    </a:p>
+                  </a:txBody>
+                  <a:tcPr marL="68580" marR="68580" marT="0" marB="0" anchor="ctr">
+                    <a:lnL w="12700" cap="flat" cmpd="sng" algn="ctr">
+                      <a:solidFill>
+                        <a:srgbClr val="000000"/>
+                      </a:solidFill>
+                      <a:prstDash val="solid"/>
+                      <a:round/>
+                      <a:headEnd type="none" w="med" len="med"/>
+                      <a:tailEnd type="none" w="med" len="med"/>
+                    </a:lnL>
+                    <a:lnR w="12700" cap="flat" cmpd="sng" algn="ctr">
+                      <a:solidFill>
+                        <a:srgbClr val="000000"/>
+                      </a:solidFill>
+                      <a:prstDash val="solid"/>
+                      <a:round/>
+                      <a:headEnd type="none" w="med" len="med"/>
+                      <a:tailEnd type="none" w="med" len="med"/>
+                    </a:lnR>
+                    <a:lnT w="12700" cap="flat" cmpd="sng" algn="ctr">
+                      <a:solidFill>
+                        <a:srgbClr val="000000"/>
+                      </a:solidFill>
+                      <a:prstDash val="solid"/>
+                      <a:round/>
+                      <a:headEnd type="none" w="med" len="med"/>
+                      <a:tailEnd type="none" w="med" len="med"/>
+                    </a:lnT>
+                    <a:lnB w="12700" cap="flat" cmpd="sng" algn="ctr">
+                      <a:solidFill>
+                        <a:srgbClr val="000000"/>
+                      </a:solidFill>
+                      <a:prstDash val="solid"/>
+                      <a:round/>
+                      <a:headEnd type="none" w="med" len="med"/>
+                      <a:tailEnd type="none" w="med" len="med"/>
+                    </a:lnB>
+                    <a:solidFill>
+                      <a:srgbClr val="FFFFFF"/>
+                    </a:solidFill>
+                  </a:tcPr>
+                </a:tc>
+                <a:tc>
+                  <a:txBody>
+                    <a:bodyPr/>
+                    <a:lstStyle/>
+                    <a:p>
+                      <a:pPr algn="ctr">
+                        <a:lnSpc>
+                          <a:spcPct val="115000"/>
+                        </a:lnSpc>
+                        <a:spcAft>
+                          <a:spcPts val="0"/>
+                        </a:spcAft>
+                      </a:pPr>
+                      <a:r>
+                        <a:rPr lang="ru-RU" sz="1200">
+                          <a:latin typeface="Times New Roman"/>
+                          <a:ea typeface="Calibri"/>
+                          <a:cs typeface="Times New Roman"/>
+                        </a:rPr>
+                        <a:t>Затраты на единицу, грн</a:t>
+                      </a:r>
+                    </a:p>
+                  </a:txBody>
+                  <a:tcPr marL="68580" marR="68580" marT="0" marB="0">
+                    <a:lnL w="12700" cap="flat" cmpd="sng" algn="ctr">
+                      <a:solidFill>
+                        <a:srgbClr val="000000"/>
+                      </a:solidFill>
+                      <a:prstDash val="solid"/>
+                      <a:round/>
+                      <a:headEnd type="none" w="med" len="med"/>
+                      <a:tailEnd type="none" w="med" len="med"/>
+                    </a:lnL>
+                    <a:lnR w="12700" cap="flat" cmpd="sng" algn="ctr">
+                      <a:solidFill>
+                        <a:srgbClr val="000000"/>
+                      </a:solidFill>
+                      <a:prstDash val="solid"/>
+                      <a:round/>
+                      <a:headEnd type="none" w="med" len="med"/>
+                      <a:tailEnd type="none" w="med" len="med"/>
+                    </a:lnR>
+                    <a:lnT w="12700" cap="flat" cmpd="sng" algn="ctr">
+                      <a:solidFill>
+                        <a:srgbClr val="000000"/>
+                      </a:solidFill>
+                      <a:prstDash val="solid"/>
+                      <a:round/>
+                      <a:headEnd type="none" w="med" len="med"/>
+                      <a:tailEnd type="none" w="med" len="med"/>
+                    </a:lnT>
+                    <a:lnB w="12700" cap="flat" cmpd="sng" algn="ctr">
+                      <a:solidFill>
+                        <a:srgbClr val="000000"/>
+                      </a:solidFill>
+                      <a:prstDash val="solid"/>
+                      <a:round/>
+                      <a:headEnd type="none" w="med" len="med"/>
+                      <a:tailEnd type="none" w="med" len="med"/>
+                    </a:lnB>
+                    <a:solidFill>
+                      <a:srgbClr val="FFFFFF"/>
+                    </a:solidFill>
+                  </a:tcPr>
+                </a:tc>
+                <a:tc>
+                  <a:txBody>
+                    <a:bodyPr/>
+                    <a:lstStyle/>
+                    <a:p>
+                      <a:pPr algn="ctr">
+                        <a:lnSpc>
+                          <a:spcPct val="115000"/>
+                        </a:lnSpc>
+                        <a:spcAft>
+                          <a:spcPts val="0"/>
+                        </a:spcAft>
+                      </a:pPr>
+                      <a:r>
+                        <a:rPr lang="ru-RU" sz="1200">
+                          <a:latin typeface="Times New Roman"/>
+                          <a:ea typeface="Calibri"/>
+                          <a:cs typeface="Times New Roman"/>
+                        </a:rPr>
+                        <a:t>Примечание</a:t>
+                      </a:r>
+                    </a:p>
+                  </a:txBody>
+                  <a:tcPr marL="68580" marR="68580" marT="0" marB="0" anchor="ctr">
+                    <a:lnL w="12700" cap="flat" cmpd="sng" algn="ctr">
+                      <a:solidFill>
+                        <a:srgbClr val="000000"/>
+                      </a:solidFill>
+                      <a:prstDash val="solid"/>
+                      <a:round/>
+                      <a:headEnd type="none" w="med" len="med"/>
+                      <a:tailEnd type="none" w="med" len="med"/>
+                    </a:lnL>
+                    <a:lnR w="12700" cap="flat" cmpd="sng" algn="ctr">
+                      <a:solidFill>
+                        <a:srgbClr val="000000"/>
+                      </a:solidFill>
+                      <a:prstDash val="solid"/>
+                      <a:round/>
+                      <a:headEnd type="none" w="med" len="med"/>
+                      <a:tailEnd type="none" w="med" len="med"/>
+                    </a:lnR>
+                    <a:lnT w="12700" cap="flat" cmpd="sng" algn="ctr">
+                      <a:solidFill>
+                        <a:srgbClr val="000000"/>
+                      </a:solidFill>
+                      <a:prstDash val="solid"/>
+                      <a:round/>
+                      <a:headEnd type="none" w="med" len="med"/>
+                      <a:tailEnd type="none" w="med" len="med"/>
+                    </a:lnT>
+                    <a:lnB w="12700" cap="flat" cmpd="sng" algn="ctr">
+                      <a:solidFill>
+                        <a:srgbClr val="000000"/>
+                      </a:solidFill>
+                      <a:prstDash val="solid"/>
+                      <a:round/>
+                      <a:headEnd type="none" w="med" len="med"/>
+                      <a:tailEnd type="none" w="med" len="med"/>
+                    </a:lnB>
+                    <a:solidFill>
+                      <a:srgbClr val="FFFFFF"/>
+                    </a:solidFill>
+                  </a:tcPr>
+                </a:tc>
+              </a:tr>
+              <a:tr h="309634">
+                <a:tc>
+                  <a:txBody>
+                    <a:bodyPr/>
+                    <a:lstStyle/>
+                    <a:p>
+                      <a:pPr algn="just">
+                        <a:lnSpc>
+                          <a:spcPct val="115000"/>
+                        </a:lnSpc>
+                        <a:spcAft>
+                          <a:spcPts val="0"/>
+                        </a:spcAft>
+                      </a:pPr>
+                      <a:r>
+                        <a:rPr lang="ru-RU" sz="1200">
+                          <a:latin typeface="Times New Roman"/>
+                          <a:ea typeface="Calibri"/>
+                          <a:cs typeface="Times New Roman"/>
+                        </a:rPr>
+                        <a:t>1</a:t>
+                      </a:r>
+                    </a:p>
+                  </a:txBody>
+                  <a:tcPr marL="68580" marR="68580" marT="0" marB="0">
+                    <a:lnL w="12700" cap="flat" cmpd="sng" algn="ctr">
+                      <a:solidFill>
+                        <a:srgbClr val="000000"/>
+                      </a:solidFill>
+                      <a:prstDash val="solid"/>
+                      <a:round/>
+                      <a:headEnd type="none" w="med" len="med"/>
+                      <a:tailEnd type="none" w="med" len="med"/>
+                    </a:lnL>
+                    <a:lnR w="12700" cap="flat" cmpd="sng" algn="ctr">
+                      <a:solidFill>
+                        <a:srgbClr val="000000"/>
+                      </a:solidFill>
+                      <a:prstDash val="solid"/>
+                      <a:round/>
+                      <a:headEnd type="none" w="med" len="med"/>
+                      <a:tailEnd type="none" w="med" len="med"/>
+                    </a:lnR>
+                    <a:lnT w="12700" cap="flat" cmpd="sng" algn="ctr">
+                      <a:solidFill>
+                        <a:srgbClr val="000000"/>
+                      </a:solidFill>
+                      <a:prstDash val="solid"/>
+                      <a:round/>
+                      <a:headEnd type="none" w="med" len="med"/>
+                      <a:tailEnd type="none" w="med" len="med"/>
+                    </a:lnT>
+                    <a:lnB w="12700" cap="flat" cmpd="sng" algn="ctr">
+                      <a:solidFill>
+                        <a:srgbClr val="000000"/>
+                      </a:solidFill>
+                      <a:prstDash val="solid"/>
+                      <a:round/>
+                      <a:headEnd type="none" w="med" len="med"/>
+                      <a:tailEnd type="none" w="med" len="med"/>
+                    </a:lnB>
+                    <a:solidFill>
+                      <a:srgbClr val="FFFFFF"/>
+                    </a:solidFill>
+                  </a:tcPr>
+                </a:tc>
+                <a:tc>
+                  <a:txBody>
+                    <a:bodyPr/>
+                    <a:lstStyle/>
+                    <a:p>
+                      <a:pPr indent="68580" algn="just">
+                        <a:lnSpc>
+                          <a:spcPct val="115000"/>
+                        </a:lnSpc>
+                        <a:spcBef>
+                          <a:spcPts val="600"/>
+                        </a:spcBef>
+                        <a:spcAft>
+                          <a:spcPts val="600"/>
+                        </a:spcAft>
+                      </a:pPr>
+                      <a:r>
+                        <a:rPr lang="ru-RU" sz="1200">
+                          <a:latin typeface="Times New Roman"/>
+                          <a:ea typeface="Calibri"/>
+                          <a:cs typeface="Times New Roman"/>
+                        </a:rPr>
+                        <a:t>Покупные элементы (изделия)</a:t>
+                      </a:r>
+                    </a:p>
+                  </a:txBody>
+                  <a:tcPr marL="68580" marR="68580" marT="0" marB="0" anchor="ctr">
+                    <a:lnL w="12700" cap="flat" cmpd="sng" algn="ctr">
+                      <a:solidFill>
+                        <a:srgbClr val="000000"/>
+                      </a:solidFill>
+                      <a:prstDash val="solid"/>
+                      <a:round/>
+                      <a:headEnd type="none" w="med" len="med"/>
+                      <a:tailEnd type="none" w="med" len="med"/>
+                    </a:lnL>
+                    <a:lnR w="12700" cap="flat" cmpd="sng" algn="ctr">
+                      <a:solidFill>
+                        <a:srgbClr val="000000"/>
+                      </a:solidFill>
+                      <a:prstDash val="solid"/>
+                      <a:round/>
+                      <a:headEnd type="none" w="med" len="med"/>
+                      <a:tailEnd type="none" w="med" len="med"/>
+                    </a:lnR>
+                    <a:lnT w="12700" cap="flat" cmpd="sng" algn="ctr">
+                      <a:solidFill>
+                        <a:srgbClr val="000000"/>
+                      </a:solidFill>
+                      <a:prstDash val="solid"/>
+                      <a:round/>
+                      <a:headEnd type="none" w="med" len="med"/>
+                      <a:tailEnd type="none" w="med" len="med"/>
+                    </a:lnT>
+                    <a:lnB w="12700" cap="flat" cmpd="sng" algn="ctr">
+                      <a:solidFill>
+                        <a:srgbClr val="000000"/>
+                      </a:solidFill>
+                      <a:prstDash val="solid"/>
+                      <a:round/>
+                      <a:headEnd type="none" w="med" len="med"/>
+                      <a:tailEnd type="none" w="med" len="med"/>
+                    </a:lnB>
+                    <a:solidFill>
+                      <a:srgbClr val="FFFFFF"/>
+                    </a:solidFill>
+                  </a:tcPr>
+                </a:tc>
+                <a:tc>
+                  <a:txBody>
+                    <a:bodyPr/>
+                    <a:lstStyle/>
+                    <a:p>
+                      <a:pPr algn="ctr">
+                        <a:lnSpc>
+                          <a:spcPct val="115000"/>
+                        </a:lnSpc>
+                        <a:spcAft>
+                          <a:spcPts val="0"/>
+                        </a:spcAft>
+                      </a:pPr>
+                      <a:r>
+                        <a:rPr lang="ru-RU" sz="1200">
+                          <a:latin typeface="Times New Roman"/>
+                          <a:ea typeface="Calibri"/>
+                          <a:cs typeface="Times New Roman"/>
+                        </a:rPr>
+                        <a:t>452,31</a:t>
+                      </a:r>
+                    </a:p>
+                  </a:txBody>
+                  <a:tcPr marL="68580" marR="68580" marT="0" marB="0" anchor="ctr">
+                    <a:lnL w="12700" cap="flat" cmpd="sng" algn="ctr">
+                      <a:solidFill>
+                        <a:srgbClr val="000000"/>
+                      </a:solidFill>
+                      <a:prstDash val="solid"/>
+                      <a:round/>
+                      <a:headEnd type="none" w="med" len="med"/>
+                      <a:tailEnd type="none" w="med" len="med"/>
+                    </a:lnL>
+                    <a:lnR w="12700" cap="flat" cmpd="sng" algn="ctr">
+                      <a:solidFill>
+                        <a:srgbClr val="000000"/>
+                      </a:solidFill>
+                      <a:prstDash val="solid"/>
+                      <a:round/>
+                      <a:headEnd type="none" w="med" len="med"/>
+                      <a:tailEnd type="none" w="med" len="med"/>
+                    </a:lnR>
+                    <a:lnT w="12700" cap="flat" cmpd="sng" algn="ctr">
+                      <a:solidFill>
+                        <a:srgbClr val="000000"/>
+                      </a:solidFill>
+                      <a:prstDash val="solid"/>
+                      <a:round/>
+                      <a:headEnd type="none" w="med" len="med"/>
+                      <a:tailEnd type="none" w="med" len="med"/>
+                    </a:lnT>
+                    <a:lnB w="12700" cap="flat" cmpd="sng" algn="ctr">
+                      <a:solidFill>
+                        <a:srgbClr val="000000"/>
+                      </a:solidFill>
+                      <a:prstDash val="solid"/>
+                      <a:round/>
+                      <a:headEnd type="none" w="med" len="med"/>
+                      <a:tailEnd type="none" w="med" len="med"/>
+                    </a:lnB>
+                    <a:solidFill>
+                      <a:srgbClr val="FFFFFF"/>
+                    </a:solidFill>
+                  </a:tcPr>
+                </a:tc>
+                <a:tc>
+                  <a:txBody>
+                    <a:bodyPr/>
+                    <a:lstStyle/>
+                    <a:p>
+                      <a:pPr algn="ctr">
+                        <a:lnSpc>
+                          <a:spcPct val="115000"/>
+                        </a:lnSpc>
+                        <a:spcAft>
+                          <a:spcPts val="0"/>
+                        </a:spcAft>
+                      </a:pPr>
+                      <a:r>
+                        <a:rPr lang="ru-RU" sz="1200">
+                          <a:latin typeface="Times New Roman"/>
+                          <a:ea typeface="Calibri"/>
+                          <a:cs typeface="Times New Roman"/>
+                        </a:rPr>
+                        <a:t>табл. 3.2</a:t>
+                      </a:r>
+                    </a:p>
+                  </a:txBody>
+                  <a:tcPr marL="68580" marR="68580" marT="0" marB="0" anchor="ctr">
+                    <a:lnL w="12700" cap="flat" cmpd="sng" algn="ctr">
+                      <a:solidFill>
+                        <a:srgbClr val="000000"/>
+                      </a:solidFill>
+                      <a:prstDash val="solid"/>
+                      <a:round/>
+                      <a:headEnd type="none" w="med" len="med"/>
+                      <a:tailEnd type="none" w="med" len="med"/>
+                    </a:lnL>
+                    <a:lnR w="12700" cap="flat" cmpd="sng" algn="ctr">
+                      <a:solidFill>
+                        <a:srgbClr val="000000"/>
+                      </a:solidFill>
+                      <a:prstDash val="solid"/>
+                      <a:round/>
+                      <a:headEnd type="none" w="med" len="med"/>
+                      <a:tailEnd type="none" w="med" len="med"/>
+                    </a:lnR>
+                    <a:lnT w="12700" cap="flat" cmpd="sng" algn="ctr">
+                      <a:solidFill>
+                        <a:srgbClr val="000000"/>
+                      </a:solidFill>
+                      <a:prstDash val="solid"/>
+                      <a:round/>
+                      <a:headEnd type="none" w="med" len="med"/>
+                      <a:tailEnd type="none" w="med" len="med"/>
+                    </a:lnT>
+                    <a:lnB w="12700" cap="flat" cmpd="sng" algn="ctr">
+                      <a:solidFill>
+                        <a:srgbClr val="000000"/>
+                      </a:solidFill>
+                      <a:prstDash val="solid"/>
+                      <a:round/>
+                      <a:headEnd type="none" w="med" len="med"/>
+                      <a:tailEnd type="none" w="med" len="med"/>
+                    </a:lnB>
+                    <a:solidFill>
+                      <a:srgbClr val="FFFFFF"/>
+                    </a:solidFill>
+                  </a:tcPr>
+                </a:tc>
+              </a:tr>
+              <a:tr h="309634">
+                <a:tc>
+                  <a:txBody>
+                    <a:bodyPr/>
+                    <a:lstStyle/>
+                    <a:p>
+                      <a:pPr algn="just">
+                        <a:lnSpc>
+                          <a:spcPct val="115000"/>
+                        </a:lnSpc>
+                        <a:spcAft>
+                          <a:spcPts val="0"/>
+                        </a:spcAft>
+                      </a:pPr>
+                      <a:r>
+                        <a:rPr lang="ru-RU" sz="1200">
+                          <a:latin typeface="Times New Roman"/>
+                          <a:ea typeface="Calibri"/>
+                          <a:cs typeface="Times New Roman"/>
+                        </a:rPr>
+                        <a:t>2</a:t>
+                      </a:r>
+                    </a:p>
+                  </a:txBody>
+                  <a:tcPr marL="68580" marR="68580" marT="0" marB="0">
+                    <a:lnL w="12700" cap="flat" cmpd="sng" algn="ctr">
+                      <a:solidFill>
+                        <a:srgbClr val="000000"/>
+                      </a:solidFill>
+                      <a:prstDash val="solid"/>
+                      <a:round/>
+                      <a:headEnd type="none" w="med" len="med"/>
+                      <a:tailEnd type="none" w="med" len="med"/>
+                    </a:lnL>
+                    <a:lnR w="12700" cap="flat" cmpd="sng" algn="ctr">
+                      <a:solidFill>
+                        <a:srgbClr val="000000"/>
+                      </a:solidFill>
+                      <a:prstDash val="solid"/>
+                      <a:round/>
+                      <a:headEnd type="none" w="med" len="med"/>
+                      <a:tailEnd type="none" w="med" len="med"/>
+                    </a:lnR>
+                    <a:lnT w="12700" cap="flat" cmpd="sng" algn="ctr">
+                      <a:solidFill>
+                        <a:srgbClr val="000000"/>
+                      </a:solidFill>
+                      <a:prstDash val="solid"/>
+                      <a:round/>
+                      <a:headEnd type="none" w="med" len="med"/>
+                      <a:tailEnd type="none" w="med" len="med"/>
+                    </a:lnT>
+                    <a:lnB w="12700" cap="flat" cmpd="sng" algn="ctr">
+                      <a:solidFill>
+                        <a:srgbClr val="000000"/>
+                      </a:solidFill>
+                      <a:prstDash val="solid"/>
+                      <a:round/>
+                      <a:headEnd type="none" w="med" len="med"/>
+                      <a:tailEnd type="none" w="med" len="med"/>
+                    </a:lnB>
+                    <a:solidFill>
+                      <a:srgbClr val="FFFFFF"/>
+                    </a:solidFill>
+                  </a:tcPr>
+                </a:tc>
+                <a:tc>
+                  <a:txBody>
+                    <a:bodyPr/>
+                    <a:lstStyle/>
+                    <a:p>
+                      <a:pPr indent="68580" algn="just">
+                        <a:lnSpc>
+                          <a:spcPct val="115000"/>
+                        </a:lnSpc>
+                        <a:spcBef>
+                          <a:spcPts val="600"/>
+                        </a:spcBef>
+                        <a:spcAft>
+                          <a:spcPts val="600"/>
+                        </a:spcAft>
+                      </a:pPr>
+                      <a:r>
+                        <a:rPr lang="ru-RU" sz="1200">
+                          <a:latin typeface="Times New Roman"/>
+                          <a:ea typeface="Calibri"/>
+                          <a:cs typeface="Times New Roman"/>
+                        </a:rPr>
+                        <a:t>Основная заработная плата, ОЗП</a:t>
+                      </a:r>
+                    </a:p>
+                  </a:txBody>
+                  <a:tcPr marL="68580" marR="68580" marT="0" marB="0" anchor="ctr">
+                    <a:lnL w="12700" cap="flat" cmpd="sng" algn="ctr">
+                      <a:solidFill>
+                        <a:srgbClr val="000000"/>
+                      </a:solidFill>
+                      <a:prstDash val="solid"/>
+                      <a:round/>
+                      <a:headEnd type="none" w="med" len="med"/>
+                      <a:tailEnd type="none" w="med" len="med"/>
+                    </a:lnL>
+                    <a:lnR w="12700" cap="flat" cmpd="sng" algn="ctr">
+                      <a:solidFill>
+                        <a:srgbClr val="000000"/>
+                      </a:solidFill>
+                      <a:prstDash val="solid"/>
+                      <a:round/>
+                      <a:headEnd type="none" w="med" len="med"/>
+                      <a:tailEnd type="none" w="med" len="med"/>
+                    </a:lnR>
+                    <a:lnT w="12700" cap="flat" cmpd="sng" algn="ctr">
+                      <a:solidFill>
+                        <a:srgbClr val="000000"/>
+                      </a:solidFill>
+                      <a:prstDash val="solid"/>
+                      <a:round/>
+                      <a:headEnd type="none" w="med" len="med"/>
+                      <a:tailEnd type="none" w="med" len="med"/>
+                    </a:lnT>
+                    <a:lnB w="12700" cap="flat" cmpd="sng" algn="ctr">
+                      <a:solidFill>
+                        <a:srgbClr val="000000"/>
+                      </a:solidFill>
+                      <a:prstDash val="solid"/>
+                      <a:round/>
+                      <a:headEnd type="none" w="med" len="med"/>
+                      <a:tailEnd type="none" w="med" len="med"/>
+                    </a:lnB>
+                    <a:solidFill>
+                      <a:srgbClr val="FFFFFF"/>
+                    </a:solidFill>
+                  </a:tcPr>
+                </a:tc>
+                <a:tc>
+                  <a:txBody>
+                    <a:bodyPr/>
+                    <a:lstStyle/>
+                    <a:p>
+                      <a:pPr algn="ctr">
+                        <a:lnSpc>
+                          <a:spcPct val="115000"/>
+                        </a:lnSpc>
+                        <a:spcAft>
+                          <a:spcPts val="0"/>
+                        </a:spcAft>
+                      </a:pPr>
+                      <a:r>
+                        <a:rPr lang="ru-RU" sz="1200">
+                          <a:latin typeface="Times New Roman"/>
+                          <a:ea typeface="Calibri"/>
+                          <a:cs typeface="Times New Roman"/>
+                        </a:rPr>
+                        <a:t>4456,70</a:t>
+                      </a:r>
+                    </a:p>
+                  </a:txBody>
+                  <a:tcPr marL="68580" marR="68580" marT="0" marB="0" anchor="ctr">
+                    <a:lnL w="12700" cap="flat" cmpd="sng" algn="ctr">
+                      <a:solidFill>
+                        <a:srgbClr val="000000"/>
+                      </a:solidFill>
+                      <a:prstDash val="solid"/>
+                      <a:round/>
+                      <a:headEnd type="none" w="med" len="med"/>
+                      <a:tailEnd type="none" w="med" len="med"/>
+                    </a:lnL>
+                    <a:lnR w="12700" cap="flat" cmpd="sng" algn="ctr">
+                      <a:solidFill>
+                        <a:srgbClr val="000000"/>
+                      </a:solidFill>
+                      <a:prstDash val="solid"/>
+                      <a:round/>
+                      <a:headEnd type="none" w="med" len="med"/>
+                      <a:tailEnd type="none" w="med" len="med"/>
+                    </a:lnR>
+                    <a:lnT w="12700" cap="flat" cmpd="sng" algn="ctr">
+                      <a:solidFill>
+                        <a:srgbClr val="000000"/>
+                      </a:solidFill>
+                      <a:prstDash val="solid"/>
+                      <a:round/>
+                      <a:headEnd type="none" w="med" len="med"/>
+                      <a:tailEnd type="none" w="med" len="med"/>
+                    </a:lnT>
+                    <a:lnB w="12700" cap="flat" cmpd="sng" algn="ctr">
+                      <a:solidFill>
+                        <a:srgbClr val="000000"/>
+                      </a:solidFill>
+                      <a:prstDash val="solid"/>
+                      <a:round/>
+                      <a:headEnd type="none" w="med" len="med"/>
+                      <a:tailEnd type="none" w="med" len="med"/>
+                    </a:lnB>
+                    <a:solidFill>
+                      <a:srgbClr val="FFFFFF"/>
+                    </a:solidFill>
+                  </a:tcPr>
+                </a:tc>
+                <a:tc>
+                  <a:txBody>
+                    <a:bodyPr/>
+                    <a:lstStyle/>
+                    <a:p>
+                      <a:pPr algn="ctr">
+                        <a:lnSpc>
+                          <a:spcPct val="115000"/>
+                        </a:lnSpc>
+                        <a:spcAft>
+                          <a:spcPts val="0"/>
+                        </a:spcAft>
+                      </a:pPr>
+                      <a:r>
+                        <a:rPr lang="ru-RU" sz="1200">
+                          <a:latin typeface="Times New Roman"/>
+                          <a:ea typeface="Calibri"/>
+                          <a:cs typeface="Times New Roman"/>
+                        </a:rPr>
+                        <a:t>табл. 3.3</a:t>
+                      </a:r>
+                    </a:p>
+                  </a:txBody>
+                  <a:tcPr marL="68580" marR="68580" marT="0" marB="0" anchor="ctr">
+                    <a:lnL w="12700" cap="flat" cmpd="sng" algn="ctr">
+                      <a:solidFill>
+                        <a:srgbClr val="000000"/>
+                      </a:solidFill>
+                      <a:prstDash val="solid"/>
+                      <a:round/>
+                      <a:headEnd type="none" w="med" len="med"/>
+                      <a:tailEnd type="none" w="med" len="med"/>
+                    </a:lnL>
+                    <a:lnR w="12700" cap="flat" cmpd="sng" algn="ctr">
+                      <a:solidFill>
+                        <a:srgbClr val="000000"/>
+                      </a:solidFill>
+                      <a:prstDash val="solid"/>
+                      <a:round/>
+                      <a:headEnd type="none" w="med" len="med"/>
+                      <a:tailEnd type="none" w="med" len="med"/>
+                    </a:lnR>
+                    <a:lnT w="12700" cap="flat" cmpd="sng" algn="ctr">
+                      <a:solidFill>
+                        <a:srgbClr val="000000"/>
+                      </a:solidFill>
+                      <a:prstDash val="solid"/>
+                      <a:round/>
+                      <a:headEnd type="none" w="med" len="med"/>
+                      <a:tailEnd type="none" w="med" len="med"/>
+                    </a:lnT>
+                    <a:lnB w="12700" cap="flat" cmpd="sng" algn="ctr">
+                      <a:solidFill>
+                        <a:srgbClr val="000000"/>
+                      </a:solidFill>
+                      <a:prstDash val="solid"/>
+                      <a:round/>
+                      <a:headEnd type="none" w="med" len="med"/>
+                      <a:tailEnd type="none" w="med" len="med"/>
+                    </a:lnB>
+                    <a:solidFill>
+                      <a:srgbClr val="FFFFFF"/>
+                    </a:solidFill>
+                  </a:tcPr>
+                </a:tc>
+              </a:tr>
+              <a:tr h="309634">
+                <a:tc>
+                  <a:txBody>
+                    <a:bodyPr/>
+                    <a:lstStyle/>
+                    <a:p>
+                      <a:pPr algn="just">
+                        <a:lnSpc>
+                          <a:spcPct val="115000"/>
+                        </a:lnSpc>
+                        <a:spcAft>
+                          <a:spcPts val="0"/>
+                        </a:spcAft>
+                      </a:pPr>
+                      <a:r>
+                        <a:rPr lang="ru-RU" sz="1200">
+                          <a:latin typeface="Times New Roman"/>
+                          <a:ea typeface="Calibri"/>
+                          <a:cs typeface="Times New Roman"/>
+                        </a:rPr>
+                        <a:t>3</a:t>
+                      </a:r>
+                    </a:p>
+                  </a:txBody>
+                  <a:tcPr marL="68580" marR="68580" marT="0" marB="0">
+                    <a:lnL w="12700" cap="flat" cmpd="sng" algn="ctr">
+                      <a:solidFill>
+                        <a:srgbClr val="000000"/>
+                      </a:solidFill>
+                      <a:prstDash val="solid"/>
+                      <a:round/>
+                      <a:headEnd type="none" w="med" len="med"/>
+                      <a:tailEnd type="none" w="med" len="med"/>
+                    </a:lnL>
+                    <a:lnR w="12700" cap="flat" cmpd="sng" algn="ctr">
+                      <a:solidFill>
+                        <a:srgbClr val="000000"/>
+                      </a:solidFill>
+                      <a:prstDash val="solid"/>
+                      <a:round/>
+                      <a:headEnd type="none" w="med" len="med"/>
+                      <a:tailEnd type="none" w="med" len="med"/>
+                    </a:lnR>
+                    <a:lnT w="12700" cap="flat" cmpd="sng" algn="ctr">
+                      <a:solidFill>
+                        <a:srgbClr val="000000"/>
+                      </a:solidFill>
+                      <a:prstDash val="solid"/>
+                      <a:round/>
+                      <a:headEnd type="none" w="med" len="med"/>
+                      <a:tailEnd type="none" w="med" len="med"/>
+                    </a:lnT>
+                    <a:lnB w="12700" cap="flat" cmpd="sng" algn="ctr">
+                      <a:solidFill>
+                        <a:srgbClr val="000000"/>
+                      </a:solidFill>
+                      <a:prstDash val="solid"/>
+                      <a:round/>
+                      <a:headEnd type="none" w="med" len="med"/>
+                      <a:tailEnd type="none" w="med" len="med"/>
+                    </a:lnB>
+                    <a:solidFill>
+                      <a:srgbClr val="FFFFFF"/>
+                    </a:solidFill>
+                  </a:tcPr>
+                </a:tc>
+                <a:tc>
+                  <a:txBody>
+                    <a:bodyPr/>
+                    <a:lstStyle/>
+                    <a:p>
+                      <a:pPr indent="68580" algn="just">
+                        <a:lnSpc>
+                          <a:spcPct val="115000"/>
+                        </a:lnSpc>
+                        <a:spcBef>
+                          <a:spcPts val="600"/>
+                        </a:spcBef>
+                        <a:spcAft>
+                          <a:spcPts val="600"/>
+                        </a:spcAft>
+                      </a:pPr>
+                      <a:r>
+                        <a:rPr lang="ru-RU" sz="1200">
+                          <a:latin typeface="Times New Roman"/>
+                          <a:ea typeface="Calibri"/>
+                          <a:cs typeface="Times New Roman"/>
+                        </a:rPr>
+                        <a:t>Дополнительная заработная плата, ДЗП</a:t>
+                      </a:r>
+                    </a:p>
+                  </a:txBody>
+                  <a:tcPr marL="68580" marR="68580" marT="0" marB="0" anchor="ctr">
+                    <a:lnL w="12700" cap="flat" cmpd="sng" algn="ctr">
+                      <a:solidFill>
+                        <a:srgbClr val="000000"/>
+                      </a:solidFill>
+                      <a:prstDash val="solid"/>
+                      <a:round/>
+                      <a:headEnd type="none" w="med" len="med"/>
+                      <a:tailEnd type="none" w="med" len="med"/>
+                    </a:lnL>
+                    <a:lnR w="12700" cap="flat" cmpd="sng" algn="ctr">
+                      <a:solidFill>
+                        <a:srgbClr val="000000"/>
+                      </a:solidFill>
+                      <a:prstDash val="solid"/>
+                      <a:round/>
+                      <a:headEnd type="none" w="med" len="med"/>
+                      <a:tailEnd type="none" w="med" len="med"/>
+                    </a:lnR>
+                    <a:lnT w="12700" cap="flat" cmpd="sng" algn="ctr">
+                      <a:solidFill>
+                        <a:srgbClr val="000000"/>
+                      </a:solidFill>
+                      <a:prstDash val="solid"/>
+                      <a:round/>
+                      <a:headEnd type="none" w="med" len="med"/>
+                      <a:tailEnd type="none" w="med" len="med"/>
+                    </a:lnT>
+                    <a:lnB w="12700" cap="flat" cmpd="sng" algn="ctr">
+                      <a:solidFill>
+                        <a:srgbClr val="000000"/>
+                      </a:solidFill>
+                      <a:prstDash val="solid"/>
+                      <a:round/>
+                      <a:headEnd type="none" w="med" len="med"/>
+                      <a:tailEnd type="none" w="med" len="med"/>
+                    </a:lnB>
+                    <a:solidFill>
+                      <a:srgbClr val="FFFFFF"/>
+                    </a:solidFill>
+                  </a:tcPr>
+                </a:tc>
+                <a:tc>
+                  <a:txBody>
+                    <a:bodyPr/>
+                    <a:lstStyle/>
+                    <a:p>
+                      <a:pPr algn="ctr">
+                        <a:lnSpc>
+                          <a:spcPct val="115000"/>
+                        </a:lnSpc>
+                        <a:spcAft>
+                          <a:spcPts val="0"/>
+                        </a:spcAft>
+                      </a:pPr>
+                      <a:r>
+                        <a:rPr lang="ru-RU" sz="1200">
+                          <a:latin typeface="Times New Roman"/>
+                          <a:ea typeface="Calibri"/>
+                          <a:cs typeface="Times New Roman"/>
+                        </a:rPr>
+                        <a:t>1114,18</a:t>
+                      </a:r>
+                    </a:p>
+                  </a:txBody>
+                  <a:tcPr marL="68580" marR="68580" marT="0" marB="0" anchor="ctr">
+                    <a:lnL w="12700" cap="flat" cmpd="sng" algn="ctr">
+                      <a:solidFill>
+                        <a:srgbClr val="000000"/>
+                      </a:solidFill>
+                      <a:prstDash val="solid"/>
+                      <a:round/>
+                      <a:headEnd type="none" w="med" len="med"/>
+                      <a:tailEnd type="none" w="med" len="med"/>
+                    </a:lnL>
+                    <a:lnR w="12700" cap="flat" cmpd="sng" algn="ctr">
+                      <a:solidFill>
+                        <a:srgbClr val="000000"/>
+                      </a:solidFill>
+                      <a:prstDash val="solid"/>
+                      <a:round/>
+                      <a:headEnd type="none" w="med" len="med"/>
+                      <a:tailEnd type="none" w="med" len="med"/>
+                    </a:lnR>
+                    <a:lnT w="12700" cap="flat" cmpd="sng" algn="ctr">
+                      <a:solidFill>
+                        <a:srgbClr val="000000"/>
+                      </a:solidFill>
+                      <a:prstDash val="solid"/>
+                      <a:round/>
+                      <a:headEnd type="none" w="med" len="med"/>
+                      <a:tailEnd type="none" w="med" len="med"/>
+                    </a:lnT>
+                    <a:lnB w="12700" cap="flat" cmpd="sng" algn="ctr">
+                      <a:solidFill>
+                        <a:srgbClr val="000000"/>
+                      </a:solidFill>
+                      <a:prstDash val="solid"/>
+                      <a:round/>
+                      <a:headEnd type="none" w="med" len="med"/>
+                      <a:tailEnd type="none" w="med" len="med"/>
+                    </a:lnB>
+                    <a:solidFill>
+                      <a:srgbClr val="FFFFFF"/>
+                    </a:solidFill>
+                  </a:tcPr>
+                </a:tc>
+                <a:tc>
+                  <a:txBody>
+                    <a:bodyPr/>
+                    <a:lstStyle/>
+                    <a:p>
+                      <a:pPr algn="ctr">
+                        <a:lnSpc>
+                          <a:spcPct val="115000"/>
+                        </a:lnSpc>
+                        <a:spcAft>
+                          <a:spcPts val="0"/>
+                        </a:spcAft>
+                      </a:pPr>
+                      <a:r>
+                        <a:rPr lang="ru-RU" sz="1200">
+                          <a:latin typeface="Times New Roman"/>
+                          <a:ea typeface="Calibri"/>
+                          <a:cs typeface="Times New Roman"/>
+                        </a:rPr>
+                        <a:t>25% от ОЗП</a:t>
+                      </a:r>
+                    </a:p>
+                  </a:txBody>
+                  <a:tcPr marL="68580" marR="68580" marT="0" marB="0" anchor="ctr">
+                    <a:lnL w="12700" cap="flat" cmpd="sng" algn="ctr">
+                      <a:solidFill>
+                        <a:srgbClr val="000000"/>
+                      </a:solidFill>
+                      <a:prstDash val="solid"/>
+                      <a:round/>
+                      <a:headEnd type="none" w="med" len="med"/>
+                      <a:tailEnd type="none" w="med" len="med"/>
+                    </a:lnL>
+                    <a:lnR w="12700" cap="flat" cmpd="sng" algn="ctr">
+                      <a:solidFill>
+                        <a:srgbClr val="000000"/>
+                      </a:solidFill>
+                      <a:prstDash val="solid"/>
+                      <a:round/>
+                      <a:headEnd type="none" w="med" len="med"/>
+                      <a:tailEnd type="none" w="med" len="med"/>
+                    </a:lnR>
+                    <a:lnT w="12700" cap="flat" cmpd="sng" algn="ctr">
+                      <a:solidFill>
+                        <a:srgbClr val="000000"/>
+                      </a:solidFill>
+                      <a:prstDash val="solid"/>
+                      <a:round/>
+                      <a:headEnd type="none" w="med" len="med"/>
+                      <a:tailEnd type="none" w="med" len="med"/>
+                    </a:lnT>
+                    <a:lnB w="12700" cap="flat" cmpd="sng" algn="ctr">
+                      <a:solidFill>
+                        <a:srgbClr val="000000"/>
+                      </a:solidFill>
+                      <a:prstDash val="solid"/>
+                      <a:round/>
+                      <a:headEnd type="none" w="med" len="med"/>
+                      <a:tailEnd type="none" w="med" len="med"/>
+                    </a:lnB>
+                    <a:solidFill>
+                      <a:srgbClr val="FFFFFF"/>
+                    </a:solidFill>
+                  </a:tcPr>
+                </a:tc>
+              </a:tr>
+              <a:tr h="309634">
+                <a:tc>
+                  <a:txBody>
+                    <a:bodyPr/>
+                    <a:lstStyle/>
+                    <a:p>
+                      <a:pPr algn="just">
+                        <a:lnSpc>
+                          <a:spcPct val="115000"/>
+                        </a:lnSpc>
+                        <a:spcAft>
+                          <a:spcPts val="0"/>
+                        </a:spcAft>
+                      </a:pPr>
+                      <a:r>
+                        <a:rPr lang="ru-RU" sz="1200">
+                          <a:latin typeface="Times New Roman"/>
+                          <a:ea typeface="Calibri"/>
+                          <a:cs typeface="Times New Roman"/>
+                        </a:rPr>
+                        <a:t>4</a:t>
+                      </a:r>
+                    </a:p>
+                  </a:txBody>
+                  <a:tcPr marL="68580" marR="68580" marT="0" marB="0">
+                    <a:lnL w="12700" cap="flat" cmpd="sng" algn="ctr">
+                      <a:solidFill>
+                        <a:srgbClr val="000000"/>
+                      </a:solidFill>
+                      <a:prstDash val="solid"/>
+                      <a:round/>
+                      <a:headEnd type="none" w="med" len="med"/>
+                      <a:tailEnd type="none" w="med" len="med"/>
+                    </a:lnL>
+                    <a:lnR w="12700" cap="flat" cmpd="sng" algn="ctr">
+                      <a:solidFill>
+                        <a:srgbClr val="000000"/>
+                      </a:solidFill>
+                      <a:prstDash val="solid"/>
+                      <a:round/>
+                      <a:headEnd type="none" w="med" len="med"/>
+                      <a:tailEnd type="none" w="med" len="med"/>
+                    </a:lnR>
+                    <a:lnT w="12700" cap="flat" cmpd="sng" algn="ctr">
+                      <a:solidFill>
+                        <a:srgbClr val="000000"/>
+                      </a:solidFill>
+                      <a:prstDash val="solid"/>
+                      <a:round/>
+                      <a:headEnd type="none" w="med" len="med"/>
+                      <a:tailEnd type="none" w="med" len="med"/>
+                    </a:lnT>
+                    <a:lnB w="12700" cap="flat" cmpd="sng" algn="ctr">
+                      <a:solidFill>
+                        <a:srgbClr val="000000"/>
+                      </a:solidFill>
+                      <a:prstDash val="solid"/>
+                      <a:round/>
+                      <a:headEnd type="none" w="med" len="med"/>
+                      <a:tailEnd type="none" w="med" len="med"/>
+                    </a:lnB>
+                    <a:solidFill>
+                      <a:srgbClr val="FFFFFF"/>
+                    </a:solidFill>
+                  </a:tcPr>
+                </a:tc>
+                <a:tc>
+                  <a:txBody>
+                    <a:bodyPr/>
+                    <a:lstStyle/>
+                    <a:p>
+                      <a:pPr indent="68580" algn="just">
+                        <a:lnSpc>
+                          <a:spcPct val="115000"/>
+                        </a:lnSpc>
+                        <a:spcBef>
+                          <a:spcPts val="600"/>
+                        </a:spcBef>
+                        <a:spcAft>
+                          <a:spcPts val="600"/>
+                        </a:spcAft>
+                      </a:pPr>
+                      <a:r>
+                        <a:rPr lang="ru-RU" sz="1200">
+                          <a:latin typeface="Times New Roman"/>
+                          <a:ea typeface="Calibri"/>
+                          <a:cs typeface="Times New Roman"/>
+                        </a:rPr>
+                        <a:t>Начисления на заработную плату</a:t>
+                      </a:r>
+                    </a:p>
+                  </a:txBody>
+                  <a:tcPr marL="68580" marR="68580" marT="0" marB="0" anchor="ctr">
+                    <a:lnL w="12700" cap="flat" cmpd="sng" algn="ctr">
+                      <a:solidFill>
+                        <a:srgbClr val="000000"/>
+                      </a:solidFill>
+                      <a:prstDash val="solid"/>
+                      <a:round/>
+                      <a:headEnd type="none" w="med" len="med"/>
+                      <a:tailEnd type="none" w="med" len="med"/>
+                    </a:lnL>
+                    <a:lnR w="12700" cap="flat" cmpd="sng" algn="ctr">
+                      <a:solidFill>
+                        <a:srgbClr val="000000"/>
+                      </a:solidFill>
+                      <a:prstDash val="solid"/>
+                      <a:round/>
+                      <a:headEnd type="none" w="med" len="med"/>
+                      <a:tailEnd type="none" w="med" len="med"/>
+                    </a:lnR>
+                    <a:lnT w="12700" cap="flat" cmpd="sng" algn="ctr">
+                      <a:solidFill>
+                        <a:srgbClr val="000000"/>
+                      </a:solidFill>
+                      <a:prstDash val="solid"/>
+                      <a:round/>
+                      <a:headEnd type="none" w="med" len="med"/>
+                      <a:tailEnd type="none" w="med" len="med"/>
+                    </a:lnT>
+                    <a:lnB w="12700" cap="flat" cmpd="sng" algn="ctr">
+                      <a:solidFill>
+                        <a:srgbClr val="000000"/>
+                      </a:solidFill>
+                      <a:prstDash val="solid"/>
+                      <a:round/>
+                      <a:headEnd type="none" w="med" len="med"/>
+                      <a:tailEnd type="none" w="med" len="med"/>
+                    </a:lnB>
+                    <a:solidFill>
+                      <a:srgbClr val="FFFFFF"/>
+                    </a:solidFill>
+                  </a:tcPr>
+                </a:tc>
+                <a:tc>
+                  <a:txBody>
+                    <a:bodyPr/>
+                    <a:lstStyle/>
+                    <a:p>
+                      <a:pPr algn="ctr">
+                        <a:lnSpc>
+                          <a:spcPct val="115000"/>
+                        </a:lnSpc>
+                        <a:spcAft>
+                          <a:spcPts val="0"/>
+                        </a:spcAft>
+                      </a:pPr>
+                      <a:r>
+                        <a:rPr lang="ru-RU" sz="1200">
+                          <a:latin typeface="Times New Roman"/>
+                          <a:ea typeface="Calibri"/>
+                          <a:cs typeface="Times New Roman"/>
+                        </a:rPr>
+                        <a:t>2089,08</a:t>
+                      </a:r>
+                    </a:p>
+                  </a:txBody>
+                  <a:tcPr marL="68580" marR="68580" marT="0" marB="0" anchor="ctr">
+                    <a:lnL w="12700" cap="flat" cmpd="sng" algn="ctr">
+                      <a:solidFill>
+                        <a:srgbClr val="000000"/>
+                      </a:solidFill>
+                      <a:prstDash val="solid"/>
+                      <a:round/>
+                      <a:headEnd type="none" w="med" len="med"/>
+                      <a:tailEnd type="none" w="med" len="med"/>
+                    </a:lnL>
+                    <a:lnR w="12700" cap="flat" cmpd="sng" algn="ctr">
+                      <a:solidFill>
+                        <a:srgbClr val="000000"/>
+                      </a:solidFill>
+                      <a:prstDash val="solid"/>
+                      <a:round/>
+                      <a:headEnd type="none" w="med" len="med"/>
+                      <a:tailEnd type="none" w="med" len="med"/>
+                    </a:lnR>
+                    <a:lnT w="12700" cap="flat" cmpd="sng" algn="ctr">
+                      <a:solidFill>
+                        <a:srgbClr val="000000"/>
+                      </a:solidFill>
+                      <a:prstDash val="solid"/>
+                      <a:round/>
+                      <a:headEnd type="none" w="med" len="med"/>
+                      <a:tailEnd type="none" w="med" len="med"/>
+                    </a:lnT>
+                    <a:lnB w="12700" cap="flat" cmpd="sng" algn="ctr">
+                      <a:solidFill>
+                        <a:srgbClr val="000000"/>
+                      </a:solidFill>
+                      <a:prstDash val="solid"/>
+                      <a:round/>
+                      <a:headEnd type="none" w="med" len="med"/>
+                      <a:tailEnd type="none" w="med" len="med"/>
+                    </a:lnB>
+                    <a:solidFill>
+                      <a:srgbClr val="FFFFFF"/>
+                    </a:solidFill>
+                  </a:tcPr>
+                </a:tc>
+                <a:tc>
+                  <a:txBody>
+                    <a:bodyPr/>
+                    <a:lstStyle/>
+                    <a:p>
+                      <a:pPr algn="ctr">
+                        <a:lnSpc>
+                          <a:spcPct val="115000"/>
+                        </a:lnSpc>
+                        <a:spcBef>
+                          <a:spcPts val="600"/>
+                        </a:spcBef>
+                        <a:spcAft>
+                          <a:spcPts val="600"/>
+                        </a:spcAft>
+                      </a:pPr>
+                      <a:r>
+                        <a:rPr lang="ru-RU" sz="1200">
+                          <a:latin typeface="Times New Roman"/>
+                          <a:ea typeface="Calibri"/>
+                          <a:cs typeface="Times New Roman"/>
+                        </a:rPr>
+                        <a:t>37,5% от (ОЗП + ДЗП)</a:t>
+                      </a:r>
+                    </a:p>
+                  </a:txBody>
+                  <a:tcPr marL="68580" marR="68580" marT="0" marB="0" anchor="ctr">
+                    <a:lnL w="12700" cap="flat" cmpd="sng" algn="ctr">
+                      <a:solidFill>
+                        <a:srgbClr val="000000"/>
+                      </a:solidFill>
+                      <a:prstDash val="solid"/>
+                      <a:round/>
+                      <a:headEnd type="none" w="med" len="med"/>
+                      <a:tailEnd type="none" w="med" len="med"/>
+                    </a:lnL>
+                    <a:lnR w="12700" cap="flat" cmpd="sng" algn="ctr">
+                      <a:solidFill>
+                        <a:srgbClr val="000000"/>
+                      </a:solidFill>
+                      <a:prstDash val="solid"/>
+                      <a:round/>
+                      <a:headEnd type="none" w="med" len="med"/>
+                      <a:tailEnd type="none" w="med" len="med"/>
+                    </a:lnR>
+                    <a:lnT w="12700" cap="flat" cmpd="sng" algn="ctr">
+                      <a:solidFill>
+                        <a:srgbClr val="000000"/>
+                      </a:solidFill>
+                      <a:prstDash val="solid"/>
+                      <a:round/>
+                      <a:headEnd type="none" w="med" len="med"/>
+                      <a:tailEnd type="none" w="med" len="med"/>
+                    </a:lnT>
+                    <a:lnB w="12700" cap="flat" cmpd="sng" algn="ctr">
+                      <a:solidFill>
+                        <a:srgbClr val="000000"/>
+                      </a:solidFill>
+                      <a:prstDash val="solid"/>
+                      <a:round/>
+                      <a:headEnd type="none" w="med" len="med"/>
+                      <a:tailEnd type="none" w="med" len="med"/>
+                    </a:lnB>
+                    <a:solidFill>
+                      <a:srgbClr val="FFFFFF"/>
+                    </a:solidFill>
+                  </a:tcPr>
+                </a:tc>
+              </a:tr>
+              <a:tr h="309634">
+                <a:tc>
+                  <a:txBody>
+                    <a:bodyPr/>
+                    <a:lstStyle/>
+                    <a:p>
+                      <a:pPr algn="just">
+                        <a:lnSpc>
+                          <a:spcPct val="115000"/>
+                        </a:lnSpc>
+                        <a:spcAft>
+                          <a:spcPts val="0"/>
+                        </a:spcAft>
+                      </a:pPr>
+                      <a:r>
+                        <a:rPr lang="ru-RU" sz="1200">
+                          <a:latin typeface="Times New Roman"/>
+                          <a:ea typeface="Calibri"/>
+                          <a:cs typeface="Times New Roman"/>
+                        </a:rPr>
+                        <a:t>5</a:t>
+                      </a:r>
+                    </a:p>
+                  </a:txBody>
+                  <a:tcPr marL="68580" marR="68580" marT="0" marB="0">
+                    <a:lnL w="12700" cap="flat" cmpd="sng" algn="ctr">
+                      <a:solidFill>
+                        <a:srgbClr val="000000"/>
+                      </a:solidFill>
+                      <a:prstDash val="solid"/>
+                      <a:round/>
+                      <a:headEnd type="none" w="med" len="med"/>
+                      <a:tailEnd type="none" w="med" len="med"/>
+                    </a:lnL>
+                    <a:lnR w="12700" cap="flat" cmpd="sng" algn="ctr">
+                      <a:solidFill>
+                        <a:srgbClr val="000000"/>
+                      </a:solidFill>
+                      <a:prstDash val="solid"/>
+                      <a:round/>
+                      <a:headEnd type="none" w="med" len="med"/>
+                      <a:tailEnd type="none" w="med" len="med"/>
+                    </a:lnR>
+                    <a:lnT w="12700" cap="flat" cmpd="sng" algn="ctr">
+                      <a:solidFill>
+                        <a:srgbClr val="000000"/>
+                      </a:solidFill>
+                      <a:prstDash val="solid"/>
+                      <a:round/>
+                      <a:headEnd type="none" w="med" len="med"/>
+                      <a:tailEnd type="none" w="med" len="med"/>
+                    </a:lnT>
+                    <a:lnB w="12700" cap="flat" cmpd="sng" algn="ctr">
+                      <a:solidFill>
+                        <a:srgbClr val="000000"/>
+                      </a:solidFill>
+                      <a:prstDash val="solid"/>
+                      <a:round/>
+                      <a:headEnd type="none" w="med" len="med"/>
+                      <a:tailEnd type="none" w="med" len="med"/>
+                    </a:lnB>
+                    <a:solidFill>
+                      <a:srgbClr val="FFFFFF"/>
+                    </a:solidFill>
+                  </a:tcPr>
+                </a:tc>
+                <a:tc>
+                  <a:txBody>
+                    <a:bodyPr/>
+                    <a:lstStyle/>
+                    <a:p>
+                      <a:pPr indent="68580" algn="just">
+                        <a:lnSpc>
+                          <a:spcPct val="115000"/>
+                        </a:lnSpc>
+                        <a:spcBef>
+                          <a:spcPts val="600"/>
+                        </a:spcBef>
+                        <a:spcAft>
+                          <a:spcPts val="600"/>
+                        </a:spcAft>
+                      </a:pPr>
+                      <a:r>
+                        <a:rPr lang="ru-RU" sz="1200">
+                          <a:latin typeface="Times New Roman"/>
+                          <a:ea typeface="Calibri"/>
+                          <a:cs typeface="Times New Roman"/>
+                        </a:rPr>
+                        <a:t>Аренда помещения</a:t>
+                      </a:r>
+                    </a:p>
+                  </a:txBody>
+                  <a:tcPr marL="68580" marR="68580" marT="0" marB="0" anchor="ctr">
+                    <a:lnL w="12700" cap="flat" cmpd="sng" algn="ctr">
+                      <a:solidFill>
+                        <a:srgbClr val="000000"/>
+                      </a:solidFill>
+                      <a:prstDash val="solid"/>
+                      <a:round/>
+                      <a:headEnd type="none" w="med" len="med"/>
+                      <a:tailEnd type="none" w="med" len="med"/>
+                    </a:lnL>
+                    <a:lnR w="12700" cap="flat" cmpd="sng" algn="ctr">
+                      <a:solidFill>
+                        <a:srgbClr val="000000"/>
+                      </a:solidFill>
+                      <a:prstDash val="solid"/>
+                      <a:round/>
+                      <a:headEnd type="none" w="med" len="med"/>
+                      <a:tailEnd type="none" w="med" len="med"/>
+                    </a:lnR>
+                    <a:lnT w="12700" cap="flat" cmpd="sng" algn="ctr">
+                      <a:solidFill>
+                        <a:srgbClr val="000000"/>
+                      </a:solidFill>
+                      <a:prstDash val="solid"/>
+                      <a:round/>
+                      <a:headEnd type="none" w="med" len="med"/>
+                      <a:tailEnd type="none" w="med" len="med"/>
+                    </a:lnT>
+                    <a:lnB w="12700" cap="flat" cmpd="sng" algn="ctr">
+                      <a:solidFill>
+                        <a:srgbClr val="000000"/>
+                      </a:solidFill>
+                      <a:prstDash val="solid"/>
+                      <a:round/>
+                      <a:headEnd type="none" w="med" len="med"/>
+                      <a:tailEnd type="none" w="med" len="med"/>
+                    </a:lnB>
+                    <a:solidFill>
+                      <a:srgbClr val="FFFFFF"/>
+                    </a:solidFill>
+                  </a:tcPr>
+                </a:tc>
+                <a:tc>
+                  <a:txBody>
+                    <a:bodyPr/>
+                    <a:lstStyle/>
+                    <a:p>
+                      <a:pPr algn="ctr">
+                        <a:lnSpc>
+                          <a:spcPct val="115000"/>
+                        </a:lnSpc>
+                        <a:spcAft>
+                          <a:spcPts val="0"/>
+                        </a:spcAft>
+                      </a:pPr>
+                      <a:r>
+                        <a:rPr lang="ru-RU" sz="1200">
+                          <a:latin typeface="Times New Roman"/>
+                          <a:ea typeface="Calibri"/>
+                          <a:cs typeface="Times New Roman"/>
+                        </a:rPr>
+                        <a:t>1570,00</a:t>
+                      </a:r>
+                    </a:p>
+                  </a:txBody>
+                  <a:tcPr marL="68580" marR="68580" marT="0" marB="0" anchor="ctr">
+                    <a:lnL w="12700" cap="flat" cmpd="sng" algn="ctr">
+                      <a:solidFill>
+                        <a:srgbClr val="000000"/>
+                      </a:solidFill>
+                      <a:prstDash val="solid"/>
+                      <a:round/>
+                      <a:headEnd type="none" w="med" len="med"/>
+                      <a:tailEnd type="none" w="med" len="med"/>
+                    </a:lnL>
+                    <a:lnR w="12700" cap="flat" cmpd="sng" algn="ctr">
+                      <a:solidFill>
+                        <a:srgbClr val="000000"/>
+                      </a:solidFill>
+                      <a:prstDash val="solid"/>
+                      <a:round/>
+                      <a:headEnd type="none" w="med" len="med"/>
+                      <a:tailEnd type="none" w="med" len="med"/>
+                    </a:lnR>
+                    <a:lnT w="12700" cap="flat" cmpd="sng" algn="ctr">
+                      <a:solidFill>
+                        <a:srgbClr val="000000"/>
+                      </a:solidFill>
+                      <a:prstDash val="solid"/>
+                      <a:round/>
+                      <a:headEnd type="none" w="med" len="med"/>
+                      <a:tailEnd type="none" w="med" len="med"/>
+                    </a:lnT>
+                    <a:lnB w="12700" cap="flat" cmpd="sng" algn="ctr">
+                      <a:solidFill>
+                        <a:srgbClr val="000000"/>
+                      </a:solidFill>
+                      <a:prstDash val="solid"/>
+                      <a:round/>
+                      <a:headEnd type="none" w="med" len="med"/>
+                      <a:tailEnd type="none" w="med" len="med"/>
+                    </a:lnB>
+                    <a:solidFill>
+                      <a:srgbClr val="FFFFFF"/>
+                    </a:solidFill>
+                  </a:tcPr>
+                </a:tc>
+                <a:tc>
+                  <a:txBody>
+                    <a:bodyPr/>
+                    <a:lstStyle/>
+                    <a:p>
+                      <a:pPr algn="ctr">
+                        <a:lnSpc>
+                          <a:spcPct val="115000"/>
+                        </a:lnSpc>
+                        <a:spcAft>
+                          <a:spcPts val="0"/>
+                        </a:spcAft>
+                      </a:pPr>
+                      <a:r>
+                        <a:rPr lang="ru-RU" sz="1200">
+                          <a:latin typeface="Times New Roman"/>
+                          <a:ea typeface="Calibri"/>
+                          <a:cs typeface="Times New Roman"/>
+                        </a:rPr>
+                        <a:t>52,30 в день</a:t>
+                      </a:r>
+                    </a:p>
+                  </a:txBody>
+                  <a:tcPr marL="68580" marR="68580" marT="0" marB="0" anchor="ctr">
+                    <a:lnL w="12700" cap="flat" cmpd="sng" algn="ctr">
+                      <a:solidFill>
+                        <a:srgbClr val="000000"/>
+                      </a:solidFill>
+                      <a:prstDash val="solid"/>
+                      <a:round/>
+                      <a:headEnd type="none" w="med" len="med"/>
+                      <a:tailEnd type="none" w="med" len="med"/>
+                    </a:lnL>
+                    <a:lnR w="12700" cap="flat" cmpd="sng" algn="ctr">
+                      <a:solidFill>
+                        <a:srgbClr val="000000"/>
+                      </a:solidFill>
+                      <a:prstDash val="solid"/>
+                      <a:round/>
+                      <a:headEnd type="none" w="med" len="med"/>
+                      <a:tailEnd type="none" w="med" len="med"/>
+                    </a:lnR>
+                    <a:lnT w="12700" cap="flat" cmpd="sng" algn="ctr">
+                      <a:solidFill>
+                        <a:srgbClr val="000000"/>
+                      </a:solidFill>
+                      <a:prstDash val="solid"/>
+                      <a:round/>
+                      <a:headEnd type="none" w="med" len="med"/>
+                      <a:tailEnd type="none" w="med" len="med"/>
+                    </a:lnT>
+                    <a:lnB w="12700" cap="flat" cmpd="sng" algn="ctr">
+                      <a:solidFill>
+                        <a:srgbClr val="000000"/>
+                      </a:solidFill>
+                      <a:prstDash val="solid"/>
+                      <a:round/>
+                      <a:headEnd type="none" w="med" len="med"/>
+                      <a:tailEnd type="none" w="med" len="med"/>
+                    </a:lnB>
+                    <a:solidFill>
+                      <a:srgbClr val="FFFFFF"/>
+                    </a:solidFill>
+                  </a:tcPr>
+                </a:tc>
+              </a:tr>
+              <a:tr h="309634">
+                <a:tc>
+                  <a:txBody>
+                    <a:bodyPr/>
+                    <a:lstStyle/>
+                    <a:p>
+                      <a:pPr algn="just">
+                        <a:lnSpc>
+                          <a:spcPct val="115000"/>
+                        </a:lnSpc>
+                        <a:spcAft>
+                          <a:spcPts val="0"/>
+                        </a:spcAft>
+                      </a:pPr>
+                      <a:r>
+                        <a:rPr lang="ru-RU" sz="1200">
+                          <a:latin typeface="Times New Roman"/>
+                          <a:ea typeface="Calibri"/>
+                          <a:cs typeface="Times New Roman"/>
+                        </a:rPr>
+                        <a:t>6</a:t>
+                      </a:r>
+                    </a:p>
+                  </a:txBody>
+                  <a:tcPr marL="68580" marR="68580" marT="0" marB="0">
+                    <a:lnL w="12700" cap="flat" cmpd="sng" algn="ctr">
+                      <a:solidFill>
+                        <a:srgbClr val="000000"/>
+                      </a:solidFill>
+                      <a:prstDash val="solid"/>
+                      <a:round/>
+                      <a:headEnd type="none" w="med" len="med"/>
+                      <a:tailEnd type="none" w="med" len="med"/>
+                    </a:lnL>
+                    <a:lnR w="12700" cap="flat" cmpd="sng" algn="ctr">
+                      <a:solidFill>
+                        <a:srgbClr val="000000"/>
+                      </a:solidFill>
+                      <a:prstDash val="solid"/>
+                      <a:round/>
+                      <a:headEnd type="none" w="med" len="med"/>
+                      <a:tailEnd type="none" w="med" len="med"/>
+                    </a:lnR>
+                    <a:lnT w="12700" cap="flat" cmpd="sng" algn="ctr">
+                      <a:solidFill>
+                        <a:srgbClr val="000000"/>
+                      </a:solidFill>
+                      <a:prstDash val="solid"/>
+                      <a:round/>
+                      <a:headEnd type="none" w="med" len="med"/>
+                      <a:tailEnd type="none" w="med" len="med"/>
+                    </a:lnT>
+                    <a:lnB w="12700" cap="flat" cmpd="sng" algn="ctr">
+                      <a:solidFill>
+                        <a:srgbClr val="000000"/>
+                      </a:solidFill>
+                      <a:prstDash val="solid"/>
+                      <a:round/>
+                      <a:headEnd type="none" w="med" len="med"/>
+                      <a:tailEnd type="none" w="med" len="med"/>
+                    </a:lnB>
+                    <a:solidFill>
+                      <a:srgbClr val="FFFFFF"/>
+                    </a:solidFill>
+                  </a:tcPr>
+                </a:tc>
+                <a:tc>
+                  <a:txBody>
+                    <a:bodyPr/>
+                    <a:lstStyle/>
+                    <a:p>
+                      <a:pPr indent="68580" algn="just">
+                        <a:lnSpc>
+                          <a:spcPct val="115000"/>
+                        </a:lnSpc>
+                        <a:spcBef>
+                          <a:spcPts val="600"/>
+                        </a:spcBef>
+                        <a:spcAft>
+                          <a:spcPts val="600"/>
+                        </a:spcAft>
+                      </a:pPr>
+                      <a:r>
+                        <a:rPr lang="ru-RU" sz="1200">
+                          <a:latin typeface="Times New Roman"/>
+                          <a:ea typeface="Calibri"/>
+                          <a:cs typeface="Times New Roman"/>
+                        </a:rPr>
+                        <a:t>Прочие расходы</a:t>
+                      </a:r>
+                    </a:p>
+                  </a:txBody>
+                  <a:tcPr marL="68580" marR="68580" marT="0" marB="0" anchor="ctr">
+                    <a:lnL w="12700" cap="flat" cmpd="sng" algn="ctr">
+                      <a:solidFill>
+                        <a:srgbClr val="000000"/>
+                      </a:solidFill>
+                      <a:prstDash val="solid"/>
+                      <a:round/>
+                      <a:headEnd type="none" w="med" len="med"/>
+                      <a:tailEnd type="none" w="med" len="med"/>
+                    </a:lnL>
+                    <a:lnR w="12700" cap="flat" cmpd="sng" algn="ctr">
+                      <a:solidFill>
+                        <a:srgbClr val="000000"/>
+                      </a:solidFill>
+                      <a:prstDash val="solid"/>
+                      <a:round/>
+                      <a:headEnd type="none" w="med" len="med"/>
+                      <a:tailEnd type="none" w="med" len="med"/>
+                    </a:lnR>
+                    <a:lnT w="12700" cap="flat" cmpd="sng" algn="ctr">
+                      <a:solidFill>
+                        <a:srgbClr val="000000"/>
+                      </a:solidFill>
+                      <a:prstDash val="solid"/>
+                      <a:round/>
+                      <a:headEnd type="none" w="med" len="med"/>
+                      <a:tailEnd type="none" w="med" len="med"/>
+                    </a:lnT>
+                    <a:lnB w="12700" cap="flat" cmpd="sng" algn="ctr">
+                      <a:solidFill>
+                        <a:srgbClr val="000000"/>
+                      </a:solidFill>
+                      <a:prstDash val="solid"/>
+                      <a:round/>
+                      <a:headEnd type="none" w="med" len="med"/>
+                      <a:tailEnd type="none" w="med" len="med"/>
+                    </a:lnB>
+                    <a:solidFill>
+                      <a:srgbClr val="FFFFFF"/>
+                    </a:solidFill>
+                  </a:tcPr>
+                </a:tc>
+                <a:tc>
+                  <a:txBody>
+                    <a:bodyPr/>
+                    <a:lstStyle/>
+                    <a:p>
+                      <a:pPr algn="ctr">
+                        <a:lnSpc>
+                          <a:spcPct val="115000"/>
+                        </a:lnSpc>
+                        <a:spcAft>
+                          <a:spcPts val="0"/>
+                        </a:spcAft>
+                      </a:pPr>
+                      <a:r>
+                        <a:rPr lang="ru-RU" sz="1200">
+                          <a:latin typeface="Times New Roman"/>
+                          <a:ea typeface="Calibri"/>
+                          <a:cs typeface="Times New Roman"/>
+                        </a:rPr>
+                        <a:t>3565,36</a:t>
+                      </a:r>
+                    </a:p>
+                  </a:txBody>
+                  <a:tcPr marL="68580" marR="68580" marT="0" marB="0" anchor="ctr">
+                    <a:lnL w="12700" cap="flat" cmpd="sng" algn="ctr">
+                      <a:solidFill>
+                        <a:srgbClr val="000000"/>
+                      </a:solidFill>
+                      <a:prstDash val="solid"/>
+                      <a:round/>
+                      <a:headEnd type="none" w="med" len="med"/>
+                      <a:tailEnd type="none" w="med" len="med"/>
+                    </a:lnL>
+                    <a:lnR w="12700" cap="flat" cmpd="sng" algn="ctr">
+                      <a:solidFill>
+                        <a:srgbClr val="000000"/>
+                      </a:solidFill>
+                      <a:prstDash val="solid"/>
+                      <a:round/>
+                      <a:headEnd type="none" w="med" len="med"/>
+                      <a:tailEnd type="none" w="med" len="med"/>
+                    </a:lnR>
+                    <a:lnT w="12700" cap="flat" cmpd="sng" algn="ctr">
+                      <a:solidFill>
+                        <a:srgbClr val="000000"/>
+                      </a:solidFill>
+                      <a:prstDash val="solid"/>
+                      <a:round/>
+                      <a:headEnd type="none" w="med" len="med"/>
+                      <a:tailEnd type="none" w="med" len="med"/>
+                    </a:lnT>
+                    <a:lnB w="12700" cap="flat" cmpd="sng" algn="ctr">
+                      <a:solidFill>
+                        <a:srgbClr val="000000"/>
+                      </a:solidFill>
+                      <a:prstDash val="solid"/>
+                      <a:round/>
+                      <a:headEnd type="none" w="med" len="med"/>
+                      <a:tailEnd type="none" w="med" len="med"/>
+                    </a:lnB>
+                    <a:solidFill>
+                      <a:srgbClr val="FFFFFF"/>
+                    </a:solidFill>
+                  </a:tcPr>
+                </a:tc>
+                <a:tc>
+                  <a:txBody>
+                    <a:bodyPr/>
+                    <a:lstStyle/>
+                    <a:p>
+                      <a:pPr algn="ctr">
+                        <a:lnSpc>
+                          <a:spcPct val="115000"/>
+                        </a:lnSpc>
+                        <a:spcAft>
+                          <a:spcPts val="0"/>
+                        </a:spcAft>
+                      </a:pPr>
+                      <a:r>
+                        <a:rPr lang="ru-RU" sz="1200">
+                          <a:latin typeface="Times New Roman"/>
+                          <a:ea typeface="Calibri"/>
+                          <a:cs typeface="Times New Roman"/>
+                        </a:rPr>
+                        <a:t>80% от ОЗП</a:t>
+                      </a:r>
+                    </a:p>
+                  </a:txBody>
+                  <a:tcPr marL="68580" marR="68580" marT="0" marB="0" anchor="ctr">
+                    <a:lnL w="12700" cap="flat" cmpd="sng" algn="ctr">
+                      <a:solidFill>
+                        <a:srgbClr val="000000"/>
+                      </a:solidFill>
+                      <a:prstDash val="solid"/>
+                      <a:round/>
+                      <a:headEnd type="none" w="med" len="med"/>
+                      <a:tailEnd type="none" w="med" len="med"/>
+                    </a:lnL>
+                    <a:lnR w="12700" cap="flat" cmpd="sng" algn="ctr">
+                      <a:solidFill>
+                        <a:srgbClr val="000000"/>
+                      </a:solidFill>
+                      <a:prstDash val="solid"/>
+                      <a:round/>
+                      <a:headEnd type="none" w="med" len="med"/>
+                      <a:tailEnd type="none" w="med" len="med"/>
+                    </a:lnR>
+                    <a:lnT w="12700" cap="flat" cmpd="sng" algn="ctr">
+                      <a:solidFill>
+                        <a:srgbClr val="000000"/>
+                      </a:solidFill>
+                      <a:prstDash val="solid"/>
+                      <a:round/>
+                      <a:headEnd type="none" w="med" len="med"/>
+                      <a:tailEnd type="none" w="med" len="med"/>
+                    </a:lnT>
+                    <a:lnB w="12700" cap="flat" cmpd="sng" algn="ctr">
+                      <a:solidFill>
+                        <a:srgbClr val="000000"/>
+                      </a:solidFill>
+                      <a:prstDash val="solid"/>
+                      <a:round/>
+                      <a:headEnd type="none" w="med" len="med"/>
+                      <a:tailEnd type="none" w="med" len="med"/>
+                    </a:lnB>
+                    <a:solidFill>
+                      <a:srgbClr val="FFFFFF"/>
+                    </a:solidFill>
+                  </a:tcPr>
+                </a:tc>
+              </a:tr>
+              <a:tr h="309634">
+                <a:tc>
+                  <a:txBody>
+                    <a:bodyPr/>
+                    <a:lstStyle/>
+                    <a:p>
+                      <a:pPr algn="just">
+                        <a:lnSpc>
+                          <a:spcPct val="115000"/>
+                        </a:lnSpc>
+                        <a:spcAft>
+                          <a:spcPts val="0"/>
+                        </a:spcAft>
+                      </a:pPr>
+                      <a:r>
+                        <a:rPr lang="ru-RU" sz="1200">
+                          <a:latin typeface="Times New Roman"/>
+                          <a:ea typeface="Calibri"/>
+                          <a:cs typeface="Times New Roman"/>
+                        </a:rPr>
+                        <a:t>7</a:t>
+                      </a:r>
+                    </a:p>
+                  </a:txBody>
+                  <a:tcPr marL="68580" marR="68580" marT="0" marB="0">
+                    <a:lnL w="12700" cap="flat" cmpd="sng" algn="ctr">
+                      <a:solidFill>
+                        <a:srgbClr val="000000"/>
+                      </a:solidFill>
+                      <a:prstDash val="solid"/>
+                      <a:round/>
+                      <a:headEnd type="none" w="med" len="med"/>
+                      <a:tailEnd type="none" w="med" len="med"/>
+                    </a:lnL>
+                    <a:lnR w="12700" cap="flat" cmpd="sng" algn="ctr">
+                      <a:solidFill>
+                        <a:srgbClr val="000000"/>
+                      </a:solidFill>
+                      <a:prstDash val="solid"/>
+                      <a:round/>
+                      <a:headEnd type="none" w="med" len="med"/>
+                      <a:tailEnd type="none" w="med" len="med"/>
+                    </a:lnR>
+                    <a:lnT w="12700" cap="flat" cmpd="sng" algn="ctr">
+                      <a:solidFill>
+                        <a:srgbClr val="000000"/>
+                      </a:solidFill>
+                      <a:prstDash val="solid"/>
+                      <a:round/>
+                      <a:headEnd type="none" w="med" len="med"/>
+                      <a:tailEnd type="none" w="med" len="med"/>
+                    </a:lnT>
+                    <a:lnB w="12700" cap="flat" cmpd="sng" algn="ctr">
+                      <a:solidFill>
+                        <a:srgbClr val="000000"/>
+                      </a:solidFill>
+                      <a:prstDash val="solid"/>
+                      <a:round/>
+                      <a:headEnd type="none" w="med" len="med"/>
+                      <a:tailEnd type="none" w="med" len="med"/>
+                    </a:lnB>
+                    <a:solidFill>
+                      <a:srgbClr val="FFFFFF"/>
+                    </a:solidFill>
+                  </a:tcPr>
+                </a:tc>
+                <a:tc>
+                  <a:txBody>
+                    <a:bodyPr/>
+                    <a:lstStyle/>
+                    <a:p>
+                      <a:pPr indent="68580" algn="just">
+                        <a:lnSpc>
+                          <a:spcPct val="115000"/>
+                        </a:lnSpc>
+                        <a:spcBef>
+                          <a:spcPts val="600"/>
+                        </a:spcBef>
+                        <a:spcAft>
+                          <a:spcPts val="600"/>
+                        </a:spcAft>
+                      </a:pPr>
+                      <a:r>
+                        <a:rPr lang="ru-RU" sz="1200">
+                          <a:latin typeface="Times New Roman"/>
+                          <a:ea typeface="Calibri"/>
+                          <a:cs typeface="Times New Roman"/>
+                        </a:rPr>
+                        <a:t>Себестоимость</a:t>
+                      </a:r>
+                    </a:p>
+                  </a:txBody>
+                  <a:tcPr marL="68580" marR="68580" marT="0" marB="0" anchor="ctr">
+                    <a:lnL w="12700" cap="flat" cmpd="sng" algn="ctr">
+                      <a:solidFill>
+                        <a:srgbClr val="000000"/>
+                      </a:solidFill>
+                      <a:prstDash val="solid"/>
+                      <a:round/>
+                      <a:headEnd type="none" w="med" len="med"/>
+                      <a:tailEnd type="none" w="med" len="med"/>
+                    </a:lnL>
+                    <a:lnR w="12700" cap="flat" cmpd="sng" algn="ctr">
+                      <a:solidFill>
+                        <a:srgbClr val="000000"/>
+                      </a:solidFill>
+                      <a:prstDash val="solid"/>
+                      <a:round/>
+                      <a:headEnd type="none" w="med" len="med"/>
+                      <a:tailEnd type="none" w="med" len="med"/>
+                    </a:lnR>
+                    <a:lnT w="12700" cap="flat" cmpd="sng" algn="ctr">
+                      <a:solidFill>
+                        <a:srgbClr val="000000"/>
+                      </a:solidFill>
+                      <a:prstDash val="solid"/>
+                      <a:round/>
+                      <a:headEnd type="none" w="med" len="med"/>
+                      <a:tailEnd type="none" w="med" len="med"/>
+                    </a:lnT>
+                    <a:lnB w="12700" cap="flat" cmpd="sng" algn="ctr">
+                      <a:solidFill>
+                        <a:srgbClr val="000000"/>
+                      </a:solidFill>
+                      <a:prstDash val="solid"/>
+                      <a:round/>
+                      <a:headEnd type="none" w="med" len="med"/>
+                      <a:tailEnd type="none" w="med" len="med"/>
+                    </a:lnB>
+                    <a:solidFill>
+                      <a:srgbClr val="FFFFFF"/>
+                    </a:solidFill>
+                  </a:tcPr>
+                </a:tc>
+                <a:tc>
+                  <a:txBody>
+                    <a:bodyPr/>
+                    <a:lstStyle/>
+                    <a:p>
+                      <a:pPr algn="ctr">
+                        <a:lnSpc>
+                          <a:spcPct val="115000"/>
+                        </a:lnSpc>
+                        <a:spcAft>
+                          <a:spcPts val="0"/>
+                        </a:spcAft>
+                      </a:pPr>
+                      <a:r>
+                        <a:rPr lang="ru-RU" sz="1200">
+                          <a:latin typeface="Times New Roman"/>
+                          <a:ea typeface="Calibri"/>
+                          <a:cs typeface="Times New Roman"/>
+                        </a:rPr>
+                        <a:t>13247,63</a:t>
+                      </a:r>
+                    </a:p>
+                  </a:txBody>
+                  <a:tcPr marL="68580" marR="68580" marT="0" marB="0" anchor="ctr">
+                    <a:lnL w="12700" cap="flat" cmpd="sng" algn="ctr">
+                      <a:solidFill>
+                        <a:srgbClr val="000000"/>
+                      </a:solidFill>
+                      <a:prstDash val="solid"/>
+                      <a:round/>
+                      <a:headEnd type="none" w="med" len="med"/>
+                      <a:tailEnd type="none" w="med" len="med"/>
+                    </a:lnL>
+                    <a:lnR w="12700" cap="flat" cmpd="sng" algn="ctr">
+                      <a:solidFill>
+                        <a:srgbClr val="000000"/>
+                      </a:solidFill>
+                      <a:prstDash val="solid"/>
+                      <a:round/>
+                      <a:headEnd type="none" w="med" len="med"/>
+                      <a:tailEnd type="none" w="med" len="med"/>
+                    </a:lnR>
+                    <a:lnT w="12700" cap="flat" cmpd="sng" algn="ctr">
+                      <a:solidFill>
+                        <a:srgbClr val="000000"/>
+                      </a:solidFill>
+                      <a:prstDash val="solid"/>
+                      <a:round/>
+                      <a:headEnd type="none" w="med" len="med"/>
+                      <a:tailEnd type="none" w="med" len="med"/>
+                    </a:lnT>
+                    <a:lnB w="12700" cap="flat" cmpd="sng" algn="ctr">
+                      <a:solidFill>
+                        <a:srgbClr val="000000"/>
+                      </a:solidFill>
+                      <a:prstDash val="solid"/>
+                      <a:round/>
+                      <a:headEnd type="none" w="med" len="med"/>
+                      <a:tailEnd type="none" w="med" len="med"/>
+                    </a:lnB>
+                    <a:solidFill>
+                      <a:srgbClr val="FFFFFF"/>
+                    </a:solidFill>
+                  </a:tcPr>
+                </a:tc>
+                <a:tc>
+                  <a:txBody>
+                    <a:bodyPr/>
+                    <a:lstStyle/>
+                    <a:p>
+                      <a:pPr algn="ctr">
+                        <a:lnSpc>
+                          <a:spcPct val="115000"/>
+                        </a:lnSpc>
+                        <a:spcAft>
+                          <a:spcPts val="0"/>
+                        </a:spcAft>
+                      </a:pPr>
+                      <a:r>
+                        <a:rPr lang="ru-RU" sz="1200">
+                          <a:latin typeface="Times New Roman"/>
+                          <a:ea typeface="Calibri"/>
+                          <a:cs typeface="Times New Roman"/>
+                        </a:rPr>
+                        <a:t>∑ пп.1-6</a:t>
+                      </a:r>
+                    </a:p>
+                  </a:txBody>
+                  <a:tcPr marL="68580" marR="68580" marT="0" marB="0" anchor="ctr">
+                    <a:lnL w="12700" cap="flat" cmpd="sng" algn="ctr">
+                      <a:solidFill>
+                        <a:srgbClr val="000000"/>
+                      </a:solidFill>
+                      <a:prstDash val="solid"/>
+                      <a:round/>
+                      <a:headEnd type="none" w="med" len="med"/>
+                      <a:tailEnd type="none" w="med" len="med"/>
+                    </a:lnL>
+                    <a:lnR w="12700" cap="flat" cmpd="sng" algn="ctr">
+                      <a:solidFill>
+                        <a:srgbClr val="000000"/>
+                      </a:solidFill>
+                      <a:prstDash val="solid"/>
+                      <a:round/>
+                      <a:headEnd type="none" w="med" len="med"/>
+                      <a:tailEnd type="none" w="med" len="med"/>
+                    </a:lnR>
+                    <a:lnT w="12700" cap="flat" cmpd="sng" algn="ctr">
+                      <a:solidFill>
+                        <a:srgbClr val="000000"/>
+                      </a:solidFill>
+                      <a:prstDash val="solid"/>
+                      <a:round/>
+                      <a:headEnd type="none" w="med" len="med"/>
+                      <a:tailEnd type="none" w="med" len="med"/>
+                    </a:lnT>
+                    <a:lnB w="12700" cap="flat" cmpd="sng" algn="ctr">
+                      <a:solidFill>
+                        <a:srgbClr val="000000"/>
+                      </a:solidFill>
+                      <a:prstDash val="solid"/>
+                      <a:round/>
+                      <a:headEnd type="none" w="med" len="med"/>
+                      <a:tailEnd type="none" w="med" len="med"/>
+                    </a:lnB>
+                    <a:solidFill>
+                      <a:srgbClr val="FFFFFF"/>
+                    </a:solidFill>
+                  </a:tcPr>
+                </a:tc>
+              </a:tr>
+              <a:tr h="309634">
+                <a:tc>
+                  <a:txBody>
+                    <a:bodyPr/>
+                    <a:lstStyle/>
+                    <a:p>
+                      <a:pPr algn="just">
+                        <a:lnSpc>
+                          <a:spcPct val="115000"/>
+                        </a:lnSpc>
+                        <a:spcAft>
+                          <a:spcPts val="0"/>
+                        </a:spcAft>
+                      </a:pPr>
+                      <a:r>
+                        <a:rPr lang="ru-RU" sz="1200">
+                          <a:latin typeface="Times New Roman"/>
+                          <a:ea typeface="Calibri"/>
+                          <a:cs typeface="Times New Roman"/>
+                        </a:rPr>
+                        <a:t>8</a:t>
+                      </a:r>
+                    </a:p>
+                  </a:txBody>
+                  <a:tcPr marL="68580" marR="68580" marT="0" marB="0">
+                    <a:lnL w="12700" cap="flat" cmpd="sng" algn="ctr">
+                      <a:solidFill>
+                        <a:srgbClr val="000000"/>
+                      </a:solidFill>
+                      <a:prstDash val="solid"/>
+                      <a:round/>
+                      <a:headEnd type="none" w="med" len="med"/>
+                      <a:tailEnd type="none" w="med" len="med"/>
+                    </a:lnL>
+                    <a:lnR w="12700" cap="flat" cmpd="sng" algn="ctr">
+                      <a:solidFill>
+                        <a:srgbClr val="000000"/>
+                      </a:solidFill>
+                      <a:prstDash val="solid"/>
+                      <a:round/>
+                      <a:headEnd type="none" w="med" len="med"/>
+                      <a:tailEnd type="none" w="med" len="med"/>
+                    </a:lnR>
+                    <a:lnT w="12700" cap="flat" cmpd="sng" algn="ctr">
+                      <a:solidFill>
+                        <a:srgbClr val="000000"/>
+                      </a:solidFill>
+                      <a:prstDash val="solid"/>
+                      <a:round/>
+                      <a:headEnd type="none" w="med" len="med"/>
+                      <a:tailEnd type="none" w="med" len="med"/>
+                    </a:lnT>
+                    <a:lnB w="12700" cap="flat" cmpd="sng" algn="ctr">
+                      <a:solidFill>
+                        <a:srgbClr val="000000"/>
+                      </a:solidFill>
+                      <a:prstDash val="solid"/>
+                      <a:round/>
+                      <a:headEnd type="none" w="med" len="med"/>
+                      <a:tailEnd type="none" w="med" len="med"/>
+                    </a:lnB>
+                    <a:solidFill>
+                      <a:srgbClr val="FFFFFF"/>
+                    </a:solidFill>
+                  </a:tcPr>
+                </a:tc>
+                <a:tc>
+                  <a:txBody>
+                    <a:bodyPr/>
+                    <a:lstStyle/>
+                    <a:p>
+                      <a:pPr indent="68580" algn="just">
+                        <a:lnSpc>
+                          <a:spcPct val="115000"/>
+                        </a:lnSpc>
+                        <a:spcBef>
+                          <a:spcPts val="600"/>
+                        </a:spcBef>
+                        <a:spcAft>
+                          <a:spcPts val="600"/>
+                        </a:spcAft>
+                      </a:pPr>
+                      <a:r>
+                        <a:rPr lang="ru-RU" sz="1200">
+                          <a:latin typeface="Times New Roman"/>
+                          <a:ea typeface="Calibri"/>
+                          <a:cs typeface="Times New Roman"/>
+                        </a:rPr>
+                        <a:t>Внепроизводственные расходы</a:t>
+                      </a:r>
+                    </a:p>
+                  </a:txBody>
+                  <a:tcPr marL="68580" marR="68580" marT="0" marB="0" anchor="ctr">
+                    <a:lnL w="12700" cap="flat" cmpd="sng" algn="ctr">
+                      <a:solidFill>
+                        <a:srgbClr val="000000"/>
+                      </a:solidFill>
+                      <a:prstDash val="solid"/>
+                      <a:round/>
+                      <a:headEnd type="none" w="med" len="med"/>
+                      <a:tailEnd type="none" w="med" len="med"/>
+                    </a:lnL>
+                    <a:lnR w="12700" cap="flat" cmpd="sng" algn="ctr">
+                      <a:solidFill>
+                        <a:srgbClr val="000000"/>
+                      </a:solidFill>
+                      <a:prstDash val="solid"/>
+                      <a:round/>
+                      <a:headEnd type="none" w="med" len="med"/>
+                      <a:tailEnd type="none" w="med" len="med"/>
+                    </a:lnR>
+                    <a:lnT w="12700" cap="flat" cmpd="sng" algn="ctr">
+                      <a:solidFill>
+                        <a:srgbClr val="000000"/>
+                      </a:solidFill>
+                      <a:prstDash val="solid"/>
+                      <a:round/>
+                      <a:headEnd type="none" w="med" len="med"/>
+                      <a:tailEnd type="none" w="med" len="med"/>
+                    </a:lnT>
+                    <a:lnB w="12700" cap="flat" cmpd="sng" algn="ctr">
+                      <a:solidFill>
+                        <a:srgbClr val="000000"/>
+                      </a:solidFill>
+                      <a:prstDash val="solid"/>
+                      <a:round/>
+                      <a:headEnd type="none" w="med" len="med"/>
+                      <a:tailEnd type="none" w="med" len="med"/>
+                    </a:lnB>
+                    <a:solidFill>
+                      <a:srgbClr val="FFFFFF"/>
+                    </a:solidFill>
+                  </a:tcPr>
+                </a:tc>
+                <a:tc>
+                  <a:txBody>
+                    <a:bodyPr/>
+                    <a:lstStyle/>
+                    <a:p>
+                      <a:pPr algn="ctr">
+                        <a:lnSpc>
+                          <a:spcPct val="115000"/>
+                        </a:lnSpc>
+                        <a:spcAft>
+                          <a:spcPts val="0"/>
+                        </a:spcAft>
+                      </a:pPr>
+                      <a:r>
+                        <a:rPr lang="ru-RU" sz="1200">
+                          <a:latin typeface="Times New Roman"/>
+                          <a:ea typeface="Calibri"/>
+                          <a:cs typeface="Times New Roman"/>
+                        </a:rPr>
+                        <a:t>264,95</a:t>
+                      </a:r>
+                    </a:p>
+                  </a:txBody>
+                  <a:tcPr marL="68580" marR="68580" marT="0" marB="0" anchor="ctr">
+                    <a:lnL w="12700" cap="flat" cmpd="sng" algn="ctr">
+                      <a:solidFill>
+                        <a:srgbClr val="000000"/>
+                      </a:solidFill>
+                      <a:prstDash val="solid"/>
+                      <a:round/>
+                      <a:headEnd type="none" w="med" len="med"/>
+                      <a:tailEnd type="none" w="med" len="med"/>
+                    </a:lnL>
+                    <a:lnR w="12700" cap="flat" cmpd="sng" algn="ctr">
+                      <a:solidFill>
+                        <a:srgbClr val="000000"/>
+                      </a:solidFill>
+                      <a:prstDash val="solid"/>
+                      <a:round/>
+                      <a:headEnd type="none" w="med" len="med"/>
+                      <a:tailEnd type="none" w="med" len="med"/>
+                    </a:lnR>
+                    <a:lnT w="12700" cap="flat" cmpd="sng" algn="ctr">
+                      <a:solidFill>
+                        <a:srgbClr val="000000"/>
+                      </a:solidFill>
+                      <a:prstDash val="solid"/>
+                      <a:round/>
+                      <a:headEnd type="none" w="med" len="med"/>
+                      <a:tailEnd type="none" w="med" len="med"/>
+                    </a:lnT>
+                    <a:lnB w="12700" cap="flat" cmpd="sng" algn="ctr">
+                      <a:solidFill>
+                        <a:srgbClr val="000000"/>
+                      </a:solidFill>
+                      <a:prstDash val="solid"/>
+                      <a:round/>
+                      <a:headEnd type="none" w="med" len="med"/>
+                      <a:tailEnd type="none" w="med" len="med"/>
+                    </a:lnB>
+                    <a:solidFill>
+                      <a:srgbClr val="FFFFFF"/>
+                    </a:solidFill>
+                  </a:tcPr>
+                </a:tc>
+                <a:tc>
+                  <a:txBody>
+                    <a:bodyPr/>
+                    <a:lstStyle/>
+                    <a:p>
+                      <a:pPr algn="ctr">
+                        <a:lnSpc>
+                          <a:spcPct val="115000"/>
+                        </a:lnSpc>
+                        <a:spcBef>
+                          <a:spcPts val="600"/>
+                        </a:spcBef>
+                        <a:spcAft>
+                          <a:spcPts val="600"/>
+                        </a:spcAft>
+                      </a:pPr>
+                      <a:r>
+                        <a:rPr lang="ru-RU" sz="1200">
+                          <a:latin typeface="Times New Roman"/>
+                          <a:ea typeface="Calibri"/>
+                          <a:cs typeface="Times New Roman"/>
+                        </a:rPr>
+                        <a:t>2% от Себестоимости</a:t>
+                      </a:r>
+                    </a:p>
+                  </a:txBody>
+                  <a:tcPr marL="68580" marR="68580" marT="0" marB="0" anchor="ctr">
+                    <a:lnL w="12700" cap="flat" cmpd="sng" algn="ctr">
+                      <a:solidFill>
+                        <a:srgbClr val="000000"/>
+                      </a:solidFill>
+                      <a:prstDash val="solid"/>
+                      <a:round/>
+                      <a:headEnd type="none" w="med" len="med"/>
+                      <a:tailEnd type="none" w="med" len="med"/>
+                    </a:lnL>
+                    <a:lnR w="12700" cap="flat" cmpd="sng" algn="ctr">
+                      <a:solidFill>
+                        <a:srgbClr val="000000"/>
+                      </a:solidFill>
+                      <a:prstDash val="solid"/>
+                      <a:round/>
+                      <a:headEnd type="none" w="med" len="med"/>
+                      <a:tailEnd type="none" w="med" len="med"/>
+                    </a:lnR>
+                    <a:lnT w="12700" cap="flat" cmpd="sng" algn="ctr">
+                      <a:solidFill>
+                        <a:srgbClr val="000000"/>
+                      </a:solidFill>
+                      <a:prstDash val="solid"/>
+                      <a:round/>
+                      <a:headEnd type="none" w="med" len="med"/>
+                      <a:tailEnd type="none" w="med" len="med"/>
+                    </a:lnT>
+                    <a:lnB w="12700" cap="flat" cmpd="sng" algn="ctr">
+                      <a:solidFill>
+                        <a:srgbClr val="000000"/>
+                      </a:solidFill>
+                      <a:prstDash val="solid"/>
+                      <a:round/>
+                      <a:headEnd type="none" w="med" len="med"/>
+                      <a:tailEnd type="none" w="med" len="med"/>
+                    </a:lnB>
+                    <a:solidFill>
+                      <a:srgbClr val="FFFFFF"/>
+                    </a:solidFill>
+                  </a:tcPr>
+                </a:tc>
+              </a:tr>
+              <a:tr h="309634">
+                <a:tc>
+                  <a:txBody>
+                    <a:bodyPr/>
+                    <a:lstStyle/>
+                    <a:p>
+                      <a:pPr algn="just">
+                        <a:lnSpc>
+                          <a:spcPct val="115000"/>
+                        </a:lnSpc>
+                        <a:spcAft>
+                          <a:spcPts val="0"/>
+                        </a:spcAft>
+                      </a:pPr>
+                      <a:r>
+                        <a:rPr lang="ru-RU" sz="1200">
+                          <a:latin typeface="Times New Roman"/>
+                          <a:ea typeface="Calibri"/>
+                          <a:cs typeface="Times New Roman"/>
+                        </a:rPr>
+                        <a:t>9</a:t>
+                      </a:r>
+                    </a:p>
+                  </a:txBody>
+                  <a:tcPr marL="68580" marR="68580" marT="0" marB="0">
+                    <a:lnL w="12700" cap="flat" cmpd="sng" algn="ctr">
+                      <a:solidFill>
+                        <a:srgbClr val="000000"/>
+                      </a:solidFill>
+                      <a:prstDash val="solid"/>
+                      <a:round/>
+                      <a:headEnd type="none" w="med" len="med"/>
+                      <a:tailEnd type="none" w="med" len="med"/>
+                    </a:lnL>
+                    <a:lnR w="12700" cap="flat" cmpd="sng" algn="ctr">
+                      <a:solidFill>
+                        <a:srgbClr val="000000"/>
+                      </a:solidFill>
+                      <a:prstDash val="solid"/>
+                      <a:round/>
+                      <a:headEnd type="none" w="med" len="med"/>
+                      <a:tailEnd type="none" w="med" len="med"/>
+                    </a:lnR>
+                    <a:lnT w="12700" cap="flat" cmpd="sng" algn="ctr">
+                      <a:solidFill>
+                        <a:srgbClr val="000000"/>
+                      </a:solidFill>
+                      <a:prstDash val="solid"/>
+                      <a:round/>
+                      <a:headEnd type="none" w="med" len="med"/>
+                      <a:tailEnd type="none" w="med" len="med"/>
+                    </a:lnT>
+                    <a:lnB w="12700" cap="flat" cmpd="sng" algn="ctr">
+                      <a:solidFill>
+                        <a:srgbClr val="000000"/>
+                      </a:solidFill>
+                      <a:prstDash val="solid"/>
+                      <a:round/>
+                      <a:headEnd type="none" w="med" len="med"/>
+                      <a:tailEnd type="none" w="med" len="med"/>
+                    </a:lnB>
+                    <a:solidFill>
+                      <a:srgbClr val="FFFFFF"/>
+                    </a:solidFill>
+                  </a:tcPr>
+                </a:tc>
+                <a:tc>
+                  <a:txBody>
+                    <a:bodyPr/>
+                    <a:lstStyle/>
+                    <a:p>
+                      <a:pPr indent="68580" algn="just">
+                        <a:lnSpc>
+                          <a:spcPct val="115000"/>
+                        </a:lnSpc>
+                        <a:spcBef>
+                          <a:spcPts val="600"/>
+                        </a:spcBef>
+                        <a:spcAft>
+                          <a:spcPts val="600"/>
+                        </a:spcAft>
+                      </a:pPr>
+                      <a:r>
+                        <a:rPr lang="ru-RU" sz="1200">
+                          <a:latin typeface="Times New Roman"/>
+                          <a:ea typeface="Calibri"/>
+                          <a:cs typeface="Times New Roman"/>
+                        </a:rPr>
+                        <a:t>Полная себестоимость, ПС</a:t>
+                      </a:r>
+                    </a:p>
+                  </a:txBody>
+                  <a:tcPr marL="68580" marR="68580" marT="0" marB="0" anchor="ctr">
+                    <a:lnL w="12700" cap="flat" cmpd="sng" algn="ctr">
+                      <a:solidFill>
+                        <a:srgbClr val="000000"/>
+                      </a:solidFill>
+                      <a:prstDash val="solid"/>
+                      <a:round/>
+                      <a:headEnd type="none" w="med" len="med"/>
+                      <a:tailEnd type="none" w="med" len="med"/>
+                    </a:lnL>
+                    <a:lnR w="12700" cap="flat" cmpd="sng" algn="ctr">
+                      <a:solidFill>
+                        <a:srgbClr val="000000"/>
+                      </a:solidFill>
+                      <a:prstDash val="solid"/>
+                      <a:round/>
+                      <a:headEnd type="none" w="med" len="med"/>
+                      <a:tailEnd type="none" w="med" len="med"/>
+                    </a:lnR>
+                    <a:lnT w="12700" cap="flat" cmpd="sng" algn="ctr">
+                      <a:solidFill>
+                        <a:srgbClr val="000000"/>
+                      </a:solidFill>
+                      <a:prstDash val="solid"/>
+                      <a:round/>
+                      <a:headEnd type="none" w="med" len="med"/>
+                      <a:tailEnd type="none" w="med" len="med"/>
+                    </a:lnT>
+                    <a:lnB w="12700" cap="flat" cmpd="sng" algn="ctr">
+                      <a:solidFill>
+                        <a:srgbClr val="000000"/>
+                      </a:solidFill>
+                      <a:prstDash val="solid"/>
+                      <a:round/>
+                      <a:headEnd type="none" w="med" len="med"/>
+                      <a:tailEnd type="none" w="med" len="med"/>
+                    </a:lnB>
+                    <a:solidFill>
+                      <a:srgbClr val="FFFFFF"/>
+                    </a:solidFill>
+                  </a:tcPr>
+                </a:tc>
+                <a:tc>
+                  <a:txBody>
+                    <a:bodyPr/>
+                    <a:lstStyle/>
+                    <a:p>
+                      <a:pPr algn="ctr">
+                        <a:lnSpc>
+                          <a:spcPct val="115000"/>
+                        </a:lnSpc>
+                        <a:spcAft>
+                          <a:spcPts val="0"/>
+                        </a:spcAft>
+                      </a:pPr>
+                      <a:r>
+                        <a:rPr lang="ru-RU" sz="1200">
+                          <a:latin typeface="Times New Roman"/>
+                          <a:ea typeface="Calibri"/>
+                          <a:cs typeface="Times New Roman"/>
+                        </a:rPr>
+                        <a:t>13512,58</a:t>
+                      </a:r>
+                    </a:p>
+                  </a:txBody>
+                  <a:tcPr marL="68580" marR="68580" marT="0" marB="0" anchor="ctr">
+                    <a:lnL w="12700" cap="flat" cmpd="sng" algn="ctr">
+                      <a:solidFill>
+                        <a:srgbClr val="000000"/>
+                      </a:solidFill>
+                      <a:prstDash val="solid"/>
+                      <a:round/>
+                      <a:headEnd type="none" w="med" len="med"/>
+                      <a:tailEnd type="none" w="med" len="med"/>
+                    </a:lnL>
+                    <a:lnR w="12700" cap="flat" cmpd="sng" algn="ctr">
+                      <a:solidFill>
+                        <a:srgbClr val="000000"/>
+                      </a:solidFill>
+                      <a:prstDash val="solid"/>
+                      <a:round/>
+                      <a:headEnd type="none" w="med" len="med"/>
+                      <a:tailEnd type="none" w="med" len="med"/>
+                    </a:lnR>
+                    <a:lnT w="12700" cap="flat" cmpd="sng" algn="ctr">
+                      <a:solidFill>
+                        <a:srgbClr val="000000"/>
+                      </a:solidFill>
+                      <a:prstDash val="solid"/>
+                      <a:round/>
+                      <a:headEnd type="none" w="med" len="med"/>
+                      <a:tailEnd type="none" w="med" len="med"/>
+                    </a:lnT>
+                    <a:lnB w="12700" cap="flat" cmpd="sng" algn="ctr">
+                      <a:solidFill>
+                        <a:srgbClr val="000000"/>
+                      </a:solidFill>
+                      <a:prstDash val="solid"/>
+                      <a:round/>
+                      <a:headEnd type="none" w="med" len="med"/>
+                      <a:tailEnd type="none" w="med" len="med"/>
+                    </a:lnB>
+                    <a:solidFill>
+                      <a:srgbClr val="FFFFFF"/>
+                    </a:solidFill>
+                  </a:tcPr>
+                </a:tc>
+                <a:tc>
+                  <a:txBody>
+                    <a:bodyPr/>
+                    <a:lstStyle/>
+                    <a:p>
+                      <a:pPr algn="ctr">
+                        <a:lnSpc>
+                          <a:spcPct val="115000"/>
+                        </a:lnSpc>
+                        <a:spcAft>
+                          <a:spcPts val="0"/>
+                        </a:spcAft>
+                      </a:pPr>
+                      <a:r>
+                        <a:rPr lang="ru-RU" sz="1200">
+                          <a:latin typeface="Times New Roman"/>
+                          <a:ea typeface="Calibri"/>
+                          <a:cs typeface="Times New Roman"/>
+                        </a:rPr>
+                        <a:t>∑ пп.7-8</a:t>
+                      </a:r>
+                    </a:p>
+                  </a:txBody>
+                  <a:tcPr marL="68580" marR="68580" marT="0" marB="0" anchor="ctr">
+                    <a:lnL w="12700" cap="flat" cmpd="sng" algn="ctr">
+                      <a:solidFill>
+                        <a:srgbClr val="000000"/>
+                      </a:solidFill>
+                      <a:prstDash val="solid"/>
+                      <a:round/>
+                      <a:headEnd type="none" w="med" len="med"/>
+                      <a:tailEnd type="none" w="med" len="med"/>
+                    </a:lnL>
+                    <a:lnR w="12700" cap="flat" cmpd="sng" algn="ctr">
+                      <a:solidFill>
+                        <a:srgbClr val="000000"/>
+                      </a:solidFill>
+                      <a:prstDash val="solid"/>
+                      <a:round/>
+                      <a:headEnd type="none" w="med" len="med"/>
+                      <a:tailEnd type="none" w="med" len="med"/>
+                    </a:lnR>
+                    <a:lnT w="12700" cap="flat" cmpd="sng" algn="ctr">
+                      <a:solidFill>
+                        <a:srgbClr val="000000"/>
+                      </a:solidFill>
+                      <a:prstDash val="solid"/>
+                      <a:round/>
+                      <a:headEnd type="none" w="med" len="med"/>
+                      <a:tailEnd type="none" w="med" len="med"/>
+                    </a:lnT>
+                    <a:lnB w="12700" cap="flat" cmpd="sng" algn="ctr">
+                      <a:solidFill>
+                        <a:srgbClr val="000000"/>
+                      </a:solidFill>
+                      <a:prstDash val="solid"/>
+                      <a:round/>
+                      <a:headEnd type="none" w="med" len="med"/>
+                      <a:tailEnd type="none" w="med" len="med"/>
+                    </a:lnB>
+                    <a:solidFill>
+                      <a:srgbClr val="FFFFFF"/>
+                    </a:solidFill>
+                  </a:tcPr>
+                </a:tc>
+              </a:tr>
+              <a:tr h="309634">
+                <a:tc>
+                  <a:txBody>
+                    <a:bodyPr/>
+                    <a:lstStyle/>
+                    <a:p>
+                      <a:pPr algn="just">
+                        <a:lnSpc>
+                          <a:spcPct val="115000"/>
+                        </a:lnSpc>
+                        <a:spcAft>
+                          <a:spcPts val="0"/>
+                        </a:spcAft>
+                      </a:pPr>
+                      <a:r>
+                        <a:rPr lang="uk-UA" sz="1200">
+                          <a:latin typeface="Times New Roman"/>
+                          <a:ea typeface="Calibri"/>
+                          <a:cs typeface="Times New Roman"/>
+                        </a:rPr>
+                        <a:t>1</a:t>
+                      </a:r>
+                      <a:r>
+                        <a:rPr lang="ru-RU" sz="1200">
+                          <a:latin typeface="Times New Roman"/>
+                          <a:ea typeface="Calibri"/>
+                          <a:cs typeface="Times New Roman"/>
+                        </a:rPr>
+                        <a:t>0</a:t>
+                      </a:r>
+                    </a:p>
+                  </a:txBody>
+                  <a:tcPr marL="68580" marR="68580" marT="0" marB="0">
+                    <a:lnL w="12700" cap="flat" cmpd="sng" algn="ctr">
+                      <a:solidFill>
+                        <a:srgbClr val="000000"/>
+                      </a:solidFill>
+                      <a:prstDash val="solid"/>
+                      <a:round/>
+                      <a:headEnd type="none" w="med" len="med"/>
+                      <a:tailEnd type="none" w="med" len="med"/>
+                    </a:lnL>
+                    <a:lnR w="12700" cap="flat" cmpd="sng" algn="ctr">
+                      <a:solidFill>
+                        <a:srgbClr val="000000"/>
+                      </a:solidFill>
+                      <a:prstDash val="solid"/>
+                      <a:round/>
+                      <a:headEnd type="none" w="med" len="med"/>
+                      <a:tailEnd type="none" w="med" len="med"/>
+                    </a:lnR>
+                    <a:lnT w="12700" cap="flat" cmpd="sng" algn="ctr">
+                      <a:solidFill>
+                        <a:srgbClr val="000000"/>
+                      </a:solidFill>
+                      <a:prstDash val="solid"/>
+                      <a:round/>
+                      <a:headEnd type="none" w="med" len="med"/>
+                      <a:tailEnd type="none" w="med" len="med"/>
+                    </a:lnT>
+                    <a:lnB w="12700" cap="flat" cmpd="sng" algn="ctr">
+                      <a:solidFill>
+                        <a:srgbClr val="000000"/>
+                      </a:solidFill>
+                      <a:prstDash val="solid"/>
+                      <a:round/>
+                      <a:headEnd type="none" w="med" len="med"/>
+                      <a:tailEnd type="none" w="med" len="med"/>
+                    </a:lnB>
+                    <a:solidFill>
+                      <a:srgbClr val="FFFFFF"/>
+                    </a:solidFill>
+                  </a:tcPr>
+                </a:tc>
+                <a:tc>
+                  <a:txBody>
+                    <a:bodyPr/>
+                    <a:lstStyle/>
+                    <a:p>
+                      <a:pPr indent="68580" algn="just">
+                        <a:lnSpc>
+                          <a:spcPct val="115000"/>
+                        </a:lnSpc>
+                        <a:spcBef>
+                          <a:spcPts val="600"/>
+                        </a:spcBef>
+                        <a:spcAft>
+                          <a:spcPts val="600"/>
+                        </a:spcAft>
+                      </a:pPr>
+                      <a:r>
+                        <a:rPr lang="ru-RU" sz="1200">
+                          <a:latin typeface="Times New Roman"/>
+                          <a:ea typeface="Calibri"/>
+                          <a:cs typeface="Times New Roman"/>
+                        </a:rPr>
+                        <a:t>Прибыль</a:t>
+                      </a:r>
+                    </a:p>
+                  </a:txBody>
+                  <a:tcPr marL="68580" marR="68580" marT="0" marB="0" anchor="ctr">
+                    <a:lnL w="12700" cap="flat" cmpd="sng" algn="ctr">
+                      <a:solidFill>
+                        <a:srgbClr val="000000"/>
+                      </a:solidFill>
+                      <a:prstDash val="solid"/>
+                      <a:round/>
+                      <a:headEnd type="none" w="med" len="med"/>
+                      <a:tailEnd type="none" w="med" len="med"/>
+                    </a:lnL>
+                    <a:lnR w="12700" cap="flat" cmpd="sng" algn="ctr">
+                      <a:solidFill>
+                        <a:srgbClr val="000000"/>
+                      </a:solidFill>
+                      <a:prstDash val="solid"/>
+                      <a:round/>
+                      <a:headEnd type="none" w="med" len="med"/>
+                      <a:tailEnd type="none" w="med" len="med"/>
+                    </a:lnR>
+                    <a:lnT w="12700" cap="flat" cmpd="sng" algn="ctr">
+                      <a:solidFill>
+                        <a:srgbClr val="000000"/>
+                      </a:solidFill>
+                      <a:prstDash val="solid"/>
+                      <a:round/>
+                      <a:headEnd type="none" w="med" len="med"/>
+                      <a:tailEnd type="none" w="med" len="med"/>
+                    </a:lnT>
+                    <a:lnB w="12700" cap="flat" cmpd="sng" algn="ctr">
+                      <a:solidFill>
+                        <a:srgbClr val="000000"/>
+                      </a:solidFill>
+                      <a:prstDash val="solid"/>
+                      <a:round/>
+                      <a:headEnd type="none" w="med" len="med"/>
+                      <a:tailEnd type="none" w="med" len="med"/>
+                    </a:lnB>
+                    <a:solidFill>
+                      <a:srgbClr val="FFFFFF"/>
+                    </a:solidFill>
+                  </a:tcPr>
+                </a:tc>
+                <a:tc>
+                  <a:txBody>
+                    <a:bodyPr/>
+                    <a:lstStyle/>
+                    <a:p>
+                      <a:pPr algn="ctr">
+                        <a:lnSpc>
+                          <a:spcPct val="115000"/>
+                        </a:lnSpc>
+                        <a:spcAft>
+                          <a:spcPts val="0"/>
+                        </a:spcAft>
+                      </a:pPr>
+                      <a:r>
+                        <a:rPr lang="ru-RU" sz="1200">
+                          <a:latin typeface="Times New Roman"/>
+                          <a:ea typeface="Calibri"/>
+                          <a:cs typeface="Times New Roman"/>
+                        </a:rPr>
+                        <a:t>2702,52</a:t>
+                      </a:r>
+                    </a:p>
+                  </a:txBody>
+                  <a:tcPr marL="68580" marR="68580" marT="0" marB="0" anchor="ctr">
+                    <a:lnL w="12700" cap="flat" cmpd="sng" algn="ctr">
+                      <a:solidFill>
+                        <a:srgbClr val="000000"/>
+                      </a:solidFill>
+                      <a:prstDash val="solid"/>
+                      <a:round/>
+                      <a:headEnd type="none" w="med" len="med"/>
+                      <a:tailEnd type="none" w="med" len="med"/>
+                    </a:lnL>
+                    <a:lnR w="12700" cap="flat" cmpd="sng" algn="ctr">
+                      <a:solidFill>
+                        <a:srgbClr val="000000"/>
+                      </a:solidFill>
+                      <a:prstDash val="solid"/>
+                      <a:round/>
+                      <a:headEnd type="none" w="med" len="med"/>
+                      <a:tailEnd type="none" w="med" len="med"/>
+                    </a:lnR>
+                    <a:lnT w="12700" cap="flat" cmpd="sng" algn="ctr">
+                      <a:solidFill>
+                        <a:srgbClr val="000000"/>
+                      </a:solidFill>
+                      <a:prstDash val="solid"/>
+                      <a:round/>
+                      <a:headEnd type="none" w="med" len="med"/>
+                      <a:tailEnd type="none" w="med" len="med"/>
+                    </a:lnT>
+                    <a:lnB w="12700" cap="flat" cmpd="sng" algn="ctr">
+                      <a:solidFill>
+                        <a:srgbClr val="000000"/>
+                      </a:solidFill>
+                      <a:prstDash val="solid"/>
+                      <a:round/>
+                      <a:headEnd type="none" w="med" len="med"/>
+                      <a:tailEnd type="none" w="med" len="med"/>
+                    </a:lnB>
+                    <a:solidFill>
+                      <a:srgbClr val="FFFFFF"/>
+                    </a:solidFill>
+                  </a:tcPr>
+                </a:tc>
+                <a:tc>
+                  <a:txBody>
+                    <a:bodyPr/>
+                    <a:lstStyle/>
+                    <a:p>
+                      <a:pPr algn="ctr">
+                        <a:lnSpc>
+                          <a:spcPct val="115000"/>
+                        </a:lnSpc>
+                        <a:spcAft>
+                          <a:spcPts val="0"/>
+                        </a:spcAft>
+                      </a:pPr>
+                      <a:r>
+                        <a:rPr lang="ru-RU" sz="1200">
+                          <a:latin typeface="Times New Roman"/>
+                          <a:ea typeface="Calibri"/>
+                          <a:cs typeface="Times New Roman"/>
+                        </a:rPr>
+                        <a:t>20% от ПС</a:t>
+                      </a:r>
+                    </a:p>
+                  </a:txBody>
+                  <a:tcPr marL="68580" marR="68580" marT="0" marB="0" anchor="ctr">
+                    <a:lnL w="12700" cap="flat" cmpd="sng" algn="ctr">
+                      <a:solidFill>
+                        <a:srgbClr val="000000"/>
+                      </a:solidFill>
+                      <a:prstDash val="solid"/>
+                      <a:round/>
+                      <a:headEnd type="none" w="med" len="med"/>
+                      <a:tailEnd type="none" w="med" len="med"/>
+                    </a:lnL>
+                    <a:lnR w="12700" cap="flat" cmpd="sng" algn="ctr">
+                      <a:solidFill>
+                        <a:srgbClr val="000000"/>
+                      </a:solidFill>
+                      <a:prstDash val="solid"/>
+                      <a:round/>
+                      <a:headEnd type="none" w="med" len="med"/>
+                      <a:tailEnd type="none" w="med" len="med"/>
+                    </a:lnR>
+                    <a:lnT w="12700" cap="flat" cmpd="sng" algn="ctr">
+                      <a:solidFill>
+                        <a:srgbClr val="000000"/>
+                      </a:solidFill>
+                      <a:prstDash val="solid"/>
+                      <a:round/>
+                      <a:headEnd type="none" w="med" len="med"/>
+                      <a:tailEnd type="none" w="med" len="med"/>
+                    </a:lnT>
+                    <a:lnB w="12700" cap="flat" cmpd="sng" algn="ctr">
+                      <a:solidFill>
+                        <a:srgbClr val="000000"/>
+                      </a:solidFill>
+                      <a:prstDash val="solid"/>
+                      <a:round/>
+                      <a:headEnd type="none" w="med" len="med"/>
+                      <a:tailEnd type="none" w="med" len="med"/>
+                    </a:lnB>
+                    <a:solidFill>
+                      <a:srgbClr val="FFFFFF"/>
+                    </a:solidFill>
+                  </a:tcPr>
+                </a:tc>
+              </a:tr>
+              <a:tr h="309634">
+                <a:tc>
+                  <a:txBody>
+                    <a:bodyPr/>
+                    <a:lstStyle/>
+                    <a:p>
+                      <a:pPr algn="just">
+                        <a:lnSpc>
+                          <a:spcPct val="115000"/>
+                        </a:lnSpc>
+                        <a:spcAft>
+                          <a:spcPts val="0"/>
+                        </a:spcAft>
+                      </a:pPr>
+                      <a:r>
+                        <a:rPr lang="ru-RU" sz="1200">
+                          <a:latin typeface="Times New Roman"/>
+                          <a:ea typeface="Calibri"/>
+                          <a:cs typeface="Times New Roman"/>
+                        </a:rPr>
+                        <a:t>1</a:t>
+                      </a:r>
+                      <a:r>
+                        <a:rPr lang="uk-UA" sz="1200">
+                          <a:latin typeface="Times New Roman"/>
+                          <a:ea typeface="Calibri"/>
+                          <a:cs typeface="Times New Roman"/>
+                        </a:rPr>
+                        <a:t>1</a:t>
+                      </a:r>
+                      <a:endParaRPr lang="ru-RU" sz="1200">
+                        <a:latin typeface="Times New Roman"/>
+                        <a:ea typeface="Calibri"/>
+                        <a:cs typeface="Times New Roman"/>
+                      </a:endParaRPr>
+                    </a:p>
+                  </a:txBody>
+                  <a:tcPr marL="68580" marR="68580" marT="0" marB="0">
+                    <a:lnL w="12700" cap="flat" cmpd="sng" algn="ctr">
+                      <a:solidFill>
+                        <a:srgbClr val="000000"/>
+                      </a:solidFill>
+                      <a:prstDash val="solid"/>
+                      <a:round/>
+                      <a:headEnd type="none" w="med" len="med"/>
+                      <a:tailEnd type="none" w="med" len="med"/>
+                    </a:lnL>
+                    <a:lnR w="12700" cap="flat" cmpd="sng" algn="ctr">
+                      <a:solidFill>
+                        <a:srgbClr val="000000"/>
+                      </a:solidFill>
+                      <a:prstDash val="solid"/>
+                      <a:round/>
+                      <a:headEnd type="none" w="med" len="med"/>
+                      <a:tailEnd type="none" w="med" len="med"/>
+                    </a:lnR>
+                    <a:lnT w="12700" cap="flat" cmpd="sng" algn="ctr">
+                      <a:solidFill>
+                        <a:srgbClr val="000000"/>
+                      </a:solidFill>
+                      <a:prstDash val="solid"/>
+                      <a:round/>
+                      <a:headEnd type="none" w="med" len="med"/>
+                      <a:tailEnd type="none" w="med" len="med"/>
+                    </a:lnT>
+                    <a:lnB w="12700" cap="flat" cmpd="sng" algn="ctr">
+                      <a:solidFill>
+                        <a:srgbClr val="000000"/>
+                      </a:solidFill>
+                      <a:prstDash val="solid"/>
+                      <a:round/>
+                      <a:headEnd type="none" w="med" len="med"/>
+                      <a:tailEnd type="none" w="med" len="med"/>
+                    </a:lnB>
+                    <a:solidFill>
+                      <a:srgbClr val="FFFFFF"/>
+                    </a:solidFill>
+                  </a:tcPr>
+                </a:tc>
+                <a:tc>
+                  <a:txBody>
+                    <a:bodyPr/>
+                    <a:lstStyle/>
+                    <a:p>
+                      <a:pPr algn="just">
+                        <a:lnSpc>
+                          <a:spcPct val="115000"/>
+                        </a:lnSpc>
+                        <a:spcAft>
+                          <a:spcPts val="0"/>
+                        </a:spcAft>
+                      </a:pPr>
+                      <a:r>
+                        <a:rPr lang="ru-RU" sz="1200">
+                          <a:latin typeface="Times New Roman"/>
+                          <a:ea typeface="Calibri"/>
+                          <a:cs typeface="Times New Roman"/>
+                        </a:rPr>
+                        <a:t>Цена изготовления</a:t>
+                      </a:r>
+                    </a:p>
+                  </a:txBody>
+                  <a:tcPr marL="68580" marR="68580" marT="0" marB="0" anchor="ctr">
+                    <a:lnL w="12700" cap="flat" cmpd="sng" algn="ctr">
+                      <a:solidFill>
+                        <a:srgbClr val="000000"/>
+                      </a:solidFill>
+                      <a:prstDash val="solid"/>
+                      <a:round/>
+                      <a:headEnd type="none" w="med" len="med"/>
+                      <a:tailEnd type="none" w="med" len="med"/>
+                    </a:lnL>
+                    <a:lnR w="12700" cap="flat" cmpd="sng" algn="ctr">
+                      <a:solidFill>
+                        <a:srgbClr val="000000"/>
+                      </a:solidFill>
+                      <a:prstDash val="solid"/>
+                      <a:round/>
+                      <a:headEnd type="none" w="med" len="med"/>
+                      <a:tailEnd type="none" w="med" len="med"/>
+                    </a:lnR>
+                    <a:lnT w="12700" cap="flat" cmpd="sng" algn="ctr">
+                      <a:solidFill>
+                        <a:srgbClr val="000000"/>
+                      </a:solidFill>
+                      <a:prstDash val="solid"/>
+                      <a:round/>
+                      <a:headEnd type="none" w="med" len="med"/>
+                      <a:tailEnd type="none" w="med" len="med"/>
+                    </a:lnT>
+                    <a:lnB w="12700" cap="flat" cmpd="sng" algn="ctr">
+                      <a:solidFill>
+                        <a:srgbClr val="000000"/>
+                      </a:solidFill>
+                      <a:prstDash val="solid"/>
+                      <a:round/>
+                      <a:headEnd type="none" w="med" len="med"/>
+                      <a:tailEnd type="none" w="med" len="med"/>
+                    </a:lnB>
+                    <a:solidFill>
+                      <a:srgbClr val="FFFFFF"/>
+                    </a:solidFill>
+                  </a:tcPr>
+                </a:tc>
+                <a:tc>
+                  <a:txBody>
+                    <a:bodyPr/>
+                    <a:lstStyle/>
+                    <a:p>
+                      <a:pPr algn="ctr">
+                        <a:lnSpc>
+                          <a:spcPct val="115000"/>
+                        </a:lnSpc>
+                        <a:spcAft>
+                          <a:spcPts val="0"/>
+                        </a:spcAft>
+                      </a:pPr>
+                      <a:r>
+                        <a:rPr lang="ru-RU" sz="1200">
+                          <a:latin typeface="Times New Roman"/>
+                          <a:ea typeface="Calibri"/>
+                          <a:cs typeface="Times New Roman"/>
+                        </a:rPr>
+                        <a:t>16215,10</a:t>
+                      </a:r>
+                    </a:p>
+                  </a:txBody>
+                  <a:tcPr marL="68580" marR="68580" marT="0" marB="0" anchor="ctr">
+                    <a:lnL w="12700" cap="flat" cmpd="sng" algn="ctr">
+                      <a:solidFill>
+                        <a:srgbClr val="000000"/>
+                      </a:solidFill>
+                      <a:prstDash val="solid"/>
+                      <a:round/>
+                      <a:headEnd type="none" w="med" len="med"/>
+                      <a:tailEnd type="none" w="med" len="med"/>
+                    </a:lnL>
+                    <a:lnR w="12700" cap="flat" cmpd="sng" algn="ctr">
+                      <a:solidFill>
+                        <a:srgbClr val="000000"/>
+                      </a:solidFill>
+                      <a:prstDash val="solid"/>
+                      <a:round/>
+                      <a:headEnd type="none" w="med" len="med"/>
+                      <a:tailEnd type="none" w="med" len="med"/>
+                    </a:lnR>
+                    <a:lnT w="12700" cap="flat" cmpd="sng" algn="ctr">
+                      <a:solidFill>
+                        <a:srgbClr val="000000"/>
+                      </a:solidFill>
+                      <a:prstDash val="solid"/>
+                      <a:round/>
+                      <a:headEnd type="none" w="med" len="med"/>
+                      <a:tailEnd type="none" w="med" len="med"/>
+                    </a:lnT>
+                    <a:lnB w="12700" cap="flat" cmpd="sng" algn="ctr">
+                      <a:solidFill>
+                        <a:srgbClr val="000000"/>
+                      </a:solidFill>
+                      <a:prstDash val="solid"/>
+                      <a:round/>
+                      <a:headEnd type="none" w="med" len="med"/>
+                      <a:tailEnd type="none" w="med" len="med"/>
+                    </a:lnB>
+                    <a:solidFill>
+                      <a:srgbClr val="FFFFFF"/>
+                    </a:solidFill>
+                  </a:tcPr>
+                </a:tc>
+                <a:tc>
+                  <a:txBody>
+                    <a:bodyPr/>
+                    <a:lstStyle/>
+                    <a:p>
+                      <a:pPr algn="ctr">
+                        <a:lnSpc>
+                          <a:spcPct val="115000"/>
+                        </a:lnSpc>
+                        <a:spcAft>
+                          <a:spcPts val="0"/>
+                        </a:spcAft>
+                      </a:pPr>
+                      <a:r>
+                        <a:rPr lang="ru-RU" sz="1200">
+                          <a:latin typeface="Times New Roman"/>
+                          <a:ea typeface="Calibri"/>
+                          <a:cs typeface="Times New Roman"/>
+                        </a:rPr>
+                        <a:t>ПС+ Прибыль</a:t>
+                      </a:r>
+                    </a:p>
+                  </a:txBody>
+                  <a:tcPr marL="68580" marR="68580" marT="0" marB="0" anchor="ctr">
+                    <a:lnL w="12700" cap="flat" cmpd="sng" algn="ctr">
+                      <a:solidFill>
+                        <a:srgbClr val="000000"/>
+                      </a:solidFill>
+                      <a:prstDash val="solid"/>
+                      <a:round/>
+                      <a:headEnd type="none" w="med" len="med"/>
+                      <a:tailEnd type="none" w="med" len="med"/>
+                    </a:lnL>
+                    <a:lnR w="12700" cap="flat" cmpd="sng" algn="ctr">
+                      <a:solidFill>
+                        <a:srgbClr val="000000"/>
+                      </a:solidFill>
+                      <a:prstDash val="solid"/>
+                      <a:round/>
+                      <a:headEnd type="none" w="med" len="med"/>
+                      <a:tailEnd type="none" w="med" len="med"/>
+                    </a:lnR>
+                    <a:lnT w="12700" cap="flat" cmpd="sng" algn="ctr">
+                      <a:solidFill>
+                        <a:srgbClr val="000000"/>
+                      </a:solidFill>
+                      <a:prstDash val="solid"/>
+                      <a:round/>
+                      <a:headEnd type="none" w="med" len="med"/>
+                      <a:tailEnd type="none" w="med" len="med"/>
+                    </a:lnT>
+                    <a:lnB w="12700" cap="flat" cmpd="sng" algn="ctr">
+                      <a:solidFill>
+                        <a:srgbClr val="000000"/>
+                      </a:solidFill>
+                      <a:prstDash val="solid"/>
+                      <a:round/>
+                      <a:headEnd type="none" w="med" len="med"/>
+                      <a:tailEnd type="none" w="med" len="med"/>
+                    </a:lnB>
+                    <a:solidFill>
+                      <a:srgbClr val="FFFFFF"/>
+                    </a:solidFill>
+                  </a:tcPr>
+                </a:tc>
+              </a:tr>
+              <a:tr h="309634">
+                <a:tc>
+                  <a:txBody>
+                    <a:bodyPr/>
+                    <a:lstStyle/>
+                    <a:p>
+                      <a:pPr algn="just">
+                        <a:lnSpc>
+                          <a:spcPct val="115000"/>
+                        </a:lnSpc>
+                        <a:spcAft>
+                          <a:spcPts val="0"/>
+                        </a:spcAft>
+                      </a:pPr>
+                      <a:r>
+                        <a:rPr lang="uk-UA" sz="1200">
+                          <a:latin typeface="Times New Roman"/>
+                          <a:ea typeface="Calibri"/>
+                          <a:cs typeface="Times New Roman"/>
+                        </a:rPr>
+                        <a:t>1</a:t>
+                      </a:r>
+                      <a:r>
+                        <a:rPr lang="ru-RU" sz="1200">
+                          <a:latin typeface="Times New Roman"/>
+                          <a:ea typeface="Calibri"/>
+                          <a:cs typeface="Times New Roman"/>
+                        </a:rPr>
+                        <a:t>2</a:t>
+                      </a:r>
+                    </a:p>
+                  </a:txBody>
+                  <a:tcPr marL="68580" marR="68580" marT="0" marB="0">
+                    <a:lnL w="12700" cap="flat" cmpd="sng" algn="ctr">
+                      <a:solidFill>
+                        <a:srgbClr val="000000"/>
+                      </a:solidFill>
+                      <a:prstDash val="solid"/>
+                      <a:round/>
+                      <a:headEnd type="none" w="med" len="med"/>
+                      <a:tailEnd type="none" w="med" len="med"/>
+                    </a:lnL>
+                    <a:lnR w="12700" cap="flat" cmpd="sng" algn="ctr">
+                      <a:solidFill>
+                        <a:srgbClr val="000000"/>
+                      </a:solidFill>
+                      <a:prstDash val="solid"/>
+                      <a:round/>
+                      <a:headEnd type="none" w="med" len="med"/>
+                      <a:tailEnd type="none" w="med" len="med"/>
+                    </a:lnR>
+                    <a:lnT w="12700" cap="flat" cmpd="sng" algn="ctr">
+                      <a:solidFill>
+                        <a:srgbClr val="000000"/>
+                      </a:solidFill>
+                      <a:prstDash val="solid"/>
+                      <a:round/>
+                      <a:headEnd type="none" w="med" len="med"/>
+                      <a:tailEnd type="none" w="med" len="med"/>
+                    </a:lnT>
+                    <a:lnB w="12700" cap="flat" cmpd="sng" algn="ctr">
+                      <a:solidFill>
+                        <a:srgbClr val="000000"/>
+                      </a:solidFill>
+                      <a:prstDash val="solid"/>
+                      <a:round/>
+                      <a:headEnd type="none" w="med" len="med"/>
+                      <a:tailEnd type="none" w="med" len="med"/>
+                    </a:lnB>
+                    <a:solidFill>
+                      <a:srgbClr val="FFFFFF"/>
+                    </a:solidFill>
+                  </a:tcPr>
+                </a:tc>
+                <a:tc>
+                  <a:txBody>
+                    <a:bodyPr/>
+                    <a:lstStyle/>
+                    <a:p>
+                      <a:pPr algn="just">
+                        <a:lnSpc>
+                          <a:spcPct val="115000"/>
+                        </a:lnSpc>
+                        <a:spcBef>
+                          <a:spcPts val="600"/>
+                        </a:spcBef>
+                        <a:spcAft>
+                          <a:spcPts val="600"/>
+                        </a:spcAft>
+                      </a:pPr>
+                      <a:r>
+                        <a:rPr lang="ru-RU" sz="1200">
+                          <a:latin typeface="Times New Roman"/>
+                          <a:ea typeface="Calibri"/>
+                          <a:cs typeface="Times New Roman"/>
+                        </a:rPr>
+                        <a:t>Налог на добавленную стоимость (НДС)</a:t>
+                      </a:r>
+                    </a:p>
+                  </a:txBody>
+                  <a:tcPr marL="68580" marR="68580" marT="0" marB="0" anchor="ctr">
+                    <a:lnL w="12700" cap="flat" cmpd="sng" algn="ctr">
+                      <a:solidFill>
+                        <a:srgbClr val="000000"/>
+                      </a:solidFill>
+                      <a:prstDash val="solid"/>
+                      <a:round/>
+                      <a:headEnd type="none" w="med" len="med"/>
+                      <a:tailEnd type="none" w="med" len="med"/>
+                    </a:lnL>
+                    <a:lnR w="12700" cap="flat" cmpd="sng" algn="ctr">
+                      <a:solidFill>
+                        <a:srgbClr val="000000"/>
+                      </a:solidFill>
+                      <a:prstDash val="solid"/>
+                      <a:round/>
+                      <a:headEnd type="none" w="med" len="med"/>
+                      <a:tailEnd type="none" w="med" len="med"/>
+                    </a:lnR>
+                    <a:lnT w="12700" cap="flat" cmpd="sng" algn="ctr">
+                      <a:solidFill>
+                        <a:srgbClr val="000000"/>
+                      </a:solidFill>
+                      <a:prstDash val="solid"/>
+                      <a:round/>
+                      <a:headEnd type="none" w="med" len="med"/>
+                      <a:tailEnd type="none" w="med" len="med"/>
+                    </a:lnT>
+                    <a:lnB w="12700" cap="flat" cmpd="sng" algn="ctr">
+                      <a:solidFill>
+                        <a:srgbClr val="000000"/>
+                      </a:solidFill>
+                      <a:prstDash val="solid"/>
+                      <a:round/>
+                      <a:headEnd type="none" w="med" len="med"/>
+                      <a:tailEnd type="none" w="med" len="med"/>
+                    </a:lnB>
+                    <a:solidFill>
+                      <a:srgbClr val="FFFFFF"/>
+                    </a:solidFill>
+                  </a:tcPr>
+                </a:tc>
+                <a:tc>
+                  <a:txBody>
+                    <a:bodyPr/>
+                    <a:lstStyle/>
+                    <a:p>
+                      <a:pPr algn="ctr">
+                        <a:lnSpc>
+                          <a:spcPct val="115000"/>
+                        </a:lnSpc>
+                        <a:spcAft>
+                          <a:spcPts val="0"/>
+                        </a:spcAft>
+                      </a:pPr>
+                      <a:r>
+                        <a:rPr lang="ru-RU" sz="1200">
+                          <a:latin typeface="Times New Roman"/>
+                          <a:ea typeface="Calibri"/>
+                          <a:cs typeface="Times New Roman"/>
+                        </a:rPr>
+                        <a:t>3243.02</a:t>
+                      </a:r>
+                    </a:p>
+                  </a:txBody>
+                  <a:tcPr marL="68580" marR="68580" marT="0" marB="0" anchor="ctr">
+                    <a:lnL w="12700" cap="flat" cmpd="sng" algn="ctr">
+                      <a:solidFill>
+                        <a:srgbClr val="000000"/>
+                      </a:solidFill>
+                      <a:prstDash val="solid"/>
+                      <a:round/>
+                      <a:headEnd type="none" w="med" len="med"/>
+                      <a:tailEnd type="none" w="med" len="med"/>
+                    </a:lnL>
+                    <a:lnR w="12700" cap="flat" cmpd="sng" algn="ctr">
+                      <a:solidFill>
+                        <a:srgbClr val="000000"/>
+                      </a:solidFill>
+                      <a:prstDash val="solid"/>
+                      <a:round/>
+                      <a:headEnd type="none" w="med" len="med"/>
+                      <a:tailEnd type="none" w="med" len="med"/>
+                    </a:lnR>
+                    <a:lnT w="12700" cap="flat" cmpd="sng" algn="ctr">
+                      <a:solidFill>
+                        <a:srgbClr val="000000"/>
+                      </a:solidFill>
+                      <a:prstDash val="solid"/>
+                      <a:round/>
+                      <a:headEnd type="none" w="med" len="med"/>
+                      <a:tailEnd type="none" w="med" len="med"/>
+                    </a:lnT>
+                    <a:lnB w="12700" cap="flat" cmpd="sng" algn="ctr">
+                      <a:solidFill>
+                        <a:srgbClr val="000000"/>
+                      </a:solidFill>
+                      <a:prstDash val="solid"/>
+                      <a:round/>
+                      <a:headEnd type="none" w="med" len="med"/>
+                      <a:tailEnd type="none" w="med" len="med"/>
+                    </a:lnB>
+                    <a:solidFill>
+                      <a:srgbClr val="FFFFFF"/>
+                    </a:solidFill>
+                  </a:tcPr>
+                </a:tc>
+                <a:tc>
+                  <a:txBody>
+                    <a:bodyPr/>
+                    <a:lstStyle/>
+                    <a:p>
+                      <a:pPr algn="ctr">
+                        <a:lnSpc>
+                          <a:spcPct val="115000"/>
+                        </a:lnSpc>
+                        <a:spcAft>
+                          <a:spcPts val="0"/>
+                        </a:spcAft>
+                      </a:pPr>
+                      <a:r>
+                        <a:rPr lang="ru-RU" sz="1200">
+                          <a:latin typeface="Times New Roman"/>
+                          <a:ea typeface="Calibri"/>
+                          <a:cs typeface="Times New Roman"/>
+                        </a:rPr>
+                        <a:t>20% от п.11</a:t>
+                      </a:r>
+                    </a:p>
+                  </a:txBody>
+                  <a:tcPr marL="68580" marR="68580" marT="0" marB="0" anchor="ctr">
+                    <a:lnL w="12700" cap="flat" cmpd="sng" algn="ctr">
+                      <a:solidFill>
+                        <a:srgbClr val="000000"/>
+                      </a:solidFill>
+                      <a:prstDash val="solid"/>
+                      <a:round/>
+                      <a:headEnd type="none" w="med" len="med"/>
+                      <a:tailEnd type="none" w="med" len="med"/>
+                    </a:lnL>
+                    <a:lnR w="12700" cap="flat" cmpd="sng" algn="ctr">
+                      <a:solidFill>
+                        <a:srgbClr val="000000"/>
+                      </a:solidFill>
+                      <a:prstDash val="solid"/>
+                      <a:round/>
+                      <a:headEnd type="none" w="med" len="med"/>
+                      <a:tailEnd type="none" w="med" len="med"/>
+                    </a:lnR>
+                    <a:lnT w="12700" cap="flat" cmpd="sng" algn="ctr">
+                      <a:solidFill>
+                        <a:srgbClr val="000000"/>
+                      </a:solidFill>
+                      <a:prstDash val="solid"/>
+                      <a:round/>
+                      <a:headEnd type="none" w="med" len="med"/>
+                      <a:tailEnd type="none" w="med" len="med"/>
+                    </a:lnT>
+                    <a:lnB w="12700" cap="flat" cmpd="sng" algn="ctr">
+                      <a:solidFill>
+                        <a:srgbClr val="000000"/>
+                      </a:solidFill>
+                      <a:prstDash val="solid"/>
+                      <a:round/>
+                      <a:headEnd type="none" w="med" len="med"/>
+                      <a:tailEnd type="none" w="med" len="med"/>
+                    </a:lnB>
+                    <a:solidFill>
+                      <a:srgbClr val="FFFFFF"/>
+                    </a:solidFill>
+                  </a:tcPr>
+                </a:tc>
+              </a:tr>
+              <a:tr h="309634">
+                <a:tc>
+                  <a:txBody>
+                    <a:bodyPr/>
+                    <a:lstStyle/>
+                    <a:p>
+                      <a:pPr algn="just">
+                        <a:lnSpc>
+                          <a:spcPct val="115000"/>
+                        </a:lnSpc>
+                        <a:spcAft>
+                          <a:spcPts val="0"/>
+                        </a:spcAft>
+                      </a:pPr>
+                      <a:r>
+                        <a:rPr lang="ru-RU" sz="1200">
+                          <a:latin typeface="Times New Roman"/>
+                          <a:ea typeface="Calibri"/>
+                          <a:cs typeface="Times New Roman"/>
+                        </a:rPr>
+                        <a:t>13</a:t>
+                      </a:r>
+                    </a:p>
+                  </a:txBody>
+                  <a:tcPr marL="68580" marR="68580" marT="0" marB="0">
+                    <a:lnL w="12700" cap="flat" cmpd="sng" algn="ctr">
+                      <a:solidFill>
+                        <a:srgbClr val="000000"/>
+                      </a:solidFill>
+                      <a:prstDash val="solid"/>
+                      <a:round/>
+                      <a:headEnd type="none" w="med" len="med"/>
+                      <a:tailEnd type="none" w="med" len="med"/>
+                    </a:lnL>
+                    <a:lnR w="12700" cap="flat" cmpd="sng" algn="ctr">
+                      <a:solidFill>
+                        <a:srgbClr val="000000"/>
+                      </a:solidFill>
+                      <a:prstDash val="solid"/>
+                      <a:round/>
+                      <a:headEnd type="none" w="med" len="med"/>
+                      <a:tailEnd type="none" w="med" len="med"/>
+                    </a:lnR>
+                    <a:lnT w="12700" cap="flat" cmpd="sng" algn="ctr">
+                      <a:solidFill>
+                        <a:srgbClr val="000000"/>
+                      </a:solidFill>
+                      <a:prstDash val="solid"/>
+                      <a:round/>
+                      <a:headEnd type="none" w="med" len="med"/>
+                      <a:tailEnd type="none" w="med" len="med"/>
+                    </a:lnT>
+                    <a:lnB w="12700" cap="flat" cmpd="sng" algn="ctr">
+                      <a:solidFill>
+                        <a:srgbClr val="000000"/>
+                      </a:solidFill>
+                      <a:prstDash val="solid"/>
+                      <a:round/>
+                      <a:headEnd type="none" w="med" len="med"/>
+                      <a:tailEnd type="none" w="med" len="med"/>
+                    </a:lnB>
+                    <a:solidFill>
+                      <a:srgbClr val="FFFFFF"/>
+                    </a:solidFill>
+                  </a:tcPr>
+                </a:tc>
+                <a:tc>
+                  <a:txBody>
+                    <a:bodyPr/>
+                    <a:lstStyle/>
+                    <a:p>
+                      <a:pPr indent="68580" algn="just">
+                        <a:lnSpc>
+                          <a:spcPct val="115000"/>
+                        </a:lnSpc>
+                        <a:spcBef>
+                          <a:spcPts val="600"/>
+                        </a:spcBef>
+                        <a:spcAft>
+                          <a:spcPts val="600"/>
+                        </a:spcAft>
+                      </a:pPr>
+                      <a:r>
+                        <a:rPr lang="ru-RU" sz="1200" dirty="0">
+                          <a:latin typeface="Times New Roman"/>
+                          <a:ea typeface="Calibri"/>
+                          <a:cs typeface="Times New Roman"/>
+                        </a:rPr>
+                        <a:t>Цена с учетом НДС</a:t>
+                      </a:r>
+                    </a:p>
+                  </a:txBody>
+                  <a:tcPr marL="68580" marR="68580" marT="0" marB="0" anchor="ctr">
+                    <a:lnL w="12700" cap="flat" cmpd="sng" algn="ctr">
+                      <a:solidFill>
+                        <a:srgbClr val="000000"/>
+                      </a:solidFill>
+                      <a:prstDash val="solid"/>
+                      <a:round/>
+                      <a:headEnd type="none" w="med" len="med"/>
+                      <a:tailEnd type="none" w="med" len="med"/>
+                    </a:lnL>
+                    <a:lnR w="12700" cap="flat" cmpd="sng" algn="ctr">
+                      <a:solidFill>
+                        <a:srgbClr val="000000"/>
+                      </a:solidFill>
+                      <a:prstDash val="solid"/>
+                      <a:round/>
+                      <a:headEnd type="none" w="med" len="med"/>
+                      <a:tailEnd type="none" w="med" len="med"/>
+                    </a:lnR>
+                    <a:lnT w="12700" cap="flat" cmpd="sng" algn="ctr">
+                      <a:solidFill>
+                        <a:srgbClr val="000000"/>
+                      </a:solidFill>
+                      <a:prstDash val="solid"/>
+                      <a:round/>
+                      <a:headEnd type="none" w="med" len="med"/>
+                      <a:tailEnd type="none" w="med" len="med"/>
+                    </a:lnT>
+                    <a:lnB w="12700" cap="flat" cmpd="sng" algn="ctr">
+                      <a:solidFill>
+                        <a:srgbClr val="000000"/>
+                      </a:solidFill>
+                      <a:prstDash val="solid"/>
+                      <a:round/>
+                      <a:headEnd type="none" w="med" len="med"/>
+                      <a:tailEnd type="none" w="med" len="med"/>
+                    </a:lnB>
+                    <a:solidFill>
+                      <a:srgbClr val="FFFFFF"/>
+                    </a:solidFill>
+                  </a:tcPr>
+                </a:tc>
+                <a:tc>
+                  <a:txBody>
+                    <a:bodyPr/>
+                    <a:lstStyle/>
+                    <a:p>
+                      <a:pPr algn="ctr">
+                        <a:lnSpc>
+                          <a:spcPct val="115000"/>
+                        </a:lnSpc>
+                        <a:spcAft>
+                          <a:spcPts val="0"/>
+                        </a:spcAft>
+                      </a:pPr>
+                      <a:r>
+                        <a:rPr lang="ru-RU" sz="1200">
+                          <a:latin typeface="Times New Roman"/>
+                          <a:ea typeface="Calibri"/>
+                          <a:cs typeface="Times New Roman"/>
+                        </a:rPr>
+                        <a:t>19458.12</a:t>
+                      </a:r>
+                    </a:p>
+                  </a:txBody>
+                  <a:tcPr marL="68580" marR="68580" marT="0" marB="0" anchor="ctr">
+                    <a:lnL w="12700" cap="flat" cmpd="sng" algn="ctr">
+                      <a:solidFill>
+                        <a:srgbClr val="000000"/>
+                      </a:solidFill>
+                      <a:prstDash val="solid"/>
+                      <a:round/>
+                      <a:headEnd type="none" w="med" len="med"/>
+                      <a:tailEnd type="none" w="med" len="med"/>
+                    </a:lnL>
+                    <a:lnR w="12700" cap="flat" cmpd="sng" algn="ctr">
+                      <a:solidFill>
+                        <a:srgbClr val="000000"/>
+                      </a:solidFill>
+                      <a:prstDash val="solid"/>
+                      <a:round/>
+                      <a:headEnd type="none" w="med" len="med"/>
+                      <a:tailEnd type="none" w="med" len="med"/>
+                    </a:lnR>
+                    <a:lnT w="12700" cap="flat" cmpd="sng" algn="ctr">
+                      <a:solidFill>
+                        <a:srgbClr val="000000"/>
+                      </a:solidFill>
+                      <a:prstDash val="solid"/>
+                      <a:round/>
+                      <a:headEnd type="none" w="med" len="med"/>
+                      <a:tailEnd type="none" w="med" len="med"/>
+                    </a:lnT>
+                    <a:lnB w="12700" cap="flat" cmpd="sng" algn="ctr">
+                      <a:solidFill>
+                        <a:srgbClr val="000000"/>
+                      </a:solidFill>
+                      <a:prstDash val="solid"/>
+                      <a:round/>
+                      <a:headEnd type="none" w="med" len="med"/>
+                      <a:tailEnd type="none" w="med" len="med"/>
+                    </a:lnB>
+                    <a:solidFill>
+                      <a:srgbClr val="FFFFFF"/>
+                    </a:solidFill>
+                  </a:tcPr>
+                </a:tc>
+                <a:tc>
+                  <a:txBody>
+                    <a:bodyPr/>
+                    <a:lstStyle/>
+                    <a:p>
+                      <a:pPr algn="ctr">
+                        <a:lnSpc>
+                          <a:spcPct val="115000"/>
+                        </a:lnSpc>
+                        <a:spcAft>
+                          <a:spcPts val="0"/>
+                        </a:spcAft>
+                      </a:pPr>
+                      <a:r>
+                        <a:rPr lang="ru-RU" sz="1200" dirty="0">
+                          <a:latin typeface="Times New Roman"/>
+                          <a:ea typeface="Calibri"/>
+                          <a:cs typeface="Times New Roman"/>
+                        </a:rPr>
+                        <a:t>∑ пп.11-12</a:t>
+                      </a:r>
+                    </a:p>
+                  </a:txBody>
+                  <a:tcPr marL="68580" marR="68580" marT="0" marB="0" anchor="ctr">
+                    <a:lnL w="12700" cap="flat" cmpd="sng" algn="ctr">
+                      <a:solidFill>
+                        <a:srgbClr val="000000"/>
+                      </a:solidFill>
+                      <a:prstDash val="solid"/>
+                      <a:round/>
+                      <a:headEnd type="none" w="med" len="med"/>
+                      <a:tailEnd type="none" w="med" len="med"/>
+                    </a:lnL>
+                    <a:lnR w="12700" cap="flat" cmpd="sng" algn="ctr">
+                      <a:solidFill>
+                        <a:srgbClr val="000000"/>
+                      </a:solidFill>
+                      <a:prstDash val="solid"/>
+                      <a:round/>
+                      <a:headEnd type="none" w="med" len="med"/>
+                      <a:tailEnd type="none" w="med" len="med"/>
+                    </a:lnR>
+                    <a:lnT w="12700" cap="flat" cmpd="sng" algn="ctr">
+                      <a:solidFill>
+                        <a:srgbClr val="000000"/>
+                      </a:solidFill>
+                      <a:prstDash val="solid"/>
+                      <a:round/>
+                      <a:headEnd type="none" w="med" len="med"/>
+                      <a:tailEnd type="none" w="med" len="med"/>
+                    </a:lnT>
+                    <a:lnB w="12700" cap="flat" cmpd="sng" algn="ctr">
+                      <a:solidFill>
+                        <a:srgbClr val="000000"/>
+                      </a:solidFill>
+                      <a:prstDash val="solid"/>
+                      <a:round/>
+                      <a:headEnd type="none" w="med" len="med"/>
+                      <a:tailEnd type="none" w="med" len="med"/>
+                    </a:lnB>
+                    <a:solidFill>
+                      <a:srgbClr val="FFFFFF"/>
+                    </a:solidFill>
+                  </a:tcPr>
+                </a:tc>
+              </a:tr>
+            </a:tbl>
+          </a:graphicData>
+        </a:graphic>
+      </p:graphicFrame>
+      <p:sp>
+        <p:nvSpPr>
+          <p:cNvPr id="15" name="Прямоугольник 14"/>
+          <p:cNvSpPr/>
+          <p:nvPr/>
+        </p:nvSpPr>
+        <p:spPr>
+          <a:xfrm>
+            <a:off x="0" y="5985284"/>
+            <a:ext cx="9144000" cy="369332"/>
+          </a:xfrm>
+          <a:prstGeom prst="rect">
+            <a:avLst/>
+          </a:prstGeom>
+        </p:spPr>
+        <p:txBody>
+          <a:bodyPr wrap="square">
+            <a:spAutoFit/>
+          </a:bodyPr>
+          <a:lstStyle/>
+          <a:p>
+            <a:pPr algn="ctr"/>
+            <a:r>
+              <a:rPr lang="ru-RU" dirty="0" smtClean="0"/>
+              <a:t>            Реализация 3 прибора обеспечит безубыточность проекта.</a:t>
+            </a:r>
+            <a:endParaRPr lang="ru-RU" dirty="0"/>
+          </a:p>
+        </p:txBody>
+      </p:sp>
+      <p:sp>
+        <p:nvSpPr>
+          <p:cNvPr id="16" name="TextBox 15"/>
+          <p:cNvSpPr txBox="1"/>
+          <p:nvPr/>
+        </p:nvSpPr>
+        <p:spPr>
+          <a:xfrm>
+            <a:off x="1655676" y="5373216"/>
+            <a:ext cx="6610784" cy="369332"/>
+          </a:xfrm>
+          <a:prstGeom prst="rect">
+            <a:avLst/>
+          </a:prstGeom>
+          <a:noFill/>
+        </p:spPr>
+        <p:txBody>
+          <a:bodyPr wrap="none" rtlCol="0">
+            <a:spAutoFit/>
+          </a:bodyPr>
+          <a:lstStyle/>
+          <a:p>
+            <a:pPr algn="ctr"/>
+            <a:r>
+              <a:rPr lang="ru-RU" dirty="0" smtClean="0"/>
+              <a:t>Расчет себестоимости разработки/изготовления устройства</a:t>
+            </a:r>
+            <a:endParaRPr lang="ru-RU" dirty="0"/>
+          </a:p>
+        </p:txBody>
+      </p:sp>
+    </p:spTree>
+  </p:cSld>
+  <p:clrMapOvr>
+    <a:masterClrMapping/>
+  </p:clrMapOvr>
+  <p:timing>
+    <p:tnLst>
+      <p:par>
+        <p:cTn id="1" dur="indefinite" restart="never" nodeType="tmRoot"/>
+      </p:par>
+    </p:tnLst>
+  </p:timing>
+</p:sld>
+</file>
+
+<file path=ppt/slides/slide15.xml><?xml version="1.0" encoding="utf-8"?>
+<p:sld xmlns:a="http://schemas.openxmlformats.org/drawingml/2006/main" xmlns:r="http://schemas.openxmlformats.org/officeDocument/2006/relationships" xmlns:p="http://schemas.openxmlformats.org/presentationml/2006/main">
+  <p:cSld>
+    <p:spTree>
+      <p:nvGrpSpPr>
+        <p:cNvPr id="1" name=""/>
+        <p:cNvGrpSpPr/>
+        <p:nvPr/>
+      </p:nvGrpSpPr>
+      <p:grpSpPr>
+        <a:xfrm>
+          <a:off x="0" y="0"/>
+          <a:ext cx="0" cy="0"/>
+          <a:chOff x="0" y="0"/>
+          <a:chExt cx="0" cy="0"/>
+        </a:xfrm>
+      </p:grpSpPr>
+      <p:sp>
+        <p:nvSpPr>
+          <p:cNvPr id="151554" name="Text Box 2"/>
+          <p:cNvSpPr txBox="1">
+            <a:spLocks noChangeArrowheads="1"/>
+          </p:cNvSpPr>
+          <p:nvPr/>
+        </p:nvSpPr>
+        <p:spPr bwMode="auto">
+          <a:xfrm>
+            <a:off x="8675688" y="44450"/>
+            <a:ext cx="468312" cy="511175"/>
+          </a:xfrm>
+          <a:prstGeom prst="rect">
+            <a:avLst/>
+          </a:prstGeom>
+          <a:solidFill>
+            <a:schemeClr val="bg1"/>
+          </a:solidFill>
+          <a:ln w="9525">
+            <a:noFill/>
+            <a:miter lim="800000"/>
+            <a:headEnd/>
+            <a:tailEnd/>
+          </a:ln>
+          <a:effectLst/>
+        </p:spPr>
+        <p:txBody>
+          <a:bodyPr/>
+          <a:lstStyle/>
+          <a:p>
+            <a:pPr algn="ctr">
+              <a:spcBef>
+                <a:spcPct val="50000"/>
+              </a:spcBef>
+            </a:pPr>
+            <a:endParaRPr lang="ru-RU" sz="2400" b="1" dirty="0">
+              <a:solidFill>
+                <a:schemeClr val="accent2"/>
+              </a:solidFill>
+            </a:endParaRPr>
+          </a:p>
+        </p:txBody>
+      </p:sp>
+      <p:pic>
+        <p:nvPicPr>
+          <p:cNvPr id="151555" name="Picture 3" descr="XAI"/>
+          <p:cNvPicPr>
+            <a:picLocks noChangeAspect="1" noChangeArrowheads="1"/>
+          </p:cNvPicPr>
+          <p:nvPr/>
+        </p:nvPicPr>
+        <p:blipFill>
+          <a:blip r:embed="rId3" cstate="print"/>
+          <a:srcRect/>
+          <a:stretch>
+            <a:fillRect/>
+          </a:stretch>
+        </p:blipFill>
+        <p:spPr bwMode="auto">
+          <a:xfrm>
+            <a:off x="0" y="30163"/>
+            <a:ext cx="863600" cy="519112"/>
+          </a:xfrm>
+          <a:prstGeom prst="rect">
+            <a:avLst/>
+          </a:prstGeom>
+          <a:noFill/>
+          <a:ln w="9525">
+            <a:noFill/>
+            <a:miter lim="800000"/>
+            <a:headEnd/>
+            <a:tailEnd/>
+          </a:ln>
+        </p:spPr>
+      </p:pic>
+      <p:sp>
+        <p:nvSpPr>
+          <p:cNvPr id="151556" name="Line 4"/>
+          <p:cNvSpPr>
+            <a:spLocks noChangeShapeType="1"/>
+          </p:cNvSpPr>
+          <p:nvPr/>
+        </p:nvSpPr>
+        <p:spPr bwMode="auto">
+          <a:xfrm>
+            <a:off x="74613" y="549275"/>
+            <a:ext cx="8997950" cy="0"/>
+          </a:xfrm>
+          <a:prstGeom prst="line">
+            <a:avLst/>
+          </a:prstGeom>
+          <a:noFill/>
+          <a:ln w="19050">
+            <a:solidFill>
+              <a:srgbClr val="333399"/>
+            </a:solidFill>
+            <a:round/>
+            <a:headEnd/>
+            <a:tailEnd/>
+          </a:ln>
+          <a:effectLst/>
+        </p:spPr>
+        <p:txBody>
+          <a:bodyPr/>
+          <a:lstStyle/>
+          <a:p>
+            <a:endParaRPr lang="ru-RU" dirty="0"/>
+          </a:p>
+        </p:txBody>
+      </p:sp>
+      <p:sp>
+        <p:nvSpPr>
+          <p:cNvPr id="151558" name="Rectangle 6"/>
+          <p:cNvSpPr>
+            <a:spLocks noChangeArrowheads="1"/>
+          </p:cNvSpPr>
+          <p:nvPr/>
+        </p:nvSpPr>
+        <p:spPr bwMode="auto">
+          <a:xfrm>
+            <a:off x="971550" y="130175"/>
+            <a:ext cx="7561263" cy="336550"/>
+          </a:xfrm>
+          <a:prstGeom prst="rect">
+            <a:avLst/>
+          </a:prstGeom>
+          <a:noFill/>
+          <a:ln w="9525">
+            <a:noFill/>
+            <a:miter lim="800000"/>
+            <a:headEnd/>
+            <a:tailEnd/>
+          </a:ln>
+          <a:effectLst/>
+        </p:spPr>
+        <p:txBody>
+          <a:bodyPr anchor="ctr">
+            <a:spAutoFit/>
+          </a:bodyPr>
+          <a:lstStyle/>
+          <a:p>
+            <a:pPr algn="ctr"/>
+            <a:r>
+              <a:rPr lang="ru-RU" sz="1600" b="1" dirty="0" smtClean="0">
+                <a:solidFill>
+                  <a:schemeClr val="accent2"/>
+                </a:solidFill>
+              </a:rPr>
+              <a:t>Охрана труда и безопасность в ЧС</a:t>
+            </a:r>
+            <a:endParaRPr lang="ru-RU" sz="1600" b="1" dirty="0">
+              <a:solidFill>
+                <a:schemeClr val="accent2"/>
+              </a:solidFill>
+            </a:endParaRPr>
+          </a:p>
+        </p:txBody>
+      </p:sp>
+      <p:sp>
+        <p:nvSpPr>
+          <p:cNvPr id="151559" name="Line 7"/>
+          <p:cNvSpPr>
+            <a:spLocks noChangeShapeType="1"/>
+          </p:cNvSpPr>
+          <p:nvPr/>
+        </p:nvSpPr>
+        <p:spPr bwMode="auto">
+          <a:xfrm>
+            <a:off x="74613" y="6561138"/>
+            <a:ext cx="8997950" cy="0"/>
+          </a:xfrm>
+          <a:prstGeom prst="line">
+            <a:avLst/>
+          </a:prstGeom>
+          <a:noFill/>
+          <a:ln w="19050">
+            <a:solidFill>
+              <a:srgbClr val="333399"/>
+            </a:solidFill>
+            <a:round/>
+            <a:headEnd/>
+            <a:tailEnd/>
+          </a:ln>
+          <a:effectLst/>
+        </p:spPr>
+        <p:txBody>
+          <a:bodyPr/>
+          <a:lstStyle/>
+          <a:p>
+            <a:endParaRPr lang="ru-RU" dirty="0"/>
+          </a:p>
+        </p:txBody>
+      </p:sp>
+      <p:sp>
+        <p:nvSpPr>
+          <p:cNvPr id="151566" name="Text Box 14"/>
+          <p:cNvSpPr txBox="1">
+            <a:spLocks noChangeArrowheads="1"/>
+          </p:cNvSpPr>
+          <p:nvPr/>
+        </p:nvSpPr>
+        <p:spPr bwMode="auto">
+          <a:xfrm>
+            <a:off x="8532813" y="0"/>
+            <a:ext cx="611187" cy="511175"/>
+          </a:xfrm>
+          <a:prstGeom prst="rect">
+            <a:avLst/>
+          </a:prstGeom>
+          <a:solidFill>
+            <a:schemeClr val="bg1"/>
+          </a:solidFill>
+          <a:ln w="9525">
+            <a:noFill/>
+            <a:miter lim="800000"/>
+            <a:headEnd/>
+            <a:tailEnd/>
+          </a:ln>
+          <a:effectLst/>
+        </p:spPr>
+        <p:txBody>
+          <a:bodyPr/>
+          <a:lstStyle/>
+          <a:p>
+            <a:pPr algn="ctr">
+              <a:spcBef>
+                <a:spcPct val="50000"/>
+              </a:spcBef>
+            </a:pPr>
+            <a:r>
+              <a:rPr lang="uk-UA" sz="2000" b="1" dirty="0" smtClean="0">
+                <a:solidFill>
+                  <a:schemeClr val="accent2"/>
+                </a:solidFill>
+              </a:rPr>
+              <a:t>5</a:t>
+            </a:r>
+            <a:endParaRPr lang="ru-RU" sz="2000" b="1" dirty="0">
+              <a:solidFill>
+                <a:schemeClr val="accent2"/>
+              </a:solidFill>
+            </a:endParaRPr>
+          </a:p>
+        </p:txBody>
+      </p:sp>
+      <p:sp>
+        <p:nvSpPr>
+          <p:cNvPr id="18436" name="Rectangle 4"/>
+          <p:cNvSpPr>
+            <a:spLocks noChangeArrowheads="1"/>
+          </p:cNvSpPr>
+          <p:nvPr/>
+        </p:nvSpPr>
+        <p:spPr bwMode="auto">
+          <a:xfrm>
+            <a:off x="0" y="0"/>
+            <a:ext cx="9144000" cy="0"/>
+          </a:xfrm>
+          <a:prstGeom prst="rect">
+            <a:avLst/>
+          </a:prstGeom>
+          <a:noFill/>
+          <a:ln w="9525">
+            <a:noFill/>
+            <a:miter lim="800000"/>
+            <a:headEnd/>
+            <a:tailEnd/>
+          </a:ln>
+          <a:effectLst/>
+        </p:spPr>
+        <p:txBody>
+          <a:bodyPr vert="horz" wrap="none" lIns="91440" tIns="45720" rIns="91440" bIns="45720" numCol="1" anchor="ctr" anchorCtr="0" compatLnSpc="1">
+            <a:prstTxWarp prst="textNoShape">
+              <a:avLst/>
+            </a:prstTxWarp>
+            <a:spAutoFit/>
+          </a:bodyPr>
+          <a:lstStyle/>
+          <a:p>
+            <a:endParaRPr lang="ru-RU"/>
+          </a:p>
+        </p:txBody>
+      </p:sp>
+      <p:sp>
+        <p:nvSpPr>
+          <p:cNvPr id="39938" name="Rectangle 2"/>
+          <p:cNvSpPr>
+            <a:spLocks noChangeArrowheads="1"/>
+          </p:cNvSpPr>
+          <p:nvPr/>
+        </p:nvSpPr>
+        <p:spPr bwMode="auto">
+          <a:xfrm>
+            <a:off x="0" y="0"/>
+            <a:ext cx="9144000" cy="0"/>
+          </a:xfrm>
+          <a:prstGeom prst="rect">
+            <a:avLst/>
+          </a:prstGeom>
+          <a:noFill/>
+          <a:ln w="9525">
+            <a:noFill/>
+            <a:miter lim="800000"/>
+            <a:headEnd/>
+            <a:tailEnd/>
+          </a:ln>
+          <a:effectLst/>
+        </p:spPr>
+        <p:txBody>
+          <a:bodyPr vert="horz" wrap="none" lIns="91440" tIns="45720" rIns="91440" bIns="45720" numCol="1" anchor="ctr" anchorCtr="0" compatLnSpc="1">
+            <a:prstTxWarp prst="textNoShape">
+              <a:avLst/>
+            </a:prstTxWarp>
+            <a:spAutoFit/>
+          </a:bodyPr>
+          <a:lstStyle/>
+          <a:p>
+            <a:endParaRPr lang="ru-RU"/>
+          </a:p>
+        </p:txBody>
+      </p:sp>
+      <p:sp>
+        <p:nvSpPr>
+          <p:cNvPr id="39940" name="Rectangle 4"/>
+          <p:cNvSpPr>
+            <a:spLocks noChangeArrowheads="1"/>
+          </p:cNvSpPr>
+          <p:nvPr/>
+        </p:nvSpPr>
+        <p:spPr bwMode="auto">
+          <a:xfrm>
+            <a:off x="0" y="0"/>
+            <a:ext cx="9144000" cy="0"/>
+          </a:xfrm>
+          <a:prstGeom prst="rect">
+            <a:avLst/>
+          </a:prstGeom>
+          <a:noFill/>
+          <a:ln w="9525">
+            <a:noFill/>
+            <a:miter lim="800000"/>
+            <a:headEnd/>
+            <a:tailEnd/>
+          </a:ln>
+          <a:effectLst/>
+        </p:spPr>
+        <p:txBody>
+          <a:bodyPr vert="horz" wrap="none" lIns="91440" tIns="45720" rIns="91440" bIns="45720" numCol="1" anchor="ctr" anchorCtr="0" compatLnSpc="1">
+            <a:prstTxWarp prst="textNoShape">
+              <a:avLst/>
+            </a:prstTxWarp>
+            <a:spAutoFit/>
+          </a:bodyPr>
+          <a:lstStyle/>
+          <a:p>
+            <a:endParaRPr lang="ru-RU"/>
+          </a:p>
+        </p:txBody>
+      </p:sp>
+    </p:spTree>
+  </p:cSld>
+  <p:clrMapOvr>
+    <a:masterClrMapping/>
+  </p:clrMapOvr>
+  <p:timing>
+    <p:tnLst>
+      <p:par>
+        <p:cTn id="1" dur="indefinite" restart="never" nodeType="tmRoot"/>
+      </p:par>
+    </p:tnLst>
+  </p:timing>
+</p:sld>
+</file>
+
+<file path=ppt/slides/slide16.xml><?xml version="1.0" encoding="utf-8"?>
+<p:sld xmlns:a="http://schemas.openxmlformats.org/drawingml/2006/main" xmlns:r="http://schemas.openxmlformats.org/officeDocument/2006/relationships" xmlns:p="http://schemas.openxmlformats.org/presentationml/2006/main">
+  <p:cSld>
+    <p:spTree>
+      <p:nvGrpSpPr>
+        <p:cNvPr id="1" name=""/>
+        <p:cNvGrpSpPr/>
+        <p:nvPr/>
+      </p:nvGrpSpPr>
+      <p:grpSpPr>
+        <a:xfrm>
+          <a:off x="0" y="0"/>
+          <a:ext cx="0" cy="0"/>
+          <a:chOff x="0" y="0"/>
+          <a:chExt cx="0" cy="0"/>
+        </a:xfrm>
+      </p:grpSpPr>
+      <p:sp>
+        <p:nvSpPr>
+          <p:cNvPr id="151554" name="Text Box 2"/>
+          <p:cNvSpPr txBox="1">
+            <a:spLocks noChangeArrowheads="1"/>
+          </p:cNvSpPr>
+          <p:nvPr/>
+        </p:nvSpPr>
+        <p:spPr bwMode="auto">
+          <a:xfrm>
+            <a:off x="8675688" y="44450"/>
+            <a:ext cx="468312" cy="511175"/>
+          </a:xfrm>
+          <a:prstGeom prst="rect">
+            <a:avLst/>
+          </a:prstGeom>
+          <a:solidFill>
+            <a:schemeClr val="bg1"/>
+          </a:solidFill>
+          <a:ln w="9525">
+            <a:noFill/>
+            <a:miter lim="800000"/>
+            <a:headEnd/>
+            <a:tailEnd/>
+          </a:ln>
+          <a:effectLst/>
+        </p:spPr>
+        <p:txBody>
+          <a:bodyPr/>
+          <a:lstStyle/>
+          <a:p>
+            <a:pPr algn="ctr">
+              <a:spcBef>
+                <a:spcPct val="50000"/>
+              </a:spcBef>
+            </a:pPr>
+            <a:endParaRPr lang="ru-RU" sz="2400" b="1" dirty="0">
+              <a:solidFill>
+                <a:schemeClr val="accent2"/>
+              </a:solidFill>
+            </a:endParaRPr>
+          </a:p>
+        </p:txBody>
+      </p:sp>
+      <p:pic>
+        <p:nvPicPr>
+          <p:cNvPr id="151555" name="Picture 3" descr="XAI"/>
+          <p:cNvPicPr>
+            <a:picLocks noChangeAspect="1" noChangeArrowheads="1"/>
+          </p:cNvPicPr>
+          <p:nvPr/>
+        </p:nvPicPr>
+        <p:blipFill>
+          <a:blip r:embed="rId3" cstate="print"/>
+          <a:srcRect/>
+          <a:stretch>
+            <a:fillRect/>
+          </a:stretch>
+        </p:blipFill>
+        <p:spPr bwMode="auto">
+          <a:xfrm>
+            <a:off x="0" y="30163"/>
+            <a:ext cx="863600" cy="519112"/>
+          </a:xfrm>
+          <a:prstGeom prst="rect">
+            <a:avLst/>
+          </a:prstGeom>
+          <a:noFill/>
+          <a:ln w="9525">
+            <a:noFill/>
+            <a:miter lim="800000"/>
+            <a:headEnd/>
+            <a:tailEnd/>
+          </a:ln>
+        </p:spPr>
+      </p:pic>
+      <p:sp>
+        <p:nvSpPr>
+          <p:cNvPr id="151556" name="Line 4"/>
+          <p:cNvSpPr>
+            <a:spLocks noChangeShapeType="1"/>
+          </p:cNvSpPr>
+          <p:nvPr/>
+        </p:nvSpPr>
+        <p:spPr bwMode="auto">
+          <a:xfrm>
+            <a:off x="74613" y="549275"/>
+            <a:ext cx="8997950" cy="0"/>
+          </a:xfrm>
+          <a:prstGeom prst="line">
+            <a:avLst/>
+          </a:prstGeom>
+          <a:noFill/>
+          <a:ln w="19050">
+            <a:solidFill>
+              <a:srgbClr val="333399"/>
+            </a:solidFill>
+            <a:round/>
+            <a:headEnd/>
+            <a:tailEnd/>
+          </a:ln>
+          <a:effectLst/>
+        </p:spPr>
+        <p:txBody>
+          <a:bodyPr/>
+          <a:lstStyle/>
+          <a:p>
+            <a:endParaRPr lang="ru-RU" dirty="0"/>
+          </a:p>
+        </p:txBody>
+      </p:sp>
+      <p:sp>
+        <p:nvSpPr>
+          <p:cNvPr id="151558" name="Rectangle 6"/>
+          <p:cNvSpPr>
+            <a:spLocks noChangeArrowheads="1"/>
+          </p:cNvSpPr>
+          <p:nvPr/>
+        </p:nvSpPr>
+        <p:spPr bwMode="auto">
+          <a:xfrm>
+            <a:off x="971550" y="130175"/>
+            <a:ext cx="7561263" cy="336550"/>
+          </a:xfrm>
+          <a:prstGeom prst="rect">
+            <a:avLst/>
+          </a:prstGeom>
+          <a:noFill/>
+          <a:ln w="9525">
+            <a:noFill/>
+            <a:miter lim="800000"/>
+            <a:headEnd/>
+            <a:tailEnd/>
+          </a:ln>
+          <a:effectLst/>
+        </p:spPr>
+        <p:txBody>
+          <a:bodyPr anchor="ctr">
+            <a:spAutoFit/>
+          </a:bodyPr>
+          <a:lstStyle/>
+          <a:p>
+            <a:pPr algn="ctr"/>
+            <a:r>
+              <a:rPr lang="ru-RU" sz="1600" b="1" dirty="0" smtClean="0">
+                <a:solidFill>
+                  <a:schemeClr val="accent2"/>
+                </a:solidFill>
+              </a:rPr>
+              <a:t>Охрана труда и безопасность в ЧС</a:t>
+            </a:r>
+            <a:endParaRPr lang="ru-RU" sz="1600" b="1" dirty="0">
+              <a:solidFill>
+                <a:schemeClr val="accent2"/>
+              </a:solidFill>
+            </a:endParaRPr>
+          </a:p>
+        </p:txBody>
+      </p:sp>
+      <p:sp>
+        <p:nvSpPr>
+          <p:cNvPr id="151559" name="Line 7"/>
+          <p:cNvSpPr>
+            <a:spLocks noChangeShapeType="1"/>
+          </p:cNvSpPr>
+          <p:nvPr/>
+        </p:nvSpPr>
+        <p:spPr bwMode="auto">
+          <a:xfrm>
+            <a:off x="74613" y="6561138"/>
+            <a:ext cx="8997950" cy="0"/>
+          </a:xfrm>
+          <a:prstGeom prst="line">
+            <a:avLst/>
+          </a:prstGeom>
+          <a:noFill/>
+          <a:ln w="19050">
+            <a:solidFill>
+              <a:srgbClr val="333399"/>
+            </a:solidFill>
+            <a:round/>
+            <a:headEnd/>
+            <a:tailEnd/>
+          </a:ln>
+          <a:effectLst/>
+        </p:spPr>
+        <p:txBody>
+          <a:bodyPr/>
+          <a:lstStyle/>
+          <a:p>
+            <a:endParaRPr lang="ru-RU" dirty="0"/>
+          </a:p>
+        </p:txBody>
+      </p:sp>
+      <p:sp>
+        <p:nvSpPr>
+          <p:cNvPr id="151566" name="Text Box 14"/>
+          <p:cNvSpPr txBox="1">
+            <a:spLocks noChangeArrowheads="1"/>
+          </p:cNvSpPr>
+          <p:nvPr/>
+        </p:nvSpPr>
+        <p:spPr bwMode="auto">
+          <a:xfrm>
+            <a:off x="8532813" y="0"/>
+            <a:ext cx="611187" cy="511175"/>
+          </a:xfrm>
+          <a:prstGeom prst="rect">
+            <a:avLst/>
+          </a:prstGeom>
+          <a:solidFill>
+            <a:schemeClr val="bg1"/>
+          </a:solidFill>
+          <a:ln w="9525">
+            <a:noFill/>
+            <a:miter lim="800000"/>
+            <a:headEnd/>
+            <a:tailEnd/>
+          </a:ln>
+          <a:effectLst/>
+        </p:spPr>
+        <p:txBody>
+          <a:bodyPr/>
+          <a:lstStyle/>
+          <a:p>
+            <a:pPr algn="ctr">
+              <a:spcBef>
+                <a:spcPct val="50000"/>
+              </a:spcBef>
+            </a:pPr>
+            <a:r>
+              <a:rPr lang="uk-UA" sz="2000" b="1" dirty="0" smtClean="0">
+                <a:solidFill>
+                  <a:schemeClr val="accent2"/>
+                </a:solidFill>
+              </a:rPr>
+              <a:t>5</a:t>
+            </a:r>
+            <a:endParaRPr lang="ru-RU" sz="2000" b="1" dirty="0">
+              <a:solidFill>
+                <a:schemeClr val="accent2"/>
+              </a:solidFill>
+            </a:endParaRPr>
+          </a:p>
+        </p:txBody>
+      </p:sp>
+      <p:sp>
+        <p:nvSpPr>
+          <p:cNvPr id="18436" name="Rectangle 4"/>
+          <p:cNvSpPr>
+            <a:spLocks noChangeArrowheads="1"/>
+          </p:cNvSpPr>
+          <p:nvPr/>
+        </p:nvSpPr>
+        <p:spPr bwMode="auto">
+          <a:xfrm>
+            <a:off x="0" y="0"/>
+            <a:ext cx="9144000" cy="0"/>
+          </a:xfrm>
+          <a:prstGeom prst="rect">
+            <a:avLst/>
+          </a:prstGeom>
+          <a:noFill/>
+          <a:ln w="9525">
+            <a:noFill/>
+            <a:miter lim="800000"/>
+            <a:headEnd/>
+            <a:tailEnd/>
+          </a:ln>
+          <a:effectLst/>
+        </p:spPr>
+        <p:txBody>
+          <a:bodyPr vert="horz" wrap="none" lIns="91440" tIns="45720" rIns="91440" bIns="45720" numCol="1" anchor="ctr" anchorCtr="0" compatLnSpc="1">
+            <a:prstTxWarp prst="textNoShape">
+              <a:avLst/>
+            </a:prstTxWarp>
+            <a:spAutoFit/>
+          </a:bodyPr>
+          <a:lstStyle/>
+          <a:p>
+            <a:endParaRPr lang="ru-RU"/>
+          </a:p>
+        </p:txBody>
+      </p:sp>
+      <p:sp>
+        <p:nvSpPr>
+          <p:cNvPr id="39938" name="Rectangle 2"/>
+          <p:cNvSpPr>
+            <a:spLocks noChangeArrowheads="1"/>
+          </p:cNvSpPr>
+          <p:nvPr/>
+        </p:nvSpPr>
+        <p:spPr bwMode="auto">
+          <a:xfrm>
+            <a:off x="0" y="0"/>
+            <a:ext cx="9144000" cy="0"/>
+          </a:xfrm>
+          <a:prstGeom prst="rect">
+            <a:avLst/>
+          </a:prstGeom>
+          <a:noFill/>
+          <a:ln w="9525">
+            <a:noFill/>
+            <a:miter lim="800000"/>
+            <a:headEnd/>
+            <a:tailEnd/>
+          </a:ln>
+          <a:effectLst/>
+        </p:spPr>
+        <p:txBody>
+          <a:bodyPr vert="horz" wrap="none" lIns="91440" tIns="45720" rIns="91440" bIns="45720" numCol="1" anchor="ctr" anchorCtr="0" compatLnSpc="1">
+            <a:prstTxWarp prst="textNoShape">
+              <a:avLst/>
+            </a:prstTxWarp>
+            <a:spAutoFit/>
+          </a:bodyPr>
+          <a:lstStyle/>
+          <a:p>
+            <a:endParaRPr lang="ru-RU"/>
+          </a:p>
+        </p:txBody>
+      </p:sp>
+      <p:sp>
+        <p:nvSpPr>
+          <p:cNvPr id="39940" name="Rectangle 4"/>
+          <p:cNvSpPr>
+            <a:spLocks noChangeArrowheads="1"/>
+          </p:cNvSpPr>
+          <p:nvPr/>
+        </p:nvSpPr>
+        <p:spPr bwMode="auto">
+          <a:xfrm>
+            <a:off x="0" y="0"/>
+            <a:ext cx="9144000" cy="0"/>
+          </a:xfrm>
+          <a:prstGeom prst="rect">
+            <a:avLst/>
+          </a:prstGeom>
+          <a:noFill/>
+          <a:ln w="9525">
+            <a:noFill/>
+            <a:miter lim="800000"/>
+            <a:headEnd/>
+            <a:tailEnd/>
+          </a:ln>
+          <a:effectLst/>
+        </p:spPr>
+        <p:txBody>
+          <a:bodyPr vert="horz" wrap="none" lIns="91440" tIns="45720" rIns="91440" bIns="45720" numCol="1" anchor="ctr" anchorCtr="0" compatLnSpc="1">
+            <a:prstTxWarp prst="textNoShape">
+              <a:avLst/>
+            </a:prstTxWarp>
+            <a:spAutoFit/>
+          </a:bodyPr>
+          <a:lstStyle/>
+          <a:p>
+            <a:endParaRPr lang="ru-RU"/>
+          </a:p>
+        </p:txBody>
+      </p:sp>
+      <p:pic>
+        <p:nvPicPr>
+          <p:cNvPr id="11" name="Рисунок 10" descr="C:\Documents and Settings\home\Рабочий стол\Безымянный.bmp"/>
+          <p:cNvPicPr/>
+          <p:nvPr/>
+        </p:nvPicPr>
+        <p:blipFill>
+          <a:blip r:embed="rId4" cstate="print"/>
+          <a:srcRect/>
+          <a:stretch>
+            <a:fillRect/>
+          </a:stretch>
+        </p:blipFill>
+        <p:spPr bwMode="auto">
+          <a:xfrm>
+            <a:off x="359532" y="548680"/>
+            <a:ext cx="9246413" cy="5250307"/>
+          </a:xfrm>
+          <a:prstGeom prst="rect">
+            <a:avLst/>
+          </a:prstGeom>
+          <a:noFill/>
+          <a:ln w="9525">
+            <a:noFill/>
+            <a:miter lim="800000"/>
+            <a:headEnd/>
+            <a:tailEnd/>
+          </a:ln>
+        </p:spPr>
+      </p:pic>
+      <p:sp>
+        <p:nvSpPr>
+          <p:cNvPr id="12" name="TextBox 11"/>
+          <p:cNvSpPr txBox="1"/>
+          <p:nvPr/>
+        </p:nvSpPr>
+        <p:spPr>
+          <a:xfrm>
+            <a:off x="0" y="5877272"/>
+            <a:ext cx="9144000" cy="646331"/>
+          </a:xfrm>
+          <a:prstGeom prst="rect">
+            <a:avLst/>
+          </a:prstGeom>
+          <a:noFill/>
+        </p:spPr>
+        <p:txBody>
+          <a:bodyPr wrap="square" rtlCol="0">
+            <a:spAutoFit/>
+          </a:bodyPr>
+          <a:lstStyle/>
+          <a:p>
+            <a:r>
+              <a:rPr lang="ru-RU" dirty="0" smtClean="0"/>
+              <a:t>   Карта ожидаемой пожарной обстановки, которая может возникнуть в результате</a:t>
+            </a:r>
+          </a:p>
+          <a:p>
+            <a:pPr algn="ctr"/>
+            <a:r>
+              <a:rPr lang="ru-RU" dirty="0" smtClean="0"/>
+              <a:t> возгорания мазута в котельной</a:t>
+            </a:r>
+            <a:endParaRPr lang="ru-RU" dirty="0"/>
+          </a:p>
+        </p:txBody>
+      </p:sp>
+    </p:spTree>
+  </p:cSld>
+  <p:clrMapOvr>
+    <a:masterClrMapping/>
+  </p:clrMapOvr>
+  <p:timing>
+    <p:tnLst>
+      <p:par>
+        <p:cTn id="1" dur="indefinite" restart="never" nodeType="tmRoot"/>
+      </p:par>
+    </p:tnLst>
+  </p:timing>
+</p:sld>
+</file>
+
+<file path=ppt/slides/slide17.xml><?xml version="1.0" encoding="utf-8"?>
+<p:sld xmlns:a="http://schemas.openxmlformats.org/drawingml/2006/main" xmlns:r="http://schemas.openxmlformats.org/officeDocument/2006/relationships" xmlns:p="http://schemas.openxmlformats.org/presentationml/2006/main">
+  <p:cSld>
+    <p:spTree>
+      <p:nvGrpSpPr>
+        <p:cNvPr id="1" name=""/>
+        <p:cNvGrpSpPr/>
+        <p:nvPr/>
+      </p:nvGrpSpPr>
+      <p:grpSpPr>
+        <a:xfrm>
+          <a:off x="0" y="0"/>
+          <a:ext cx="0" cy="0"/>
+          <a:chOff x="0" y="0"/>
+          <a:chExt cx="0" cy="0"/>
+        </a:xfrm>
+      </p:grpSpPr>
+      <p:sp>
+        <p:nvSpPr>
           <p:cNvPr id="182274" name="Text Box 2"/>
           <p:cNvSpPr txBox="1">
             <a:spLocks noChangeArrowheads="1"/>
@@ -8270,12 +15437,12 @@
           <p:nvPr/>
         </p:nvGraphicFramePr>
         <p:xfrm>
-          <a:off x="1763713" y="661988"/>
-          <a:ext cx="5364162" cy="5805487"/>
+          <a:off x="1277938" y="142875"/>
+          <a:ext cx="6335712" cy="6842125"/>
         </p:xfrm>
         <a:graphic>
           <a:graphicData uri="http://schemas.openxmlformats.org/presentationml/2006/ole">
-            <p:oleObj spid="_x0000_s1033" name="Visio" r:id="rId5" imgW="7181698" imgH="7766532" progId="Visio.Drawing.11">
+            <p:oleObj spid="_x0000_s1033" name="Visio" r:id="rId5" imgW="8482320" imgH="9159120" progId="Visio.Drawing.11">
               <p:link updateAutomatic="1"/>
             </p:oleObj>
           </a:graphicData>
@@ -8502,15 +15669,7 @@
                   <a:schemeClr val="accent2"/>
                 </a:solidFill>
               </a:rPr>
-              <a:t>Программная реализация </a:t>
-            </a:r>
-            <a:r>
-              <a:rPr lang="ru-RU" sz="1600" b="1" dirty="0" smtClean="0">
-                <a:solidFill>
-                  <a:schemeClr val="accent2"/>
-                </a:solidFill>
-              </a:rPr>
-              <a:t>генератора шума</a:t>
+              <a:t>Программная реализация генератора шума</a:t>
             </a:r>
             <a:endParaRPr lang="ru-RU" sz="1600" b="1" dirty="0">
               <a:solidFill>
@@ -8655,11 +15814,7 @@
             </a:r>
             <a:r>
               <a:rPr lang="pt-BR" dirty="0" smtClean="0"/>
-              <a:t> </a:t>
-            </a:r>
-            <a:r>
-              <a:rPr lang="pt-BR" dirty="0" smtClean="0"/>
-              <a:t>( </a:t>
+              <a:t> ( </a:t>
             </a:r>
             <a:r>
               <a:rPr lang="ru-RU" dirty="0" smtClean="0"/>
@@ -8787,23 +15942,7 @@
             </a:r>
             <a:r>
               <a:rPr lang="pt-BR" dirty="0" smtClean="0"/>
-              <a:t>) </a:t>
-            </a:r>
-            <a:r>
-              <a:rPr lang="pt-BR" dirty="0" smtClean="0"/>
-              <a:t>^ </a:t>
-            </a:r>
-            <a:r>
-              <a:rPr lang="pt-BR" dirty="0" smtClean="0"/>
-              <a:t>R </a:t>
-            </a:r>
-            <a:r>
-              <a:rPr lang="pt-BR" dirty="0" smtClean="0"/>
-              <a:t>) &amp; </a:t>
-            </a:r>
-            <a:r>
-              <a:rPr lang="pt-BR" dirty="0" smtClean="0"/>
-              <a:t>1</a:t>
+              <a:t>) ^ R ) &amp; 1</a:t>
             </a:r>
             <a:r>
               <a:rPr lang="ru-RU" dirty="0" smtClean="0"/>
@@ -8811,11 +15950,7 @@
             </a:r>
             <a:r>
               <a:rPr lang="pt-BR" dirty="0" smtClean="0"/>
-              <a:t> </a:t>
-            </a:r>
-            <a:r>
-              <a:rPr lang="pt-BR" dirty="0" smtClean="0"/>
-              <a:t>) &lt;&lt; 11 </a:t>
+              <a:t> ) &lt;&lt; 11 </a:t>
             </a:r>
             <a:r>
               <a:rPr lang="ru-RU" dirty="0" smtClean="0"/>
@@ -8847,15 +15982,7 @@
             </a:r>
             <a:r>
               <a:rPr lang="pt-BR" dirty="0" smtClean="0"/>
-              <a:t>R </a:t>
-            </a:r>
-            <a:r>
-              <a:rPr lang="pt-BR" dirty="0" smtClean="0"/>
-              <a:t>&gt;&gt; </a:t>
-            </a:r>
-            <a:r>
-              <a:rPr lang="pt-BR" dirty="0" smtClean="0"/>
-              <a:t>1</a:t>
+              <a:t>R &gt;&gt; 1</a:t>
             </a:r>
             <a:r>
               <a:rPr lang="ru-RU" dirty="0" smtClean="0"/>
@@ -8865,7 +15992,6 @@
               <a:rPr lang="pt-BR" dirty="0" smtClean="0"/>
               <a:t>);</a:t>
             </a:r>
-            <a:endParaRPr lang="pt-BR" dirty="0" smtClean="0"/>
           </a:p>
         </p:txBody>
       </p:sp>
@@ -8878,12 +16004,12 @@
           <p:nvPr/>
         </p:nvGraphicFramePr>
         <p:xfrm>
-          <a:off x="575556" y="548680"/>
-          <a:ext cx="7885112" cy="2397125"/>
+          <a:off x="-138113" y="334963"/>
+          <a:ext cx="9313863" cy="2827337"/>
         </p:xfrm>
         <a:graphic>
           <a:graphicData uri="http://schemas.openxmlformats.org/presentationml/2006/ole">
-            <p:oleObj spid="_x0000_s2052" name="Visio" r:id="rId5" imgW="7885481" imgH="2397146" progId="Visio.Drawing.11">
+            <p:oleObj spid="_x0000_s2052" name="Visio" r:id="rId5" imgW="9313560" imgH="2827080" progId="Visio.Drawing.11">
               <p:link updateAutomatic="1"/>
             </p:oleObj>
           </a:graphicData>
@@ -9045,11 +16171,7 @@
             </a:r>
             <a:r>
               <a:rPr lang="pt-BR" dirty="0" smtClean="0"/>
-              <a:t> </a:t>
-            </a:r>
-            <a:r>
-              <a:rPr lang="pt-BR" dirty="0" smtClean="0"/>
-              <a:t>( </a:t>
+              <a:t> ( </a:t>
             </a:r>
             <a:r>
               <a:rPr lang="ru-RU" dirty="0" smtClean="0"/>
@@ -9177,23 +16299,7 @@
             </a:r>
             <a:r>
               <a:rPr lang="pt-BR" dirty="0" smtClean="0"/>
-              <a:t>) </a:t>
-            </a:r>
-            <a:r>
-              <a:rPr lang="pt-BR" dirty="0" smtClean="0"/>
-              <a:t>^ </a:t>
-            </a:r>
-            <a:r>
-              <a:rPr lang="pt-BR" dirty="0" smtClean="0"/>
-              <a:t>R </a:t>
-            </a:r>
-            <a:r>
-              <a:rPr lang="pt-BR" dirty="0" smtClean="0"/>
-              <a:t>) &amp; </a:t>
-            </a:r>
-            <a:r>
-              <a:rPr lang="pt-BR" dirty="0" smtClean="0"/>
-              <a:t>1</a:t>
+              <a:t>) ^ R ) &amp; 1</a:t>
             </a:r>
             <a:r>
               <a:rPr lang="ru-RU" dirty="0" smtClean="0"/>
@@ -9201,11 +16307,7 @@
             </a:r>
             <a:r>
               <a:rPr lang="pt-BR" dirty="0" smtClean="0"/>
-              <a:t> </a:t>
-            </a:r>
-            <a:r>
-              <a:rPr lang="pt-BR" dirty="0" smtClean="0"/>
-              <a:t>) &lt;&lt; 11 </a:t>
+              <a:t> ) &lt;&lt; 11 </a:t>
             </a:r>
             <a:r>
               <a:rPr lang="ru-RU" dirty="0" smtClean="0"/>
@@ -9237,15 +16339,7 @@
             </a:r>
             <a:r>
               <a:rPr lang="pt-BR" dirty="0" smtClean="0"/>
-              <a:t>R </a:t>
-            </a:r>
-            <a:r>
-              <a:rPr lang="pt-BR" dirty="0" smtClean="0"/>
-              <a:t>&gt;&gt; </a:t>
-            </a:r>
-            <a:r>
-              <a:rPr lang="pt-BR" dirty="0" smtClean="0"/>
-              <a:t>1</a:t>
+              <a:t>R &gt;&gt; 1</a:t>
             </a:r>
             <a:r>
               <a:rPr lang="ru-RU" dirty="0" smtClean="0"/>
@@ -9264,19 +16358,11 @@
             </a:r>
             <a:r>
               <a:rPr lang="ru-RU" dirty="0" smtClean="0"/>
-              <a:t> </a:t>
-            </a:r>
-            <a:r>
-              <a:rPr lang="ru-RU" dirty="0" smtClean="0"/>
-              <a:t>//</a:t>
+              <a:t> //</a:t>
             </a:r>
             <a:r>
               <a:rPr lang="en-US" dirty="0" smtClean="0"/>
-              <a:t> max R </a:t>
-            </a:r>
-            <a:r>
-              <a:rPr lang="en-US" dirty="0" smtClean="0"/>
-              <a:t>== 65 535</a:t>
+              <a:t> max R == 65 535</a:t>
             </a:r>
             <a:endParaRPr lang="pt-BR" dirty="0" smtClean="0"/>
           </a:p>
@@ -9398,7 +16484,7 @@
           <p:nvPr/>
         </p:nvPicPr>
         <p:blipFill>
-          <a:blip r:embed="rId3" cstate="print"/>
+          <a:blip r:embed="rId4" cstate="print"/>
           <a:srcRect/>
           <a:stretch>
             <a:fillRect/>
@@ -9494,15 +16580,23 @@
                   <a:schemeClr val="accent2"/>
                 </a:solidFill>
               </a:rPr>
-              <a:t>Программная реализация </a:t>
-            </a:r>
-            <a:r>
-              <a:rPr lang="ru-RU" sz="1600" b="1" dirty="0" smtClean="0">
+              <a:t>Операционная</a:t>
+            </a:r>
+            <a:r>
+              <a:rPr lang="uk-UA" sz="1600" b="1" dirty="0" smtClean="0">
                 <a:solidFill>
                   <a:schemeClr val="accent2"/>
                 </a:solidFill>
               </a:rPr>
-              <a:t>генератора шума</a:t>
+              <a:t> система </a:t>
+            </a:r>
+            <a:r>
+              <a:rPr lang="en-US" sz="1600" b="1" dirty="0" smtClean="0">
+                <a:solidFill>
+                  <a:schemeClr val="accent2"/>
+                </a:solidFill>
+              </a:rPr>
+              <a:t>FreeRTOS</a:t>
             </a:r>
             <a:endParaRPr lang="ru-RU" sz="1600" b="1" dirty="0">
               <a:solidFill>
@@ -9596,6 +16690,109 @@
                 <a:schemeClr val="accent2"/>
               </a:solidFill>
             </a:endParaRPr>
+          </a:p>
+        </p:txBody>
+      </p:sp>
+      <p:pic>
+        <p:nvPicPr>
+          <p:cNvPr id="17410" name="Picture 2" descr="E:\Scorpion\images\FreeRTOSlogov1.jpg"/>
+          <p:cNvPicPr>
+            <a:picLocks noChangeAspect="1" noChangeArrowheads="1"/>
+          </p:cNvPicPr>
+          <p:nvPr/>
+        </p:nvPicPr>
+        <p:blipFill>
+          <a:blip r:embed="rId5" cstate="print"/>
+          <a:srcRect/>
+          <a:stretch>
+            <a:fillRect/>
+          </a:stretch>
+        </p:blipFill>
+        <p:spPr bwMode="auto">
+          <a:xfrm>
+            <a:off x="251520" y="728700"/>
+            <a:ext cx="2628292" cy="983238"/>
+          </a:xfrm>
+          <a:prstGeom prst="rect">
+            <a:avLst/>
+          </a:prstGeom>
+          <a:noFill/>
+        </p:spPr>
+      </p:pic>
+      <p:graphicFrame>
+        <p:nvGraphicFramePr>
+          <p:cNvPr id="17411" name="Object 3"/>
+          <p:cNvGraphicFramePr>
+            <a:graphicFrameLocks noChangeAspect="1"/>
+          </p:cNvGraphicFramePr>
+          <p:nvPr/>
+        </p:nvGraphicFramePr>
+        <p:xfrm>
+          <a:off x="2051720" y="2285542"/>
+          <a:ext cx="5029497" cy="4162165"/>
+        </p:xfrm>
+        <a:graphic>
+          <a:graphicData uri="http://schemas.openxmlformats.org/presentationml/2006/ole">
+            <p:oleObj spid="_x0000_s17411" name="Visio" r:id="rId6" imgW="6103800" imgH="5092920" progId="Visio.Drawing.11">
+              <p:embed/>
+            </p:oleObj>
+          </a:graphicData>
+        </a:graphic>
+      </p:graphicFrame>
+      <p:pic>
+        <p:nvPicPr>
+          <p:cNvPr id="17412" name="Picture 4" descr="E:\Scorpion\images\freertos_market_position-600x278.png"/>
+          <p:cNvPicPr>
+            <a:picLocks noChangeAspect="1" noChangeArrowheads="1"/>
+          </p:cNvPicPr>
+          <p:nvPr/>
+        </p:nvPicPr>
+        <p:blipFill>
+          <a:blip r:embed="rId7" cstate="print"/>
+          <a:srcRect/>
+          <a:stretch>
+            <a:fillRect/>
+          </a:stretch>
+        </p:blipFill>
+        <p:spPr bwMode="auto">
+          <a:xfrm>
+            <a:off x="5004048" y="620688"/>
+            <a:ext cx="3600400" cy="1668185"/>
+          </a:xfrm>
+          <a:prstGeom prst="rect">
+            <a:avLst/>
+          </a:prstGeom>
+          <a:noFill/>
+        </p:spPr>
+      </p:pic>
+      <p:sp>
+        <p:nvSpPr>
+          <p:cNvPr id="13" name="TextBox 12"/>
+          <p:cNvSpPr txBox="1"/>
+          <p:nvPr/>
+        </p:nvSpPr>
+        <p:spPr>
+          <a:xfrm>
+            <a:off x="2810699" y="6201308"/>
+            <a:ext cx="3511539" cy="369332"/>
+          </a:xfrm>
+          <a:prstGeom prst="rect">
+            <a:avLst/>
+          </a:prstGeom>
+          <a:noFill/>
+        </p:spPr>
+        <p:txBody>
+          <a:bodyPr wrap="none" rtlCol="0">
+            <a:spAutoFit/>
+          </a:bodyPr>
+          <a:lstStyle/>
+          <a:p>
+            <a:pPr algn="ctr"/>
+            <a:r>
+              <a:rPr lang="ru-RU" dirty="0" smtClean="0"/>
+              <a:t>Структурная схема программы</a:t>
+            </a:r>
+            <a:endParaRPr lang="ru-RU" dirty="0"/>
           </a:p>
         </p:txBody>
       </p:sp>

--- a/documentation/Presentation.pptx
+++ b/documentation/Presentation.pptx
@@ -15437,8 +15437,8 @@
           <p:nvPr/>
         </p:nvGraphicFramePr>
         <p:xfrm>
-          <a:off x="1277938" y="142875"/>
-          <a:ext cx="6335712" cy="6842125"/>
+          <a:off x="1727684" y="548680"/>
+          <a:ext cx="5597934" cy="6045377"/>
         </p:xfrm>
         <a:graphic>
           <a:graphicData uri="http://schemas.openxmlformats.org/presentationml/2006/ole">
@@ -16004,8 +16004,8 @@
           <p:nvPr/>
         </p:nvGraphicFramePr>
         <p:xfrm>
-          <a:off x="-138113" y="334963"/>
-          <a:ext cx="9313863" cy="2827337"/>
+          <a:off x="0" y="512677"/>
+          <a:ext cx="9144000" cy="2556284"/>
         </p:xfrm>
         <a:graphic>
           <a:graphicData uri="http://schemas.openxmlformats.org/presentationml/2006/ole">

--- a/documentation/Presentation.pptx
+++ b/documentation/Presentation.pptx
@@ -5,29 +5,31 @@
     <p:sldMasterId id="2147483648" r:id="rId1"/>
   </p:sldMasterIdLst>
   <p:notesMasterIdLst>
-    <p:notesMasterId r:id="rId19"/>
+    <p:notesMasterId r:id="rId21"/>
   </p:notesMasterIdLst>
   <p:handoutMasterIdLst>
-    <p:handoutMasterId r:id="rId20"/>
+    <p:handoutMasterId r:id="rId22"/>
   </p:handoutMasterIdLst>
   <p:sldIdLst>
     <p:sldId id="266" r:id="rId2"/>
     <p:sldId id="269" r:id="rId3"/>
-    <p:sldId id="273" r:id="rId4"/>
-    <p:sldId id="275" r:id="rId5"/>
-    <p:sldId id="276" r:id="rId6"/>
-    <p:sldId id="277" r:id="rId7"/>
-    <p:sldId id="278" r:id="rId8"/>
-    <p:sldId id="279" r:id="rId9"/>
-    <p:sldId id="280" r:id="rId10"/>
-    <p:sldId id="281" r:id="rId11"/>
-    <p:sldId id="282" r:id="rId12"/>
-    <p:sldId id="283" r:id="rId13"/>
-    <p:sldId id="284" r:id="rId14"/>
-    <p:sldId id="285" r:id="rId15"/>
-    <p:sldId id="286" r:id="rId16"/>
-    <p:sldId id="287" r:id="rId17"/>
-    <p:sldId id="274" r:id="rId18"/>
+    <p:sldId id="275" r:id="rId4"/>
+    <p:sldId id="276" r:id="rId5"/>
+    <p:sldId id="277" r:id="rId6"/>
+    <p:sldId id="288" r:id="rId7"/>
+    <p:sldId id="289" r:id="rId8"/>
+    <p:sldId id="278" r:id="rId9"/>
+    <p:sldId id="279" r:id="rId10"/>
+    <p:sldId id="280" r:id="rId11"/>
+    <p:sldId id="281" r:id="rId12"/>
+    <p:sldId id="282" r:id="rId13"/>
+    <p:sldId id="283" r:id="rId14"/>
+    <p:sldId id="290" r:id="rId15"/>
+    <p:sldId id="284" r:id="rId16"/>
+    <p:sldId id="285" r:id="rId17"/>
+    <p:sldId id="286" r:id="rId18"/>
+    <p:sldId id="287" r:id="rId19"/>
+    <p:sldId id="274" r:id="rId20"/>
   </p:sldIdLst>
   <p:sldSz cx="9144000" cy="6858000" type="screen4x3"/>
   <p:notesSz cx="6858000" cy="9144000"/>
@@ -1504,10 +1506,178 @@
           <a:bodyPr/>
           <a:lstStyle/>
           <a:p>
+            <a:fld id="{21638A55-6E18-4C71-A460-84C2FB964C64}" type="slidenum">
+              <a:rPr lang="ru-RU"/>
+              <a:pPr/>
+              <a:t>17</a:t>
+            </a:fld>
+            <a:endParaRPr lang="ru-RU" dirty="0"/>
+          </a:p>
+        </p:txBody>
+      </p:sp>
+      <p:sp>
+        <p:nvSpPr>
+          <p:cNvPr id="152578" name="Rectangle 2"/>
+          <p:cNvSpPr>
+            <a:spLocks noGrp="1" noRot="1" noChangeAspect="1" noChangeArrowheads="1" noTextEdit="1"/>
+          </p:cNvSpPr>
+          <p:nvPr>
+            <p:ph type="sldImg"/>
+          </p:nvPr>
+        </p:nvSpPr>
+        <p:spPr>
+          <a:ln/>
+        </p:spPr>
+      </p:sp>
+      <p:sp>
+        <p:nvSpPr>
+          <p:cNvPr id="152579" name="Rectangle 3"/>
+          <p:cNvSpPr>
+            <a:spLocks noGrp="1" noChangeArrowheads="1"/>
+          </p:cNvSpPr>
+          <p:nvPr>
+            <p:ph type="body" idx="1"/>
+          </p:nvPr>
+        </p:nvSpPr>
+        <p:spPr/>
+        <p:txBody>
+          <a:bodyPr/>
+          <a:lstStyle/>
+          <a:p>
+            <a:endParaRPr lang="ru-RU" dirty="0"/>
+          </a:p>
+        </p:txBody>
+      </p:sp>
+    </p:spTree>
+  </p:cSld>
+  <p:clrMapOvr>
+    <a:masterClrMapping/>
+  </p:clrMapOvr>
+</p:notes>
+</file>
+
+<file path=ppt/notesSlides/notesSlide18.xml><?xml version="1.0" encoding="utf-8"?>
+<p:notes xmlns:a="http://schemas.openxmlformats.org/drawingml/2006/main" xmlns:r="http://schemas.openxmlformats.org/officeDocument/2006/relationships" xmlns:p="http://schemas.openxmlformats.org/presentationml/2006/main">
+  <p:cSld>
+    <p:spTree>
+      <p:nvGrpSpPr>
+        <p:cNvPr id="1" name=""/>
+        <p:cNvGrpSpPr/>
+        <p:nvPr/>
+      </p:nvGrpSpPr>
+      <p:grpSpPr>
+        <a:xfrm>
+          <a:off x="0" y="0"/>
+          <a:ext cx="0" cy="0"/>
+          <a:chOff x="0" y="0"/>
+          <a:chExt cx="0" cy="0"/>
+        </a:xfrm>
+      </p:grpSpPr>
+      <p:sp>
+        <p:nvSpPr>
+          <p:cNvPr id="7" name="Rectangle 7"/>
+          <p:cNvSpPr>
+            <a:spLocks noGrp="1" noChangeArrowheads="1"/>
+          </p:cNvSpPr>
+          <p:nvPr>
+            <p:ph type="sldNum" sz="quarter" idx="5"/>
+          </p:nvPr>
+        </p:nvSpPr>
+        <p:spPr>
+          <a:ln/>
+        </p:spPr>
+        <p:txBody>
+          <a:bodyPr/>
+          <a:lstStyle/>
+          <a:p>
+            <a:fld id="{21638A55-6E18-4C71-A460-84C2FB964C64}" type="slidenum">
+              <a:rPr lang="ru-RU"/>
+              <a:pPr/>
+              <a:t>18</a:t>
+            </a:fld>
+            <a:endParaRPr lang="ru-RU" dirty="0"/>
+          </a:p>
+        </p:txBody>
+      </p:sp>
+      <p:sp>
+        <p:nvSpPr>
+          <p:cNvPr id="152578" name="Rectangle 2"/>
+          <p:cNvSpPr>
+            <a:spLocks noGrp="1" noRot="1" noChangeAspect="1" noChangeArrowheads="1" noTextEdit="1"/>
+          </p:cNvSpPr>
+          <p:nvPr>
+            <p:ph type="sldImg"/>
+          </p:nvPr>
+        </p:nvSpPr>
+        <p:spPr>
+          <a:ln/>
+        </p:spPr>
+      </p:sp>
+      <p:sp>
+        <p:nvSpPr>
+          <p:cNvPr id="152579" name="Rectangle 3"/>
+          <p:cNvSpPr>
+            <a:spLocks noGrp="1" noChangeArrowheads="1"/>
+          </p:cNvSpPr>
+          <p:nvPr>
+            <p:ph type="body" idx="1"/>
+          </p:nvPr>
+        </p:nvSpPr>
+        <p:spPr/>
+        <p:txBody>
+          <a:bodyPr/>
+          <a:lstStyle/>
+          <a:p>
+            <a:endParaRPr lang="ru-RU" dirty="0"/>
+          </a:p>
+        </p:txBody>
+      </p:sp>
+    </p:spTree>
+  </p:cSld>
+  <p:clrMapOvr>
+    <a:masterClrMapping/>
+  </p:clrMapOvr>
+</p:notes>
+</file>
+
+<file path=ppt/notesSlides/notesSlide19.xml><?xml version="1.0" encoding="utf-8"?>
+<p:notes xmlns:a="http://schemas.openxmlformats.org/drawingml/2006/main" xmlns:r="http://schemas.openxmlformats.org/officeDocument/2006/relationships" xmlns:p="http://schemas.openxmlformats.org/presentationml/2006/main">
+  <p:cSld>
+    <p:spTree>
+      <p:nvGrpSpPr>
+        <p:cNvPr id="1" name=""/>
+        <p:cNvGrpSpPr/>
+        <p:nvPr/>
+      </p:nvGrpSpPr>
+      <p:grpSpPr>
+        <a:xfrm>
+          <a:off x="0" y="0"/>
+          <a:ext cx="0" cy="0"/>
+          <a:chOff x="0" y="0"/>
+          <a:chExt cx="0" cy="0"/>
+        </a:xfrm>
+      </p:grpSpPr>
+      <p:sp>
+        <p:nvSpPr>
+          <p:cNvPr id="7" name="Rectangle 7"/>
+          <p:cNvSpPr>
+            <a:spLocks noGrp="1" noChangeArrowheads="1"/>
+          </p:cNvSpPr>
+          <p:nvPr>
+            <p:ph type="sldNum" sz="quarter" idx="5"/>
+          </p:nvPr>
+        </p:nvSpPr>
+        <p:spPr>
+          <a:ln/>
+        </p:spPr>
+        <p:txBody>
+          <a:bodyPr/>
+          <a:lstStyle/>
+          <a:p>
             <a:fld id="{A72D49AE-6F32-429D-8345-6C0D449561C6}" type="slidenum">
               <a:rPr lang="ru-RU"/>
               <a:pPr/>
-              <a:t>17</a:t>
+              <a:t>19</a:t>
             </a:fld>
             <a:endParaRPr lang="ru-RU" dirty="0"/>
           </a:p>
@@ -5986,20 +6156,28 @@
           <a:p>
             <a:pPr algn="ctr"/>
             <a:r>
+              <a:rPr lang="ru-RU" sz="1600" b="1" dirty="0" smtClean="0">
+                <a:solidFill>
+                  <a:schemeClr val="accent2"/>
+                </a:solidFill>
+              </a:rPr>
+              <a:t>Операционная</a:t>
+            </a:r>
+            <a:r>
+              <a:rPr lang="uk-UA" sz="1600" b="1" dirty="0" smtClean="0">
+                <a:solidFill>
+                  <a:schemeClr val="accent2"/>
+                </a:solidFill>
+              </a:rPr>
+              <a:t> система </a:t>
+            </a:r>
+            <a:r>
               <a:rPr lang="en-US" sz="1600" b="1" dirty="0" smtClean="0">
                 <a:solidFill>
                   <a:schemeClr val="accent2"/>
                 </a:solidFill>
               </a:rPr>
-              <a:t>State-machine </a:t>
-            </a:r>
-            <a:r>
-              <a:rPr lang="ru-RU" sz="1600" b="1" dirty="0" smtClean="0">
-                <a:solidFill>
-                  <a:schemeClr val="accent2"/>
-                </a:solidFill>
-              </a:rPr>
-              <a:t>опроса кнопок </a:t>
+              <a:t>FreeRTOS</a:t>
             </a:r>
             <a:endParaRPr lang="ru-RU" sz="1600" b="1" dirty="0">
               <a:solidFill>
@@ -6096,64 +6274,109 @@
           </a:p>
         </p:txBody>
       </p:sp>
-      <p:sp>
-        <p:nvSpPr>
-          <p:cNvPr id="18436" name="Rectangle 4"/>
-          <p:cNvSpPr>
-            <a:spLocks noChangeArrowheads="1"/>
-          </p:cNvSpPr>
-          <p:nvPr/>
-        </p:nvSpPr>
+      <p:pic>
+        <p:nvPicPr>
+          <p:cNvPr id="17410" name="Picture 2" descr="E:\Scorpion\images\FreeRTOSlogov1.jpg"/>
+          <p:cNvPicPr>
+            <a:picLocks noChangeAspect="1" noChangeArrowheads="1"/>
+          </p:cNvPicPr>
+          <p:nvPr/>
+        </p:nvPicPr>
+        <p:blipFill>
+          <a:blip r:embed="rId5" cstate="print"/>
+          <a:srcRect/>
+          <a:stretch>
+            <a:fillRect/>
+          </a:stretch>
+        </p:blipFill>
         <p:spPr bwMode="auto">
           <a:xfrm>
-            <a:off x="0" y="0"/>
-            <a:ext cx="9144000" cy="0"/>
+            <a:off x="251520" y="728700"/>
+            <a:ext cx="2628292" cy="983238"/>
           </a:xfrm>
           <a:prstGeom prst="rect">
             <a:avLst/>
           </a:prstGeom>
           <a:noFill/>
-          <a:ln w="9525">
-            <a:noFill/>
-            <a:miter lim="800000"/>
-            <a:headEnd/>
-            <a:tailEnd/>
-          </a:ln>
-          <a:effectLst/>
-        </p:spPr>
-        <p:txBody>
-          <a:bodyPr vert="horz" wrap="none" lIns="91440" tIns="45720" rIns="91440" bIns="45720" numCol="1" anchor="ctr" anchorCtr="0" compatLnSpc="1">
-            <a:prstTxWarp prst="textNoShape">
-              <a:avLst/>
-            </a:prstTxWarp>
-            <a:spAutoFit/>
-          </a:bodyPr>
-          <a:lstStyle/>
-          <a:p>
-            <a:endParaRPr lang="ru-RU"/>
-          </a:p>
-        </p:txBody>
-      </p:sp>
+        </p:spPr>
+      </p:pic>
       <p:graphicFrame>
         <p:nvGraphicFramePr>
-          <p:cNvPr id="18435" name="Object 3"/>
+          <p:cNvPr id="17411" name="Object 3"/>
           <p:cNvGraphicFramePr>
             <a:graphicFrameLocks noChangeAspect="1"/>
           </p:cNvGraphicFramePr>
           <p:nvPr/>
         </p:nvGraphicFramePr>
         <p:xfrm>
-          <a:off x="1034567" y="548680"/>
-          <a:ext cx="6772163" cy="6012668"/>
+          <a:off x="2051720" y="2285542"/>
+          <a:ext cx="5029497" cy="4162165"/>
         </p:xfrm>
         <a:graphic>
           <a:graphicData uri="http://schemas.openxmlformats.org/presentationml/2006/ole">
-            <p:oleObj spid="_x0000_s18435" name="Visio" r:id="rId5" imgW="11342866" imgH="10080708" progId="Visio.Drawing.11">
+            <p:oleObj spid="_x0000_s17411" name="Visio" r:id="rId6" imgW="6103800" imgH="5092920" progId="Visio.Drawing.11">
               <p:embed/>
             </p:oleObj>
           </a:graphicData>
         </a:graphic>
       </p:graphicFrame>
+      <p:pic>
+        <p:nvPicPr>
+          <p:cNvPr id="17412" name="Picture 4" descr="E:\Scorpion\images\freertos_market_position-600x278.png"/>
+          <p:cNvPicPr>
+            <a:picLocks noChangeAspect="1" noChangeArrowheads="1"/>
+          </p:cNvPicPr>
+          <p:nvPr/>
+        </p:nvPicPr>
+        <p:blipFill>
+          <a:blip r:embed="rId7" cstate="print"/>
+          <a:srcRect/>
+          <a:stretch>
+            <a:fillRect/>
+          </a:stretch>
+        </p:blipFill>
+        <p:spPr bwMode="auto">
+          <a:xfrm>
+            <a:off x="5004048" y="620688"/>
+            <a:ext cx="3600400" cy="1668185"/>
+          </a:xfrm>
+          <a:prstGeom prst="rect">
+            <a:avLst/>
+          </a:prstGeom>
+          <a:noFill/>
+        </p:spPr>
+      </p:pic>
+      <p:sp>
+        <p:nvSpPr>
+          <p:cNvPr id="13" name="TextBox 12"/>
+          <p:cNvSpPr txBox="1"/>
+          <p:nvPr/>
+        </p:nvSpPr>
+        <p:spPr>
+          <a:xfrm>
+            <a:off x="2810699" y="6201308"/>
+            <a:ext cx="3511539" cy="369332"/>
+          </a:xfrm>
+          <a:prstGeom prst="rect">
+            <a:avLst/>
+          </a:prstGeom>
+          <a:noFill/>
+        </p:spPr>
+        <p:txBody>
+          <a:bodyPr wrap="none" rtlCol="0">
+            <a:spAutoFit/>
+          </a:bodyPr>
+          <a:lstStyle/>
+          <a:p>
+            <a:pPr algn="ctr"/>
+            <a:r>
+              <a:rPr lang="ru-RU" dirty="0" smtClean="0"/>
+              <a:t>Структурная схема программы</a:t>
+            </a:r>
+            <a:endParaRPr lang="ru-RU" dirty="0"/>
+          </a:p>
+        </p:txBody>
+      </p:sp>
     </p:spTree>
   </p:cSld>
   <p:clrMapOvr>
@@ -6239,7 +6462,7 @@
           <p:nvPr/>
         </p:nvPicPr>
         <p:blipFill>
-          <a:blip r:embed="rId3" cstate="print"/>
+          <a:blip r:embed="rId4" cstate="print"/>
           <a:srcRect/>
           <a:stretch>
             <a:fillRect/>
@@ -6330,12 +6553,20 @@
           <a:p>
             <a:pPr algn="ctr"/>
             <a:r>
+              <a:rPr lang="en-US" sz="1600" b="1" dirty="0" smtClean="0">
+                <a:solidFill>
+                  <a:schemeClr val="accent2"/>
+                </a:solidFill>
+              </a:rPr>
+              <a:t>State-machine </a:t>
+            </a:r>
+            <a:r>
               <a:rPr lang="ru-RU" sz="1600" b="1" dirty="0" smtClean="0">
                 <a:solidFill>
                   <a:schemeClr val="accent2"/>
                 </a:solidFill>
               </a:rPr>
-              <a:t>Блокировка доступа к аппаратуре таймера</a:t>
+              <a:t>опроса кнопок </a:t>
             </a:r>
             <a:endParaRPr lang="ru-RU" sz="1600" b="1" dirty="0">
               <a:solidFill>
@@ -6470,108 +6701,26 @@
           </a:p>
         </p:txBody>
       </p:sp>
-      <p:pic>
-        <p:nvPicPr>
-          <p:cNvPr id="41988" name="Picture 4"/>
-          <p:cNvPicPr>
-            <a:picLocks noChangeAspect="1" noChangeArrowheads="1"/>
-          </p:cNvPicPr>
-          <p:nvPr/>
-        </p:nvPicPr>
-        <p:blipFill>
-          <a:blip r:embed="rId4" cstate="print"/>
-          <a:srcRect/>
-          <a:stretch>
-            <a:fillRect/>
-          </a:stretch>
-        </p:blipFill>
-        <p:spPr bwMode="auto">
-          <a:xfrm>
-            <a:off x="4565830" y="1077710"/>
-            <a:ext cx="4578169" cy="4284475"/>
-          </a:xfrm>
-          <a:prstGeom prst="rect">
-            <a:avLst/>
-          </a:prstGeom>
-          <a:noFill/>
-          <a:ln w="9525">
-            <a:noFill/>
-            <a:miter lim="800000"/>
-            <a:headEnd/>
-            <a:tailEnd/>
-          </a:ln>
-        </p:spPr>
-      </p:pic>
-      <p:pic>
-        <p:nvPicPr>
-          <p:cNvPr id="41989" name="Picture 5"/>
-          <p:cNvPicPr>
-            <a:picLocks noChangeAspect="1" noChangeArrowheads="1"/>
-          </p:cNvPicPr>
-          <p:nvPr/>
-        </p:nvPicPr>
-        <p:blipFill>
-          <a:blip r:embed="rId5" cstate="print"/>
-          <a:srcRect/>
-          <a:stretch>
-            <a:fillRect/>
-          </a:stretch>
-        </p:blipFill>
-        <p:spPr bwMode="auto">
-          <a:xfrm>
-            <a:off x="0" y="1077708"/>
-            <a:ext cx="4572000" cy="4295508"/>
-          </a:xfrm>
-          <a:prstGeom prst="rect">
-            <a:avLst/>
-          </a:prstGeom>
-          <a:noFill/>
-          <a:ln w="9525">
-            <a:noFill/>
-            <a:miter lim="800000"/>
-            <a:headEnd/>
-            <a:tailEnd/>
-          </a:ln>
-        </p:spPr>
-      </p:pic>
-      <p:sp>
-        <p:nvSpPr>
-          <p:cNvPr id="14" name="TextBox 13"/>
-          <p:cNvSpPr txBox="1"/>
-          <p:nvPr/>
-        </p:nvSpPr>
-        <p:spPr>
-          <a:xfrm>
-            <a:off x="0" y="5625244"/>
-            <a:ext cx="9144000" cy="646331"/>
-          </a:xfrm>
-          <a:prstGeom prst="rect">
-            <a:avLst/>
-          </a:prstGeom>
-          <a:noFill/>
-        </p:spPr>
-        <p:txBody>
-          <a:bodyPr wrap="square" rtlCol="0">
-            <a:spAutoFit/>
-          </a:bodyPr>
-          <a:lstStyle/>
-          <a:p>
-            <a:pPr algn="ctr"/>
-            <a:r>
-              <a:rPr lang="ru-RU" dirty="0" smtClean="0"/>
-              <a:t>Пояснение принципа блокировки одновременного доступа к ресурсу</a:t>
-            </a:r>
-          </a:p>
-          <a:p>
-            <a:pPr algn="ctr"/>
-            <a:r>
-              <a:rPr lang="ru-RU" dirty="0" smtClean="0"/>
-              <a:t> (аппаратуре таймера)</a:t>
-            </a:r>
-            <a:endParaRPr lang="ru-RU" dirty="0"/>
-          </a:p>
-        </p:txBody>
-      </p:sp>
+      <p:graphicFrame>
+        <p:nvGraphicFramePr>
+          <p:cNvPr id="18435" name="Object 3"/>
+          <p:cNvGraphicFramePr>
+            <a:graphicFrameLocks noChangeAspect="1"/>
+          </p:cNvGraphicFramePr>
+          <p:nvPr/>
+        </p:nvGraphicFramePr>
+        <p:xfrm>
+          <a:off x="1034567" y="548680"/>
+          <a:ext cx="6772163" cy="6012668"/>
+        </p:xfrm>
+        <a:graphic>
+          <a:graphicData uri="http://schemas.openxmlformats.org/presentationml/2006/ole">
+            <p:oleObj spid="_x0000_s18435" name="Visio" r:id="rId5" imgW="11342866" imgH="10080708" progId="Visio.Drawing.11">
+              <p:embed/>
+            </p:oleObj>
+          </a:graphicData>
+        </a:graphic>
+      </p:graphicFrame>
     </p:spTree>
   </p:cSld>
   <p:clrMapOvr>
@@ -6657,7 +6806,7 @@
           <p:nvPr/>
         </p:nvPicPr>
         <p:blipFill>
-          <a:blip r:embed="rId4" cstate="print"/>
+          <a:blip r:embed="rId3" cstate="print"/>
           <a:srcRect/>
           <a:stretch>
             <a:fillRect/>
@@ -6753,7 +6902,7 @@
                   <a:schemeClr val="accent2"/>
                 </a:solidFill>
               </a:rPr>
-              <a:t>Циклический буфер</a:t>
+              <a:t>Блокировка доступа к аппаратуре таймера</a:t>
             </a:r>
             <a:endParaRPr lang="ru-RU" sz="1600" b="1" dirty="0">
               <a:solidFill>
@@ -6888,18 +7037,25 @@
           </a:p>
         </p:txBody>
       </p:sp>
-      <p:sp>
-        <p:nvSpPr>
-          <p:cNvPr id="39938" name="Rectangle 2"/>
-          <p:cNvSpPr>
-            <a:spLocks noChangeArrowheads="1"/>
-          </p:cNvSpPr>
-          <p:nvPr/>
-        </p:nvSpPr>
+      <p:pic>
+        <p:nvPicPr>
+          <p:cNvPr id="41988" name="Picture 4"/>
+          <p:cNvPicPr>
+            <a:picLocks noChangeAspect="1" noChangeArrowheads="1"/>
+          </p:cNvPicPr>
+          <p:nvPr/>
+        </p:nvPicPr>
+        <p:blipFill>
+          <a:blip r:embed="rId4" cstate="print"/>
+          <a:srcRect/>
+          <a:stretch>
+            <a:fillRect/>
+          </a:stretch>
+        </p:blipFill>
         <p:spPr bwMode="auto">
           <a:xfrm>
-            <a:off x="0" y="0"/>
-            <a:ext cx="9144000" cy="0"/>
+            <a:off x="4565830" y="1077710"/>
+            <a:ext cx="4578169" cy="4284475"/>
           </a:xfrm>
           <a:prstGeom prst="rect">
             <a:avLst/>
@@ -6911,33 +7067,27 @@
             <a:headEnd/>
             <a:tailEnd/>
           </a:ln>
-          <a:effectLst/>
-        </p:spPr>
-        <p:txBody>
-          <a:bodyPr vert="horz" wrap="none" lIns="91440" tIns="45720" rIns="91440" bIns="45720" numCol="1" anchor="ctr" anchorCtr="0" compatLnSpc="1">
-            <a:prstTxWarp prst="textNoShape">
-              <a:avLst/>
-            </a:prstTxWarp>
-            <a:spAutoFit/>
-          </a:bodyPr>
-          <a:lstStyle/>
-          <a:p>
-            <a:endParaRPr lang="ru-RU"/>
-          </a:p>
-        </p:txBody>
-      </p:sp>
-      <p:sp>
-        <p:nvSpPr>
-          <p:cNvPr id="39940" name="Rectangle 4"/>
-          <p:cNvSpPr>
-            <a:spLocks noChangeArrowheads="1"/>
-          </p:cNvSpPr>
-          <p:nvPr/>
-        </p:nvSpPr>
+        </p:spPr>
+      </p:pic>
+      <p:pic>
+        <p:nvPicPr>
+          <p:cNvPr id="41989" name="Picture 5"/>
+          <p:cNvPicPr>
+            <a:picLocks noChangeAspect="1" noChangeArrowheads="1"/>
+          </p:cNvPicPr>
+          <p:nvPr/>
+        </p:nvPicPr>
+        <p:blipFill>
+          <a:blip r:embed="rId5" cstate="print"/>
+          <a:srcRect/>
+          <a:stretch>
+            <a:fillRect/>
+          </a:stretch>
+        </p:blipFill>
         <p:spPr bwMode="auto">
           <a:xfrm>
-            <a:off x="0" y="0"/>
-            <a:ext cx="9144000" cy="0"/>
+            <a:off x="0" y="1077708"/>
+            <a:ext cx="4572000" cy="4295508"/>
           </a:xfrm>
           <a:prstGeom prst="rect">
             <a:avLst/>
@@ -6949,51 +7099,18 @@
             <a:headEnd/>
             <a:tailEnd/>
           </a:ln>
-          <a:effectLst/>
-        </p:spPr>
-        <p:txBody>
-          <a:bodyPr vert="horz" wrap="none" lIns="91440" tIns="45720" rIns="91440" bIns="45720" numCol="1" anchor="ctr" anchorCtr="0" compatLnSpc="1">
-            <a:prstTxWarp prst="textNoShape">
-              <a:avLst/>
-            </a:prstTxWarp>
-            <a:spAutoFit/>
-          </a:bodyPr>
-          <a:lstStyle/>
-          <a:p>
-            <a:endParaRPr lang="ru-RU"/>
-          </a:p>
-        </p:txBody>
-      </p:sp>
-      <p:graphicFrame>
-        <p:nvGraphicFramePr>
-          <p:cNvPr id="39939" name="Object 3"/>
-          <p:cNvGraphicFramePr>
-            <a:graphicFrameLocks noChangeAspect="1"/>
-          </p:cNvGraphicFramePr>
-          <p:nvPr/>
-        </p:nvGraphicFramePr>
-        <p:xfrm>
-          <a:off x="-216532" y="1160748"/>
-          <a:ext cx="9117042" cy="4384151"/>
-        </p:xfrm>
-        <a:graphic>
-          <a:graphicData uri="http://schemas.openxmlformats.org/presentationml/2006/ole">
-            <p:oleObj spid="_x0000_s39939" name="Visio" r:id="rId5" imgW="5230539" imgH="2534027" progId="Visio.Drawing.11">
-              <p:embed/>
-            </p:oleObj>
-          </a:graphicData>
-        </a:graphic>
-      </p:graphicFrame>
-      <p:sp>
-        <p:nvSpPr>
-          <p:cNvPr id="13" name="TextBox 12"/>
+        </p:spPr>
+      </p:pic>
+      <p:sp>
+        <p:nvSpPr>
+          <p:cNvPr id="14" name="TextBox 13"/>
           <p:cNvSpPr txBox="1"/>
           <p:nvPr/>
         </p:nvSpPr>
         <p:spPr>
           <a:xfrm>
-            <a:off x="484704" y="5913276"/>
-            <a:ext cx="7714571" cy="369332"/>
+            <a:off x="0" y="5625244"/>
+            <a:ext cx="9144000" cy="646331"/>
           </a:xfrm>
           <a:prstGeom prst="rect">
             <a:avLst/>
@@ -7009,7 +7126,14 @@
             <a:pPr algn="ctr"/>
             <a:r>
               <a:rPr lang="ru-RU" dirty="0" smtClean="0"/>
-              <a:t>Структурная схема, поясняющая принцип работы генерации</a:t>
+              <a:t>Пояснение принципа блокировки одновременного доступа к ресурсу</a:t>
+            </a:r>
+          </a:p>
+          <a:p>
+            <a:pPr algn="ctr"/>
+            <a:r>
+              <a:rPr lang="ru-RU" dirty="0" smtClean="0"/>
+              <a:t> (аппаратуре таймера)</a:t>
             </a:r>
             <a:endParaRPr lang="ru-RU" dirty="0"/>
           </a:p>
@@ -7196,7 +7320,7 @@
                   <a:schemeClr val="accent2"/>
                 </a:solidFill>
               </a:rPr>
-              <a:t>Генерируемые сигналы</a:t>
+              <a:t>Циклический буфер</a:t>
             </a:r>
             <a:endParaRPr lang="ru-RU" sz="1600" b="1" dirty="0">
               <a:solidFill>
@@ -7409,84 +7533,55 @@
       </p:sp>
       <p:graphicFrame>
         <p:nvGraphicFramePr>
-          <p:cNvPr id="13" name="Объект 12"/>
+          <p:cNvPr id="39939" name="Object 3"/>
           <p:cNvGraphicFramePr>
             <a:graphicFrameLocks noChangeAspect="1"/>
           </p:cNvGraphicFramePr>
           <p:nvPr/>
         </p:nvGraphicFramePr>
         <p:xfrm>
-          <a:off x="144016" y="1088740"/>
-          <a:ext cx="4391980" cy="2141090"/>
+          <a:off x="-216532" y="1160748"/>
+          <a:ext cx="9117042" cy="4384151"/>
         </p:xfrm>
         <a:graphic>
           <a:graphicData uri="http://schemas.openxmlformats.org/presentationml/2006/ole">
-            <p:oleObj spid="_x0000_s44036" name="Точечный рисунок" r:id="rId5" imgW="4571429" imgH="2228571" progId="Paint.Picture">
+            <p:oleObj spid="_x0000_s39939" name="Visio" r:id="rId5" imgW="5230539" imgH="2534027" progId="Visio.Drawing.11">
               <p:embed/>
             </p:oleObj>
           </a:graphicData>
         </a:graphic>
       </p:graphicFrame>
-      <p:graphicFrame>
-        <p:nvGraphicFramePr>
-          <p:cNvPr id="14" name="Объект 13"/>
-          <p:cNvGraphicFramePr>
-            <a:graphicFrameLocks noChangeAspect="1"/>
-          </p:cNvGraphicFramePr>
-          <p:nvPr/>
-        </p:nvGraphicFramePr>
-        <p:xfrm>
-          <a:off x="4608512" y="1088740"/>
-          <a:ext cx="4391980" cy="2141090"/>
-        </p:xfrm>
-        <a:graphic>
-          <a:graphicData uri="http://schemas.openxmlformats.org/presentationml/2006/ole">
-            <p:oleObj spid="_x0000_s44037" name="Точечный рисунок" r:id="rId6" imgW="4571429" imgH="2228571" progId="Paint.Picture">
-              <p:embed/>
-            </p:oleObj>
-          </a:graphicData>
-        </a:graphic>
-      </p:graphicFrame>
-      <p:graphicFrame>
-        <p:nvGraphicFramePr>
-          <p:cNvPr id="15" name="Объект 14"/>
-          <p:cNvGraphicFramePr>
-            <a:graphicFrameLocks noChangeAspect="1"/>
-          </p:cNvGraphicFramePr>
-          <p:nvPr/>
-        </p:nvGraphicFramePr>
-        <p:xfrm>
-          <a:off x="143508" y="3303887"/>
-          <a:ext cx="4392488" cy="2141337"/>
-        </p:xfrm>
-        <a:graphic>
-          <a:graphicData uri="http://schemas.openxmlformats.org/presentationml/2006/ole">
-            <p:oleObj spid="_x0000_s44038" name="Точечный рисунок" r:id="rId7" imgW="4571429" imgH="2228571" progId="Paint.Picture">
-              <p:embed/>
-            </p:oleObj>
-          </a:graphicData>
-        </a:graphic>
-      </p:graphicFrame>
-      <p:graphicFrame>
-        <p:nvGraphicFramePr>
-          <p:cNvPr id="16" name="Объект 15"/>
-          <p:cNvGraphicFramePr>
-            <a:graphicFrameLocks noChangeAspect="1"/>
-          </p:cNvGraphicFramePr>
-          <p:nvPr/>
-        </p:nvGraphicFramePr>
-        <p:xfrm>
-          <a:off x="4608004" y="3284984"/>
-          <a:ext cx="4431262" cy="2160240"/>
-        </p:xfrm>
-        <a:graphic>
-          <a:graphicData uri="http://schemas.openxmlformats.org/presentationml/2006/ole">
-            <p:oleObj spid="_x0000_s44039" name="Точечный рисунок" r:id="rId8" imgW="4571429" imgH="2228571" progId="Paint.Picture">
-              <p:embed/>
-            </p:oleObj>
-          </a:graphicData>
-        </a:graphic>
-      </p:graphicFrame>
+      <p:sp>
+        <p:nvSpPr>
+          <p:cNvPr id="13" name="TextBox 12"/>
+          <p:cNvSpPr txBox="1"/>
+          <p:nvPr/>
+        </p:nvSpPr>
+        <p:spPr>
+          <a:xfrm>
+            <a:off x="484704" y="5913276"/>
+            <a:ext cx="7714571" cy="369332"/>
+          </a:xfrm>
+          <a:prstGeom prst="rect">
+            <a:avLst/>
+          </a:prstGeom>
+          <a:noFill/>
+        </p:spPr>
+        <p:txBody>
+          <a:bodyPr wrap="square" rtlCol="0">
+            <a:spAutoFit/>
+          </a:bodyPr>
+          <a:lstStyle/>
+          <a:p>
+            <a:pPr algn="ctr"/>
+            <a:r>
+              <a:rPr lang="ru-RU" dirty="0" smtClean="0"/>
+              <a:t>Структурная схема, поясняющая принцип работы генерации</a:t>
+            </a:r>
+            <a:endParaRPr lang="ru-RU" dirty="0"/>
+          </a:p>
+        </p:txBody>
+      </p:sp>
     </p:spTree>
   </p:cSld>
   <p:clrMapOvr>
@@ -7668,7 +7763,7 @@
                   <a:schemeClr val="accent2"/>
                 </a:solidFill>
               </a:rPr>
-              <a:t>Экономическая часть</a:t>
+              <a:t>Фотография многофункционального генератора</a:t>
             </a:r>
             <a:endParaRPr lang="ru-RU" sz="1600" b="1" dirty="0">
               <a:solidFill>
@@ -7756,6 +7851,901 @@
                 </a:solidFill>
               </a:rPr>
               <a:t>14</a:t>
+            </a:r>
+            <a:endParaRPr lang="ru-RU" sz="2000" b="1" dirty="0">
+              <a:solidFill>
+                <a:schemeClr val="accent2"/>
+              </a:solidFill>
+            </a:endParaRPr>
+          </a:p>
+        </p:txBody>
+      </p:sp>
+      <p:sp>
+        <p:nvSpPr>
+          <p:cNvPr id="18436" name="Rectangle 4"/>
+          <p:cNvSpPr>
+            <a:spLocks noChangeArrowheads="1"/>
+          </p:cNvSpPr>
+          <p:nvPr/>
+        </p:nvSpPr>
+        <p:spPr bwMode="auto">
+          <a:xfrm>
+            <a:off x="0" y="0"/>
+            <a:ext cx="9144000" cy="0"/>
+          </a:xfrm>
+          <a:prstGeom prst="rect">
+            <a:avLst/>
+          </a:prstGeom>
+          <a:noFill/>
+          <a:ln w="9525">
+            <a:noFill/>
+            <a:miter lim="800000"/>
+            <a:headEnd/>
+            <a:tailEnd/>
+          </a:ln>
+          <a:effectLst/>
+        </p:spPr>
+        <p:txBody>
+          <a:bodyPr vert="horz" wrap="none" lIns="91440" tIns="45720" rIns="91440" bIns="45720" numCol="1" anchor="ctr" anchorCtr="0" compatLnSpc="1">
+            <a:prstTxWarp prst="textNoShape">
+              <a:avLst/>
+            </a:prstTxWarp>
+            <a:spAutoFit/>
+          </a:bodyPr>
+          <a:lstStyle/>
+          <a:p>
+            <a:endParaRPr lang="ru-RU"/>
+          </a:p>
+        </p:txBody>
+      </p:sp>
+      <p:sp>
+        <p:nvSpPr>
+          <p:cNvPr id="39938" name="Rectangle 2"/>
+          <p:cNvSpPr>
+            <a:spLocks noChangeArrowheads="1"/>
+          </p:cNvSpPr>
+          <p:nvPr/>
+        </p:nvSpPr>
+        <p:spPr bwMode="auto">
+          <a:xfrm>
+            <a:off x="0" y="0"/>
+            <a:ext cx="9144000" cy="0"/>
+          </a:xfrm>
+          <a:prstGeom prst="rect">
+            <a:avLst/>
+          </a:prstGeom>
+          <a:noFill/>
+          <a:ln w="9525">
+            <a:noFill/>
+            <a:miter lim="800000"/>
+            <a:headEnd/>
+            <a:tailEnd/>
+          </a:ln>
+          <a:effectLst/>
+        </p:spPr>
+        <p:txBody>
+          <a:bodyPr vert="horz" wrap="none" lIns="91440" tIns="45720" rIns="91440" bIns="45720" numCol="1" anchor="ctr" anchorCtr="0" compatLnSpc="1">
+            <a:prstTxWarp prst="textNoShape">
+              <a:avLst/>
+            </a:prstTxWarp>
+            <a:spAutoFit/>
+          </a:bodyPr>
+          <a:lstStyle/>
+          <a:p>
+            <a:endParaRPr lang="ru-RU"/>
+          </a:p>
+        </p:txBody>
+      </p:sp>
+      <p:sp>
+        <p:nvSpPr>
+          <p:cNvPr id="39940" name="Rectangle 4"/>
+          <p:cNvSpPr>
+            <a:spLocks noChangeArrowheads="1"/>
+          </p:cNvSpPr>
+          <p:nvPr/>
+        </p:nvSpPr>
+        <p:spPr bwMode="auto">
+          <a:xfrm>
+            <a:off x="0" y="0"/>
+            <a:ext cx="9144000" cy="0"/>
+          </a:xfrm>
+          <a:prstGeom prst="rect">
+            <a:avLst/>
+          </a:prstGeom>
+          <a:noFill/>
+          <a:ln w="9525">
+            <a:noFill/>
+            <a:miter lim="800000"/>
+            <a:headEnd/>
+            <a:tailEnd/>
+          </a:ln>
+          <a:effectLst/>
+        </p:spPr>
+        <p:txBody>
+          <a:bodyPr vert="horz" wrap="none" lIns="91440" tIns="45720" rIns="91440" bIns="45720" numCol="1" anchor="ctr" anchorCtr="0" compatLnSpc="1">
+            <a:prstTxWarp prst="textNoShape">
+              <a:avLst/>
+            </a:prstTxWarp>
+            <a:spAutoFit/>
+          </a:bodyPr>
+          <a:lstStyle/>
+          <a:p>
+            <a:endParaRPr lang="ru-RU"/>
+          </a:p>
+        </p:txBody>
+      </p:sp>
+      <p:sp>
+        <p:nvSpPr>
+          <p:cNvPr id="13" name="TextBox 12"/>
+          <p:cNvSpPr txBox="1"/>
+          <p:nvPr/>
+        </p:nvSpPr>
+        <p:spPr>
+          <a:xfrm>
+            <a:off x="484704" y="5913276"/>
+            <a:ext cx="7714571" cy="369332"/>
+          </a:xfrm>
+          <a:prstGeom prst="rect">
+            <a:avLst/>
+          </a:prstGeom>
+          <a:noFill/>
+        </p:spPr>
+        <p:txBody>
+          <a:bodyPr wrap="square" rtlCol="0">
+            <a:spAutoFit/>
+          </a:bodyPr>
+          <a:lstStyle/>
+          <a:p>
+            <a:pPr algn="ctr"/>
+            <a:r>
+              <a:rPr lang="ru-RU" dirty="0" smtClean="0"/>
+              <a:t>Фотография многофункционального генератора</a:t>
+            </a:r>
+            <a:endParaRPr lang="ru-RU" dirty="0"/>
+          </a:p>
+        </p:txBody>
+      </p:sp>
+    </p:spTree>
+  </p:cSld>
+  <p:clrMapOvr>
+    <a:masterClrMapping/>
+  </p:clrMapOvr>
+  <p:timing>
+    <p:tnLst>
+      <p:par>
+        <p:cTn id="1" dur="indefinite" restart="never" nodeType="tmRoot"/>
+      </p:par>
+    </p:tnLst>
+  </p:timing>
+</p:sld>
+</file>
+
+<file path=ppt/slides/slide15.xml><?xml version="1.0" encoding="utf-8"?>
+<p:sld xmlns:a="http://schemas.openxmlformats.org/drawingml/2006/main" xmlns:r="http://schemas.openxmlformats.org/officeDocument/2006/relationships" xmlns:p="http://schemas.openxmlformats.org/presentationml/2006/main">
+  <p:cSld>
+    <p:spTree>
+      <p:nvGrpSpPr>
+        <p:cNvPr id="1" name=""/>
+        <p:cNvGrpSpPr/>
+        <p:nvPr/>
+      </p:nvGrpSpPr>
+      <p:grpSpPr>
+        <a:xfrm>
+          <a:off x="0" y="0"/>
+          <a:ext cx="0" cy="0"/>
+          <a:chOff x="0" y="0"/>
+          <a:chExt cx="0" cy="0"/>
+        </a:xfrm>
+      </p:grpSpPr>
+      <p:sp>
+        <p:nvSpPr>
+          <p:cNvPr id="151554" name="Text Box 2"/>
+          <p:cNvSpPr txBox="1">
+            <a:spLocks noChangeArrowheads="1"/>
+          </p:cNvSpPr>
+          <p:nvPr/>
+        </p:nvSpPr>
+        <p:spPr bwMode="auto">
+          <a:xfrm>
+            <a:off x="8675688" y="44450"/>
+            <a:ext cx="468312" cy="511175"/>
+          </a:xfrm>
+          <a:prstGeom prst="rect">
+            <a:avLst/>
+          </a:prstGeom>
+          <a:solidFill>
+            <a:schemeClr val="bg1"/>
+          </a:solidFill>
+          <a:ln w="9525">
+            <a:noFill/>
+            <a:miter lim="800000"/>
+            <a:headEnd/>
+            <a:tailEnd/>
+          </a:ln>
+          <a:effectLst/>
+        </p:spPr>
+        <p:txBody>
+          <a:bodyPr/>
+          <a:lstStyle/>
+          <a:p>
+            <a:pPr algn="ctr">
+              <a:spcBef>
+                <a:spcPct val="50000"/>
+              </a:spcBef>
+            </a:pPr>
+            <a:endParaRPr lang="ru-RU" sz="2400" b="1" dirty="0">
+              <a:solidFill>
+                <a:schemeClr val="accent2"/>
+              </a:solidFill>
+            </a:endParaRPr>
+          </a:p>
+        </p:txBody>
+      </p:sp>
+      <p:pic>
+        <p:nvPicPr>
+          <p:cNvPr id="151555" name="Picture 3" descr="XAI"/>
+          <p:cNvPicPr>
+            <a:picLocks noChangeAspect="1" noChangeArrowheads="1"/>
+          </p:cNvPicPr>
+          <p:nvPr/>
+        </p:nvPicPr>
+        <p:blipFill>
+          <a:blip r:embed="rId4" cstate="print"/>
+          <a:srcRect/>
+          <a:stretch>
+            <a:fillRect/>
+          </a:stretch>
+        </p:blipFill>
+        <p:spPr bwMode="auto">
+          <a:xfrm>
+            <a:off x="0" y="30163"/>
+            <a:ext cx="863600" cy="519112"/>
+          </a:xfrm>
+          <a:prstGeom prst="rect">
+            <a:avLst/>
+          </a:prstGeom>
+          <a:noFill/>
+          <a:ln w="9525">
+            <a:noFill/>
+            <a:miter lim="800000"/>
+            <a:headEnd/>
+            <a:tailEnd/>
+          </a:ln>
+        </p:spPr>
+      </p:pic>
+      <p:sp>
+        <p:nvSpPr>
+          <p:cNvPr id="151556" name="Line 4"/>
+          <p:cNvSpPr>
+            <a:spLocks noChangeShapeType="1"/>
+          </p:cNvSpPr>
+          <p:nvPr/>
+        </p:nvSpPr>
+        <p:spPr bwMode="auto">
+          <a:xfrm>
+            <a:off x="74613" y="549275"/>
+            <a:ext cx="8997950" cy="0"/>
+          </a:xfrm>
+          <a:prstGeom prst="line">
+            <a:avLst/>
+          </a:prstGeom>
+          <a:noFill/>
+          <a:ln w="19050">
+            <a:solidFill>
+              <a:srgbClr val="333399"/>
+            </a:solidFill>
+            <a:round/>
+            <a:headEnd/>
+            <a:tailEnd/>
+          </a:ln>
+          <a:effectLst/>
+        </p:spPr>
+        <p:txBody>
+          <a:bodyPr/>
+          <a:lstStyle/>
+          <a:p>
+            <a:endParaRPr lang="ru-RU" dirty="0"/>
+          </a:p>
+        </p:txBody>
+      </p:sp>
+      <p:sp>
+        <p:nvSpPr>
+          <p:cNvPr id="151558" name="Rectangle 6"/>
+          <p:cNvSpPr>
+            <a:spLocks noChangeArrowheads="1"/>
+          </p:cNvSpPr>
+          <p:nvPr/>
+        </p:nvSpPr>
+        <p:spPr bwMode="auto">
+          <a:xfrm>
+            <a:off x="971550" y="130175"/>
+            <a:ext cx="7561263" cy="336550"/>
+          </a:xfrm>
+          <a:prstGeom prst="rect">
+            <a:avLst/>
+          </a:prstGeom>
+          <a:noFill/>
+          <a:ln w="9525">
+            <a:noFill/>
+            <a:miter lim="800000"/>
+            <a:headEnd/>
+            <a:tailEnd/>
+          </a:ln>
+          <a:effectLst/>
+        </p:spPr>
+        <p:txBody>
+          <a:bodyPr anchor="ctr">
+            <a:spAutoFit/>
+          </a:bodyPr>
+          <a:lstStyle/>
+          <a:p>
+            <a:pPr algn="ctr"/>
+            <a:r>
+              <a:rPr lang="ru-RU" sz="1600" b="1" dirty="0" smtClean="0">
+                <a:solidFill>
+                  <a:schemeClr val="accent2"/>
+                </a:solidFill>
+              </a:rPr>
+              <a:t>Генерируемые сигналы</a:t>
+            </a:r>
+            <a:endParaRPr lang="ru-RU" sz="1600" b="1" dirty="0">
+              <a:solidFill>
+                <a:schemeClr val="accent2"/>
+              </a:solidFill>
+            </a:endParaRPr>
+          </a:p>
+        </p:txBody>
+      </p:sp>
+      <p:sp>
+        <p:nvSpPr>
+          <p:cNvPr id="151559" name="Line 7"/>
+          <p:cNvSpPr>
+            <a:spLocks noChangeShapeType="1"/>
+          </p:cNvSpPr>
+          <p:nvPr/>
+        </p:nvSpPr>
+        <p:spPr bwMode="auto">
+          <a:xfrm>
+            <a:off x="74613" y="6561138"/>
+            <a:ext cx="8997950" cy="0"/>
+          </a:xfrm>
+          <a:prstGeom prst="line">
+            <a:avLst/>
+          </a:prstGeom>
+          <a:noFill/>
+          <a:ln w="19050">
+            <a:solidFill>
+              <a:srgbClr val="333399"/>
+            </a:solidFill>
+            <a:round/>
+            <a:headEnd/>
+            <a:tailEnd/>
+          </a:ln>
+          <a:effectLst/>
+        </p:spPr>
+        <p:txBody>
+          <a:bodyPr/>
+          <a:lstStyle/>
+          <a:p>
+            <a:endParaRPr lang="ru-RU" dirty="0"/>
+          </a:p>
+        </p:txBody>
+      </p:sp>
+      <p:sp>
+        <p:nvSpPr>
+          <p:cNvPr id="151566" name="Text Box 14"/>
+          <p:cNvSpPr txBox="1">
+            <a:spLocks noChangeArrowheads="1"/>
+          </p:cNvSpPr>
+          <p:nvPr/>
+        </p:nvSpPr>
+        <p:spPr bwMode="auto">
+          <a:xfrm>
+            <a:off x="8532813" y="0"/>
+            <a:ext cx="611187" cy="511175"/>
+          </a:xfrm>
+          <a:prstGeom prst="rect">
+            <a:avLst/>
+          </a:prstGeom>
+          <a:solidFill>
+            <a:schemeClr val="bg1"/>
+          </a:solidFill>
+          <a:ln w="9525">
+            <a:noFill/>
+            <a:miter lim="800000"/>
+            <a:headEnd/>
+            <a:tailEnd/>
+          </a:ln>
+          <a:effectLst/>
+        </p:spPr>
+        <p:txBody>
+          <a:bodyPr/>
+          <a:lstStyle/>
+          <a:p>
+            <a:pPr algn="ctr">
+              <a:spcBef>
+                <a:spcPct val="50000"/>
+              </a:spcBef>
+            </a:pPr>
+            <a:r>
+              <a:rPr lang="uk-UA" sz="2000" b="1" dirty="0" smtClean="0">
+                <a:solidFill>
+                  <a:schemeClr val="accent2"/>
+                </a:solidFill>
+              </a:rPr>
+              <a:t>15</a:t>
+            </a:r>
+            <a:endParaRPr lang="ru-RU" sz="2000" b="1" dirty="0">
+              <a:solidFill>
+                <a:schemeClr val="accent2"/>
+              </a:solidFill>
+            </a:endParaRPr>
+          </a:p>
+        </p:txBody>
+      </p:sp>
+      <p:sp>
+        <p:nvSpPr>
+          <p:cNvPr id="18436" name="Rectangle 4"/>
+          <p:cNvSpPr>
+            <a:spLocks noChangeArrowheads="1"/>
+          </p:cNvSpPr>
+          <p:nvPr/>
+        </p:nvSpPr>
+        <p:spPr bwMode="auto">
+          <a:xfrm>
+            <a:off x="0" y="0"/>
+            <a:ext cx="9144000" cy="0"/>
+          </a:xfrm>
+          <a:prstGeom prst="rect">
+            <a:avLst/>
+          </a:prstGeom>
+          <a:noFill/>
+          <a:ln w="9525">
+            <a:noFill/>
+            <a:miter lim="800000"/>
+            <a:headEnd/>
+            <a:tailEnd/>
+          </a:ln>
+          <a:effectLst/>
+        </p:spPr>
+        <p:txBody>
+          <a:bodyPr vert="horz" wrap="none" lIns="91440" tIns="45720" rIns="91440" bIns="45720" numCol="1" anchor="ctr" anchorCtr="0" compatLnSpc="1">
+            <a:prstTxWarp prst="textNoShape">
+              <a:avLst/>
+            </a:prstTxWarp>
+            <a:spAutoFit/>
+          </a:bodyPr>
+          <a:lstStyle/>
+          <a:p>
+            <a:endParaRPr lang="ru-RU"/>
+          </a:p>
+        </p:txBody>
+      </p:sp>
+      <p:sp>
+        <p:nvSpPr>
+          <p:cNvPr id="39938" name="Rectangle 2"/>
+          <p:cNvSpPr>
+            <a:spLocks noChangeArrowheads="1"/>
+          </p:cNvSpPr>
+          <p:nvPr/>
+        </p:nvSpPr>
+        <p:spPr bwMode="auto">
+          <a:xfrm>
+            <a:off x="0" y="0"/>
+            <a:ext cx="9144000" cy="0"/>
+          </a:xfrm>
+          <a:prstGeom prst="rect">
+            <a:avLst/>
+          </a:prstGeom>
+          <a:noFill/>
+          <a:ln w="9525">
+            <a:noFill/>
+            <a:miter lim="800000"/>
+            <a:headEnd/>
+            <a:tailEnd/>
+          </a:ln>
+          <a:effectLst/>
+        </p:spPr>
+        <p:txBody>
+          <a:bodyPr vert="horz" wrap="none" lIns="91440" tIns="45720" rIns="91440" bIns="45720" numCol="1" anchor="ctr" anchorCtr="0" compatLnSpc="1">
+            <a:prstTxWarp prst="textNoShape">
+              <a:avLst/>
+            </a:prstTxWarp>
+            <a:spAutoFit/>
+          </a:bodyPr>
+          <a:lstStyle/>
+          <a:p>
+            <a:endParaRPr lang="ru-RU"/>
+          </a:p>
+        </p:txBody>
+      </p:sp>
+      <p:sp>
+        <p:nvSpPr>
+          <p:cNvPr id="39940" name="Rectangle 4"/>
+          <p:cNvSpPr>
+            <a:spLocks noChangeArrowheads="1"/>
+          </p:cNvSpPr>
+          <p:nvPr/>
+        </p:nvSpPr>
+        <p:spPr bwMode="auto">
+          <a:xfrm>
+            <a:off x="0" y="0"/>
+            <a:ext cx="9144000" cy="0"/>
+          </a:xfrm>
+          <a:prstGeom prst="rect">
+            <a:avLst/>
+          </a:prstGeom>
+          <a:noFill/>
+          <a:ln w="9525">
+            <a:noFill/>
+            <a:miter lim="800000"/>
+            <a:headEnd/>
+            <a:tailEnd/>
+          </a:ln>
+          <a:effectLst/>
+        </p:spPr>
+        <p:txBody>
+          <a:bodyPr vert="horz" wrap="none" lIns="91440" tIns="45720" rIns="91440" bIns="45720" numCol="1" anchor="ctr" anchorCtr="0" compatLnSpc="1">
+            <a:prstTxWarp prst="textNoShape">
+              <a:avLst/>
+            </a:prstTxWarp>
+            <a:spAutoFit/>
+          </a:bodyPr>
+          <a:lstStyle/>
+          <a:p>
+            <a:endParaRPr lang="ru-RU"/>
+          </a:p>
+        </p:txBody>
+      </p:sp>
+      <p:graphicFrame>
+        <p:nvGraphicFramePr>
+          <p:cNvPr id="13" name="Объект 12"/>
+          <p:cNvGraphicFramePr>
+            <a:graphicFrameLocks noChangeAspect="1"/>
+          </p:cNvGraphicFramePr>
+          <p:nvPr/>
+        </p:nvGraphicFramePr>
+        <p:xfrm>
+          <a:off x="144016" y="1088740"/>
+          <a:ext cx="4391980" cy="2141090"/>
+        </p:xfrm>
+        <a:graphic>
+          <a:graphicData uri="http://schemas.openxmlformats.org/presentationml/2006/ole">
+            <p:oleObj spid="_x0000_s44036" name="Точечный рисунок" r:id="rId5" imgW="4571429" imgH="2228571" progId="PBrush">
+              <p:embed/>
+            </p:oleObj>
+          </a:graphicData>
+        </a:graphic>
+      </p:graphicFrame>
+      <p:graphicFrame>
+        <p:nvGraphicFramePr>
+          <p:cNvPr id="14" name="Объект 13"/>
+          <p:cNvGraphicFramePr>
+            <a:graphicFrameLocks noChangeAspect="1"/>
+          </p:cNvGraphicFramePr>
+          <p:nvPr/>
+        </p:nvGraphicFramePr>
+        <p:xfrm>
+          <a:off x="4608512" y="1088740"/>
+          <a:ext cx="4391980" cy="2141090"/>
+        </p:xfrm>
+        <a:graphic>
+          <a:graphicData uri="http://schemas.openxmlformats.org/presentationml/2006/ole">
+            <p:oleObj spid="_x0000_s44037" name="Точечный рисунок" r:id="rId6" imgW="4571429" imgH="2228571" progId="PBrush">
+              <p:embed/>
+            </p:oleObj>
+          </a:graphicData>
+        </a:graphic>
+      </p:graphicFrame>
+      <p:graphicFrame>
+        <p:nvGraphicFramePr>
+          <p:cNvPr id="15" name="Объект 14"/>
+          <p:cNvGraphicFramePr>
+            <a:graphicFrameLocks noChangeAspect="1"/>
+          </p:cNvGraphicFramePr>
+          <p:nvPr/>
+        </p:nvGraphicFramePr>
+        <p:xfrm>
+          <a:off x="143508" y="3303887"/>
+          <a:ext cx="4392488" cy="2141337"/>
+        </p:xfrm>
+        <a:graphic>
+          <a:graphicData uri="http://schemas.openxmlformats.org/presentationml/2006/ole">
+            <p:oleObj spid="_x0000_s44038" name="Точечный рисунок" r:id="rId7" imgW="4571429" imgH="2228571" progId="PBrush">
+              <p:embed/>
+            </p:oleObj>
+          </a:graphicData>
+        </a:graphic>
+      </p:graphicFrame>
+      <p:graphicFrame>
+        <p:nvGraphicFramePr>
+          <p:cNvPr id="16" name="Объект 15"/>
+          <p:cNvGraphicFramePr>
+            <a:graphicFrameLocks noChangeAspect="1"/>
+          </p:cNvGraphicFramePr>
+          <p:nvPr/>
+        </p:nvGraphicFramePr>
+        <p:xfrm>
+          <a:off x="4608004" y="3284984"/>
+          <a:ext cx="4431262" cy="2160240"/>
+        </p:xfrm>
+        <a:graphic>
+          <a:graphicData uri="http://schemas.openxmlformats.org/presentationml/2006/ole">
+            <p:oleObj spid="_x0000_s44039" name="Точечный рисунок" r:id="rId8" imgW="4571429" imgH="2228571" progId="PBrush">
+              <p:embed/>
+            </p:oleObj>
+          </a:graphicData>
+        </a:graphic>
+      </p:graphicFrame>
+    </p:spTree>
+  </p:cSld>
+  <p:clrMapOvr>
+    <a:masterClrMapping/>
+  </p:clrMapOvr>
+  <p:timing>
+    <p:tnLst>
+      <p:par>
+        <p:cTn id="1" dur="indefinite" restart="never" nodeType="tmRoot"/>
+      </p:par>
+    </p:tnLst>
+  </p:timing>
+</p:sld>
+</file>
+
+<file path=ppt/slides/slide16.xml><?xml version="1.0" encoding="utf-8"?>
+<p:sld xmlns:a="http://schemas.openxmlformats.org/drawingml/2006/main" xmlns:r="http://schemas.openxmlformats.org/officeDocument/2006/relationships" xmlns:p="http://schemas.openxmlformats.org/presentationml/2006/main">
+  <p:cSld>
+    <p:spTree>
+      <p:nvGrpSpPr>
+        <p:cNvPr id="1" name=""/>
+        <p:cNvGrpSpPr/>
+        <p:nvPr/>
+      </p:nvGrpSpPr>
+      <p:grpSpPr>
+        <a:xfrm>
+          <a:off x="0" y="0"/>
+          <a:ext cx="0" cy="0"/>
+          <a:chOff x="0" y="0"/>
+          <a:chExt cx="0" cy="0"/>
+        </a:xfrm>
+      </p:grpSpPr>
+      <p:sp>
+        <p:nvSpPr>
+          <p:cNvPr id="151554" name="Text Box 2"/>
+          <p:cNvSpPr txBox="1">
+            <a:spLocks noChangeArrowheads="1"/>
+          </p:cNvSpPr>
+          <p:nvPr/>
+        </p:nvSpPr>
+        <p:spPr bwMode="auto">
+          <a:xfrm>
+            <a:off x="8675688" y="44450"/>
+            <a:ext cx="468312" cy="511175"/>
+          </a:xfrm>
+          <a:prstGeom prst="rect">
+            <a:avLst/>
+          </a:prstGeom>
+          <a:solidFill>
+            <a:schemeClr val="bg1"/>
+          </a:solidFill>
+          <a:ln w="9525">
+            <a:noFill/>
+            <a:miter lim="800000"/>
+            <a:headEnd/>
+            <a:tailEnd/>
+          </a:ln>
+          <a:effectLst/>
+        </p:spPr>
+        <p:txBody>
+          <a:bodyPr/>
+          <a:lstStyle/>
+          <a:p>
+            <a:pPr algn="ctr">
+              <a:spcBef>
+                <a:spcPct val="50000"/>
+              </a:spcBef>
+            </a:pPr>
+            <a:endParaRPr lang="ru-RU" sz="2400" b="1" dirty="0">
+              <a:solidFill>
+                <a:schemeClr val="accent2"/>
+              </a:solidFill>
+            </a:endParaRPr>
+          </a:p>
+        </p:txBody>
+      </p:sp>
+      <p:pic>
+        <p:nvPicPr>
+          <p:cNvPr id="151555" name="Picture 3" descr="XAI"/>
+          <p:cNvPicPr>
+            <a:picLocks noChangeAspect="1" noChangeArrowheads="1"/>
+          </p:cNvPicPr>
+          <p:nvPr/>
+        </p:nvPicPr>
+        <p:blipFill>
+          <a:blip r:embed="rId3" cstate="print"/>
+          <a:srcRect/>
+          <a:stretch>
+            <a:fillRect/>
+          </a:stretch>
+        </p:blipFill>
+        <p:spPr bwMode="auto">
+          <a:xfrm>
+            <a:off x="0" y="30163"/>
+            <a:ext cx="863600" cy="519112"/>
+          </a:xfrm>
+          <a:prstGeom prst="rect">
+            <a:avLst/>
+          </a:prstGeom>
+          <a:noFill/>
+          <a:ln w="9525">
+            <a:noFill/>
+            <a:miter lim="800000"/>
+            <a:headEnd/>
+            <a:tailEnd/>
+          </a:ln>
+        </p:spPr>
+      </p:pic>
+      <p:sp>
+        <p:nvSpPr>
+          <p:cNvPr id="151556" name="Line 4"/>
+          <p:cNvSpPr>
+            <a:spLocks noChangeShapeType="1"/>
+          </p:cNvSpPr>
+          <p:nvPr/>
+        </p:nvSpPr>
+        <p:spPr bwMode="auto">
+          <a:xfrm>
+            <a:off x="74613" y="549275"/>
+            <a:ext cx="8997950" cy="0"/>
+          </a:xfrm>
+          <a:prstGeom prst="line">
+            <a:avLst/>
+          </a:prstGeom>
+          <a:noFill/>
+          <a:ln w="19050">
+            <a:solidFill>
+              <a:srgbClr val="333399"/>
+            </a:solidFill>
+            <a:round/>
+            <a:headEnd/>
+            <a:tailEnd/>
+          </a:ln>
+          <a:effectLst/>
+        </p:spPr>
+        <p:txBody>
+          <a:bodyPr/>
+          <a:lstStyle/>
+          <a:p>
+            <a:endParaRPr lang="ru-RU" dirty="0"/>
+          </a:p>
+        </p:txBody>
+      </p:sp>
+      <p:sp>
+        <p:nvSpPr>
+          <p:cNvPr id="151558" name="Rectangle 6"/>
+          <p:cNvSpPr>
+            <a:spLocks noChangeArrowheads="1"/>
+          </p:cNvSpPr>
+          <p:nvPr/>
+        </p:nvSpPr>
+        <p:spPr bwMode="auto">
+          <a:xfrm>
+            <a:off x="971550" y="130175"/>
+            <a:ext cx="7561263" cy="336550"/>
+          </a:xfrm>
+          <a:prstGeom prst="rect">
+            <a:avLst/>
+          </a:prstGeom>
+          <a:noFill/>
+          <a:ln w="9525">
+            <a:noFill/>
+            <a:miter lim="800000"/>
+            <a:headEnd/>
+            <a:tailEnd/>
+          </a:ln>
+          <a:effectLst/>
+        </p:spPr>
+        <p:txBody>
+          <a:bodyPr anchor="ctr">
+            <a:spAutoFit/>
+          </a:bodyPr>
+          <a:lstStyle/>
+          <a:p>
+            <a:pPr algn="ctr"/>
+            <a:r>
+              <a:rPr lang="ru-RU" sz="1600" b="1" dirty="0" smtClean="0">
+                <a:solidFill>
+                  <a:schemeClr val="accent2"/>
+                </a:solidFill>
+              </a:rPr>
+              <a:t>Экономическая часть</a:t>
+            </a:r>
+            <a:endParaRPr lang="ru-RU" sz="1600" b="1" dirty="0">
+              <a:solidFill>
+                <a:schemeClr val="accent2"/>
+              </a:solidFill>
+            </a:endParaRPr>
+          </a:p>
+        </p:txBody>
+      </p:sp>
+      <p:sp>
+        <p:nvSpPr>
+          <p:cNvPr id="151559" name="Line 7"/>
+          <p:cNvSpPr>
+            <a:spLocks noChangeShapeType="1"/>
+          </p:cNvSpPr>
+          <p:nvPr/>
+        </p:nvSpPr>
+        <p:spPr bwMode="auto">
+          <a:xfrm>
+            <a:off x="74613" y="6561138"/>
+            <a:ext cx="8997950" cy="0"/>
+          </a:xfrm>
+          <a:prstGeom prst="line">
+            <a:avLst/>
+          </a:prstGeom>
+          <a:noFill/>
+          <a:ln w="19050">
+            <a:solidFill>
+              <a:srgbClr val="333399"/>
+            </a:solidFill>
+            <a:round/>
+            <a:headEnd/>
+            <a:tailEnd/>
+          </a:ln>
+          <a:effectLst/>
+        </p:spPr>
+        <p:txBody>
+          <a:bodyPr/>
+          <a:lstStyle/>
+          <a:p>
+            <a:endParaRPr lang="ru-RU" dirty="0"/>
+          </a:p>
+        </p:txBody>
+      </p:sp>
+      <p:sp>
+        <p:nvSpPr>
+          <p:cNvPr id="151566" name="Text Box 14"/>
+          <p:cNvSpPr txBox="1">
+            <a:spLocks noChangeArrowheads="1"/>
+          </p:cNvSpPr>
+          <p:nvPr/>
+        </p:nvSpPr>
+        <p:spPr bwMode="auto">
+          <a:xfrm>
+            <a:off x="8532813" y="0"/>
+            <a:ext cx="611187" cy="511175"/>
+          </a:xfrm>
+          <a:prstGeom prst="rect">
+            <a:avLst/>
+          </a:prstGeom>
+          <a:solidFill>
+            <a:schemeClr val="bg1"/>
+          </a:solidFill>
+          <a:ln w="9525">
+            <a:noFill/>
+            <a:miter lim="800000"/>
+            <a:headEnd/>
+            <a:tailEnd/>
+          </a:ln>
+          <a:effectLst/>
+        </p:spPr>
+        <p:txBody>
+          <a:bodyPr/>
+          <a:lstStyle/>
+          <a:p>
+            <a:pPr algn="ctr">
+              <a:spcBef>
+                <a:spcPct val="50000"/>
+              </a:spcBef>
+            </a:pPr>
+            <a:r>
+              <a:rPr lang="uk-UA" sz="2000" b="1" dirty="0" smtClean="0">
+                <a:solidFill>
+                  <a:schemeClr val="accent2"/>
+                </a:solidFill>
+              </a:rPr>
+              <a:t>16</a:t>
             </a:r>
             <a:endParaRPr lang="ru-RU" sz="2000" b="1" dirty="0">
               <a:solidFill>
@@ -11728,1404 +12718,6 @@
 </p:sld>
 </file>
 
-<file path=ppt/slides/slide15.xml><?xml version="1.0" encoding="utf-8"?>
-<p:sld xmlns:a="http://schemas.openxmlformats.org/drawingml/2006/main" xmlns:r="http://schemas.openxmlformats.org/officeDocument/2006/relationships" xmlns:p="http://schemas.openxmlformats.org/presentationml/2006/main">
-  <p:cSld>
-    <p:spTree>
-      <p:nvGrpSpPr>
-        <p:cNvPr id="1" name=""/>
-        <p:cNvGrpSpPr/>
-        <p:nvPr/>
-      </p:nvGrpSpPr>
-      <p:grpSpPr>
-        <a:xfrm>
-          <a:off x="0" y="0"/>
-          <a:ext cx="0" cy="0"/>
-          <a:chOff x="0" y="0"/>
-          <a:chExt cx="0" cy="0"/>
-        </a:xfrm>
-      </p:grpSpPr>
-      <p:sp>
-        <p:nvSpPr>
-          <p:cNvPr id="151554" name="Text Box 2"/>
-          <p:cNvSpPr txBox="1">
-            <a:spLocks noChangeArrowheads="1"/>
-          </p:cNvSpPr>
-          <p:nvPr/>
-        </p:nvSpPr>
-        <p:spPr bwMode="auto">
-          <a:xfrm>
-            <a:off x="8675688" y="44450"/>
-            <a:ext cx="468312" cy="511175"/>
-          </a:xfrm>
-          <a:prstGeom prst="rect">
-            <a:avLst/>
-          </a:prstGeom>
-          <a:solidFill>
-            <a:schemeClr val="bg1"/>
-          </a:solidFill>
-          <a:ln w="9525">
-            <a:noFill/>
-            <a:miter lim="800000"/>
-            <a:headEnd/>
-            <a:tailEnd/>
-          </a:ln>
-          <a:effectLst/>
-        </p:spPr>
-        <p:txBody>
-          <a:bodyPr/>
-          <a:lstStyle/>
-          <a:p>
-            <a:pPr algn="ctr">
-              <a:spcBef>
-                <a:spcPct val="50000"/>
-              </a:spcBef>
-            </a:pPr>
-            <a:endParaRPr lang="ru-RU" sz="2400" b="1" dirty="0">
-              <a:solidFill>
-                <a:schemeClr val="accent2"/>
-              </a:solidFill>
-            </a:endParaRPr>
-          </a:p>
-        </p:txBody>
-      </p:sp>
-      <p:pic>
-        <p:nvPicPr>
-          <p:cNvPr id="151555" name="Picture 3" descr="XAI"/>
-          <p:cNvPicPr>
-            <a:picLocks noChangeAspect="1" noChangeArrowheads="1"/>
-          </p:cNvPicPr>
-          <p:nvPr/>
-        </p:nvPicPr>
-        <p:blipFill>
-          <a:blip r:embed="rId3" cstate="print"/>
-          <a:srcRect/>
-          <a:stretch>
-            <a:fillRect/>
-          </a:stretch>
-        </p:blipFill>
-        <p:spPr bwMode="auto">
-          <a:xfrm>
-            <a:off x="0" y="30163"/>
-            <a:ext cx="863600" cy="519112"/>
-          </a:xfrm>
-          <a:prstGeom prst="rect">
-            <a:avLst/>
-          </a:prstGeom>
-          <a:noFill/>
-          <a:ln w="9525">
-            <a:noFill/>
-            <a:miter lim="800000"/>
-            <a:headEnd/>
-            <a:tailEnd/>
-          </a:ln>
-        </p:spPr>
-      </p:pic>
-      <p:sp>
-        <p:nvSpPr>
-          <p:cNvPr id="151556" name="Line 4"/>
-          <p:cNvSpPr>
-            <a:spLocks noChangeShapeType="1"/>
-          </p:cNvSpPr>
-          <p:nvPr/>
-        </p:nvSpPr>
-        <p:spPr bwMode="auto">
-          <a:xfrm>
-            <a:off x="74613" y="549275"/>
-            <a:ext cx="8997950" cy="0"/>
-          </a:xfrm>
-          <a:prstGeom prst="line">
-            <a:avLst/>
-          </a:prstGeom>
-          <a:noFill/>
-          <a:ln w="19050">
-            <a:solidFill>
-              <a:srgbClr val="333399"/>
-            </a:solidFill>
-            <a:round/>
-            <a:headEnd/>
-            <a:tailEnd/>
-          </a:ln>
-          <a:effectLst/>
-        </p:spPr>
-        <p:txBody>
-          <a:bodyPr/>
-          <a:lstStyle/>
-          <a:p>
-            <a:endParaRPr lang="ru-RU" dirty="0"/>
-          </a:p>
-        </p:txBody>
-      </p:sp>
-      <p:sp>
-        <p:nvSpPr>
-          <p:cNvPr id="151558" name="Rectangle 6"/>
-          <p:cNvSpPr>
-            <a:spLocks noChangeArrowheads="1"/>
-          </p:cNvSpPr>
-          <p:nvPr/>
-        </p:nvSpPr>
-        <p:spPr bwMode="auto">
-          <a:xfrm>
-            <a:off x="971550" y="130175"/>
-            <a:ext cx="7561263" cy="336550"/>
-          </a:xfrm>
-          <a:prstGeom prst="rect">
-            <a:avLst/>
-          </a:prstGeom>
-          <a:noFill/>
-          <a:ln w="9525">
-            <a:noFill/>
-            <a:miter lim="800000"/>
-            <a:headEnd/>
-            <a:tailEnd/>
-          </a:ln>
-          <a:effectLst/>
-        </p:spPr>
-        <p:txBody>
-          <a:bodyPr anchor="ctr">
-            <a:spAutoFit/>
-          </a:bodyPr>
-          <a:lstStyle/>
-          <a:p>
-            <a:pPr algn="ctr"/>
-            <a:r>
-              <a:rPr lang="ru-RU" sz="1600" b="1" dirty="0" smtClean="0">
-                <a:solidFill>
-                  <a:schemeClr val="accent2"/>
-                </a:solidFill>
-              </a:rPr>
-              <a:t>Охрана труда и безопасность в ЧС</a:t>
-            </a:r>
-            <a:endParaRPr lang="ru-RU" sz="1600" b="1" dirty="0">
-              <a:solidFill>
-                <a:schemeClr val="accent2"/>
-              </a:solidFill>
-            </a:endParaRPr>
-          </a:p>
-        </p:txBody>
-      </p:sp>
-      <p:sp>
-        <p:nvSpPr>
-          <p:cNvPr id="151559" name="Line 7"/>
-          <p:cNvSpPr>
-            <a:spLocks noChangeShapeType="1"/>
-          </p:cNvSpPr>
-          <p:nvPr/>
-        </p:nvSpPr>
-        <p:spPr bwMode="auto">
-          <a:xfrm>
-            <a:off x="74613" y="6561138"/>
-            <a:ext cx="8997950" cy="0"/>
-          </a:xfrm>
-          <a:prstGeom prst="line">
-            <a:avLst/>
-          </a:prstGeom>
-          <a:noFill/>
-          <a:ln w="19050">
-            <a:solidFill>
-              <a:srgbClr val="333399"/>
-            </a:solidFill>
-            <a:round/>
-            <a:headEnd/>
-            <a:tailEnd/>
-          </a:ln>
-          <a:effectLst/>
-        </p:spPr>
-        <p:txBody>
-          <a:bodyPr/>
-          <a:lstStyle/>
-          <a:p>
-            <a:endParaRPr lang="ru-RU" dirty="0"/>
-          </a:p>
-        </p:txBody>
-      </p:sp>
-      <p:sp>
-        <p:nvSpPr>
-          <p:cNvPr id="151566" name="Text Box 14"/>
-          <p:cNvSpPr txBox="1">
-            <a:spLocks noChangeArrowheads="1"/>
-          </p:cNvSpPr>
-          <p:nvPr/>
-        </p:nvSpPr>
-        <p:spPr bwMode="auto">
-          <a:xfrm>
-            <a:off x="8532813" y="0"/>
-            <a:ext cx="611187" cy="511175"/>
-          </a:xfrm>
-          <a:prstGeom prst="rect">
-            <a:avLst/>
-          </a:prstGeom>
-          <a:solidFill>
-            <a:schemeClr val="bg1"/>
-          </a:solidFill>
-          <a:ln w="9525">
-            <a:noFill/>
-            <a:miter lim="800000"/>
-            <a:headEnd/>
-            <a:tailEnd/>
-          </a:ln>
-          <a:effectLst/>
-        </p:spPr>
-        <p:txBody>
-          <a:bodyPr/>
-          <a:lstStyle/>
-          <a:p>
-            <a:pPr algn="ctr">
-              <a:spcBef>
-                <a:spcPct val="50000"/>
-              </a:spcBef>
-            </a:pPr>
-            <a:r>
-              <a:rPr lang="uk-UA" sz="2000" b="1" dirty="0" smtClean="0">
-                <a:solidFill>
-                  <a:schemeClr val="accent2"/>
-                </a:solidFill>
-              </a:rPr>
-              <a:t>15</a:t>
-            </a:r>
-            <a:endParaRPr lang="ru-RU" sz="2000" b="1" dirty="0">
-              <a:solidFill>
-                <a:schemeClr val="accent2"/>
-              </a:solidFill>
-            </a:endParaRPr>
-          </a:p>
-        </p:txBody>
-      </p:sp>
-      <p:sp>
-        <p:nvSpPr>
-          <p:cNvPr id="18436" name="Rectangle 4"/>
-          <p:cNvSpPr>
-            <a:spLocks noChangeArrowheads="1"/>
-          </p:cNvSpPr>
-          <p:nvPr/>
-        </p:nvSpPr>
-        <p:spPr bwMode="auto">
-          <a:xfrm>
-            <a:off x="0" y="0"/>
-            <a:ext cx="9144000" cy="0"/>
-          </a:xfrm>
-          <a:prstGeom prst="rect">
-            <a:avLst/>
-          </a:prstGeom>
-          <a:noFill/>
-          <a:ln w="9525">
-            <a:noFill/>
-            <a:miter lim="800000"/>
-            <a:headEnd/>
-            <a:tailEnd/>
-          </a:ln>
-          <a:effectLst/>
-        </p:spPr>
-        <p:txBody>
-          <a:bodyPr vert="horz" wrap="none" lIns="91440" tIns="45720" rIns="91440" bIns="45720" numCol="1" anchor="ctr" anchorCtr="0" compatLnSpc="1">
-            <a:prstTxWarp prst="textNoShape">
-              <a:avLst/>
-            </a:prstTxWarp>
-            <a:spAutoFit/>
-          </a:bodyPr>
-          <a:lstStyle/>
-          <a:p>
-            <a:endParaRPr lang="ru-RU"/>
-          </a:p>
-        </p:txBody>
-      </p:sp>
-      <p:sp>
-        <p:nvSpPr>
-          <p:cNvPr id="39938" name="Rectangle 2"/>
-          <p:cNvSpPr>
-            <a:spLocks noChangeArrowheads="1"/>
-          </p:cNvSpPr>
-          <p:nvPr/>
-        </p:nvSpPr>
-        <p:spPr bwMode="auto">
-          <a:xfrm>
-            <a:off x="0" y="0"/>
-            <a:ext cx="9144000" cy="0"/>
-          </a:xfrm>
-          <a:prstGeom prst="rect">
-            <a:avLst/>
-          </a:prstGeom>
-          <a:noFill/>
-          <a:ln w="9525">
-            <a:noFill/>
-            <a:miter lim="800000"/>
-            <a:headEnd/>
-            <a:tailEnd/>
-          </a:ln>
-          <a:effectLst/>
-        </p:spPr>
-        <p:txBody>
-          <a:bodyPr vert="horz" wrap="none" lIns="91440" tIns="45720" rIns="91440" bIns="45720" numCol="1" anchor="ctr" anchorCtr="0" compatLnSpc="1">
-            <a:prstTxWarp prst="textNoShape">
-              <a:avLst/>
-            </a:prstTxWarp>
-            <a:spAutoFit/>
-          </a:bodyPr>
-          <a:lstStyle/>
-          <a:p>
-            <a:endParaRPr lang="ru-RU"/>
-          </a:p>
-        </p:txBody>
-      </p:sp>
-      <p:sp>
-        <p:nvSpPr>
-          <p:cNvPr id="39940" name="Rectangle 4"/>
-          <p:cNvSpPr>
-            <a:spLocks noChangeArrowheads="1"/>
-          </p:cNvSpPr>
-          <p:nvPr/>
-        </p:nvSpPr>
-        <p:spPr bwMode="auto">
-          <a:xfrm>
-            <a:off x="0" y="0"/>
-            <a:ext cx="9144000" cy="0"/>
-          </a:xfrm>
-          <a:prstGeom prst="rect">
-            <a:avLst/>
-          </a:prstGeom>
-          <a:noFill/>
-          <a:ln w="9525">
-            <a:noFill/>
-            <a:miter lim="800000"/>
-            <a:headEnd/>
-            <a:tailEnd/>
-          </a:ln>
-          <a:effectLst/>
-        </p:spPr>
-        <p:txBody>
-          <a:bodyPr vert="horz" wrap="none" lIns="91440" tIns="45720" rIns="91440" bIns="45720" numCol="1" anchor="ctr" anchorCtr="0" compatLnSpc="1">
-            <a:prstTxWarp prst="textNoShape">
-              <a:avLst/>
-            </a:prstTxWarp>
-            <a:spAutoFit/>
-          </a:bodyPr>
-          <a:lstStyle/>
-          <a:p>
-            <a:endParaRPr lang="ru-RU"/>
-          </a:p>
-        </p:txBody>
-      </p:sp>
-      <p:sp>
-        <p:nvSpPr>
-          <p:cNvPr id="11" name="Прямоугольник 10"/>
-          <p:cNvSpPr/>
-          <p:nvPr/>
-        </p:nvSpPr>
-        <p:spPr>
-          <a:xfrm>
-            <a:off x="0" y="728700"/>
-            <a:ext cx="6480720" cy="369332"/>
-          </a:xfrm>
-          <a:prstGeom prst="rect">
-            <a:avLst/>
-          </a:prstGeom>
-        </p:spPr>
-        <p:txBody>
-          <a:bodyPr wrap="square">
-            <a:spAutoFit/>
-          </a:bodyPr>
-          <a:lstStyle/>
-          <a:p>
-            <a:pPr algn="ctr"/>
-            <a:r>
-              <a:rPr lang="ru-RU" dirty="0" smtClean="0"/>
-              <a:t>Расчетное </a:t>
-            </a:r>
-            <a:r>
-              <a:rPr lang="ru-RU" dirty="0" smtClean="0"/>
-              <a:t>удельное электрическое сопротивление </a:t>
-            </a:r>
-            <a:r>
-              <a:rPr lang="ru-RU" dirty="0" smtClean="0"/>
-              <a:t>грунта:</a:t>
-            </a:r>
-            <a:endParaRPr lang="ru-RU" dirty="0"/>
-          </a:p>
-        </p:txBody>
-      </p:sp>
-      <p:pic>
-        <p:nvPicPr>
-          <p:cNvPr id="13" name="Рисунок 12"/>
-          <p:cNvPicPr/>
-          <p:nvPr/>
-        </p:nvPicPr>
-        <p:blipFill>
-          <a:blip r:embed="rId4" cstate="print"/>
-          <a:srcRect/>
-          <a:stretch>
-            <a:fillRect/>
-          </a:stretch>
-        </p:blipFill>
-        <p:spPr bwMode="auto">
-          <a:xfrm>
-            <a:off x="359532" y="1111388"/>
-            <a:ext cx="1692188" cy="504056"/>
-          </a:xfrm>
-          <a:prstGeom prst="rect">
-            <a:avLst/>
-          </a:prstGeom>
-          <a:noFill/>
-          <a:ln w="9525">
-            <a:noFill/>
-            <a:miter lim="800000"/>
-            <a:headEnd/>
-            <a:tailEnd/>
-          </a:ln>
-        </p:spPr>
-      </p:pic>
-      <p:sp>
-        <p:nvSpPr>
-          <p:cNvPr id="50178" name="Rectangle 2"/>
-          <p:cNvSpPr>
-            <a:spLocks noChangeArrowheads="1"/>
-          </p:cNvSpPr>
-          <p:nvPr/>
-        </p:nvSpPr>
-        <p:spPr bwMode="auto">
-          <a:xfrm>
-            <a:off x="0" y="0"/>
-            <a:ext cx="9144000" cy="0"/>
-          </a:xfrm>
-          <a:prstGeom prst="rect">
-            <a:avLst/>
-          </a:prstGeom>
-          <a:noFill/>
-          <a:ln w="9525">
-            <a:noFill/>
-            <a:miter lim="800000"/>
-            <a:headEnd/>
-            <a:tailEnd/>
-          </a:ln>
-          <a:effectLst/>
-        </p:spPr>
-        <p:txBody>
-          <a:bodyPr vert="horz" wrap="none" lIns="91440" tIns="45720" rIns="91440" bIns="45720" numCol="1" anchor="ctr" anchorCtr="0" compatLnSpc="1">
-            <a:prstTxWarp prst="textNoShape">
-              <a:avLst/>
-            </a:prstTxWarp>
-            <a:spAutoFit/>
-          </a:bodyPr>
-          <a:lstStyle/>
-          <a:p>
-            <a:endParaRPr lang="ru-RU"/>
-          </a:p>
-        </p:txBody>
-      </p:sp>
-      <p:sp>
-        <p:nvSpPr>
-          <p:cNvPr id="17" name="TextBox 16"/>
-          <p:cNvSpPr txBox="1"/>
-          <p:nvPr/>
-        </p:nvSpPr>
-        <p:spPr>
-          <a:xfrm>
-            <a:off x="2015716" y="1163361"/>
-            <a:ext cx="1624163" cy="400110"/>
-          </a:xfrm>
-          <a:prstGeom prst="rect">
-            <a:avLst/>
-          </a:prstGeom>
-          <a:noFill/>
-        </p:spPr>
-        <p:txBody>
-          <a:bodyPr wrap="none" rtlCol="0">
-            <a:spAutoFit/>
-          </a:bodyPr>
-          <a:lstStyle/>
-          <a:p>
-            <a:r>
-              <a:rPr lang="ru-RU" sz="2000" dirty="0" smtClean="0"/>
-              <a:t>= 39,6 Ом*м</a:t>
-            </a:r>
-            <a:endParaRPr lang="ru-RU" sz="2000" dirty="0"/>
-          </a:p>
-        </p:txBody>
-      </p:sp>
-      <p:sp>
-        <p:nvSpPr>
-          <p:cNvPr id="18" name="Прямоугольник 17"/>
-          <p:cNvSpPr/>
-          <p:nvPr/>
-        </p:nvSpPr>
-        <p:spPr>
-          <a:xfrm>
-            <a:off x="0" y="1592796"/>
-            <a:ext cx="9144000" cy="646331"/>
-          </a:xfrm>
-          <a:prstGeom prst="rect">
-            <a:avLst/>
-          </a:prstGeom>
-        </p:spPr>
-        <p:txBody>
-          <a:bodyPr wrap="square">
-            <a:spAutoFit/>
-          </a:bodyPr>
-          <a:lstStyle/>
-          <a:p>
-            <a:r>
-              <a:rPr lang="ru-RU" dirty="0" smtClean="0"/>
-              <a:t>Сопротивление растеканию </a:t>
-            </a:r>
-            <a:r>
-              <a:rPr lang="ru-RU" dirty="0" smtClean="0"/>
-              <a:t>тока одиночного вертикального заземлителя (стальной трубы</a:t>
-            </a:r>
-            <a:r>
-              <a:rPr lang="ru-RU" dirty="0" smtClean="0"/>
-              <a:t>):</a:t>
-            </a:r>
-            <a:endParaRPr lang="ru-RU" dirty="0"/>
-          </a:p>
-        </p:txBody>
-      </p:sp>
-      <p:pic>
-        <p:nvPicPr>
-          <p:cNvPr id="19" name="Рисунок 18"/>
-          <p:cNvPicPr/>
-          <p:nvPr/>
-        </p:nvPicPr>
-        <p:blipFill>
-          <a:blip r:embed="rId5" cstate="print"/>
-          <a:srcRect/>
-          <a:stretch>
-            <a:fillRect/>
-          </a:stretch>
-        </p:blipFill>
-        <p:spPr bwMode="auto">
-          <a:xfrm>
-            <a:off x="323528" y="2348880"/>
-            <a:ext cx="2127739" cy="704272"/>
-          </a:xfrm>
-          <a:prstGeom prst="rect">
-            <a:avLst/>
-          </a:prstGeom>
-          <a:noFill/>
-          <a:ln w="9525">
-            <a:noFill/>
-            <a:miter lim="800000"/>
-            <a:headEnd/>
-            <a:tailEnd/>
-          </a:ln>
-        </p:spPr>
-      </p:pic>
-      <p:sp>
-        <p:nvSpPr>
-          <p:cNvPr id="20" name="TextBox 19"/>
-          <p:cNvSpPr txBox="1"/>
-          <p:nvPr/>
-        </p:nvSpPr>
-        <p:spPr>
-          <a:xfrm>
-            <a:off x="2411760" y="2516350"/>
-            <a:ext cx="1362874" cy="369332"/>
-          </a:xfrm>
-          <a:prstGeom prst="rect">
-            <a:avLst/>
-          </a:prstGeom>
-          <a:noFill/>
-        </p:spPr>
-        <p:txBody>
-          <a:bodyPr wrap="none" rtlCol="0">
-            <a:spAutoFit/>
-          </a:bodyPr>
-          <a:lstStyle/>
-          <a:p>
-            <a:r>
-              <a:rPr lang="ru-RU" dirty="0" smtClean="0"/>
-              <a:t>= 16,69 Ом</a:t>
-            </a:r>
-            <a:endParaRPr lang="ru-RU" dirty="0"/>
-          </a:p>
-        </p:txBody>
-      </p:sp>
-      <p:sp>
-        <p:nvSpPr>
-          <p:cNvPr id="21" name="Прямоугольник 20"/>
-          <p:cNvSpPr/>
-          <p:nvPr/>
-        </p:nvSpPr>
-        <p:spPr>
-          <a:xfrm>
-            <a:off x="0" y="3140968"/>
-            <a:ext cx="6174432" cy="369332"/>
-          </a:xfrm>
-          <a:prstGeom prst="rect">
-            <a:avLst/>
-          </a:prstGeom>
-        </p:spPr>
-        <p:txBody>
-          <a:bodyPr wrap="square">
-            <a:spAutoFit/>
-          </a:bodyPr>
-          <a:lstStyle/>
-          <a:p>
-            <a:r>
-              <a:rPr lang="ru-RU" dirty="0" smtClean="0"/>
-              <a:t>Число </a:t>
-            </a:r>
-            <a:r>
-              <a:rPr lang="ru-RU" dirty="0" smtClean="0"/>
-              <a:t>вертикальных заземлителей (стальных труб</a:t>
-            </a:r>
-            <a:r>
-              <a:rPr lang="ru-RU" dirty="0" smtClean="0"/>
-              <a:t>):</a:t>
-            </a:r>
-            <a:endParaRPr lang="ru-RU" dirty="0"/>
-          </a:p>
-        </p:txBody>
-      </p:sp>
-      <p:sp>
-        <p:nvSpPr>
-          <p:cNvPr id="22" name="TextBox 21"/>
-          <p:cNvSpPr txBox="1"/>
-          <p:nvPr/>
-        </p:nvSpPr>
-        <p:spPr>
-          <a:xfrm>
-            <a:off x="8568444" y="1178750"/>
-            <a:ext cx="466794" cy="369332"/>
-          </a:xfrm>
-          <a:prstGeom prst="rect">
-            <a:avLst/>
-          </a:prstGeom>
-          <a:noFill/>
-        </p:spPr>
-        <p:txBody>
-          <a:bodyPr wrap="none" rtlCol="0">
-            <a:spAutoFit/>
-          </a:bodyPr>
-          <a:lstStyle/>
-          <a:p>
-            <a:r>
-              <a:rPr lang="ru-RU" dirty="0" smtClean="0"/>
-              <a:t>(1)</a:t>
-            </a:r>
-            <a:endParaRPr lang="ru-RU" dirty="0"/>
-          </a:p>
-        </p:txBody>
-      </p:sp>
-      <p:sp>
-        <p:nvSpPr>
-          <p:cNvPr id="24" name="TextBox 23"/>
-          <p:cNvSpPr txBox="1"/>
-          <p:nvPr/>
-        </p:nvSpPr>
-        <p:spPr>
-          <a:xfrm>
-            <a:off x="8568444" y="2516350"/>
-            <a:ext cx="466794" cy="369332"/>
-          </a:xfrm>
-          <a:prstGeom prst="rect">
-            <a:avLst/>
-          </a:prstGeom>
-          <a:noFill/>
-        </p:spPr>
-        <p:txBody>
-          <a:bodyPr wrap="none" rtlCol="0">
-            <a:spAutoFit/>
-          </a:bodyPr>
-          <a:lstStyle/>
-          <a:p>
-            <a:r>
-              <a:rPr lang="ru-RU" dirty="0" smtClean="0"/>
-              <a:t>(2)</a:t>
-            </a:r>
-            <a:endParaRPr lang="ru-RU" dirty="0"/>
-          </a:p>
-        </p:txBody>
-      </p:sp>
-      <p:pic>
-        <p:nvPicPr>
-          <p:cNvPr id="25" name="Рисунок 24"/>
-          <p:cNvPicPr/>
-          <p:nvPr/>
-        </p:nvPicPr>
-        <p:blipFill>
-          <a:blip r:embed="rId6" cstate="print"/>
-          <a:srcRect/>
-          <a:stretch>
-            <a:fillRect/>
-          </a:stretch>
-        </p:blipFill>
-        <p:spPr bwMode="auto">
-          <a:xfrm>
-            <a:off x="296853" y="3645024"/>
-            <a:ext cx="1142799" cy="792088"/>
-          </a:xfrm>
-          <a:prstGeom prst="rect">
-            <a:avLst/>
-          </a:prstGeom>
-          <a:noFill/>
-          <a:ln w="9525">
-            <a:noFill/>
-            <a:miter lim="800000"/>
-            <a:headEnd/>
-            <a:tailEnd/>
-          </a:ln>
-        </p:spPr>
-      </p:pic>
-      <p:sp>
-        <p:nvSpPr>
-          <p:cNvPr id="26" name="TextBox 25"/>
-          <p:cNvSpPr txBox="1"/>
-          <p:nvPr/>
-        </p:nvSpPr>
-        <p:spPr>
-          <a:xfrm>
-            <a:off x="1439652" y="3856402"/>
-            <a:ext cx="511679" cy="369332"/>
-          </a:xfrm>
-          <a:prstGeom prst="rect">
-            <a:avLst/>
-          </a:prstGeom>
-          <a:noFill/>
-        </p:spPr>
-        <p:txBody>
-          <a:bodyPr wrap="none" rtlCol="0">
-            <a:spAutoFit/>
-          </a:bodyPr>
-          <a:lstStyle/>
-          <a:p>
-            <a:r>
-              <a:rPr lang="ru-RU" dirty="0" smtClean="0"/>
-              <a:t>= 7</a:t>
-            </a:r>
-            <a:endParaRPr lang="ru-RU" dirty="0"/>
-          </a:p>
-        </p:txBody>
-      </p:sp>
-      <p:sp>
-        <p:nvSpPr>
-          <p:cNvPr id="27" name="TextBox 26"/>
-          <p:cNvSpPr txBox="1"/>
-          <p:nvPr/>
-        </p:nvSpPr>
-        <p:spPr>
-          <a:xfrm>
-            <a:off x="8568444" y="3856402"/>
-            <a:ext cx="466794" cy="369332"/>
-          </a:xfrm>
-          <a:prstGeom prst="rect">
-            <a:avLst/>
-          </a:prstGeom>
-          <a:noFill/>
-        </p:spPr>
-        <p:txBody>
-          <a:bodyPr wrap="none" rtlCol="0">
-            <a:spAutoFit/>
-          </a:bodyPr>
-          <a:lstStyle/>
-          <a:p>
-            <a:r>
-              <a:rPr lang="ru-RU" dirty="0" smtClean="0"/>
-              <a:t>(3)</a:t>
-            </a:r>
-            <a:endParaRPr lang="ru-RU" dirty="0"/>
-          </a:p>
-        </p:txBody>
-      </p:sp>
-      <p:pic>
-        <p:nvPicPr>
-          <p:cNvPr id="28" name="Рисунок 27"/>
-          <p:cNvPicPr/>
-          <p:nvPr/>
-        </p:nvPicPr>
-        <p:blipFill>
-          <a:blip r:embed="rId7" cstate="print"/>
-          <a:srcRect/>
-          <a:stretch>
-            <a:fillRect/>
-          </a:stretch>
-        </p:blipFill>
-        <p:spPr bwMode="auto">
-          <a:xfrm>
-            <a:off x="287524" y="4833156"/>
-            <a:ext cx="1836204" cy="648072"/>
-          </a:xfrm>
-          <a:prstGeom prst="rect">
-            <a:avLst/>
-          </a:prstGeom>
-          <a:noFill/>
-          <a:ln w="9525">
-            <a:noFill/>
-            <a:miter lim="800000"/>
-            <a:headEnd/>
-            <a:tailEnd/>
-          </a:ln>
-        </p:spPr>
-      </p:pic>
-      <p:sp>
-        <p:nvSpPr>
-          <p:cNvPr id="29" name="Прямоугольник 28"/>
-          <p:cNvSpPr/>
-          <p:nvPr/>
-        </p:nvSpPr>
-        <p:spPr>
-          <a:xfrm>
-            <a:off x="0" y="4473116"/>
-            <a:ext cx="9144000" cy="369332"/>
-          </a:xfrm>
-          <a:prstGeom prst="rect">
-            <a:avLst/>
-          </a:prstGeom>
-        </p:spPr>
-        <p:txBody>
-          <a:bodyPr wrap="square">
-            <a:spAutoFit/>
-          </a:bodyPr>
-          <a:lstStyle/>
-          <a:p>
-            <a:r>
-              <a:rPr lang="ru-RU" dirty="0" smtClean="0"/>
-              <a:t>Общее </a:t>
-            </a:r>
-            <a:r>
-              <a:rPr lang="ru-RU" dirty="0" smtClean="0"/>
-              <a:t>сопротивление растеканию тока заземляющего </a:t>
-            </a:r>
-            <a:r>
-              <a:rPr lang="ru-RU" dirty="0" smtClean="0"/>
-              <a:t>устройства:</a:t>
-            </a:r>
-            <a:endParaRPr lang="ru-RU" dirty="0"/>
-          </a:p>
-        </p:txBody>
-      </p:sp>
-      <p:sp>
-        <p:nvSpPr>
-          <p:cNvPr id="30" name="TextBox 29"/>
-          <p:cNvSpPr txBox="1"/>
-          <p:nvPr/>
-        </p:nvSpPr>
-        <p:spPr>
-          <a:xfrm>
-            <a:off x="2123728" y="4972526"/>
-            <a:ext cx="511679" cy="369332"/>
-          </a:xfrm>
-          <a:prstGeom prst="rect">
-            <a:avLst/>
-          </a:prstGeom>
-          <a:noFill/>
-        </p:spPr>
-        <p:txBody>
-          <a:bodyPr wrap="none" rtlCol="0">
-            <a:spAutoFit/>
-          </a:bodyPr>
-          <a:lstStyle/>
-          <a:p>
-            <a:r>
-              <a:rPr lang="ru-RU" dirty="0" smtClean="0"/>
-              <a:t>= 7</a:t>
-            </a:r>
-            <a:endParaRPr lang="ru-RU" dirty="0"/>
-          </a:p>
-        </p:txBody>
-      </p:sp>
-      <p:sp>
-        <p:nvSpPr>
-          <p:cNvPr id="31" name="TextBox 30"/>
-          <p:cNvSpPr txBox="1"/>
-          <p:nvPr/>
-        </p:nvSpPr>
-        <p:spPr>
-          <a:xfrm>
-            <a:off x="8568444" y="4972526"/>
-            <a:ext cx="466794" cy="369332"/>
-          </a:xfrm>
-          <a:prstGeom prst="rect">
-            <a:avLst/>
-          </a:prstGeom>
-          <a:noFill/>
-        </p:spPr>
-        <p:txBody>
-          <a:bodyPr wrap="none" rtlCol="0">
-            <a:spAutoFit/>
-          </a:bodyPr>
-          <a:lstStyle/>
-          <a:p>
-            <a:r>
-              <a:rPr lang="ru-RU" dirty="0" smtClean="0"/>
-              <a:t>(4)</a:t>
-            </a:r>
-            <a:endParaRPr lang="ru-RU" dirty="0"/>
-          </a:p>
-        </p:txBody>
-      </p:sp>
-    </p:spTree>
-  </p:cSld>
-  <p:clrMapOvr>
-    <a:masterClrMapping/>
-  </p:clrMapOvr>
-  <p:timing>
-    <p:tnLst>
-      <p:par>
-        <p:cTn id="1" dur="indefinite" restart="never" nodeType="tmRoot"/>
-      </p:par>
-    </p:tnLst>
-  </p:timing>
-</p:sld>
-</file>
-
-<file path=ppt/slides/slide16.xml><?xml version="1.0" encoding="utf-8"?>
-<p:sld xmlns:a="http://schemas.openxmlformats.org/drawingml/2006/main" xmlns:r="http://schemas.openxmlformats.org/officeDocument/2006/relationships" xmlns:p="http://schemas.openxmlformats.org/presentationml/2006/main">
-  <p:cSld>
-    <p:spTree>
-      <p:nvGrpSpPr>
-        <p:cNvPr id="1" name=""/>
-        <p:cNvGrpSpPr/>
-        <p:nvPr/>
-      </p:nvGrpSpPr>
-      <p:grpSpPr>
-        <a:xfrm>
-          <a:off x="0" y="0"/>
-          <a:ext cx="0" cy="0"/>
-          <a:chOff x="0" y="0"/>
-          <a:chExt cx="0" cy="0"/>
-        </a:xfrm>
-      </p:grpSpPr>
-      <p:sp>
-        <p:nvSpPr>
-          <p:cNvPr id="151554" name="Text Box 2"/>
-          <p:cNvSpPr txBox="1">
-            <a:spLocks noChangeArrowheads="1"/>
-          </p:cNvSpPr>
-          <p:nvPr/>
-        </p:nvSpPr>
-        <p:spPr bwMode="auto">
-          <a:xfrm>
-            <a:off x="8675688" y="44450"/>
-            <a:ext cx="468312" cy="511175"/>
-          </a:xfrm>
-          <a:prstGeom prst="rect">
-            <a:avLst/>
-          </a:prstGeom>
-          <a:solidFill>
-            <a:schemeClr val="bg1"/>
-          </a:solidFill>
-          <a:ln w="9525">
-            <a:noFill/>
-            <a:miter lim="800000"/>
-            <a:headEnd/>
-            <a:tailEnd/>
-          </a:ln>
-          <a:effectLst/>
-        </p:spPr>
-        <p:txBody>
-          <a:bodyPr/>
-          <a:lstStyle/>
-          <a:p>
-            <a:pPr algn="ctr">
-              <a:spcBef>
-                <a:spcPct val="50000"/>
-              </a:spcBef>
-            </a:pPr>
-            <a:endParaRPr lang="ru-RU" sz="2400" b="1" dirty="0">
-              <a:solidFill>
-                <a:schemeClr val="accent2"/>
-              </a:solidFill>
-            </a:endParaRPr>
-          </a:p>
-        </p:txBody>
-      </p:sp>
-      <p:pic>
-        <p:nvPicPr>
-          <p:cNvPr id="151555" name="Picture 3" descr="XAI"/>
-          <p:cNvPicPr>
-            <a:picLocks noChangeAspect="1" noChangeArrowheads="1"/>
-          </p:cNvPicPr>
-          <p:nvPr/>
-        </p:nvPicPr>
-        <p:blipFill>
-          <a:blip r:embed="rId3" cstate="print"/>
-          <a:srcRect/>
-          <a:stretch>
-            <a:fillRect/>
-          </a:stretch>
-        </p:blipFill>
-        <p:spPr bwMode="auto">
-          <a:xfrm>
-            <a:off x="0" y="30163"/>
-            <a:ext cx="863600" cy="519112"/>
-          </a:xfrm>
-          <a:prstGeom prst="rect">
-            <a:avLst/>
-          </a:prstGeom>
-          <a:noFill/>
-          <a:ln w="9525">
-            <a:noFill/>
-            <a:miter lim="800000"/>
-            <a:headEnd/>
-            <a:tailEnd/>
-          </a:ln>
-        </p:spPr>
-      </p:pic>
-      <p:sp>
-        <p:nvSpPr>
-          <p:cNvPr id="151556" name="Line 4"/>
-          <p:cNvSpPr>
-            <a:spLocks noChangeShapeType="1"/>
-          </p:cNvSpPr>
-          <p:nvPr/>
-        </p:nvSpPr>
-        <p:spPr bwMode="auto">
-          <a:xfrm>
-            <a:off x="74613" y="549275"/>
-            <a:ext cx="8997950" cy="0"/>
-          </a:xfrm>
-          <a:prstGeom prst="line">
-            <a:avLst/>
-          </a:prstGeom>
-          <a:noFill/>
-          <a:ln w="19050">
-            <a:solidFill>
-              <a:srgbClr val="333399"/>
-            </a:solidFill>
-            <a:round/>
-            <a:headEnd/>
-            <a:tailEnd/>
-          </a:ln>
-          <a:effectLst/>
-        </p:spPr>
-        <p:txBody>
-          <a:bodyPr/>
-          <a:lstStyle/>
-          <a:p>
-            <a:endParaRPr lang="ru-RU" dirty="0"/>
-          </a:p>
-        </p:txBody>
-      </p:sp>
-      <p:sp>
-        <p:nvSpPr>
-          <p:cNvPr id="151558" name="Rectangle 6"/>
-          <p:cNvSpPr>
-            <a:spLocks noChangeArrowheads="1"/>
-          </p:cNvSpPr>
-          <p:nvPr/>
-        </p:nvSpPr>
-        <p:spPr bwMode="auto">
-          <a:xfrm>
-            <a:off x="971550" y="130175"/>
-            <a:ext cx="7561263" cy="336550"/>
-          </a:xfrm>
-          <a:prstGeom prst="rect">
-            <a:avLst/>
-          </a:prstGeom>
-          <a:noFill/>
-          <a:ln w="9525">
-            <a:noFill/>
-            <a:miter lim="800000"/>
-            <a:headEnd/>
-            <a:tailEnd/>
-          </a:ln>
-          <a:effectLst/>
-        </p:spPr>
-        <p:txBody>
-          <a:bodyPr anchor="ctr">
-            <a:spAutoFit/>
-          </a:bodyPr>
-          <a:lstStyle/>
-          <a:p>
-            <a:pPr algn="ctr"/>
-            <a:r>
-              <a:rPr lang="ru-RU" sz="1600" b="1" dirty="0" smtClean="0">
-                <a:solidFill>
-                  <a:schemeClr val="accent2"/>
-                </a:solidFill>
-              </a:rPr>
-              <a:t>Охрана труда и безопасность в ЧС</a:t>
-            </a:r>
-            <a:endParaRPr lang="ru-RU" sz="1600" b="1" dirty="0">
-              <a:solidFill>
-                <a:schemeClr val="accent2"/>
-              </a:solidFill>
-            </a:endParaRPr>
-          </a:p>
-        </p:txBody>
-      </p:sp>
-      <p:sp>
-        <p:nvSpPr>
-          <p:cNvPr id="151559" name="Line 7"/>
-          <p:cNvSpPr>
-            <a:spLocks noChangeShapeType="1"/>
-          </p:cNvSpPr>
-          <p:nvPr/>
-        </p:nvSpPr>
-        <p:spPr bwMode="auto">
-          <a:xfrm>
-            <a:off x="74613" y="6561138"/>
-            <a:ext cx="8997950" cy="0"/>
-          </a:xfrm>
-          <a:prstGeom prst="line">
-            <a:avLst/>
-          </a:prstGeom>
-          <a:noFill/>
-          <a:ln w="19050">
-            <a:solidFill>
-              <a:srgbClr val="333399"/>
-            </a:solidFill>
-            <a:round/>
-            <a:headEnd/>
-            <a:tailEnd/>
-          </a:ln>
-          <a:effectLst/>
-        </p:spPr>
-        <p:txBody>
-          <a:bodyPr/>
-          <a:lstStyle/>
-          <a:p>
-            <a:endParaRPr lang="ru-RU" dirty="0"/>
-          </a:p>
-        </p:txBody>
-      </p:sp>
-      <p:sp>
-        <p:nvSpPr>
-          <p:cNvPr id="151566" name="Text Box 14"/>
-          <p:cNvSpPr txBox="1">
-            <a:spLocks noChangeArrowheads="1"/>
-          </p:cNvSpPr>
-          <p:nvPr/>
-        </p:nvSpPr>
-        <p:spPr bwMode="auto">
-          <a:xfrm>
-            <a:off x="8532813" y="0"/>
-            <a:ext cx="611187" cy="511175"/>
-          </a:xfrm>
-          <a:prstGeom prst="rect">
-            <a:avLst/>
-          </a:prstGeom>
-          <a:solidFill>
-            <a:schemeClr val="bg1"/>
-          </a:solidFill>
-          <a:ln w="9525">
-            <a:noFill/>
-            <a:miter lim="800000"/>
-            <a:headEnd/>
-            <a:tailEnd/>
-          </a:ln>
-          <a:effectLst/>
-        </p:spPr>
-        <p:txBody>
-          <a:bodyPr/>
-          <a:lstStyle/>
-          <a:p>
-            <a:pPr algn="ctr">
-              <a:spcBef>
-                <a:spcPct val="50000"/>
-              </a:spcBef>
-            </a:pPr>
-            <a:r>
-              <a:rPr lang="uk-UA" sz="2000" b="1" dirty="0" smtClean="0">
-                <a:solidFill>
-                  <a:schemeClr val="accent2"/>
-                </a:solidFill>
-              </a:rPr>
-              <a:t>16</a:t>
-            </a:r>
-            <a:endParaRPr lang="ru-RU" sz="2000" b="1" dirty="0">
-              <a:solidFill>
-                <a:schemeClr val="accent2"/>
-              </a:solidFill>
-            </a:endParaRPr>
-          </a:p>
-        </p:txBody>
-      </p:sp>
-      <p:sp>
-        <p:nvSpPr>
-          <p:cNvPr id="18436" name="Rectangle 4"/>
-          <p:cNvSpPr>
-            <a:spLocks noChangeArrowheads="1"/>
-          </p:cNvSpPr>
-          <p:nvPr/>
-        </p:nvSpPr>
-        <p:spPr bwMode="auto">
-          <a:xfrm>
-            <a:off x="0" y="0"/>
-            <a:ext cx="9144000" cy="0"/>
-          </a:xfrm>
-          <a:prstGeom prst="rect">
-            <a:avLst/>
-          </a:prstGeom>
-          <a:noFill/>
-          <a:ln w="9525">
-            <a:noFill/>
-            <a:miter lim="800000"/>
-            <a:headEnd/>
-            <a:tailEnd/>
-          </a:ln>
-          <a:effectLst/>
-        </p:spPr>
-        <p:txBody>
-          <a:bodyPr vert="horz" wrap="none" lIns="91440" tIns="45720" rIns="91440" bIns="45720" numCol="1" anchor="ctr" anchorCtr="0" compatLnSpc="1">
-            <a:prstTxWarp prst="textNoShape">
-              <a:avLst/>
-            </a:prstTxWarp>
-            <a:spAutoFit/>
-          </a:bodyPr>
-          <a:lstStyle/>
-          <a:p>
-            <a:endParaRPr lang="ru-RU"/>
-          </a:p>
-        </p:txBody>
-      </p:sp>
-      <p:sp>
-        <p:nvSpPr>
-          <p:cNvPr id="39938" name="Rectangle 2"/>
-          <p:cNvSpPr>
-            <a:spLocks noChangeArrowheads="1"/>
-          </p:cNvSpPr>
-          <p:nvPr/>
-        </p:nvSpPr>
-        <p:spPr bwMode="auto">
-          <a:xfrm>
-            <a:off x="0" y="0"/>
-            <a:ext cx="9144000" cy="0"/>
-          </a:xfrm>
-          <a:prstGeom prst="rect">
-            <a:avLst/>
-          </a:prstGeom>
-          <a:noFill/>
-          <a:ln w="9525">
-            <a:noFill/>
-            <a:miter lim="800000"/>
-            <a:headEnd/>
-            <a:tailEnd/>
-          </a:ln>
-          <a:effectLst/>
-        </p:spPr>
-        <p:txBody>
-          <a:bodyPr vert="horz" wrap="none" lIns="91440" tIns="45720" rIns="91440" bIns="45720" numCol="1" anchor="ctr" anchorCtr="0" compatLnSpc="1">
-            <a:prstTxWarp prst="textNoShape">
-              <a:avLst/>
-            </a:prstTxWarp>
-            <a:spAutoFit/>
-          </a:bodyPr>
-          <a:lstStyle/>
-          <a:p>
-            <a:endParaRPr lang="ru-RU"/>
-          </a:p>
-        </p:txBody>
-      </p:sp>
-      <p:sp>
-        <p:nvSpPr>
-          <p:cNvPr id="39940" name="Rectangle 4"/>
-          <p:cNvSpPr>
-            <a:spLocks noChangeArrowheads="1"/>
-          </p:cNvSpPr>
-          <p:nvPr/>
-        </p:nvSpPr>
-        <p:spPr bwMode="auto">
-          <a:xfrm>
-            <a:off x="0" y="0"/>
-            <a:ext cx="9144000" cy="0"/>
-          </a:xfrm>
-          <a:prstGeom prst="rect">
-            <a:avLst/>
-          </a:prstGeom>
-          <a:noFill/>
-          <a:ln w="9525">
-            <a:noFill/>
-            <a:miter lim="800000"/>
-            <a:headEnd/>
-            <a:tailEnd/>
-          </a:ln>
-          <a:effectLst/>
-        </p:spPr>
-        <p:txBody>
-          <a:bodyPr vert="horz" wrap="none" lIns="91440" tIns="45720" rIns="91440" bIns="45720" numCol="1" anchor="ctr" anchorCtr="0" compatLnSpc="1">
-            <a:prstTxWarp prst="textNoShape">
-              <a:avLst/>
-            </a:prstTxWarp>
-            <a:spAutoFit/>
-          </a:bodyPr>
-          <a:lstStyle/>
-          <a:p>
-            <a:endParaRPr lang="ru-RU"/>
-          </a:p>
-        </p:txBody>
-      </p:sp>
-      <p:pic>
-        <p:nvPicPr>
-          <p:cNvPr id="11" name="Рисунок 10" descr="C:\Documents and Settings\home\Рабочий стол\Безымянный.bmp"/>
-          <p:cNvPicPr/>
-          <p:nvPr/>
-        </p:nvPicPr>
-        <p:blipFill>
-          <a:blip r:embed="rId4" cstate="print"/>
-          <a:srcRect/>
-          <a:stretch>
-            <a:fillRect/>
-          </a:stretch>
-        </p:blipFill>
-        <p:spPr bwMode="auto">
-          <a:xfrm>
-            <a:off x="359532" y="590961"/>
-            <a:ext cx="9246413" cy="5250307"/>
-          </a:xfrm>
-          <a:prstGeom prst="rect">
-            <a:avLst/>
-          </a:prstGeom>
-          <a:noFill/>
-          <a:ln w="9525">
-            <a:noFill/>
-            <a:miter lim="800000"/>
-            <a:headEnd/>
-            <a:tailEnd/>
-          </a:ln>
-        </p:spPr>
-      </p:pic>
-      <p:sp>
-        <p:nvSpPr>
-          <p:cNvPr id="12" name="TextBox 11"/>
-          <p:cNvSpPr txBox="1"/>
-          <p:nvPr/>
-        </p:nvSpPr>
-        <p:spPr>
-          <a:xfrm>
-            <a:off x="0" y="5877272"/>
-            <a:ext cx="9144000" cy="646331"/>
-          </a:xfrm>
-          <a:prstGeom prst="rect">
-            <a:avLst/>
-          </a:prstGeom>
-          <a:noFill/>
-        </p:spPr>
-        <p:txBody>
-          <a:bodyPr wrap="square" rtlCol="0">
-            <a:spAutoFit/>
-          </a:bodyPr>
-          <a:lstStyle/>
-          <a:p>
-            <a:r>
-              <a:rPr lang="ru-RU" dirty="0" smtClean="0"/>
-              <a:t>   Карта ожидаемой пожарной обстановки, которая может возникнуть в результате</a:t>
-            </a:r>
-          </a:p>
-          <a:p>
-            <a:pPr algn="ctr"/>
-            <a:r>
-              <a:rPr lang="ru-RU" dirty="0" smtClean="0"/>
-              <a:t> возгорания мазута в котельной</a:t>
-            </a:r>
-            <a:endParaRPr lang="ru-RU" dirty="0"/>
-          </a:p>
-        </p:txBody>
-      </p:sp>
-    </p:spTree>
-  </p:cSld>
-  <p:clrMapOvr>
-    <a:masterClrMapping/>
-  </p:clrMapOvr>
-  <p:timing>
-    <p:tnLst>
-      <p:par>
-        <p:cTn id="1" dur="indefinite" restart="never" nodeType="tmRoot"/>
-      </p:par>
-    </p:tnLst>
-  </p:timing>
-</p:sld>
-</file>
-
 <file path=ppt/slides/slide17.xml><?xml version="1.0" encoding="utf-8"?>
 <p:sld xmlns:a="http://schemas.openxmlformats.org/drawingml/2006/main" xmlns:r="http://schemas.openxmlformats.org/officeDocument/2006/relationships" xmlns:p="http://schemas.openxmlformats.org/presentationml/2006/main">
   <p:cSld>
@@ -13145,7 +12737,7 @@
       </p:grpSpPr>
       <p:sp>
         <p:nvSpPr>
-          <p:cNvPr id="182274" name="Text Box 2"/>
+          <p:cNvPr id="151554" name="Text Box 2"/>
           <p:cNvSpPr txBox="1">
             <a:spLocks noChangeArrowheads="1"/>
           </p:cNvSpPr>
@@ -13189,7 +12781,7 @@
       </p:sp>
       <p:pic>
         <p:nvPicPr>
-          <p:cNvPr id="182275" name="Picture 3" descr="XAI"/>
+          <p:cNvPr id="151555" name="Picture 3" descr="XAI"/>
           <p:cNvPicPr>
             <a:picLocks noChangeAspect="1" noChangeArrowheads="1"/>
           </p:cNvPicPr>
@@ -13221,7 +12813,7 @@
       </p:pic>
       <p:sp>
         <p:nvSpPr>
-          <p:cNvPr id="182276" name="Line 4"/>
+          <p:cNvPr id="151556" name="Line 4"/>
           <p:cNvSpPr>
             <a:spLocks noChangeShapeType="1"/>
           </p:cNvSpPr>
@@ -13256,7 +12848,90 @@
       </p:sp>
       <p:sp>
         <p:nvSpPr>
-          <p:cNvPr id="182277" name="Text Box 5"/>
+          <p:cNvPr id="151558" name="Rectangle 6"/>
+          <p:cNvSpPr>
+            <a:spLocks noChangeArrowheads="1"/>
+          </p:cNvSpPr>
+          <p:nvPr/>
+        </p:nvSpPr>
+        <p:spPr bwMode="auto">
+          <a:xfrm>
+            <a:off x="971550" y="130175"/>
+            <a:ext cx="7561263" cy="336550"/>
+          </a:xfrm>
+          <a:prstGeom prst="rect">
+            <a:avLst/>
+          </a:prstGeom>
+          <a:noFill/>
+          <a:ln w="9525">
+            <a:noFill/>
+            <a:miter lim="800000"/>
+            <a:headEnd/>
+            <a:tailEnd/>
+          </a:ln>
+          <a:effectLst/>
+        </p:spPr>
+        <p:txBody>
+          <a:bodyPr anchor="ctr">
+            <a:spAutoFit/>
+          </a:bodyPr>
+          <a:lstStyle/>
+          <a:p>
+            <a:pPr algn="ctr"/>
+            <a:r>
+              <a:rPr lang="ru-RU" sz="1600" b="1" dirty="0" smtClean="0">
+                <a:solidFill>
+                  <a:schemeClr val="accent2"/>
+                </a:solidFill>
+              </a:rPr>
+              <a:t>Охрана труда и безопасность в ЧС</a:t>
+            </a:r>
+            <a:endParaRPr lang="ru-RU" sz="1600" b="1" dirty="0">
+              <a:solidFill>
+                <a:schemeClr val="accent2"/>
+              </a:solidFill>
+            </a:endParaRPr>
+          </a:p>
+        </p:txBody>
+      </p:sp>
+      <p:sp>
+        <p:nvSpPr>
+          <p:cNvPr id="151559" name="Line 7"/>
+          <p:cNvSpPr>
+            <a:spLocks noChangeShapeType="1"/>
+          </p:cNvSpPr>
+          <p:nvPr/>
+        </p:nvSpPr>
+        <p:spPr bwMode="auto">
+          <a:xfrm>
+            <a:off x="74613" y="6561138"/>
+            <a:ext cx="8997950" cy="0"/>
+          </a:xfrm>
+          <a:prstGeom prst="line">
+            <a:avLst/>
+          </a:prstGeom>
+          <a:noFill/>
+          <a:ln w="19050">
+            <a:solidFill>
+              <a:srgbClr val="333399"/>
+            </a:solidFill>
+            <a:round/>
+            <a:headEnd/>
+            <a:tailEnd/>
+          </a:ln>
+          <a:effectLst/>
+        </p:spPr>
+        <p:txBody>
+          <a:bodyPr/>
+          <a:lstStyle/>
+          <a:p>
+            <a:endParaRPr lang="ru-RU" dirty="0"/>
+          </a:p>
+        </p:txBody>
+      </p:sp>
+      <p:sp>
+        <p:nvSpPr>
+          <p:cNvPr id="151566" name="Text Box 14"/>
           <p:cNvSpPr txBox="1">
             <a:spLocks noChangeArrowheads="1"/>
           </p:cNvSpPr>
@@ -13308,7 +12983,7 @@
       </p:sp>
       <p:sp>
         <p:nvSpPr>
-          <p:cNvPr id="182278" name="Rectangle 6"/>
+          <p:cNvPr id="18436" name="Rectangle 4"/>
           <p:cNvSpPr>
             <a:spLocks noChangeArrowheads="1"/>
           </p:cNvSpPr>
@@ -13316,8 +12991,8 @@
         </p:nvSpPr>
         <p:spPr bwMode="auto">
           <a:xfrm>
-            <a:off x="971550" y="130175"/>
-            <a:ext cx="7561263" cy="336550"/>
+            <a:off x="0" y="0"/>
+            <a:ext cx="9144000" cy="0"/>
           </a:xfrm>
           <a:prstGeom prst="rect">
             <a:avLst/>
@@ -13332,26 +13007,720 @@
           <a:effectLst/>
         </p:spPr>
         <p:txBody>
-          <a:bodyPr anchor="ctr">
+          <a:bodyPr vert="horz" wrap="none" lIns="91440" tIns="45720" rIns="91440" bIns="45720" numCol="1" anchor="ctr" anchorCtr="0" compatLnSpc="1">
+            <a:prstTxWarp prst="textNoShape">
+              <a:avLst/>
+            </a:prstTxWarp>
             <a:spAutoFit/>
           </a:bodyPr>
           <a:lstStyle/>
           <a:p>
+            <a:endParaRPr lang="ru-RU"/>
+          </a:p>
+        </p:txBody>
+      </p:sp>
+      <p:sp>
+        <p:nvSpPr>
+          <p:cNvPr id="39938" name="Rectangle 2"/>
+          <p:cNvSpPr>
+            <a:spLocks noChangeArrowheads="1"/>
+          </p:cNvSpPr>
+          <p:nvPr/>
+        </p:nvSpPr>
+        <p:spPr bwMode="auto">
+          <a:xfrm>
+            <a:off x="0" y="0"/>
+            <a:ext cx="9144000" cy="0"/>
+          </a:xfrm>
+          <a:prstGeom prst="rect">
+            <a:avLst/>
+          </a:prstGeom>
+          <a:noFill/>
+          <a:ln w="9525">
+            <a:noFill/>
+            <a:miter lim="800000"/>
+            <a:headEnd/>
+            <a:tailEnd/>
+          </a:ln>
+          <a:effectLst/>
+        </p:spPr>
+        <p:txBody>
+          <a:bodyPr vert="horz" wrap="none" lIns="91440" tIns="45720" rIns="91440" bIns="45720" numCol="1" anchor="ctr" anchorCtr="0" compatLnSpc="1">
+            <a:prstTxWarp prst="textNoShape">
+              <a:avLst/>
+            </a:prstTxWarp>
+            <a:spAutoFit/>
+          </a:bodyPr>
+          <a:lstStyle/>
+          <a:p>
+            <a:endParaRPr lang="ru-RU"/>
+          </a:p>
+        </p:txBody>
+      </p:sp>
+      <p:sp>
+        <p:nvSpPr>
+          <p:cNvPr id="39940" name="Rectangle 4"/>
+          <p:cNvSpPr>
+            <a:spLocks noChangeArrowheads="1"/>
+          </p:cNvSpPr>
+          <p:nvPr/>
+        </p:nvSpPr>
+        <p:spPr bwMode="auto">
+          <a:xfrm>
+            <a:off x="0" y="0"/>
+            <a:ext cx="9144000" cy="0"/>
+          </a:xfrm>
+          <a:prstGeom prst="rect">
+            <a:avLst/>
+          </a:prstGeom>
+          <a:noFill/>
+          <a:ln w="9525">
+            <a:noFill/>
+            <a:miter lim="800000"/>
+            <a:headEnd/>
+            <a:tailEnd/>
+          </a:ln>
+          <a:effectLst/>
+        </p:spPr>
+        <p:txBody>
+          <a:bodyPr vert="horz" wrap="none" lIns="91440" tIns="45720" rIns="91440" bIns="45720" numCol="1" anchor="ctr" anchorCtr="0" compatLnSpc="1">
+            <a:prstTxWarp prst="textNoShape">
+              <a:avLst/>
+            </a:prstTxWarp>
+            <a:spAutoFit/>
+          </a:bodyPr>
+          <a:lstStyle/>
+          <a:p>
+            <a:endParaRPr lang="ru-RU"/>
+          </a:p>
+        </p:txBody>
+      </p:sp>
+      <p:sp>
+        <p:nvSpPr>
+          <p:cNvPr id="11" name="Прямоугольник 10"/>
+          <p:cNvSpPr/>
+          <p:nvPr/>
+        </p:nvSpPr>
+        <p:spPr>
+          <a:xfrm>
+            <a:off x="0" y="728700"/>
+            <a:ext cx="6480720" cy="369332"/>
+          </a:xfrm>
+          <a:prstGeom prst="rect">
+            <a:avLst/>
+          </a:prstGeom>
+        </p:spPr>
+        <p:txBody>
+          <a:bodyPr wrap="square">
+            <a:spAutoFit/>
+          </a:bodyPr>
+          <a:lstStyle/>
+          <a:p>
             <a:pPr algn="ctr"/>
             <a:r>
-              <a:rPr lang="ru-RU" sz="1600" b="1" dirty="0">
-                <a:solidFill>
-                  <a:schemeClr val="accent2"/>
-                </a:solidFill>
-              </a:rPr>
-              <a:t>Заключение</a:t>
-            </a:r>
-          </a:p>
-        </p:txBody>
-      </p:sp>
-      <p:sp>
-        <p:nvSpPr>
-          <p:cNvPr id="182279" name="Line 7"/>
+              <a:rPr lang="ru-RU" dirty="0" smtClean="0"/>
+              <a:t>Расчетное удельное электрическое сопротивление грунта:</a:t>
+            </a:r>
+            <a:endParaRPr lang="ru-RU" dirty="0"/>
+          </a:p>
+        </p:txBody>
+      </p:sp>
+      <p:pic>
+        <p:nvPicPr>
+          <p:cNvPr id="13" name="Рисунок 12"/>
+          <p:cNvPicPr/>
+          <p:nvPr/>
+        </p:nvPicPr>
+        <p:blipFill>
+          <a:blip r:embed="rId4" cstate="print"/>
+          <a:srcRect/>
+          <a:stretch>
+            <a:fillRect/>
+          </a:stretch>
+        </p:blipFill>
+        <p:spPr bwMode="auto">
+          <a:xfrm>
+            <a:off x="359532" y="1111388"/>
+            <a:ext cx="1692188" cy="504056"/>
+          </a:xfrm>
+          <a:prstGeom prst="rect">
+            <a:avLst/>
+          </a:prstGeom>
+          <a:noFill/>
+          <a:ln w="9525">
+            <a:noFill/>
+            <a:miter lim="800000"/>
+            <a:headEnd/>
+            <a:tailEnd/>
+          </a:ln>
+        </p:spPr>
+      </p:pic>
+      <p:sp>
+        <p:nvSpPr>
+          <p:cNvPr id="50178" name="Rectangle 2"/>
+          <p:cNvSpPr>
+            <a:spLocks noChangeArrowheads="1"/>
+          </p:cNvSpPr>
+          <p:nvPr/>
+        </p:nvSpPr>
+        <p:spPr bwMode="auto">
+          <a:xfrm>
+            <a:off x="0" y="0"/>
+            <a:ext cx="9144000" cy="0"/>
+          </a:xfrm>
+          <a:prstGeom prst="rect">
+            <a:avLst/>
+          </a:prstGeom>
+          <a:noFill/>
+          <a:ln w="9525">
+            <a:noFill/>
+            <a:miter lim="800000"/>
+            <a:headEnd/>
+            <a:tailEnd/>
+          </a:ln>
+          <a:effectLst/>
+        </p:spPr>
+        <p:txBody>
+          <a:bodyPr vert="horz" wrap="none" lIns="91440" tIns="45720" rIns="91440" bIns="45720" numCol="1" anchor="ctr" anchorCtr="0" compatLnSpc="1">
+            <a:prstTxWarp prst="textNoShape">
+              <a:avLst/>
+            </a:prstTxWarp>
+            <a:spAutoFit/>
+          </a:bodyPr>
+          <a:lstStyle/>
+          <a:p>
+            <a:endParaRPr lang="ru-RU"/>
+          </a:p>
+        </p:txBody>
+      </p:sp>
+      <p:sp>
+        <p:nvSpPr>
+          <p:cNvPr id="17" name="TextBox 16"/>
+          <p:cNvSpPr txBox="1"/>
+          <p:nvPr/>
+        </p:nvSpPr>
+        <p:spPr>
+          <a:xfrm>
+            <a:off x="2015716" y="1163361"/>
+            <a:ext cx="1624163" cy="400110"/>
+          </a:xfrm>
+          <a:prstGeom prst="rect">
+            <a:avLst/>
+          </a:prstGeom>
+          <a:noFill/>
+        </p:spPr>
+        <p:txBody>
+          <a:bodyPr wrap="none" rtlCol="0">
+            <a:spAutoFit/>
+          </a:bodyPr>
+          <a:lstStyle/>
+          <a:p>
+            <a:r>
+              <a:rPr lang="ru-RU" sz="2000" dirty="0" smtClean="0"/>
+              <a:t>= 39,6 Ом*м</a:t>
+            </a:r>
+            <a:endParaRPr lang="ru-RU" sz="2000" dirty="0"/>
+          </a:p>
+        </p:txBody>
+      </p:sp>
+      <p:sp>
+        <p:nvSpPr>
+          <p:cNvPr id="18" name="Прямоугольник 17"/>
+          <p:cNvSpPr/>
+          <p:nvPr/>
+        </p:nvSpPr>
+        <p:spPr>
+          <a:xfrm>
+            <a:off x="0" y="1592796"/>
+            <a:ext cx="9144000" cy="646331"/>
+          </a:xfrm>
+          <a:prstGeom prst="rect">
+            <a:avLst/>
+          </a:prstGeom>
+        </p:spPr>
+        <p:txBody>
+          <a:bodyPr wrap="square">
+            <a:spAutoFit/>
+          </a:bodyPr>
+          <a:lstStyle/>
+          <a:p>
+            <a:r>
+              <a:rPr lang="ru-RU" dirty="0" smtClean="0"/>
+              <a:t>Сопротивление растеканию тока одиночного вертикального заземлителя (стальной трубы):</a:t>
+            </a:r>
+            <a:endParaRPr lang="ru-RU" dirty="0"/>
+          </a:p>
+        </p:txBody>
+      </p:sp>
+      <p:pic>
+        <p:nvPicPr>
+          <p:cNvPr id="19" name="Рисунок 18"/>
+          <p:cNvPicPr/>
+          <p:nvPr/>
+        </p:nvPicPr>
+        <p:blipFill>
+          <a:blip r:embed="rId5" cstate="print"/>
+          <a:srcRect/>
+          <a:stretch>
+            <a:fillRect/>
+          </a:stretch>
+        </p:blipFill>
+        <p:spPr bwMode="auto">
+          <a:xfrm>
+            <a:off x="323528" y="2348880"/>
+            <a:ext cx="2127739" cy="704272"/>
+          </a:xfrm>
+          <a:prstGeom prst="rect">
+            <a:avLst/>
+          </a:prstGeom>
+          <a:noFill/>
+          <a:ln w="9525">
+            <a:noFill/>
+            <a:miter lim="800000"/>
+            <a:headEnd/>
+            <a:tailEnd/>
+          </a:ln>
+        </p:spPr>
+      </p:pic>
+      <p:sp>
+        <p:nvSpPr>
+          <p:cNvPr id="20" name="TextBox 19"/>
+          <p:cNvSpPr txBox="1"/>
+          <p:nvPr/>
+        </p:nvSpPr>
+        <p:spPr>
+          <a:xfrm>
+            <a:off x="2411760" y="2516350"/>
+            <a:ext cx="1362874" cy="369332"/>
+          </a:xfrm>
+          <a:prstGeom prst="rect">
+            <a:avLst/>
+          </a:prstGeom>
+          <a:noFill/>
+        </p:spPr>
+        <p:txBody>
+          <a:bodyPr wrap="none" rtlCol="0">
+            <a:spAutoFit/>
+          </a:bodyPr>
+          <a:lstStyle/>
+          <a:p>
+            <a:r>
+              <a:rPr lang="ru-RU" dirty="0" smtClean="0"/>
+              <a:t>= 16,69 Ом</a:t>
+            </a:r>
+            <a:endParaRPr lang="ru-RU" dirty="0"/>
+          </a:p>
+        </p:txBody>
+      </p:sp>
+      <p:sp>
+        <p:nvSpPr>
+          <p:cNvPr id="21" name="Прямоугольник 20"/>
+          <p:cNvSpPr/>
+          <p:nvPr/>
+        </p:nvSpPr>
+        <p:spPr>
+          <a:xfrm>
+            <a:off x="0" y="3140968"/>
+            <a:ext cx="6174432" cy="369332"/>
+          </a:xfrm>
+          <a:prstGeom prst="rect">
+            <a:avLst/>
+          </a:prstGeom>
+        </p:spPr>
+        <p:txBody>
+          <a:bodyPr wrap="square">
+            <a:spAutoFit/>
+          </a:bodyPr>
+          <a:lstStyle/>
+          <a:p>
+            <a:r>
+              <a:rPr lang="ru-RU" dirty="0" smtClean="0"/>
+              <a:t>Число вертикальных заземлителей (стальных труб):</a:t>
+            </a:r>
+            <a:endParaRPr lang="ru-RU" dirty="0"/>
+          </a:p>
+        </p:txBody>
+      </p:sp>
+      <p:sp>
+        <p:nvSpPr>
+          <p:cNvPr id="22" name="TextBox 21"/>
+          <p:cNvSpPr txBox="1"/>
+          <p:nvPr/>
+        </p:nvSpPr>
+        <p:spPr>
+          <a:xfrm>
+            <a:off x="8568444" y="1178750"/>
+            <a:ext cx="466794" cy="369332"/>
+          </a:xfrm>
+          <a:prstGeom prst="rect">
+            <a:avLst/>
+          </a:prstGeom>
+          <a:noFill/>
+        </p:spPr>
+        <p:txBody>
+          <a:bodyPr wrap="none" rtlCol="0">
+            <a:spAutoFit/>
+          </a:bodyPr>
+          <a:lstStyle/>
+          <a:p>
+            <a:r>
+              <a:rPr lang="ru-RU" dirty="0" smtClean="0"/>
+              <a:t>(1)</a:t>
+            </a:r>
+            <a:endParaRPr lang="ru-RU" dirty="0"/>
+          </a:p>
+        </p:txBody>
+      </p:sp>
+      <p:sp>
+        <p:nvSpPr>
+          <p:cNvPr id="24" name="TextBox 23"/>
+          <p:cNvSpPr txBox="1"/>
+          <p:nvPr/>
+        </p:nvSpPr>
+        <p:spPr>
+          <a:xfrm>
+            <a:off x="8568444" y="2516350"/>
+            <a:ext cx="466794" cy="369332"/>
+          </a:xfrm>
+          <a:prstGeom prst="rect">
+            <a:avLst/>
+          </a:prstGeom>
+          <a:noFill/>
+        </p:spPr>
+        <p:txBody>
+          <a:bodyPr wrap="none" rtlCol="0">
+            <a:spAutoFit/>
+          </a:bodyPr>
+          <a:lstStyle/>
+          <a:p>
+            <a:r>
+              <a:rPr lang="ru-RU" dirty="0" smtClean="0"/>
+              <a:t>(2)</a:t>
+            </a:r>
+            <a:endParaRPr lang="ru-RU" dirty="0"/>
+          </a:p>
+        </p:txBody>
+      </p:sp>
+      <p:pic>
+        <p:nvPicPr>
+          <p:cNvPr id="25" name="Рисунок 24"/>
+          <p:cNvPicPr/>
+          <p:nvPr/>
+        </p:nvPicPr>
+        <p:blipFill>
+          <a:blip r:embed="rId6" cstate="print"/>
+          <a:srcRect/>
+          <a:stretch>
+            <a:fillRect/>
+          </a:stretch>
+        </p:blipFill>
+        <p:spPr bwMode="auto">
+          <a:xfrm>
+            <a:off x="296853" y="3645024"/>
+            <a:ext cx="1142799" cy="792088"/>
+          </a:xfrm>
+          <a:prstGeom prst="rect">
+            <a:avLst/>
+          </a:prstGeom>
+          <a:noFill/>
+          <a:ln w="9525">
+            <a:noFill/>
+            <a:miter lim="800000"/>
+            <a:headEnd/>
+            <a:tailEnd/>
+          </a:ln>
+        </p:spPr>
+      </p:pic>
+      <p:sp>
+        <p:nvSpPr>
+          <p:cNvPr id="26" name="TextBox 25"/>
+          <p:cNvSpPr txBox="1"/>
+          <p:nvPr/>
+        </p:nvSpPr>
+        <p:spPr>
+          <a:xfrm>
+            <a:off x="1439652" y="3856402"/>
+            <a:ext cx="511679" cy="369332"/>
+          </a:xfrm>
+          <a:prstGeom prst="rect">
+            <a:avLst/>
+          </a:prstGeom>
+          <a:noFill/>
+        </p:spPr>
+        <p:txBody>
+          <a:bodyPr wrap="none" rtlCol="0">
+            <a:spAutoFit/>
+          </a:bodyPr>
+          <a:lstStyle/>
+          <a:p>
+            <a:r>
+              <a:rPr lang="ru-RU" dirty="0" smtClean="0"/>
+              <a:t>= 7</a:t>
+            </a:r>
+            <a:endParaRPr lang="ru-RU" dirty="0"/>
+          </a:p>
+        </p:txBody>
+      </p:sp>
+      <p:sp>
+        <p:nvSpPr>
+          <p:cNvPr id="27" name="TextBox 26"/>
+          <p:cNvSpPr txBox="1"/>
+          <p:nvPr/>
+        </p:nvSpPr>
+        <p:spPr>
+          <a:xfrm>
+            <a:off x="8568444" y="3856402"/>
+            <a:ext cx="466794" cy="369332"/>
+          </a:xfrm>
+          <a:prstGeom prst="rect">
+            <a:avLst/>
+          </a:prstGeom>
+          <a:noFill/>
+        </p:spPr>
+        <p:txBody>
+          <a:bodyPr wrap="none" rtlCol="0">
+            <a:spAutoFit/>
+          </a:bodyPr>
+          <a:lstStyle/>
+          <a:p>
+            <a:r>
+              <a:rPr lang="ru-RU" dirty="0" smtClean="0"/>
+              <a:t>(3)</a:t>
+            </a:r>
+            <a:endParaRPr lang="ru-RU" dirty="0"/>
+          </a:p>
+        </p:txBody>
+      </p:sp>
+      <p:pic>
+        <p:nvPicPr>
+          <p:cNvPr id="28" name="Рисунок 27"/>
+          <p:cNvPicPr/>
+          <p:nvPr/>
+        </p:nvPicPr>
+        <p:blipFill>
+          <a:blip r:embed="rId7" cstate="print"/>
+          <a:srcRect/>
+          <a:stretch>
+            <a:fillRect/>
+          </a:stretch>
+        </p:blipFill>
+        <p:spPr bwMode="auto">
+          <a:xfrm>
+            <a:off x="287524" y="4833156"/>
+            <a:ext cx="1836204" cy="648072"/>
+          </a:xfrm>
+          <a:prstGeom prst="rect">
+            <a:avLst/>
+          </a:prstGeom>
+          <a:noFill/>
+          <a:ln w="9525">
+            <a:noFill/>
+            <a:miter lim="800000"/>
+            <a:headEnd/>
+            <a:tailEnd/>
+          </a:ln>
+        </p:spPr>
+      </p:pic>
+      <p:sp>
+        <p:nvSpPr>
+          <p:cNvPr id="29" name="Прямоугольник 28"/>
+          <p:cNvSpPr/>
+          <p:nvPr/>
+        </p:nvSpPr>
+        <p:spPr>
+          <a:xfrm>
+            <a:off x="0" y="4473116"/>
+            <a:ext cx="9144000" cy="369332"/>
+          </a:xfrm>
+          <a:prstGeom prst="rect">
+            <a:avLst/>
+          </a:prstGeom>
+        </p:spPr>
+        <p:txBody>
+          <a:bodyPr wrap="square">
+            <a:spAutoFit/>
+          </a:bodyPr>
+          <a:lstStyle/>
+          <a:p>
+            <a:r>
+              <a:rPr lang="ru-RU" dirty="0" smtClean="0"/>
+              <a:t>Общее сопротивление растеканию тока заземляющего устройства:</a:t>
+            </a:r>
+            <a:endParaRPr lang="ru-RU" dirty="0"/>
+          </a:p>
+        </p:txBody>
+      </p:sp>
+      <p:sp>
+        <p:nvSpPr>
+          <p:cNvPr id="30" name="TextBox 29"/>
+          <p:cNvSpPr txBox="1"/>
+          <p:nvPr/>
+        </p:nvSpPr>
+        <p:spPr>
+          <a:xfrm>
+            <a:off x="2123728" y="4972526"/>
+            <a:ext cx="511679" cy="369332"/>
+          </a:xfrm>
+          <a:prstGeom prst="rect">
+            <a:avLst/>
+          </a:prstGeom>
+          <a:noFill/>
+        </p:spPr>
+        <p:txBody>
+          <a:bodyPr wrap="none" rtlCol="0">
+            <a:spAutoFit/>
+          </a:bodyPr>
+          <a:lstStyle/>
+          <a:p>
+            <a:r>
+              <a:rPr lang="ru-RU" dirty="0" smtClean="0"/>
+              <a:t>= 7</a:t>
+            </a:r>
+            <a:endParaRPr lang="ru-RU" dirty="0"/>
+          </a:p>
+        </p:txBody>
+      </p:sp>
+      <p:sp>
+        <p:nvSpPr>
+          <p:cNvPr id="31" name="TextBox 30"/>
+          <p:cNvSpPr txBox="1"/>
+          <p:nvPr/>
+        </p:nvSpPr>
+        <p:spPr>
+          <a:xfrm>
+            <a:off x="8568444" y="4972526"/>
+            <a:ext cx="466794" cy="369332"/>
+          </a:xfrm>
+          <a:prstGeom prst="rect">
+            <a:avLst/>
+          </a:prstGeom>
+          <a:noFill/>
+        </p:spPr>
+        <p:txBody>
+          <a:bodyPr wrap="none" rtlCol="0">
+            <a:spAutoFit/>
+          </a:bodyPr>
+          <a:lstStyle/>
+          <a:p>
+            <a:r>
+              <a:rPr lang="ru-RU" dirty="0" smtClean="0"/>
+              <a:t>(4)</a:t>
+            </a:r>
+            <a:endParaRPr lang="ru-RU" dirty="0"/>
+          </a:p>
+        </p:txBody>
+      </p:sp>
+    </p:spTree>
+  </p:cSld>
+  <p:clrMapOvr>
+    <a:masterClrMapping/>
+  </p:clrMapOvr>
+  <p:timing>
+    <p:tnLst>
+      <p:par>
+        <p:cTn id="1" dur="indefinite" restart="never" nodeType="tmRoot"/>
+      </p:par>
+    </p:tnLst>
+  </p:timing>
+</p:sld>
+</file>
+
+<file path=ppt/slides/slide18.xml><?xml version="1.0" encoding="utf-8"?>
+<p:sld xmlns:a="http://schemas.openxmlformats.org/drawingml/2006/main" xmlns:r="http://schemas.openxmlformats.org/officeDocument/2006/relationships" xmlns:p="http://schemas.openxmlformats.org/presentationml/2006/main">
+  <p:cSld>
+    <p:spTree>
+      <p:nvGrpSpPr>
+        <p:cNvPr id="1" name=""/>
+        <p:cNvGrpSpPr/>
+        <p:nvPr/>
+      </p:nvGrpSpPr>
+      <p:grpSpPr>
+        <a:xfrm>
+          <a:off x="0" y="0"/>
+          <a:ext cx="0" cy="0"/>
+          <a:chOff x="0" y="0"/>
+          <a:chExt cx="0" cy="0"/>
+        </a:xfrm>
+      </p:grpSpPr>
+      <p:sp>
+        <p:nvSpPr>
+          <p:cNvPr id="151554" name="Text Box 2"/>
+          <p:cNvSpPr txBox="1">
+            <a:spLocks noChangeArrowheads="1"/>
+          </p:cNvSpPr>
+          <p:nvPr/>
+        </p:nvSpPr>
+        <p:spPr bwMode="auto">
+          <a:xfrm>
+            <a:off x="8675688" y="44450"/>
+            <a:ext cx="468312" cy="511175"/>
+          </a:xfrm>
+          <a:prstGeom prst="rect">
+            <a:avLst/>
+          </a:prstGeom>
+          <a:solidFill>
+            <a:schemeClr val="bg1"/>
+          </a:solidFill>
+          <a:ln w="9525">
+            <a:noFill/>
+            <a:miter lim="800000"/>
+            <a:headEnd/>
+            <a:tailEnd/>
+          </a:ln>
+          <a:effectLst/>
+        </p:spPr>
+        <p:txBody>
+          <a:bodyPr/>
+          <a:lstStyle/>
+          <a:p>
+            <a:pPr algn="ctr">
+              <a:spcBef>
+                <a:spcPct val="50000"/>
+              </a:spcBef>
+            </a:pPr>
+            <a:endParaRPr lang="ru-RU" sz="2400" b="1" dirty="0">
+              <a:solidFill>
+                <a:schemeClr val="accent2"/>
+              </a:solidFill>
+            </a:endParaRPr>
+          </a:p>
+        </p:txBody>
+      </p:sp>
+      <p:pic>
+        <p:nvPicPr>
+          <p:cNvPr id="151555" name="Picture 3" descr="XAI"/>
+          <p:cNvPicPr>
+            <a:picLocks noChangeAspect="1" noChangeArrowheads="1"/>
+          </p:cNvPicPr>
+          <p:nvPr/>
+        </p:nvPicPr>
+        <p:blipFill>
+          <a:blip r:embed="rId3" cstate="print"/>
+          <a:srcRect/>
+          <a:stretch>
+            <a:fillRect/>
+          </a:stretch>
+        </p:blipFill>
+        <p:spPr bwMode="auto">
+          <a:xfrm>
+            <a:off x="0" y="30163"/>
+            <a:ext cx="863600" cy="519112"/>
+          </a:xfrm>
+          <a:prstGeom prst="rect">
+            <a:avLst/>
+          </a:prstGeom>
+          <a:noFill/>
+          <a:ln w="9525">
+            <a:noFill/>
+            <a:miter lim="800000"/>
+            <a:headEnd/>
+            <a:tailEnd/>
+          </a:ln>
+        </p:spPr>
+      </p:pic>
+      <p:sp>
+        <p:nvSpPr>
+          <p:cNvPr id="151556" name="Line 4"/>
           <p:cNvSpPr>
             <a:spLocks noChangeShapeType="1"/>
           </p:cNvSpPr>
@@ -13359,7 +13728,7 @@
         </p:nvSpPr>
         <p:spPr bwMode="auto">
           <a:xfrm>
-            <a:off x="74613" y="6561138"/>
+            <a:off x="74613" y="549275"/>
             <a:ext cx="8997950" cy="0"/>
           </a:xfrm>
           <a:prstGeom prst="line">
@@ -13386,7 +13755,7 @@
       </p:sp>
       <p:sp>
         <p:nvSpPr>
-          <p:cNvPr id="182281" name="Rectangle 9"/>
+          <p:cNvPr id="151558" name="Rectangle 6"/>
           <p:cNvSpPr>
             <a:spLocks noChangeArrowheads="1"/>
           </p:cNvSpPr>
@@ -13394,8 +13763,8 @@
         </p:nvSpPr>
         <p:spPr bwMode="auto">
           <a:xfrm>
-            <a:off x="179388" y="800100"/>
-            <a:ext cx="8748712" cy="1252538"/>
+            <a:off x="971550" y="130175"/>
+            <a:ext cx="7561263" cy="336550"/>
           </a:xfrm>
           <a:prstGeom prst="rect">
             <a:avLst/>
@@ -13410,47 +13779,127 @@
           <a:effectLst/>
         </p:spPr>
         <p:txBody>
+          <a:bodyPr anchor="ctr">
+            <a:spAutoFit/>
+          </a:bodyPr>
+          <a:lstStyle/>
+          <a:p>
+            <a:pPr algn="ctr"/>
+            <a:r>
+              <a:rPr lang="ru-RU" sz="1600" b="1" dirty="0" smtClean="0">
+                <a:solidFill>
+                  <a:schemeClr val="accent2"/>
+                </a:solidFill>
+              </a:rPr>
+              <a:t>Охрана труда и безопасность в ЧС</a:t>
+            </a:r>
+            <a:endParaRPr lang="ru-RU" sz="1600" b="1" dirty="0">
+              <a:solidFill>
+                <a:schemeClr val="accent2"/>
+              </a:solidFill>
+            </a:endParaRPr>
+          </a:p>
+        </p:txBody>
+      </p:sp>
+      <p:sp>
+        <p:nvSpPr>
+          <p:cNvPr id="151559" name="Line 7"/>
+          <p:cNvSpPr>
+            <a:spLocks noChangeShapeType="1"/>
+          </p:cNvSpPr>
+          <p:nvPr/>
+        </p:nvSpPr>
+        <p:spPr bwMode="auto">
+          <a:xfrm>
+            <a:off x="74613" y="6561138"/>
+            <a:ext cx="8997950" cy="0"/>
+          </a:xfrm>
+          <a:prstGeom prst="line">
+            <a:avLst/>
+          </a:prstGeom>
+          <a:noFill/>
+          <a:ln w="19050">
+            <a:solidFill>
+              <a:srgbClr val="333399"/>
+            </a:solidFill>
+            <a:round/>
+            <a:headEnd/>
+            <a:tailEnd/>
+          </a:ln>
+          <a:effectLst/>
+        </p:spPr>
+        <p:txBody>
           <a:bodyPr/>
           <a:lstStyle/>
           <a:p>
-            <a:r>
-              <a:rPr lang="ru-RU" sz="1400" u="sng" dirty="0"/>
-              <a:t>Результаты работы, автором полученные самостоятельно:</a:t>
-            </a:r>
-            <a:endParaRPr lang="ru-RU" sz="1400" dirty="0"/>
-          </a:p>
-          <a:p>
-            <a:r>
-              <a:rPr lang="ru-RU" sz="1400" dirty="0"/>
-              <a:t>1)</a:t>
-            </a:r>
-          </a:p>
-          <a:p>
-            <a:r>
-              <a:rPr lang="ru-RU" sz="1400" dirty="0"/>
-              <a:t>2)</a:t>
-            </a:r>
-          </a:p>
-          <a:p>
-            <a:r>
-              <a:rPr lang="ru-RU" sz="1400" dirty="0"/>
-              <a:t>3) </a:t>
-            </a:r>
-          </a:p>
-        </p:txBody>
-      </p:sp>
-      <p:sp>
-        <p:nvSpPr>
-          <p:cNvPr id="182283" name="Rectangle 11"/>
-          <p:cNvSpPr>
+            <a:endParaRPr lang="ru-RU" dirty="0"/>
+          </a:p>
+        </p:txBody>
+      </p:sp>
+      <p:sp>
+        <p:nvSpPr>
+          <p:cNvPr id="151566" name="Text Box 14"/>
+          <p:cNvSpPr txBox="1">
             <a:spLocks noChangeArrowheads="1"/>
           </p:cNvSpPr>
           <p:nvPr/>
         </p:nvSpPr>
         <p:spPr bwMode="auto">
           <a:xfrm>
-            <a:off x="179388" y="2492375"/>
-            <a:ext cx="8748712" cy="1252538"/>
+            <a:off x="8532813" y="0"/>
+            <a:ext cx="611187" cy="511175"/>
+          </a:xfrm>
+          <a:prstGeom prst="rect">
+            <a:avLst/>
+          </a:prstGeom>
+          <a:solidFill>
+            <a:schemeClr val="bg1"/>
+          </a:solidFill>
+          <a:ln w="9525">
+            <a:noFill/>
+            <a:miter lim="800000"/>
+            <a:headEnd/>
+            <a:tailEnd/>
+          </a:ln>
+          <a:effectLst/>
+        </p:spPr>
+        <p:txBody>
+          <a:bodyPr/>
+          <a:lstStyle/>
+          <a:p>
+            <a:pPr algn="ctr">
+              <a:spcBef>
+                <a:spcPct val="50000"/>
+              </a:spcBef>
+            </a:pPr>
+            <a:r>
+              <a:rPr lang="uk-UA" sz="2000" b="1" dirty="0" smtClean="0">
+                <a:solidFill>
+                  <a:schemeClr val="accent2"/>
+                </a:solidFill>
+              </a:rPr>
+              <a:t>18</a:t>
+            </a:r>
+            <a:endParaRPr lang="ru-RU" sz="2000" b="1" dirty="0">
+              <a:solidFill>
+                <a:schemeClr val="accent2"/>
+              </a:solidFill>
+            </a:endParaRPr>
+          </a:p>
+        </p:txBody>
+      </p:sp>
+      <p:sp>
+        <p:nvSpPr>
+          <p:cNvPr id="18436" name="Rectangle 4"/>
+          <p:cNvSpPr>
+            <a:spLocks noChangeArrowheads="1"/>
+          </p:cNvSpPr>
+          <p:nvPr/>
+        </p:nvSpPr>
+        <p:spPr bwMode="auto">
+          <a:xfrm>
+            <a:off x="0" y="0"/>
+            <a:ext cx="9144000" cy="0"/>
           </a:xfrm>
           <a:prstGeom prst="rect">
             <a:avLst/>
@@ -13465,38 +13914,21 @@
           <a:effectLst/>
         </p:spPr>
         <p:txBody>
-          <a:bodyPr/>
-          <a:lstStyle/>
-          <a:p>
-            <a:r>
-              <a:rPr lang="ru-RU" sz="1400" u="sng" dirty="0"/>
-              <a:t>Выводы, предложения по использованию результатов работы:</a:t>
-            </a:r>
-            <a:endParaRPr lang="ru-RU" sz="1400" dirty="0"/>
-          </a:p>
-          <a:p>
-            <a:r>
-              <a:rPr lang="ru-RU" sz="1400" dirty="0"/>
-              <a:t>1)</a:t>
-            </a:r>
-          </a:p>
-          <a:p>
-            <a:r>
-              <a:rPr lang="ru-RU" sz="1400" dirty="0"/>
-              <a:t>2)</a:t>
-            </a:r>
-          </a:p>
-          <a:p>
-            <a:r>
-              <a:rPr lang="ru-RU" sz="1400" dirty="0"/>
-              <a:t>3) </a:t>
-            </a:r>
-          </a:p>
-        </p:txBody>
-      </p:sp>
-      <p:sp>
-        <p:nvSpPr>
-          <p:cNvPr id="182284" name="Rectangle 12"/>
+          <a:bodyPr vert="horz" wrap="none" lIns="91440" tIns="45720" rIns="91440" bIns="45720" numCol="1" anchor="ctr" anchorCtr="0" compatLnSpc="1">
+            <a:prstTxWarp prst="textNoShape">
+              <a:avLst/>
+            </a:prstTxWarp>
+            <a:spAutoFit/>
+          </a:bodyPr>
+          <a:lstStyle/>
+          <a:p>
+            <a:endParaRPr lang="ru-RU"/>
+          </a:p>
+        </p:txBody>
+      </p:sp>
+      <p:sp>
+        <p:nvSpPr>
+          <p:cNvPr id="39938" name="Rectangle 2"/>
           <p:cNvSpPr>
             <a:spLocks noChangeArrowheads="1"/>
           </p:cNvSpPr>
@@ -13504,8 +13936,8 @@
         </p:nvSpPr>
         <p:spPr bwMode="auto">
           <a:xfrm>
-            <a:off x="179388" y="4292600"/>
-            <a:ext cx="8748712" cy="1252538"/>
+            <a:off x="0" y="0"/>
+            <a:ext cx="9144000" cy="0"/>
           </a:xfrm>
           <a:prstGeom prst="rect">
             <a:avLst/>
@@ -13520,32 +13952,532 @@
           <a:effectLst/>
         </p:spPr>
         <p:txBody>
+          <a:bodyPr vert="horz" wrap="none" lIns="91440" tIns="45720" rIns="91440" bIns="45720" numCol="1" anchor="ctr" anchorCtr="0" compatLnSpc="1">
+            <a:prstTxWarp prst="textNoShape">
+              <a:avLst/>
+            </a:prstTxWarp>
+            <a:spAutoFit/>
+          </a:bodyPr>
+          <a:lstStyle/>
+          <a:p>
+            <a:endParaRPr lang="ru-RU"/>
+          </a:p>
+        </p:txBody>
+      </p:sp>
+      <p:sp>
+        <p:nvSpPr>
+          <p:cNvPr id="39940" name="Rectangle 4"/>
+          <p:cNvSpPr>
+            <a:spLocks noChangeArrowheads="1"/>
+          </p:cNvSpPr>
+          <p:nvPr/>
+        </p:nvSpPr>
+        <p:spPr bwMode="auto">
+          <a:xfrm>
+            <a:off x="0" y="0"/>
+            <a:ext cx="9144000" cy="0"/>
+          </a:xfrm>
+          <a:prstGeom prst="rect">
+            <a:avLst/>
+          </a:prstGeom>
+          <a:noFill/>
+          <a:ln w="9525">
+            <a:noFill/>
+            <a:miter lim="800000"/>
+            <a:headEnd/>
+            <a:tailEnd/>
+          </a:ln>
+          <a:effectLst/>
+        </p:spPr>
+        <p:txBody>
+          <a:bodyPr vert="horz" wrap="none" lIns="91440" tIns="45720" rIns="91440" bIns="45720" numCol="1" anchor="ctr" anchorCtr="0" compatLnSpc="1">
+            <a:prstTxWarp prst="textNoShape">
+              <a:avLst/>
+            </a:prstTxWarp>
+            <a:spAutoFit/>
+          </a:bodyPr>
+          <a:lstStyle/>
+          <a:p>
+            <a:endParaRPr lang="ru-RU"/>
+          </a:p>
+        </p:txBody>
+      </p:sp>
+      <p:pic>
+        <p:nvPicPr>
+          <p:cNvPr id="11" name="Рисунок 10" descr="C:\Documents and Settings\home\Рабочий стол\Безымянный.bmp"/>
+          <p:cNvPicPr/>
+          <p:nvPr/>
+        </p:nvPicPr>
+        <p:blipFill>
+          <a:blip r:embed="rId4" cstate="print"/>
+          <a:srcRect/>
+          <a:stretch>
+            <a:fillRect/>
+          </a:stretch>
+        </p:blipFill>
+        <p:spPr bwMode="auto">
+          <a:xfrm>
+            <a:off x="359532" y="590961"/>
+            <a:ext cx="9246413" cy="5250307"/>
+          </a:xfrm>
+          <a:prstGeom prst="rect">
+            <a:avLst/>
+          </a:prstGeom>
+          <a:noFill/>
+          <a:ln w="9525">
+            <a:noFill/>
+            <a:miter lim="800000"/>
+            <a:headEnd/>
+            <a:tailEnd/>
+          </a:ln>
+        </p:spPr>
+      </p:pic>
+      <p:sp>
+        <p:nvSpPr>
+          <p:cNvPr id="12" name="TextBox 11"/>
+          <p:cNvSpPr txBox="1"/>
+          <p:nvPr/>
+        </p:nvSpPr>
+        <p:spPr>
+          <a:xfrm>
+            <a:off x="0" y="5877272"/>
+            <a:ext cx="9144000" cy="646331"/>
+          </a:xfrm>
+          <a:prstGeom prst="rect">
+            <a:avLst/>
+          </a:prstGeom>
+          <a:noFill/>
+        </p:spPr>
+        <p:txBody>
+          <a:bodyPr wrap="square" rtlCol="0">
+            <a:spAutoFit/>
+          </a:bodyPr>
+          <a:lstStyle/>
+          <a:p>
+            <a:r>
+              <a:rPr lang="ru-RU" dirty="0" smtClean="0"/>
+              <a:t>   Карта ожидаемой пожарной обстановки, которая может возникнуть в результате</a:t>
+            </a:r>
+          </a:p>
+          <a:p>
+            <a:pPr algn="ctr"/>
+            <a:r>
+              <a:rPr lang="ru-RU" dirty="0" smtClean="0"/>
+              <a:t> возгорания мазута в котельной</a:t>
+            </a:r>
+            <a:endParaRPr lang="ru-RU" dirty="0"/>
+          </a:p>
+        </p:txBody>
+      </p:sp>
+    </p:spTree>
+  </p:cSld>
+  <p:clrMapOvr>
+    <a:masterClrMapping/>
+  </p:clrMapOvr>
+  <p:timing>
+    <p:tnLst>
+      <p:par>
+        <p:cTn id="1" dur="indefinite" restart="never" nodeType="tmRoot"/>
+      </p:par>
+    </p:tnLst>
+  </p:timing>
+</p:sld>
+</file>
+
+<file path=ppt/slides/slide19.xml><?xml version="1.0" encoding="utf-8"?>
+<p:sld xmlns:a="http://schemas.openxmlformats.org/drawingml/2006/main" xmlns:r="http://schemas.openxmlformats.org/officeDocument/2006/relationships" xmlns:p="http://schemas.openxmlformats.org/presentationml/2006/main">
+  <p:cSld>
+    <p:spTree>
+      <p:nvGrpSpPr>
+        <p:cNvPr id="1" name=""/>
+        <p:cNvGrpSpPr/>
+        <p:nvPr/>
+      </p:nvGrpSpPr>
+      <p:grpSpPr>
+        <a:xfrm>
+          <a:off x="0" y="0"/>
+          <a:ext cx="0" cy="0"/>
+          <a:chOff x="0" y="0"/>
+          <a:chExt cx="0" cy="0"/>
+        </a:xfrm>
+      </p:grpSpPr>
+      <p:sp>
+        <p:nvSpPr>
+          <p:cNvPr id="182274" name="Text Box 2"/>
+          <p:cNvSpPr txBox="1">
+            <a:spLocks noChangeArrowheads="1"/>
+          </p:cNvSpPr>
+          <p:nvPr/>
+        </p:nvSpPr>
+        <p:spPr bwMode="auto">
+          <a:xfrm>
+            <a:off x="8675688" y="44450"/>
+            <a:ext cx="468312" cy="511175"/>
+          </a:xfrm>
+          <a:prstGeom prst="rect">
+            <a:avLst/>
+          </a:prstGeom>
+          <a:solidFill>
+            <a:schemeClr val="bg1"/>
+          </a:solidFill>
+          <a:ln w="9525">
+            <a:noFill/>
+            <a:miter lim="800000"/>
+            <a:headEnd/>
+            <a:tailEnd/>
+          </a:ln>
+          <a:effectLst/>
+        </p:spPr>
+        <p:txBody>
           <a:bodyPr/>
           <a:lstStyle/>
           <a:p>
+            <a:pPr algn="ctr">
+              <a:spcBef>
+                <a:spcPct val="50000"/>
+              </a:spcBef>
+            </a:pPr>
+            <a:endParaRPr lang="ru-RU" sz="2400" b="1" dirty="0">
+              <a:solidFill>
+                <a:schemeClr val="accent2"/>
+              </a:solidFill>
+            </a:endParaRPr>
+          </a:p>
+        </p:txBody>
+      </p:sp>
+      <p:pic>
+        <p:nvPicPr>
+          <p:cNvPr id="182275" name="Picture 3" descr="XAI"/>
+          <p:cNvPicPr>
+            <a:picLocks noChangeAspect="1" noChangeArrowheads="1"/>
+          </p:cNvPicPr>
+          <p:nvPr/>
+        </p:nvPicPr>
+        <p:blipFill>
+          <a:blip r:embed="rId3" cstate="print"/>
+          <a:srcRect/>
+          <a:stretch>
+            <a:fillRect/>
+          </a:stretch>
+        </p:blipFill>
+        <p:spPr bwMode="auto">
+          <a:xfrm>
+            <a:off x="0" y="30163"/>
+            <a:ext cx="863600" cy="519112"/>
+          </a:xfrm>
+          <a:prstGeom prst="rect">
+            <a:avLst/>
+          </a:prstGeom>
+          <a:noFill/>
+          <a:ln w="9525">
+            <a:noFill/>
+            <a:miter lim="800000"/>
+            <a:headEnd/>
+            <a:tailEnd/>
+          </a:ln>
+        </p:spPr>
+      </p:pic>
+      <p:sp>
+        <p:nvSpPr>
+          <p:cNvPr id="182276" name="Line 4"/>
+          <p:cNvSpPr>
+            <a:spLocks noChangeShapeType="1"/>
+          </p:cNvSpPr>
+          <p:nvPr/>
+        </p:nvSpPr>
+        <p:spPr bwMode="auto">
+          <a:xfrm>
+            <a:off x="74613" y="549275"/>
+            <a:ext cx="8997950" cy="0"/>
+          </a:xfrm>
+          <a:prstGeom prst="line">
+            <a:avLst/>
+          </a:prstGeom>
+          <a:noFill/>
+          <a:ln w="19050">
+            <a:solidFill>
+              <a:srgbClr val="333399"/>
+            </a:solidFill>
+            <a:round/>
+            <a:headEnd/>
+            <a:tailEnd/>
+          </a:ln>
+          <a:effectLst/>
+        </p:spPr>
+        <p:txBody>
+          <a:bodyPr/>
+          <a:lstStyle/>
+          <a:p>
+            <a:endParaRPr lang="ru-RU" dirty="0"/>
+          </a:p>
+        </p:txBody>
+      </p:sp>
+      <p:sp>
+        <p:nvSpPr>
+          <p:cNvPr id="182277" name="Text Box 5"/>
+          <p:cNvSpPr txBox="1">
+            <a:spLocks noChangeArrowheads="1"/>
+          </p:cNvSpPr>
+          <p:nvPr/>
+        </p:nvSpPr>
+        <p:spPr bwMode="auto">
+          <a:xfrm>
+            <a:off x="8532813" y="0"/>
+            <a:ext cx="611187" cy="511175"/>
+          </a:xfrm>
+          <a:prstGeom prst="rect">
+            <a:avLst/>
+          </a:prstGeom>
+          <a:solidFill>
+            <a:schemeClr val="bg1"/>
+          </a:solidFill>
+          <a:ln w="9525">
+            <a:noFill/>
+            <a:miter lim="800000"/>
+            <a:headEnd/>
+            <a:tailEnd/>
+          </a:ln>
+          <a:effectLst/>
+        </p:spPr>
+        <p:txBody>
+          <a:bodyPr/>
+          <a:lstStyle/>
+          <a:p>
+            <a:pPr algn="ctr">
+              <a:spcBef>
+                <a:spcPct val="50000"/>
+              </a:spcBef>
+            </a:pPr>
+            <a:r>
+              <a:rPr lang="uk-UA" sz="2000" b="1" dirty="0" smtClean="0">
+                <a:solidFill>
+                  <a:schemeClr val="accent2"/>
+                </a:solidFill>
+              </a:rPr>
+              <a:t>19</a:t>
+            </a:r>
+            <a:endParaRPr lang="ru-RU" sz="2000" b="1" dirty="0">
+              <a:solidFill>
+                <a:schemeClr val="accent2"/>
+              </a:solidFill>
+            </a:endParaRPr>
+          </a:p>
+        </p:txBody>
+      </p:sp>
+      <p:sp>
+        <p:nvSpPr>
+          <p:cNvPr id="182278" name="Rectangle 6"/>
+          <p:cNvSpPr>
+            <a:spLocks noChangeArrowheads="1"/>
+          </p:cNvSpPr>
+          <p:nvPr/>
+        </p:nvSpPr>
+        <p:spPr bwMode="auto">
+          <a:xfrm>
+            <a:off x="971550" y="130175"/>
+            <a:ext cx="7561263" cy="336550"/>
+          </a:xfrm>
+          <a:prstGeom prst="rect">
+            <a:avLst/>
+          </a:prstGeom>
+          <a:noFill/>
+          <a:ln w="9525">
+            <a:noFill/>
+            <a:miter lim="800000"/>
+            <a:headEnd/>
+            <a:tailEnd/>
+          </a:ln>
+          <a:effectLst/>
+        </p:spPr>
+        <p:txBody>
+          <a:bodyPr anchor="ctr">
+            <a:spAutoFit/>
+          </a:bodyPr>
+          <a:lstStyle/>
+          <a:p>
+            <a:pPr algn="ctr"/>
+            <a:r>
+              <a:rPr lang="ru-RU" sz="1600" b="1" dirty="0">
+                <a:solidFill>
+                  <a:schemeClr val="accent2"/>
+                </a:solidFill>
+              </a:rPr>
+              <a:t>Заключение</a:t>
+            </a:r>
+          </a:p>
+        </p:txBody>
+      </p:sp>
+      <p:sp>
+        <p:nvSpPr>
+          <p:cNvPr id="182279" name="Line 7"/>
+          <p:cNvSpPr>
+            <a:spLocks noChangeShapeType="1"/>
+          </p:cNvSpPr>
+          <p:nvPr/>
+        </p:nvSpPr>
+        <p:spPr bwMode="auto">
+          <a:xfrm>
+            <a:off x="74613" y="6561138"/>
+            <a:ext cx="8997950" cy="0"/>
+          </a:xfrm>
+          <a:prstGeom prst="line">
+            <a:avLst/>
+          </a:prstGeom>
+          <a:noFill/>
+          <a:ln w="19050">
+            <a:solidFill>
+              <a:srgbClr val="333399"/>
+            </a:solidFill>
+            <a:round/>
+            <a:headEnd/>
+            <a:tailEnd/>
+          </a:ln>
+          <a:effectLst/>
+        </p:spPr>
+        <p:txBody>
+          <a:bodyPr/>
+          <a:lstStyle/>
+          <a:p>
+            <a:endParaRPr lang="ru-RU" dirty="0"/>
+          </a:p>
+        </p:txBody>
+      </p:sp>
+      <p:sp>
+        <p:nvSpPr>
+          <p:cNvPr id="182281" name="Rectangle 9"/>
+          <p:cNvSpPr>
+            <a:spLocks noChangeArrowheads="1"/>
+          </p:cNvSpPr>
+          <p:nvPr/>
+        </p:nvSpPr>
+        <p:spPr bwMode="auto">
+          <a:xfrm>
+            <a:off x="179388" y="800100"/>
+            <a:ext cx="8748712" cy="1252538"/>
+          </a:xfrm>
+          <a:prstGeom prst="rect">
+            <a:avLst/>
+          </a:prstGeom>
+          <a:noFill/>
+          <a:ln w="9525">
+            <a:noFill/>
+            <a:miter lim="800000"/>
+            <a:headEnd/>
+            <a:tailEnd/>
+          </a:ln>
+          <a:effectLst/>
+        </p:spPr>
+        <p:txBody>
+          <a:bodyPr/>
+          <a:lstStyle/>
+          <a:p>
             <a:r>
               <a:rPr lang="ru-RU" sz="1400" u="sng" dirty="0"/>
-              <a:t>Публикации, участие в конкурсах, выступления на научно-технических конференциях:</a:t>
+              <a:t>Результаты работы, автором полученные самостоятельно:</a:t>
             </a:r>
             <a:endParaRPr lang="ru-RU" sz="1400" dirty="0"/>
           </a:p>
           <a:p>
             <a:r>
               <a:rPr lang="ru-RU" sz="1400" dirty="0"/>
-              <a:t>1)</a:t>
-            </a:r>
+              <a:t>1</a:t>
+            </a:r>
+            <a:r>
+              <a:rPr lang="ru-RU" sz="1400" dirty="0" smtClean="0"/>
+              <a:t>) Расчет принципиальной схемы.</a:t>
+            </a:r>
+            <a:endParaRPr lang="ru-RU" sz="1400" dirty="0"/>
           </a:p>
           <a:p>
             <a:r>
               <a:rPr lang="ru-RU" sz="1400" dirty="0"/>
-              <a:t>2)</a:t>
-            </a:r>
+              <a:t>2</a:t>
+            </a:r>
+            <a:r>
+              <a:rPr lang="ru-RU" sz="1400" dirty="0" smtClean="0"/>
+              <a:t>) Изготовление опытного образца.</a:t>
+            </a:r>
+            <a:endParaRPr lang="ru-RU" sz="1400" dirty="0"/>
           </a:p>
           <a:p>
             <a:r>
               <a:rPr lang="ru-RU" sz="1400" dirty="0"/>
               <a:t>3) </a:t>
             </a:r>
+            <a:r>
+              <a:rPr lang="ru-RU" sz="1400" dirty="0" smtClean="0"/>
+              <a:t>Разработано программное обеспечение.</a:t>
+            </a:r>
+          </a:p>
+          <a:p>
+            <a:r>
+              <a:rPr lang="ru-RU" sz="1400" dirty="0" smtClean="0"/>
+              <a:t>4) Проведена серия экспериментов.</a:t>
+            </a:r>
+            <a:endParaRPr lang="ru-RU" sz="1400" dirty="0"/>
+          </a:p>
+        </p:txBody>
+      </p:sp>
+      <p:sp>
+        <p:nvSpPr>
+          <p:cNvPr id="182283" name="Rectangle 11"/>
+          <p:cNvSpPr>
+            <a:spLocks noChangeArrowheads="1"/>
+          </p:cNvSpPr>
+          <p:nvPr/>
+        </p:nvSpPr>
+        <p:spPr bwMode="auto">
+          <a:xfrm>
+            <a:off x="179388" y="2492375"/>
+            <a:ext cx="8748712" cy="1252538"/>
+          </a:xfrm>
+          <a:prstGeom prst="rect">
+            <a:avLst/>
+          </a:prstGeom>
+          <a:noFill/>
+          <a:ln w="9525">
+            <a:noFill/>
+            <a:miter lim="800000"/>
+            <a:headEnd/>
+            <a:tailEnd/>
+          </a:ln>
+          <a:effectLst/>
+        </p:spPr>
+        <p:txBody>
+          <a:bodyPr/>
+          <a:lstStyle/>
+          <a:p>
+            <a:r>
+              <a:rPr lang="ru-RU" sz="1400" u="sng" dirty="0"/>
+              <a:t>Выводы, предложения по использованию результатов работы:</a:t>
+            </a:r>
+            <a:endParaRPr lang="ru-RU" sz="1400" dirty="0"/>
+          </a:p>
+          <a:p>
+            <a:r>
+              <a:rPr lang="ru-RU" sz="1400" dirty="0"/>
+              <a:t>1</a:t>
+            </a:r>
+            <a:r>
+              <a:rPr lang="ru-RU" sz="1400" dirty="0" smtClean="0"/>
+              <a:t>) Спроектированное устройство можно использовать как генератор НЧ сигналов для лабораторий.</a:t>
+            </a:r>
+            <a:endParaRPr lang="ru-RU" sz="1400" dirty="0"/>
+          </a:p>
+          <a:p>
+            <a:r>
+              <a:rPr lang="ru-RU" sz="1400" dirty="0"/>
+              <a:t>2</a:t>
+            </a:r>
+            <a:r>
+              <a:rPr lang="ru-RU" sz="1400" dirty="0" smtClean="0"/>
+              <a:t>) Спроектированное устройство можно использовать </a:t>
+            </a:r>
+            <a:r>
+              <a:rPr lang="ru-RU" sz="1400" dirty="0" smtClean="0"/>
+              <a:t>для измерения характеристик потребления нагрузок, подключенных к нему.</a:t>
+            </a:r>
+            <a:endParaRPr lang="ru-RU" sz="1400" dirty="0"/>
           </a:p>
         </p:txBody>
       </p:sp>
@@ -13832,7 +14764,7 @@
         </p:nvSpPr>
         <p:spPr bwMode="auto">
           <a:xfrm>
-            <a:off x="179388" y="706735"/>
+            <a:off x="197514" y="908720"/>
             <a:ext cx="8748712" cy="1384995"/>
           </a:xfrm>
           <a:prstGeom prst="rect">
@@ -13896,8 +14828,8 @@
         </p:nvSpPr>
         <p:spPr bwMode="auto">
           <a:xfrm>
-            <a:off x="179388" y="1919288"/>
-            <a:ext cx="8748712" cy="304800"/>
+            <a:off x="197514" y="2169150"/>
+            <a:ext cx="8748712" cy="2246769"/>
           </a:xfrm>
           <a:prstGeom prst="rect">
             <a:avLst/>
@@ -13919,52 +14851,60 @@
           <a:p>
             <a:r>
               <a:rPr lang="ru-RU" sz="1400" u="sng" dirty="0"/>
-              <a:t>Исходные данные:</a:t>
-            </a:r>
-            <a:r>
-              <a:rPr lang="ru-RU" sz="1400" dirty="0"/>
-              <a:t>   </a:t>
-            </a:r>
-          </a:p>
-        </p:txBody>
-      </p:sp>
-      <p:sp>
-        <p:nvSpPr>
-          <p:cNvPr id="143381" name="Rectangle 21"/>
-          <p:cNvSpPr>
-            <a:spLocks noChangeArrowheads="1"/>
-          </p:cNvSpPr>
-          <p:nvPr/>
-        </p:nvSpPr>
-        <p:spPr bwMode="auto">
-          <a:xfrm>
-            <a:off x="179388" y="4149725"/>
-            <a:ext cx="8748712" cy="1123950"/>
-          </a:xfrm>
-          <a:prstGeom prst="rect">
-            <a:avLst/>
-          </a:prstGeom>
-          <a:noFill/>
-          <a:ln w="9525">
-            <a:noFill/>
-            <a:miter lim="800000"/>
-            <a:headEnd/>
-            <a:tailEnd/>
-          </a:ln>
-          <a:effectLst/>
-        </p:spPr>
-        <p:txBody>
-          <a:bodyPr/>
-          <a:lstStyle/>
-          <a:p>
-            <a:r>
-              <a:rPr lang="ru-RU" sz="1400" u="sng" dirty="0"/>
-              <a:t>Основные научные труды (результаты) по теме работы:</a:t>
-            </a:r>
-            <a:r>
-              <a:rPr lang="ru-RU" sz="1400" dirty="0"/>
-              <a:t>   </a:t>
-            </a:r>
+              <a:t>Исходные данные</a:t>
+            </a:r>
+            <a:r>
+              <a:rPr lang="ru-RU" sz="1400" u="sng" dirty="0" smtClean="0"/>
+              <a:t>:</a:t>
+            </a:r>
+          </a:p>
+          <a:p>
+            <a:endParaRPr lang="en-US" sz="1400" u="sng" dirty="0" smtClean="0"/>
+          </a:p>
+          <a:p>
+            <a:r>
+              <a:rPr lang="ru-RU" sz="1400" dirty="0" smtClean="0"/>
+              <a:t>Напряжение питания генератора </a:t>
+            </a:r>
+            <a:r>
+              <a:rPr lang="en-US" sz="1400" dirty="0" smtClean="0"/>
+              <a:t>~ </a:t>
+            </a:r>
+            <a:r>
+              <a:rPr lang="ru-RU" sz="1400" dirty="0" smtClean="0"/>
+              <a:t>210В … 230В.</a:t>
+            </a:r>
+          </a:p>
+          <a:p>
+            <a:r>
+              <a:rPr lang="ru-RU" sz="1400" dirty="0" smtClean="0"/>
+              <a:t>Формы генерируемых сигналов: гармонический сигнал, прямоугольные импульсы, пилообразный сигнал, экспоненциальный сигнал, </a:t>
+            </a:r>
+            <a:r>
+              <a:rPr lang="ru-RU" sz="1400" dirty="0" smtClean="0"/>
+              <a:t>  шумоподобный сигнал с нормальным и равномерным распределением.</a:t>
+            </a:r>
+          </a:p>
+          <a:p>
+            <a:r>
+              <a:rPr lang="ru-RU" sz="1400" dirty="0" smtClean="0"/>
+              <a:t>Диапазон амплитуд генерированных сигналов – 0,1В … 5,0В.</a:t>
+            </a:r>
+          </a:p>
+          <a:p>
+            <a:r>
+              <a:rPr lang="ru-RU" sz="1400" dirty="0" smtClean="0"/>
+              <a:t>Диапазон частот генерированных сигналов – 0…10кГц.</a:t>
+            </a:r>
+          </a:p>
+          <a:p>
+            <a:r>
+              <a:rPr lang="ru-RU" sz="1400" dirty="0" smtClean="0"/>
+              <a:t>Дискретность установки амплитуды сигнала – 0,1В.</a:t>
+            </a:r>
+          </a:p>
+          <a:p>
+            <a:endParaRPr lang="ru-RU" sz="1400" dirty="0"/>
           </a:p>
         </p:txBody>
       </p:sp>
@@ -14149,7 +15089,15 @@
                   <a:schemeClr val="accent2"/>
                 </a:solidFill>
               </a:rPr>
-              <a:t>Введение</a:t>
+              <a:t>Аналоговые методы </a:t>
+            </a:r>
+            <a:r>
+              <a:rPr lang="ru-RU" sz="1600" b="1" dirty="0" smtClean="0">
+                <a:solidFill>
+                  <a:schemeClr val="accent2"/>
+                </a:solidFill>
+              </a:rPr>
+              <a:t>генерации гармонических сигналов</a:t>
             </a:r>
             <a:endParaRPr lang="ru-RU" sz="1600" b="1" dirty="0">
               <a:solidFill>
@@ -14230,14 +15178,19 @@
                 <a:spcPct val="50000"/>
               </a:spcBef>
             </a:pPr>
-            <a:r>
-              <a:rPr lang="uk-UA" sz="2000" b="1" dirty="0">
+            <a:fld id="{3C27CBF6-329C-490C-86C1-AA506F1F6939}" type="slidenum">
+              <a:rPr lang="uk-UA" sz="2000" b="1" smtClean="0">
                 <a:solidFill>
                   <a:schemeClr val="accent2"/>
                 </a:solidFill>
               </a:rPr>
+              <a:pPr algn="ctr">
+                <a:spcBef>
+                  <a:spcPct val="50000"/>
+                </a:spcBef>
+              </a:pPr>
               <a:t>3</a:t>
-            </a:r>
+            </a:fld>
             <a:endParaRPr lang="ru-RU" sz="2000" b="1" dirty="0">
               <a:solidFill>
                 <a:schemeClr val="accent2"/>
@@ -14248,7 +15201,7 @@
       </p:sp>
       <p:pic>
         <p:nvPicPr>
-          <p:cNvPr id="151567" name="Picture 15" descr="Z:\diploma\images\atten-atf20b-signal-generator11111.jpg"/>
+          <p:cNvPr id="184322" name="Picture 2" descr="Z:\diploma\images\RC.GIF"/>
           <p:cNvPicPr>
             <a:picLocks noChangeAspect="1" noChangeArrowheads="1"/>
           </p:cNvPicPr>
@@ -14263,8 +15216,8 @@
         </p:blipFill>
         <p:spPr bwMode="auto">
           <a:xfrm>
-            <a:off x="179512" y="1160748"/>
-            <a:ext cx="1943708" cy="975093"/>
+            <a:off x="367733" y="3403936"/>
+            <a:ext cx="2268252" cy="2390388"/>
           </a:xfrm>
           <a:prstGeom prst="rect">
             <a:avLst/>
@@ -14272,190 +15225,10 @@
           <a:noFill/>
         </p:spPr>
       </p:pic>
-      <p:sp>
-        <p:nvSpPr>
-          <p:cNvPr id="15" name="Стрелка вправо 14"/>
-          <p:cNvSpPr/>
-          <p:nvPr/>
-        </p:nvSpPr>
-        <p:spPr>
-          <a:xfrm>
-            <a:off x="2231740" y="1808820"/>
-            <a:ext cx="684076" cy="504056"/>
-          </a:xfrm>
-          <a:prstGeom prst="rightArrow">
-            <a:avLst/>
-          </a:prstGeom>
-        </p:spPr>
-        <p:style>
-          <a:lnRef idx="2">
-            <a:schemeClr val="accent1">
-              <a:shade val="50000"/>
-            </a:schemeClr>
-          </a:lnRef>
-          <a:fillRef idx="1">
-            <a:schemeClr val="accent1"/>
-          </a:fillRef>
-          <a:effectRef idx="0">
-            <a:schemeClr val="accent1"/>
-          </a:effectRef>
-          <a:fontRef idx="minor">
-            <a:schemeClr val="lt1"/>
-          </a:fontRef>
-        </p:style>
-        <p:txBody>
-          <a:bodyPr rtlCol="0" anchor="ctr"/>
-          <a:lstStyle/>
-          <a:p>
-            <a:pPr algn="ctr"/>
-            <a:endParaRPr lang="ru-RU" dirty="0"/>
-          </a:p>
-        </p:txBody>
-      </p:sp>
-      <p:sp>
-        <p:nvSpPr>
-          <p:cNvPr id="16" name="Стрелка углом вверх 15"/>
-          <p:cNvSpPr/>
-          <p:nvPr/>
-        </p:nvSpPr>
-        <p:spPr>
-          <a:xfrm rot="5400000">
-            <a:off x="3768024" y="4086021"/>
-            <a:ext cx="1260140" cy="936104"/>
-          </a:xfrm>
-          <a:prstGeom prst="bentUpArrow">
-            <a:avLst/>
-          </a:prstGeom>
-        </p:spPr>
-        <p:style>
-          <a:lnRef idx="2">
-            <a:schemeClr val="accent1">
-              <a:shade val="50000"/>
-            </a:schemeClr>
-          </a:lnRef>
-          <a:fillRef idx="1">
-            <a:schemeClr val="accent1"/>
-          </a:fillRef>
-          <a:effectRef idx="0">
-            <a:schemeClr val="accent1"/>
-          </a:effectRef>
-          <a:fontRef idx="minor">
-            <a:schemeClr val="lt1"/>
-          </a:fontRef>
-        </p:style>
-        <p:txBody>
-          <a:bodyPr rtlCol="0" anchor="ctr"/>
-          <a:lstStyle/>
-          <a:p>
-            <a:pPr algn="ctr"/>
-            <a:endParaRPr lang="ru-RU" dirty="0"/>
-          </a:p>
-        </p:txBody>
-      </p:sp>
-      <p:sp>
-        <p:nvSpPr>
-          <p:cNvPr id="17" name="TextBox 16"/>
-          <p:cNvSpPr txBox="1"/>
-          <p:nvPr/>
-        </p:nvSpPr>
-        <p:spPr>
-          <a:xfrm>
-            <a:off x="0" y="2240868"/>
-            <a:ext cx="2239074" cy="646331"/>
-          </a:xfrm>
-          <a:prstGeom prst="rect">
-            <a:avLst/>
-          </a:prstGeom>
-          <a:noFill/>
-        </p:spPr>
-        <p:txBody>
-          <a:bodyPr wrap="none" rtlCol="0">
-            <a:spAutoFit/>
-          </a:bodyPr>
-          <a:lstStyle/>
-          <a:p>
-            <a:pPr algn="ctr"/>
-            <a:r>
-              <a:rPr lang="ru-RU" dirty="0" smtClean="0"/>
-              <a:t>Генератор простых</a:t>
-            </a:r>
-          </a:p>
-          <a:p>
-            <a:pPr algn="ctr"/>
-            <a:r>
-              <a:rPr lang="ru-RU" dirty="0" smtClean="0"/>
-              <a:t> сигналов</a:t>
-            </a:r>
-            <a:endParaRPr lang="ru-RU" dirty="0"/>
-          </a:p>
-        </p:txBody>
-      </p:sp>
-      <p:sp>
-        <p:nvSpPr>
-          <p:cNvPr id="18" name="Прямоугольник 17"/>
-          <p:cNvSpPr/>
-          <p:nvPr/>
-        </p:nvSpPr>
-        <p:spPr>
-          <a:xfrm>
-            <a:off x="2411760" y="800708"/>
-            <a:ext cx="3996444" cy="369332"/>
-          </a:xfrm>
-          <a:prstGeom prst="rect">
-            <a:avLst/>
-          </a:prstGeom>
-        </p:spPr>
-        <p:txBody>
-          <a:bodyPr wrap="square">
-            <a:spAutoFit/>
-          </a:bodyPr>
-          <a:lstStyle/>
-          <a:p>
-            <a:pPr algn="ctr"/>
-            <a:r>
-              <a:rPr lang="ru-RU" dirty="0" smtClean="0"/>
-              <a:t>Моделирование сложных сигналов</a:t>
-            </a:r>
-            <a:endParaRPr lang="ru-RU" dirty="0"/>
-          </a:p>
-        </p:txBody>
-      </p:sp>
-      <p:sp>
-        <p:nvSpPr>
-          <p:cNvPr id="19" name="Прямоугольник 18"/>
-          <p:cNvSpPr/>
-          <p:nvPr/>
-        </p:nvSpPr>
-        <p:spPr>
-          <a:xfrm>
-            <a:off x="6060544" y="6093296"/>
-            <a:ext cx="2700300" cy="369332"/>
-          </a:xfrm>
-          <a:prstGeom prst="rect">
-            <a:avLst/>
-          </a:prstGeom>
-        </p:spPr>
-        <p:txBody>
-          <a:bodyPr wrap="square">
-            <a:spAutoFit/>
-          </a:bodyPr>
-          <a:lstStyle/>
-          <a:p>
-            <a:pPr algn="ctr"/>
-            <a:r>
-              <a:rPr lang="ru-RU" dirty="0" smtClean="0"/>
-              <a:t>Загоризонтальная РЛС</a:t>
-            </a:r>
-            <a:endParaRPr lang="ru-RU" dirty="0"/>
-          </a:p>
-        </p:txBody>
-      </p:sp>
       <p:pic>
         <p:nvPicPr>
-          <p:cNvPr id="151571" name="Picture 19" descr="Z:\diploma\images\кды.jpeg"/>
-          <p:cNvPicPr>
-            <a:picLocks noChangeAspect="1" noChangeArrowheads="1"/>
-          </p:cNvPicPr>
+          <p:cNvPr id="20" name="Рисунок 19"/>
+          <p:cNvPicPr/>
           <p:nvPr/>
         </p:nvPicPr>
         <p:blipFill>
@@ -14467,18 +15240,24 @@
         </p:blipFill>
         <p:spPr bwMode="auto">
           <a:xfrm>
-            <a:off x="5832140" y="3950908"/>
-            <a:ext cx="3157109" cy="2106384"/>
+            <a:off x="3662228" y="3374994"/>
+            <a:ext cx="1764196" cy="2448272"/>
           </a:xfrm>
           <a:prstGeom prst="rect">
             <a:avLst/>
           </a:prstGeom>
           <a:noFill/>
+          <a:ln w="9525">
+            <a:noFill/>
+            <a:miter lim="800000"/>
+            <a:headEnd/>
+            <a:tailEnd/>
+          </a:ln>
         </p:spPr>
       </p:pic>
       <p:pic>
         <p:nvPicPr>
-          <p:cNvPr id="151573" name="Picture 21"/>
+          <p:cNvPr id="184323" name="Picture 3"/>
           <p:cNvPicPr>
             <a:picLocks noChangeAspect="1" noChangeArrowheads="1"/>
           </p:cNvPicPr>
@@ -14493,8 +15272,8 @@
         </p:blipFill>
         <p:spPr bwMode="auto">
           <a:xfrm>
-            <a:off x="3059832" y="1232756"/>
-            <a:ext cx="2676525" cy="2524125"/>
+            <a:off x="6588224" y="3501008"/>
+            <a:ext cx="1844359" cy="2196244"/>
           </a:xfrm>
           <a:prstGeom prst="rect">
             <a:avLst/>
@@ -14508,6 +15287,178 @@
           </a:ln>
         </p:spPr>
       </p:pic>
+      <p:pic>
+        <p:nvPicPr>
+          <p:cNvPr id="184324" name="Picture 4"/>
+          <p:cNvPicPr>
+            <a:picLocks noChangeAspect="1" noChangeArrowheads="1"/>
+          </p:cNvPicPr>
+          <p:nvPr/>
+        </p:nvPicPr>
+        <p:blipFill>
+          <a:blip r:embed="rId7" cstate="print"/>
+          <a:srcRect/>
+          <a:stretch>
+            <a:fillRect/>
+          </a:stretch>
+        </p:blipFill>
+        <p:spPr bwMode="auto">
+          <a:xfrm>
+            <a:off x="2375756" y="620688"/>
+            <a:ext cx="4248733" cy="2255894"/>
+          </a:xfrm>
+          <a:prstGeom prst="rect">
+            <a:avLst/>
+          </a:prstGeom>
+          <a:noFill/>
+          <a:ln w="9525">
+            <a:noFill/>
+            <a:miter lim="800000"/>
+            <a:headEnd/>
+            <a:tailEnd/>
+          </a:ln>
+        </p:spPr>
+      </p:pic>
+      <p:sp>
+        <p:nvSpPr>
+          <p:cNvPr id="24" name="TextBox 23"/>
+          <p:cNvSpPr txBox="1"/>
+          <p:nvPr/>
+        </p:nvSpPr>
+        <p:spPr>
+          <a:xfrm>
+            <a:off x="672882" y="5910953"/>
+            <a:ext cx="1657954" cy="369332"/>
+          </a:xfrm>
+          <a:prstGeom prst="rect">
+            <a:avLst/>
+          </a:prstGeom>
+          <a:noFill/>
+        </p:spPr>
+        <p:txBody>
+          <a:bodyPr wrap="none" rtlCol="0">
+            <a:spAutoFit/>
+          </a:bodyPr>
+          <a:lstStyle/>
+          <a:p>
+            <a:pPr algn="ctr"/>
+            <a:r>
+              <a:rPr lang="en-US" dirty="0" smtClean="0"/>
+              <a:t>RC</a:t>
+            </a:r>
+            <a:r>
+              <a:rPr lang="uk-UA" dirty="0" smtClean="0"/>
+              <a:t> </a:t>
+            </a:r>
+            <a:r>
+              <a:rPr lang="ru-RU" dirty="0" smtClean="0"/>
+              <a:t>генератор</a:t>
+            </a:r>
+            <a:endParaRPr lang="ru-RU" dirty="0"/>
+          </a:p>
+        </p:txBody>
+      </p:sp>
+      <p:sp>
+        <p:nvSpPr>
+          <p:cNvPr id="25" name="TextBox 24"/>
+          <p:cNvSpPr txBox="1"/>
+          <p:nvPr/>
+        </p:nvSpPr>
+        <p:spPr>
+          <a:xfrm>
+            <a:off x="3715349" y="5910953"/>
+            <a:ext cx="1657954" cy="369332"/>
+          </a:xfrm>
+          <a:prstGeom prst="rect">
+            <a:avLst/>
+          </a:prstGeom>
+          <a:noFill/>
+        </p:spPr>
+        <p:txBody>
+          <a:bodyPr wrap="none" rtlCol="0">
+            <a:spAutoFit/>
+          </a:bodyPr>
+          <a:lstStyle/>
+          <a:p>
+            <a:pPr algn="ctr"/>
+            <a:r>
+              <a:rPr lang="en-US" dirty="0" smtClean="0"/>
+              <a:t>LC</a:t>
+            </a:r>
+            <a:r>
+              <a:rPr lang="uk-UA" dirty="0" smtClean="0"/>
+              <a:t> </a:t>
+            </a:r>
+            <a:r>
+              <a:rPr lang="ru-RU" dirty="0" smtClean="0"/>
+              <a:t>генератор</a:t>
+            </a:r>
+            <a:endParaRPr lang="ru-RU" dirty="0"/>
+          </a:p>
+        </p:txBody>
+      </p:sp>
+      <p:sp>
+        <p:nvSpPr>
+          <p:cNvPr id="26" name="TextBox 25"/>
+          <p:cNvSpPr txBox="1"/>
+          <p:nvPr/>
+        </p:nvSpPr>
+        <p:spPr>
+          <a:xfrm>
+            <a:off x="6254386" y="5910953"/>
+            <a:ext cx="2512034" cy="369332"/>
+          </a:xfrm>
+          <a:prstGeom prst="rect">
+            <a:avLst/>
+          </a:prstGeom>
+          <a:noFill/>
+        </p:spPr>
+        <p:txBody>
+          <a:bodyPr wrap="none" rtlCol="0">
+            <a:spAutoFit/>
+          </a:bodyPr>
+          <a:lstStyle/>
+          <a:p>
+            <a:pPr algn="ctr"/>
+            <a:r>
+              <a:rPr lang="ru-RU" dirty="0" smtClean="0"/>
+              <a:t>Кварцевый генератор</a:t>
+            </a:r>
+            <a:endParaRPr lang="ru-RU" dirty="0"/>
+          </a:p>
+        </p:txBody>
+      </p:sp>
+      <p:sp>
+        <p:nvSpPr>
+          <p:cNvPr id="27" name="TextBox 26"/>
+          <p:cNvSpPr txBox="1"/>
+          <p:nvPr/>
+        </p:nvSpPr>
+        <p:spPr>
+          <a:xfrm>
+            <a:off x="2506852" y="2780928"/>
+            <a:ext cx="3986541" cy="369332"/>
+          </a:xfrm>
+          <a:prstGeom prst="rect">
+            <a:avLst/>
+          </a:prstGeom>
+          <a:noFill/>
+        </p:spPr>
+        <p:txBody>
+          <a:bodyPr wrap="none" rtlCol="0">
+            <a:spAutoFit/>
+          </a:bodyPr>
+          <a:lstStyle/>
+          <a:p>
+            <a:pPr algn="ctr"/>
+            <a:r>
+              <a:rPr lang="ru-RU" dirty="0" smtClean="0"/>
+              <a:t>Структурная схема автогенератора</a:t>
+            </a:r>
+            <a:endParaRPr lang="ru-RU" dirty="0"/>
+          </a:p>
+        </p:txBody>
+      </p:sp>
     </p:spTree>
   </p:cSld>
   <p:clrMapOvr>
@@ -14689,7 +15640,7 @@
                   <a:schemeClr val="accent2"/>
                 </a:solidFill>
               </a:rPr>
-              <a:t>Аналоговые методы генерации</a:t>
+              <a:t>Цифровые методы генерации</a:t>
             </a:r>
             <a:endParaRPr lang="ru-RU" sz="1600" b="1" dirty="0">
               <a:solidFill>
@@ -14770,19 +15721,14 @@
                 <a:spcPct val="50000"/>
               </a:spcBef>
             </a:pPr>
-            <a:fld id="{3C27CBF6-329C-490C-86C1-AA506F1F6939}" type="slidenum">
-              <a:rPr lang="uk-UA" sz="2000" b="1" smtClean="0">
+            <a:r>
+              <a:rPr lang="uk-UA" sz="2000" b="1" dirty="0" smtClean="0">
                 <a:solidFill>
                   <a:schemeClr val="accent2"/>
                 </a:solidFill>
               </a:rPr>
-              <a:pPr algn="ctr">
-                <a:spcBef>
-                  <a:spcPct val="50000"/>
-                </a:spcBef>
-              </a:pPr>
               <a:t>4</a:t>
-            </a:fld>
+            </a:r>
             <a:endParaRPr lang="ru-RU" sz="2000" b="1" dirty="0">
               <a:solidFill>
                 <a:schemeClr val="accent2"/>
@@ -14793,7 +15739,7 @@
       </p:sp>
       <p:pic>
         <p:nvPicPr>
-          <p:cNvPr id="184322" name="Picture 2" descr="Z:\diploma\images\RC.GIF"/>
+          <p:cNvPr id="185346" name="Picture 2"/>
           <p:cNvPicPr>
             <a:picLocks noChangeAspect="1" noChangeArrowheads="1"/>
           </p:cNvPicPr>
@@ -14808,19 +15754,57 @@
         </p:blipFill>
         <p:spPr bwMode="auto">
           <a:xfrm>
-            <a:off x="611561" y="685634"/>
-            <a:ext cx="2268252" cy="2390388"/>
+            <a:off x="1840459" y="764704"/>
+            <a:ext cx="5849330" cy="1711670"/>
           </a:xfrm>
           <a:prstGeom prst="rect">
             <a:avLst/>
           </a:prstGeom>
           <a:noFill/>
+          <a:ln w="9525">
+            <a:noFill/>
+            <a:miter lim="800000"/>
+            <a:headEnd/>
+            <a:tailEnd/>
+          </a:ln>
         </p:spPr>
       </p:pic>
+      <p:sp>
+        <p:nvSpPr>
+          <p:cNvPr id="18" name="TextBox 17"/>
+          <p:cNvSpPr txBox="1"/>
+          <p:nvPr/>
+        </p:nvSpPr>
+        <p:spPr>
+          <a:xfrm>
+            <a:off x="2724758" y="2564904"/>
+            <a:ext cx="4080732" cy="369332"/>
+          </a:xfrm>
+          <a:prstGeom prst="rect">
+            <a:avLst/>
+          </a:prstGeom>
+          <a:noFill/>
+        </p:spPr>
+        <p:txBody>
+          <a:bodyPr wrap="none" rtlCol="0">
+            <a:spAutoFit/>
+          </a:bodyPr>
+          <a:lstStyle/>
+          <a:p>
+            <a:pPr algn="ctr"/>
+            <a:r>
+              <a:rPr lang="ru-RU" dirty="0"/>
+              <a:t>Генератор на основе синтеза частот</a:t>
+            </a:r>
+          </a:p>
+        </p:txBody>
+      </p:sp>
       <p:pic>
         <p:nvPicPr>
-          <p:cNvPr id="20" name="Рисунок 19"/>
-          <p:cNvPicPr/>
+          <p:cNvPr id="185347" name="Picture 3"/>
+          <p:cNvPicPr>
+            <a:picLocks noChangeAspect="1" noChangeArrowheads="1"/>
+          </p:cNvPicPr>
           <p:nvPr/>
         </p:nvPicPr>
         <p:blipFill>
@@ -14832,8 +15816,8 @@
         </p:blipFill>
         <p:spPr bwMode="auto">
           <a:xfrm>
-            <a:off x="3906056" y="656692"/>
-            <a:ext cx="1764196" cy="2448272"/>
+            <a:off x="1627964" y="3212976"/>
+            <a:ext cx="6274321" cy="2211483"/>
           </a:xfrm>
           <a:prstGeom prst="rect">
             <a:avLst/>
@@ -14847,80 +15831,16 @@
           </a:ln>
         </p:spPr>
       </p:pic>
-      <p:pic>
-        <p:nvPicPr>
-          <p:cNvPr id="184323" name="Picture 3"/>
-          <p:cNvPicPr>
-            <a:picLocks noChangeAspect="1" noChangeArrowheads="1"/>
-          </p:cNvPicPr>
-          <p:nvPr/>
-        </p:nvPicPr>
-        <p:blipFill>
-          <a:blip r:embed="rId6" cstate="print"/>
-          <a:srcRect/>
-          <a:stretch>
-            <a:fillRect/>
-          </a:stretch>
-        </p:blipFill>
-        <p:spPr bwMode="auto">
-          <a:xfrm>
-            <a:off x="6832052" y="782706"/>
-            <a:ext cx="1844359" cy="2196244"/>
-          </a:xfrm>
-          <a:prstGeom prst="rect">
-            <a:avLst/>
-          </a:prstGeom>
-          <a:noFill/>
-          <a:ln w="9525">
-            <a:noFill/>
-            <a:miter lim="800000"/>
-            <a:headEnd/>
-            <a:tailEnd/>
-          </a:ln>
-        </p:spPr>
-      </p:pic>
-      <p:pic>
-        <p:nvPicPr>
-          <p:cNvPr id="184324" name="Picture 4"/>
-          <p:cNvPicPr>
-            <a:picLocks noChangeAspect="1" noChangeArrowheads="1"/>
-          </p:cNvPicPr>
-          <p:nvPr/>
-        </p:nvPicPr>
-        <p:blipFill>
-          <a:blip r:embed="rId7" cstate="print"/>
-          <a:srcRect/>
-          <a:stretch>
-            <a:fillRect/>
-          </a:stretch>
-        </p:blipFill>
-        <p:spPr bwMode="auto">
-          <a:xfrm>
-            <a:off x="2663788" y="3645024"/>
-            <a:ext cx="4248733" cy="2255894"/>
-          </a:xfrm>
-          <a:prstGeom prst="rect">
-            <a:avLst/>
-          </a:prstGeom>
-          <a:noFill/>
-          <a:ln w="9525">
-            <a:noFill/>
-            <a:miter lim="800000"/>
-            <a:headEnd/>
-            <a:tailEnd/>
-          </a:ln>
-        </p:spPr>
-      </p:pic>
-      <p:sp>
-        <p:nvSpPr>
-          <p:cNvPr id="24" name="TextBox 23"/>
+      <p:sp>
+        <p:nvSpPr>
+          <p:cNvPr id="21" name="TextBox 20"/>
           <p:cNvSpPr txBox="1"/>
           <p:nvPr/>
         </p:nvSpPr>
         <p:spPr>
           <a:xfrm>
-            <a:off x="916710" y="3192651"/>
-            <a:ext cx="1657954" cy="369332"/>
+            <a:off x="1671394" y="5517232"/>
+            <a:ext cx="6187463" cy="369332"/>
           </a:xfrm>
           <a:prstGeom prst="rect">
             <a:avLst/>
@@ -14935,117 +15855,20 @@
           <a:p>
             <a:pPr algn="ctr"/>
             <a:r>
+              <a:rPr lang="ru-RU" dirty="0"/>
+              <a:t>Генератор на основе прямого цифрового </a:t>
+            </a:r>
+            <a:r>
+              <a:rPr lang="ru-RU" dirty="0" smtClean="0"/>
+              <a:t>синтеза (</a:t>
+            </a:r>
+            <a:r>
               <a:rPr lang="en-US" dirty="0" smtClean="0"/>
-              <a:t>RC</a:t>
-            </a:r>
-            <a:r>
-              <a:rPr lang="uk-UA" dirty="0" smtClean="0"/>
-              <a:t> </a:t>
+              <a:t>DDS</a:t>
             </a:r>
             <a:r>
               <a:rPr lang="ru-RU" dirty="0" smtClean="0"/>
-              <a:t>генератор</a:t>
-            </a:r>
-            <a:endParaRPr lang="ru-RU" dirty="0"/>
-          </a:p>
-        </p:txBody>
-      </p:sp>
-      <p:sp>
-        <p:nvSpPr>
-          <p:cNvPr id="25" name="TextBox 24"/>
-          <p:cNvSpPr txBox="1"/>
-          <p:nvPr/>
-        </p:nvSpPr>
-        <p:spPr>
-          <a:xfrm>
-            <a:off x="3959177" y="3192651"/>
-            <a:ext cx="1657954" cy="369332"/>
-          </a:xfrm>
-          <a:prstGeom prst="rect">
-            <a:avLst/>
-          </a:prstGeom>
-          <a:noFill/>
-        </p:spPr>
-        <p:txBody>
-          <a:bodyPr wrap="none" rtlCol="0">
-            <a:spAutoFit/>
-          </a:bodyPr>
-          <a:lstStyle/>
-          <a:p>
-            <a:pPr algn="ctr"/>
-            <a:r>
-              <a:rPr lang="en-US" dirty="0" smtClean="0"/>
-              <a:t>LC</a:t>
-            </a:r>
-            <a:r>
-              <a:rPr lang="uk-UA" dirty="0" smtClean="0"/>
-              <a:t> </a:t>
-            </a:r>
-            <a:r>
-              <a:rPr lang="ru-RU" dirty="0" smtClean="0"/>
-              <a:t>генератор</a:t>
-            </a:r>
-            <a:endParaRPr lang="ru-RU" dirty="0"/>
-          </a:p>
-        </p:txBody>
-      </p:sp>
-      <p:sp>
-        <p:nvSpPr>
-          <p:cNvPr id="26" name="TextBox 25"/>
-          <p:cNvSpPr txBox="1"/>
-          <p:nvPr/>
-        </p:nvSpPr>
-        <p:spPr>
-          <a:xfrm>
-            <a:off x="6498214" y="3192651"/>
-            <a:ext cx="2512034" cy="369332"/>
-          </a:xfrm>
-          <a:prstGeom prst="rect">
-            <a:avLst/>
-          </a:prstGeom>
-          <a:noFill/>
-        </p:spPr>
-        <p:txBody>
-          <a:bodyPr wrap="none" rtlCol="0">
-            <a:spAutoFit/>
-          </a:bodyPr>
-          <a:lstStyle/>
-          <a:p>
-            <a:pPr algn="ctr"/>
-            <a:r>
-              <a:rPr lang="ru-RU" dirty="0" smtClean="0"/>
-              <a:t>Кварцевый генератор</a:t>
-            </a:r>
-            <a:endParaRPr lang="ru-RU" dirty="0"/>
-          </a:p>
-        </p:txBody>
-      </p:sp>
-      <p:sp>
-        <p:nvSpPr>
-          <p:cNvPr id="27" name="TextBox 26"/>
-          <p:cNvSpPr txBox="1"/>
-          <p:nvPr/>
-        </p:nvSpPr>
-        <p:spPr>
-          <a:xfrm>
-            <a:off x="2794884" y="5949280"/>
-            <a:ext cx="3986541" cy="369332"/>
-          </a:xfrm>
-          <a:prstGeom prst="rect">
-            <a:avLst/>
-          </a:prstGeom>
-          <a:noFill/>
-        </p:spPr>
-        <p:txBody>
-          <a:bodyPr wrap="none" rtlCol="0">
-            <a:spAutoFit/>
-          </a:bodyPr>
-          <a:lstStyle/>
-          <a:p>
-            <a:pPr algn="ctr"/>
-            <a:r>
-              <a:rPr lang="ru-RU" dirty="0" smtClean="0"/>
-              <a:t>Структурная схема автогенератора</a:t>
+              <a:t>)</a:t>
             </a:r>
             <a:endParaRPr lang="ru-RU" dirty="0"/>
           </a:p>
@@ -15232,7 +16055,7 @@
                   <a:schemeClr val="accent2"/>
                 </a:solidFill>
               </a:rPr>
-              <a:t>Цифровые методы генерации</a:t>
+              <a:t>Аналоговые и цифровые генераторы шума</a:t>
             </a:r>
             <a:endParaRPr lang="ru-RU" sz="1600" b="1" dirty="0">
               <a:solidFill>
@@ -15331,7 +16154,7 @@
       </p:sp>
       <p:pic>
         <p:nvPicPr>
-          <p:cNvPr id="185346" name="Picture 2"/>
+          <p:cNvPr id="186370" name="Picture 2"/>
           <p:cNvPicPr>
             <a:picLocks noChangeAspect="1" noChangeArrowheads="1"/>
           </p:cNvPicPr>
@@ -15346,8 +16169,8 @@
         </p:blipFill>
         <p:spPr bwMode="auto">
           <a:xfrm>
-            <a:off x="1840459" y="764704"/>
-            <a:ext cx="5849330" cy="1711670"/>
+            <a:off x="1854498" y="3527720"/>
+            <a:ext cx="5447005" cy="1656184"/>
           </a:xfrm>
           <a:prstGeom prst="rect">
             <a:avLst/>
@@ -15363,14 +16186,14 @@
       </p:pic>
       <p:sp>
         <p:nvSpPr>
-          <p:cNvPr id="18" name="TextBox 17"/>
+          <p:cNvPr id="14" name="TextBox 13"/>
           <p:cNvSpPr txBox="1"/>
           <p:nvPr/>
         </p:nvSpPr>
         <p:spPr>
           <a:xfrm>
-            <a:off x="2724758" y="2564904"/>
-            <a:ext cx="4080732" cy="369332"/>
+            <a:off x="1638766" y="2420888"/>
+            <a:ext cx="5878469" cy="646331"/>
           </a:xfrm>
           <a:prstGeom prst="rect">
             <a:avLst/>
@@ -15385,15 +16208,23 @@
           <a:p>
             <a:pPr algn="ctr"/>
             <a:r>
-              <a:rPr lang="ru-RU" dirty="0"/>
-              <a:t>Генератор на основе синтеза частот</a:t>
-            </a:r>
+              <a:rPr lang="ru-RU" dirty="0" smtClean="0"/>
+              <a:t>Структурная схема аналогового генератора шума:</a:t>
+            </a:r>
+          </a:p>
+          <a:p>
+            <a:pPr algn="ctr"/>
+            <a:r>
+              <a:rPr lang="ru-RU" dirty="0" smtClean="0"/>
+              <a:t>ИШ – источник шума, У – усилитель, Ат - аттенюатор</a:t>
+            </a:r>
+            <a:endParaRPr lang="ru-RU" dirty="0"/>
           </a:p>
         </p:txBody>
       </p:sp>
       <p:pic>
         <p:nvPicPr>
-          <p:cNvPr id="185347" name="Picture 3"/>
+          <p:cNvPr id="186371" name="Picture 3"/>
           <p:cNvPicPr>
             <a:picLocks noChangeAspect="1" noChangeArrowheads="1"/>
           </p:cNvPicPr>
@@ -15408,8 +16239,8 @@
         </p:blipFill>
         <p:spPr bwMode="auto">
           <a:xfrm>
-            <a:off x="1627964" y="3212976"/>
-            <a:ext cx="6274321" cy="2211483"/>
+            <a:off x="1595669" y="1052736"/>
+            <a:ext cx="5964663" cy="1080120"/>
           </a:xfrm>
           <a:prstGeom prst="rect">
             <a:avLst/>
@@ -15425,14 +16256,14 @@
       </p:pic>
       <p:sp>
         <p:nvSpPr>
-          <p:cNvPr id="21" name="TextBox 20"/>
+          <p:cNvPr id="16" name="TextBox 15"/>
           <p:cNvSpPr txBox="1"/>
           <p:nvPr/>
         </p:nvSpPr>
         <p:spPr>
           <a:xfrm>
-            <a:off x="2024053" y="5517232"/>
-            <a:ext cx="5482142" cy="369332"/>
+            <a:off x="1885500" y="5399928"/>
+            <a:ext cx="5385000" cy="369332"/>
           </a:xfrm>
           <a:prstGeom prst="rect">
             <a:avLst/>
@@ -15445,11 +16276,11 @@
           </a:bodyPr>
           <a:lstStyle/>
           <a:p>
-            <a:pPr algn="ctr"/>
-            <a:r>
-              <a:rPr lang="ru-RU" dirty="0"/>
-              <a:t>Генератор на основе прямого цифрового синтеза</a:t>
-            </a:r>
+            <a:r>
+              <a:rPr lang="ru-RU" dirty="0" smtClean="0"/>
+              <a:t>Структурная схема цифрового генератора шума</a:t>
+            </a:r>
+            <a:endParaRPr lang="ru-RU" dirty="0"/>
           </a:p>
         </p:txBody>
       </p:sp>
@@ -15538,7 +16369,7 @@
           <p:nvPr/>
         </p:nvPicPr>
         <p:blipFill>
-          <a:blip r:embed="rId3" cstate="print"/>
+          <a:blip r:embed="rId4" cstate="print"/>
           <a:srcRect/>
           <a:stretch>
             <a:fillRect/>
@@ -15634,7 +16465,15 @@
                   <a:schemeClr val="accent2"/>
                 </a:solidFill>
               </a:rPr>
-              <a:t>Аналоговые и цифровые генераторы шума</a:t>
+              <a:t>Структурная схема </a:t>
+            </a:r>
+            <a:r>
+              <a:rPr lang="ru-RU" sz="1600" b="1" dirty="0" smtClean="0">
+                <a:solidFill>
+                  <a:schemeClr val="accent2"/>
+                </a:solidFill>
+              </a:rPr>
+              <a:t>многофункционального генератора</a:t>
             </a:r>
             <a:endParaRPr lang="ru-RU" sz="1600" b="1" dirty="0">
               <a:solidFill>
@@ -15731,48 +16570,168 @@
           </a:p>
         </p:txBody>
       </p:sp>
-      <p:pic>
-        <p:nvPicPr>
-          <p:cNvPr id="186370" name="Picture 2"/>
-          <p:cNvPicPr>
-            <a:picLocks noChangeAspect="1" noChangeArrowheads="1"/>
-          </p:cNvPicPr>
-          <p:nvPr/>
-        </p:nvPicPr>
-        <p:blipFill>
-          <a:blip r:embed="rId4" cstate="print"/>
-          <a:srcRect/>
-          <a:stretch>
-            <a:fillRect/>
-          </a:stretch>
-        </p:blipFill>
+      <p:sp>
+        <p:nvSpPr>
+          <p:cNvPr id="2" name="Rectangle 2"/>
+          <p:cNvSpPr>
+            <a:spLocks noChangeArrowheads="1"/>
+          </p:cNvSpPr>
+          <p:nvPr/>
+        </p:nvSpPr>
         <p:spPr bwMode="auto">
           <a:xfrm>
-            <a:off x="1854498" y="3527720"/>
-            <a:ext cx="5447005" cy="1656184"/>
+            <a:off x="0" y="0"/>
+            <a:ext cx="9144000" cy="0"/>
           </a:xfrm>
           <a:prstGeom prst="rect">
             <a:avLst/>
           </a:prstGeom>
           <a:noFill/>
-          <a:ln w="9525">
+          <a:ln>
             <a:noFill/>
-            <a:miter lim="800000"/>
-            <a:headEnd/>
-            <a:tailEnd/>
           </a:ln>
-        </p:spPr>
-      </p:pic>
-      <p:sp>
-        <p:nvSpPr>
-          <p:cNvPr id="14" name="TextBox 13"/>
+          <a:effectLst/>
+          <a:extLst>
+            <a:ext uri="{909E8E84-426E-40DD-AFC4-6F175D3DCCD1}">
+              <a14:hiddenFill xmlns:a14="http://schemas.microsoft.com/office/drawing/2010/main" xmlns="">
+                <a:solidFill>
+                  <a:schemeClr val="accent1"/>
+                </a:solidFill>
+              </a14:hiddenFill>
+            </a:ext>
+            <a:ext uri="{91240B29-F687-4F45-9708-019B960494DF}">
+              <a14:hiddenLine xmlns:a14="http://schemas.microsoft.com/office/drawing/2010/main" xmlns="" w="9525">
+                <a:solidFill>
+                  <a:schemeClr val="tx1"/>
+                </a:solidFill>
+                <a:miter lim="800000"/>
+                <a:headEnd/>
+                <a:tailEnd/>
+              </a14:hiddenLine>
+            </a:ext>
+            <a:ext uri="{AF507438-7753-43E0-B8FC-AC1667EBCBE1}">
+              <a14:hiddenEffects xmlns:a14="http://schemas.microsoft.com/office/drawing/2010/main" xmlns="">
+                <a:effectLst>
+                  <a:outerShdw dist="35921" dir="2700000" algn="ctr" rotWithShape="0">
+                    <a:schemeClr val="bg2"/>
+                  </a:outerShdw>
+                </a:effectLst>
+              </a14:hiddenEffects>
+            </a:ext>
+          </a:extLst>
+        </p:spPr>
+        <p:txBody>
+          <a:bodyPr vert="horz" wrap="none" lIns="91440" tIns="45720" rIns="91440" bIns="45720" numCol="1" anchor="ctr" anchorCtr="0" compatLnSpc="1">
+            <a:prstTxWarp prst="textNoShape">
+              <a:avLst/>
+            </a:prstTxWarp>
+            <a:spAutoFit/>
+          </a:bodyPr>
+          <a:lstStyle/>
+          <a:p>
+            <a:endParaRPr lang="ru-RU"/>
+          </a:p>
+        </p:txBody>
+      </p:sp>
+      <p:sp>
+        <p:nvSpPr>
+          <p:cNvPr id="4" name="Rectangle 4"/>
+          <p:cNvSpPr>
+            <a:spLocks noChangeArrowheads="1"/>
+          </p:cNvSpPr>
+          <p:nvPr/>
+        </p:nvSpPr>
+        <p:spPr bwMode="auto">
+          <a:xfrm>
+            <a:off x="0" y="0"/>
+            <a:ext cx="9144000" cy="0"/>
+          </a:xfrm>
+          <a:prstGeom prst="rect">
+            <a:avLst/>
+          </a:prstGeom>
+          <a:noFill/>
+          <a:ln>
+            <a:noFill/>
+          </a:ln>
+          <a:effectLst/>
+          <a:extLst>
+            <a:ext uri="{909E8E84-426E-40DD-AFC4-6F175D3DCCD1}">
+              <a14:hiddenFill xmlns:a14="http://schemas.microsoft.com/office/drawing/2010/main" xmlns="">
+                <a:solidFill>
+                  <a:schemeClr val="accent1"/>
+                </a:solidFill>
+              </a14:hiddenFill>
+            </a:ext>
+            <a:ext uri="{91240B29-F687-4F45-9708-019B960494DF}">
+              <a14:hiddenLine xmlns:a14="http://schemas.microsoft.com/office/drawing/2010/main" xmlns="" w="9525">
+                <a:solidFill>
+                  <a:schemeClr val="tx1"/>
+                </a:solidFill>
+                <a:miter lim="800000"/>
+                <a:headEnd/>
+                <a:tailEnd/>
+              </a14:hiddenLine>
+            </a:ext>
+            <a:ext uri="{AF507438-7753-43E0-B8FC-AC1667EBCBE1}">
+              <a14:hiddenEffects xmlns:a14="http://schemas.microsoft.com/office/drawing/2010/main" xmlns="">
+                <a:effectLst>
+                  <a:outerShdw dist="35921" dir="2700000" algn="ctr" rotWithShape="0">
+                    <a:schemeClr val="bg2"/>
+                  </a:outerShdw>
+                </a:effectLst>
+              </a14:hiddenEffects>
+            </a:ext>
+          </a:extLst>
+        </p:spPr>
+        <p:txBody>
+          <a:bodyPr vert="horz" wrap="none" lIns="91440" tIns="45720" rIns="91440" bIns="45720" numCol="1" anchor="ctr" anchorCtr="0" compatLnSpc="1">
+            <a:prstTxWarp prst="textNoShape">
+              <a:avLst/>
+            </a:prstTxWarp>
+            <a:spAutoFit/>
+          </a:bodyPr>
+          <a:lstStyle/>
+          <a:p>
+            <a:endParaRPr lang="ru-RU"/>
+          </a:p>
+        </p:txBody>
+      </p:sp>
+      <p:graphicFrame>
+        <p:nvGraphicFramePr>
+          <p:cNvPr id="5" name="Объект 4"/>
+          <p:cNvGraphicFramePr>
+            <a:graphicFrameLocks noChangeAspect="1"/>
+          </p:cNvGraphicFramePr>
+          <p:nvPr>
+            <p:extLst>
+              <p:ext uri="{D42A27DB-BD31-4B8C-83A1-F6EECF244321}">
+                <p14:modId xmlns:p14="http://schemas.microsoft.com/office/powerpoint/2010/main" xmlns="" val="3184887337"/>
+              </p:ext>
+            </p:extLst>
+          </p:nvPr>
+        </p:nvGraphicFramePr>
+        <p:xfrm>
+          <a:off x="68711" y="944724"/>
+          <a:ext cx="9003852" cy="4277531"/>
+        </p:xfrm>
+        <a:graphic>
+          <a:graphicData uri="http://schemas.openxmlformats.org/presentationml/2006/ole">
+            <p:oleObj spid="_x0000_s46082" name="Visio" r:id="rId5" imgW="8189062" imgH="3875177" progId="Visio.Drawing.11">
+              <p:embed/>
+            </p:oleObj>
+          </a:graphicData>
+        </a:graphic>
+      </p:graphicFrame>
+      <p:sp>
+        <p:nvSpPr>
+          <p:cNvPr id="6" name="TextBox 5"/>
           <p:cNvSpPr txBox="1"/>
           <p:nvPr/>
         </p:nvSpPr>
         <p:spPr>
           <a:xfrm>
-            <a:off x="1638766" y="2420888"/>
-            <a:ext cx="5878469" cy="646331"/>
+            <a:off x="1525124" y="5651169"/>
+            <a:ext cx="6091026" cy="369332"/>
           </a:xfrm>
           <a:prstGeom prst="rect">
             <a:avLst/>
@@ -15788,82 +16747,22 @@
             <a:pPr algn="ctr"/>
             <a:r>
               <a:rPr lang="ru-RU" dirty="0" smtClean="0"/>
-              <a:t>Структурная схема аналогового генератора шума:</a:t>
-            </a:r>
-          </a:p>
-          <a:p>
-            <a:pPr algn="ctr"/>
+              <a:t>Структурная схема </a:t>
+            </a:r>
             <a:r>
               <a:rPr lang="ru-RU" dirty="0" smtClean="0"/>
-              <a:t>ИШ – источник шума, У – усилитель, Ат - аттенюатор</a:t>
+              <a:t>многофункционального генератора</a:t>
             </a:r>
             <a:endParaRPr lang="ru-RU" dirty="0"/>
           </a:p>
         </p:txBody>
       </p:sp>
-      <p:pic>
-        <p:nvPicPr>
-          <p:cNvPr id="186371" name="Picture 3"/>
-          <p:cNvPicPr>
-            <a:picLocks noChangeAspect="1" noChangeArrowheads="1"/>
-          </p:cNvPicPr>
-          <p:nvPr/>
-        </p:nvPicPr>
-        <p:blipFill>
-          <a:blip r:embed="rId5" cstate="print"/>
-          <a:srcRect/>
-          <a:stretch>
-            <a:fillRect/>
-          </a:stretch>
-        </p:blipFill>
-        <p:spPr bwMode="auto">
-          <a:xfrm>
-            <a:off x="1595669" y="1052736"/>
-            <a:ext cx="5964663" cy="1080120"/>
-          </a:xfrm>
-          <a:prstGeom prst="rect">
-            <a:avLst/>
-          </a:prstGeom>
-          <a:noFill/>
-          <a:ln w="9525">
-            <a:noFill/>
-            <a:miter lim="800000"/>
-            <a:headEnd/>
-            <a:tailEnd/>
-          </a:ln>
-        </p:spPr>
-      </p:pic>
-      <p:sp>
-        <p:nvSpPr>
-          <p:cNvPr id="16" name="TextBox 15"/>
-          <p:cNvSpPr txBox="1"/>
-          <p:nvPr/>
-        </p:nvSpPr>
-        <p:spPr>
-          <a:xfrm>
-            <a:off x="1885500" y="5399928"/>
-            <a:ext cx="5385000" cy="369332"/>
-          </a:xfrm>
-          <a:prstGeom prst="rect">
-            <a:avLst/>
-          </a:prstGeom>
-          <a:noFill/>
-        </p:spPr>
-        <p:txBody>
-          <a:bodyPr wrap="none" rtlCol="0">
-            <a:spAutoFit/>
-          </a:bodyPr>
-          <a:lstStyle/>
-          <a:p>
-            <a:r>
-              <a:rPr lang="ru-RU" dirty="0" smtClean="0"/>
-              <a:t>Структурная схема цифрового генератора шума</a:t>
-            </a:r>
-            <a:endParaRPr lang="ru-RU" dirty="0"/>
-          </a:p>
-        </p:txBody>
-      </p:sp>
     </p:spTree>
+    <p:extLst>
+      <p:ext uri="{BB962C8B-B14F-4D97-AF65-F5344CB8AC3E}">
+        <p14:creationId xmlns:p14="http://schemas.microsoft.com/office/powerpoint/2010/main" xmlns="" val="3030272288"/>
+      </p:ext>
+    </p:extLst>
   </p:cSld>
   <p:clrMapOvr>
     <a:masterClrMapping/>
@@ -15895,38 +16794,6 @@
           <a:chExt cx="0" cy="0"/>
         </a:xfrm>
       </p:grpSpPr>
-      <p:pic>
-        <p:nvPicPr>
-          <p:cNvPr id="1039" name="Picture 15"/>
-          <p:cNvPicPr>
-            <a:picLocks noChangeAspect="1" noChangeArrowheads="1"/>
-          </p:cNvPicPr>
-          <p:nvPr/>
-        </p:nvPicPr>
-        <p:blipFill>
-          <a:blip r:embed="rId3" cstate="print"/>
-          <a:srcRect/>
-          <a:stretch>
-            <a:fillRect/>
-          </a:stretch>
-        </p:blipFill>
-        <p:spPr bwMode="auto">
-          <a:xfrm>
-            <a:off x="1466986" y="3176972"/>
-            <a:ext cx="6201358" cy="3352766"/>
-          </a:xfrm>
-          <a:prstGeom prst="rect">
-            <a:avLst/>
-          </a:prstGeom>
-          <a:noFill/>
-          <a:ln w="9525">
-            <a:noFill/>
-            <a:miter lim="800000"/>
-            <a:headEnd/>
-            <a:tailEnd/>
-          </a:ln>
-        </p:spPr>
-      </p:pic>
       <p:sp>
         <p:nvSpPr>
           <p:cNvPr id="151554" name="Text Box 2"/>
@@ -15980,7 +16847,7 @@
           <p:nvPr/>
         </p:nvPicPr>
         <p:blipFill>
-          <a:blip r:embed="rId4" cstate="print"/>
+          <a:blip r:embed="rId3" cstate="print"/>
           <a:srcRect/>
           <a:stretch>
             <a:fillRect/>
@@ -16076,15 +16943,7 @@
                   <a:schemeClr val="accent2"/>
                 </a:solidFill>
               </a:rPr>
-              <a:t>Программная реализация </a:t>
-            </a:r>
-            <a:r>
-              <a:rPr lang="en-US" sz="1600" b="1" dirty="0" smtClean="0">
-                <a:solidFill>
-                  <a:schemeClr val="accent2"/>
-                </a:solidFill>
-              </a:rPr>
-              <a:t>DDS </a:t>
+              <a:t>Принципиальная схема </a:t>
             </a:r>
             <a:r>
               <a:rPr lang="ru-RU" sz="1600" b="1" dirty="0" smtClean="0">
@@ -16092,7 +16951,7 @@
                   <a:schemeClr val="accent2"/>
                 </a:solidFill>
               </a:rPr>
-              <a:t>метода </a:t>
+              <a:t>многофункционального генератора</a:t>
             </a:r>
             <a:endParaRPr lang="ru-RU" sz="1600" b="1" dirty="0">
               <a:solidFill>
@@ -16189,16 +17048,176 @@
           </a:p>
         </p:txBody>
       </p:sp>
+      <p:sp>
+        <p:nvSpPr>
+          <p:cNvPr id="2" name="Rectangle 2"/>
+          <p:cNvSpPr>
+            <a:spLocks noChangeArrowheads="1"/>
+          </p:cNvSpPr>
+          <p:nvPr/>
+        </p:nvSpPr>
+        <p:spPr bwMode="auto">
+          <a:xfrm>
+            <a:off x="0" y="0"/>
+            <a:ext cx="9144000" cy="0"/>
+          </a:xfrm>
+          <a:prstGeom prst="rect">
+            <a:avLst/>
+          </a:prstGeom>
+          <a:noFill/>
+          <a:ln>
+            <a:noFill/>
+          </a:ln>
+          <a:effectLst/>
+          <a:extLst>
+            <a:ext uri="{909E8E84-426E-40DD-AFC4-6F175D3DCCD1}">
+              <a14:hiddenFill xmlns:a14="http://schemas.microsoft.com/office/drawing/2010/main" xmlns="">
+                <a:solidFill>
+                  <a:schemeClr val="accent1"/>
+                </a:solidFill>
+              </a14:hiddenFill>
+            </a:ext>
+            <a:ext uri="{91240B29-F687-4F45-9708-019B960494DF}">
+              <a14:hiddenLine xmlns:a14="http://schemas.microsoft.com/office/drawing/2010/main" xmlns="" w="9525">
+                <a:solidFill>
+                  <a:schemeClr val="tx1"/>
+                </a:solidFill>
+                <a:miter lim="800000"/>
+                <a:headEnd/>
+                <a:tailEnd/>
+              </a14:hiddenLine>
+            </a:ext>
+            <a:ext uri="{AF507438-7753-43E0-B8FC-AC1667EBCBE1}">
+              <a14:hiddenEffects xmlns:a14="http://schemas.microsoft.com/office/drawing/2010/main" xmlns="">
+                <a:effectLst>
+                  <a:outerShdw dist="35921" dir="2700000" algn="ctr" rotWithShape="0">
+                    <a:schemeClr val="bg2"/>
+                  </a:outerShdw>
+                </a:effectLst>
+              </a14:hiddenEffects>
+            </a:ext>
+          </a:extLst>
+        </p:spPr>
+        <p:txBody>
+          <a:bodyPr vert="horz" wrap="none" lIns="91440" tIns="45720" rIns="91440" bIns="45720" numCol="1" anchor="ctr" anchorCtr="0" compatLnSpc="1">
+            <a:prstTxWarp prst="textNoShape">
+              <a:avLst/>
+            </a:prstTxWarp>
+            <a:spAutoFit/>
+          </a:bodyPr>
+          <a:lstStyle/>
+          <a:p>
+            <a:endParaRPr lang="ru-RU"/>
+          </a:p>
+        </p:txBody>
+      </p:sp>
+      <p:sp>
+        <p:nvSpPr>
+          <p:cNvPr id="4" name="Rectangle 4"/>
+          <p:cNvSpPr>
+            <a:spLocks noChangeArrowheads="1"/>
+          </p:cNvSpPr>
+          <p:nvPr/>
+        </p:nvSpPr>
+        <p:spPr bwMode="auto">
+          <a:xfrm>
+            <a:off x="0" y="0"/>
+            <a:ext cx="9144000" cy="0"/>
+          </a:xfrm>
+          <a:prstGeom prst="rect">
+            <a:avLst/>
+          </a:prstGeom>
+          <a:noFill/>
+          <a:ln>
+            <a:noFill/>
+          </a:ln>
+          <a:effectLst/>
+          <a:extLst>
+            <a:ext uri="{909E8E84-426E-40DD-AFC4-6F175D3DCCD1}">
+              <a14:hiddenFill xmlns:a14="http://schemas.microsoft.com/office/drawing/2010/main" xmlns="">
+                <a:solidFill>
+                  <a:schemeClr val="accent1"/>
+                </a:solidFill>
+              </a14:hiddenFill>
+            </a:ext>
+            <a:ext uri="{91240B29-F687-4F45-9708-019B960494DF}">
+              <a14:hiddenLine xmlns:a14="http://schemas.microsoft.com/office/drawing/2010/main" xmlns="" w="9525">
+                <a:solidFill>
+                  <a:schemeClr val="tx1"/>
+                </a:solidFill>
+                <a:miter lim="800000"/>
+                <a:headEnd/>
+                <a:tailEnd/>
+              </a14:hiddenLine>
+            </a:ext>
+            <a:ext uri="{AF507438-7753-43E0-B8FC-AC1667EBCBE1}">
+              <a14:hiddenEffects xmlns:a14="http://schemas.microsoft.com/office/drawing/2010/main" xmlns="">
+                <a:effectLst>
+                  <a:outerShdw dist="35921" dir="2700000" algn="ctr" rotWithShape="0">
+                    <a:schemeClr val="bg2"/>
+                  </a:outerShdw>
+                </a:effectLst>
+              </a14:hiddenEffects>
+            </a:ext>
+          </a:extLst>
+        </p:spPr>
+        <p:txBody>
+          <a:bodyPr vert="horz" wrap="none" lIns="91440" tIns="45720" rIns="91440" bIns="45720" numCol="1" anchor="ctr" anchorCtr="0" compatLnSpc="1">
+            <a:prstTxWarp prst="textNoShape">
+              <a:avLst/>
+            </a:prstTxWarp>
+            <a:spAutoFit/>
+          </a:bodyPr>
+          <a:lstStyle/>
+          <a:p>
+            <a:endParaRPr lang="ru-RU"/>
+          </a:p>
+        </p:txBody>
+      </p:sp>
+      <p:sp>
+        <p:nvSpPr>
+          <p:cNvPr id="6" name="TextBox 5"/>
+          <p:cNvSpPr txBox="1"/>
+          <p:nvPr/>
+        </p:nvSpPr>
+        <p:spPr>
+          <a:xfrm>
+            <a:off x="1811770" y="6182404"/>
+            <a:ext cx="6571927" cy="369332"/>
+          </a:xfrm>
+          <a:prstGeom prst="rect">
+            <a:avLst/>
+          </a:prstGeom>
+          <a:noFill/>
+        </p:spPr>
+        <p:txBody>
+          <a:bodyPr wrap="none" rtlCol="0">
+            <a:spAutoFit/>
+          </a:bodyPr>
+          <a:lstStyle/>
+          <a:p>
+            <a:r>
+              <a:rPr lang="ru-RU" dirty="0" smtClean="0"/>
+              <a:t>Принципиальная схема </a:t>
+            </a:r>
+            <a:r>
+              <a:rPr lang="ru-RU" dirty="0" smtClean="0"/>
+              <a:t>многофункционального генератора</a:t>
+            </a:r>
+            <a:endParaRPr lang="ru-RU" dirty="0"/>
+          </a:p>
+        </p:txBody>
+      </p:sp>
       <p:pic>
         <p:nvPicPr>
-          <p:cNvPr id="1038" name="Picture 14"/>
+          <p:cNvPr id="47107" name="Picture 3"/>
           <p:cNvPicPr>
             <a:picLocks noChangeAspect="1" noChangeArrowheads="1"/>
           </p:cNvPicPr>
           <p:nvPr/>
         </p:nvPicPr>
         <p:blipFill>
-          <a:blip r:embed="rId5" cstate="print"/>
+          <a:blip r:embed="rId4" cstate="print"/>
           <a:srcRect/>
           <a:stretch>
             <a:fillRect/>
@@ -16206,8 +17225,8 @@
         </p:blipFill>
         <p:spPr bwMode="auto">
           <a:xfrm>
-            <a:off x="2655118" y="584684"/>
-            <a:ext cx="3971528" cy="2623087"/>
+            <a:off x="431540" y="584684"/>
+            <a:ext cx="8013012" cy="5623968"/>
           </a:xfrm>
           <a:prstGeom prst="rect">
             <a:avLst/>
@@ -16222,6 +17241,11 @@
         </p:spPr>
       </p:pic>
     </p:spTree>
+    <p:extLst>
+      <p:ext uri="{BB962C8B-B14F-4D97-AF65-F5344CB8AC3E}">
+        <p14:creationId xmlns:p14="http://schemas.microsoft.com/office/powerpoint/2010/main" xmlns="" val="739320680"/>
+      </p:ext>
+    </p:extLst>
   </p:cSld>
   <p:clrMapOvr>
     <a:masterClrMapping/>
@@ -16253,46 +17277,38 @@
           <a:chExt cx="0" cy="0"/>
         </a:xfrm>
       </p:grpSpPr>
-      <p:sp>
-        <p:nvSpPr>
-          <p:cNvPr id="17" name="Скругленный прямоугольник 16"/>
-          <p:cNvSpPr/>
-          <p:nvPr/>
-        </p:nvSpPr>
-        <p:spPr>
-          <a:xfrm>
-            <a:off x="647564" y="3645024"/>
-            <a:ext cx="7920880" cy="396044"/>
-          </a:xfrm>
-          <a:prstGeom prst="roundRect">
-            <a:avLst/>
-          </a:prstGeom>
-        </p:spPr>
-        <p:style>
-          <a:lnRef idx="2">
-            <a:schemeClr val="accent1">
-              <a:shade val="50000"/>
-            </a:schemeClr>
-          </a:lnRef>
-          <a:fillRef idx="1">
-            <a:schemeClr val="accent1"/>
-          </a:fillRef>
-          <a:effectRef idx="0">
-            <a:schemeClr val="accent1"/>
-          </a:effectRef>
-          <a:fontRef idx="minor">
-            <a:schemeClr val="lt1"/>
-          </a:fontRef>
-        </p:style>
-        <p:txBody>
-          <a:bodyPr rtlCol="0" anchor="ctr"/>
-          <a:lstStyle/>
-          <a:p>
-            <a:pPr algn="ctr"/>
-            <a:endParaRPr lang="ru-RU"/>
-          </a:p>
-        </p:txBody>
-      </p:sp>
+      <p:pic>
+        <p:nvPicPr>
+          <p:cNvPr id="1039" name="Picture 15"/>
+          <p:cNvPicPr>
+            <a:picLocks noChangeAspect="1" noChangeArrowheads="1"/>
+          </p:cNvPicPr>
+          <p:nvPr/>
+        </p:nvPicPr>
+        <p:blipFill>
+          <a:blip r:embed="rId3" cstate="print"/>
+          <a:srcRect/>
+          <a:stretch>
+            <a:fillRect/>
+          </a:stretch>
+        </p:blipFill>
+        <p:spPr bwMode="auto">
+          <a:xfrm>
+            <a:off x="1466986" y="3176972"/>
+            <a:ext cx="6201358" cy="3352766"/>
+          </a:xfrm>
+          <a:prstGeom prst="rect">
+            <a:avLst/>
+          </a:prstGeom>
+          <a:noFill/>
+          <a:ln w="9525">
+            <a:noFill/>
+            <a:miter lim="800000"/>
+            <a:headEnd/>
+            <a:tailEnd/>
+          </a:ln>
+        </p:spPr>
+      </p:pic>
       <p:sp>
         <p:nvSpPr>
           <p:cNvPr id="151554" name="Text Box 2"/>
@@ -16442,7 +17458,23 @@
                   <a:schemeClr val="accent2"/>
                 </a:solidFill>
               </a:rPr>
-              <a:t>Программная реализация генератора шума</a:t>
+              <a:t>Программная реализация </a:t>
+            </a:r>
+            <a:r>
+              <a:rPr lang="en-US" sz="1600" b="1" dirty="0" smtClean="0">
+                <a:solidFill>
+                  <a:schemeClr val="accent2"/>
+                </a:solidFill>
+              </a:rPr>
+              <a:t>DDS </a:t>
+            </a:r>
+            <a:r>
+              <a:rPr lang="ru-RU" sz="1600" b="1" dirty="0" smtClean="0">
+                <a:solidFill>
+                  <a:schemeClr val="accent2"/>
+                </a:solidFill>
+              </a:rPr>
+              <a:t>метода </a:t>
             </a:r>
             <a:endParaRPr lang="ru-RU" sz="1600" b="1" dirty="0">
               <a:solidFill>
@@ -16539,639 +17571,38 @@
           </a:p>
         </p:txBody>
       </p:sp>
-      <p:sp>
-        <p:nvSpPr>
-          <p:cNvPr id="9" name="Прямоугольник 8"/>
-          <p:cNvSpPr/>
-          <p:nvPr/>
-        </p:nvSpPr>
-        <p:spPr>
-          <a:xfrm>
-            <a:off x="71500" y="3676382"/>
-            <a:ext cx="9144000" cy="369332"/>
+      <p:pic>
+        <p:nvPicPr>
+          <p:cNvPr id="1038" name="Picture 14"/>
+          <p:cNvPicPr>
+            <a:picLocks noChangeAspect="1" noChangeArrowheads="1"/>
+          </p:cNvPicPr>
+          <p:nvPr/>
+        </p:nvPicPr>
+        <p:blipFill>
+          <a:blip r:embed="rId5" cstate="print"/>
+          <a:srcRect/>
+          <a:stretch>
+            <a:fillRect/>
+          </a:stretch>
+        </p:blipFill>
+        <p:spPr bwMode="auto">
+          <a:xfrm>
+            <a:off x="2655118" y="584684"/>
+            <a:ext cx="3971528" cy="2623087"/>
           </a:xfrm>
           <a:prstGeom prst="rect">
             <a:avLst/>
           </a:prstGeom>
-        </p:spPr>
-        <p:txBody>
-          <a:bodyPr wrap="square" anchor="ctr">
-            <a:spAutoFit/>
-          </a:bodyPr>
-          <a:lstStyle/>
-          <a:p>
-            <a:pPr algn="ctr"/>
-            <a:r>
-              <a:rPr lang="pt-BR" dirty="0" smtClean="0"/>
-              <a:t>R</a:t>
-            </a:r>
-            <a:r>
-              <a:rPr lang="ru-RU" dirty="0" smtClean="0"/>
-              <a:t> </a:t>
-            </a:r>
-            <a:r>
-              <a:rPr lang="pt-BR" dirty="0" smtClean="0"/>
-              <a:t>= (</a:t>
-            </a:r>
-            <a:r>
-              <a:rPr lang="ru-RU" dirty="0" smtClean="0"/>
-              <a:t> </a:t>
-            </a:r>
-            <a:r>
-              <a:rPr lang="pt-BR" dirty="0" smtClean="0"/>
-              <a:t> (</a:t>
-            </a:r>
-            <a:r>
-              <a:rPr lang="ru-RU" dirty="0" smtClean="0"/>
-              <a:t> </a:t>
-            </a:r>
-            <a:r>
-              <a:rPr lang="pt-BR" dirty="0" smtClean="0"/>
-              <a:t> ( </a:t>
-            </a:r>
-            <a:r>
-              <a:rPr lang="ru-RU" dirty="0" smtClean="0"/>
-              <a:t> </a:t>
-            </a:r>
-            <a:r>
-              <a:rPr lang="pt-BR" dirty="0" smtClean="0"/>
-              <a:t>(</a:t>
-            </a:r>
-            <a:r>
-              <a:rPr lang="ru-RU" dirty="0" smtClean="0"/>
-              <a:t> </a:t>
-            </a:r>
-            <a:r>
-              <a:rPr lang="pt-BR" dirty="0" smtClean="0"/>
-              <a:t>R</a:t>
-            </a:r>
-            <a:r>
-              <a:rPr lang="ru-RU" dirty="0" smtClean="0"/>
-              <a:t> </a:t>
-            </a:r>
-            <a:r>
-              <a:rPr lang="pt-BR" dirty="0" smtClean="0"/>
-              <a:t>&gt;&gt;</a:t>
-            </a:r>
-            <a:r>
-              <a:rPr lang="ru-RU" dirty="0" smtClean="0"/>
-              <a:t> </a:t>
-            </a:r>
-            <a:r>
-              <a:rPr lang="pt-BR" dirty="0" smtClean="0"/>
-              <a:t>6</a:t>
-            </a:r>
-            <a:r>
-              <a:rPr lang="ru-RU" dirty="0" smtClean="0"/>
-              <a:t> </a:t>
-            </a:r>
-            <a:r>
-              <a:rPr lang="pt-BR" dirty="0" smtClean="0"/>
-              <a:t>)</a:t>
-            </a:r>
-            <a:r>
-              <a:rPr lang="ru-RU" dirty="0" smtClean="0"/>
-              <a:t> </a:t>
-            </a:r>
-            <a:r>
-              <a:rPr lang="pt-BR" dirty="0" smtClean="0"/>
-              <a:t> ^</a:t>
-            </a:r>
-            <a:r>
-              <a:rPr lang="ru-RU" dirty="0" smtClean="0"/>
-              <a:t> </a:t>
-            </a:r>
-            <a:r>
-              <a:rPr lang="pt-BR" dirty="0" smtClean="0"/>
-              <a:t> (</a:t>
-            </a:r>
-            <a:r>
-              <a:rPr lang="ru-RU" dirty="0" smtClean="0"/>
-              <a:t> </a:t>
-            </a:r>
-            <a:r>
-              <a:rPr lang="pt-BR" dirty="0" smtClean="0"/>
-              <a:t>R</a:t>
-            </a:r>
-            <a:r>
-              <a:rPr lang="ru-RU" dirty="0" smtClean="0"/>
-              <a:t> </a:t>
-            </a:r>
-            <a:r>
-              <a:rPr lang="pt-BR" dirty="0" smtClean="0"/>
-              <a:t>&gt;&gt;</a:t>
-            </a:r>
-            <a:r>
-              <a:rPr lang="ru-RU" dirty="0" smtClean="0"/>
-              <a:t> </a:t>
-            </a:r>
-            <a:r>
-              <a:rPr lang="pt-BR" dirty="0" smtClean="0"/>
-              <a:t>4</a:t>
-            </a:r>
-            <a:r>
-              <a:rPr lang="ru-RU" dirty="0" smtClean="0"/>
-              <a:t> </a:t>
-            </a:r>
-            <a:r>
-              <a:rPr lang="pt-BR" dirty="0" smtClean="0"/>
-              <a:t>) ^</a:t>
-            </a:r>
-            <a:r>
-              <a:rPr lang="ru-RU" dirty="0" smtClean="0"/>
-              <a:t> </a:t>
-            </a:r>
-            <a:r>
-              <a:rPr lang="pt-BR" dirty="0" smtClean="0"/>
-              <a:t>(</a:t>
-            </a:r>
-            <a:r>
-              <a:rPr lang="ru-RU" dirty="0" smtClean="0"/>
-              <a:t> </a:t>
-            </a:r>
-            <a:r>
-              <a:rPr lang="pt-BR" dirty="0" smtClean="0"/>
-              <a:t>R</a:t>
-            </a:r>
-            <a:r>
-              <a:rPr lang="ru-RU" dirty="0" smtClean="0"/>
-              <a:t> </a:t>
-            </a:r>
-            <a:r>
-              <a:rPr lang="pt-BR" dirty="0" smtClean="0"/>
-              <a:t>&gt;&gt;</a:t>
-            </a:r>
-            <a:r>
-              <a:rPr lang="ru-RU" dirty="0" smtClean="0"/>
-              <a:t> </a:t>
-            </a:r>
-            <a:r>
-              <a:rPr lang="pt-BR" dirty="0" smtClean="0"/>
-              <a:t>1</a:t>
-            </a:r>
-            <a:r>
-              <a:rPr lang="ru-RU" dirty="0" smtClean="0"/>
-              <a:t> </a:t>
-            </a:r>
-            <a:r>
-              <a:rPr lang="pt-BR" dirty="0" smtClean="0"/>
-              <a:t>) ^ R ) &amp; 1</a:t>
-            </a:r>
-            <a:r>
-              <a:rPr lang="ru-RU" dirty="0" smtClean="0"/>
-              <a:t> </a:t>
-            </a:r>
-            <a:r>
-              <a:rPr lang="pt-BR" dirty="0" smtClean="0"/>
-              <a:t> ) &lt;&lt; 11 </a:t>
-            </a:r>
-            <a:r>
-              <a:rPr lang="ru-RU" dirty="0" smtClean="0"/>
-              <a:t> </a:t>
-            </a:r>
-            <a:r>
-              <a:rPr lang="pt-BR" dirty="0" smtClean="0"/>
-              <a:t>) </a:t>
-            </a:r>
-            <a:r>
-              <a:rPr lang="ru-RU" dirty="0" smtClean="0"/>
-              <a:t> </a:t>
-            </a:r>
-            <a:r>
-              <a:rPr lang="pt-BR" dirty="0" smtClean="0"/>
-              <a:t>|</a:t>
-            </a:r>
-            <a:r>
-              <a:rPr lang="ru-RU" dirty="0" smtClean="0"/>
-              <a:t> </a:t>
-            </a:r>
-            <a:r>
-              <a:rPr lang="pt-BR" dirty="0" smtClean="0"/>
-              <a:t> (</a:t>
-            </a:r>
-            <a:r>
-              <a:rPr lang="ru-RU" dirty="0" smtClean="0"/>
-              <a:t> </a:t>
-            </a:r>
-            <a:r>
-              <a:rPr lang="pt-BR" dirty="0" smtClean="0"/>
-              <a:t>R &gt;&gt; 1</a:t>
-            </a:r>
-            <a:r>
-              <a:rPr lang="ru-RU" dirty="0" smtClean="0"/>
-              <a:t> </a:t>
-            </a:r>
-            <a:r>
-              <a:rPr lang="pt-BR" dirty="0" smtClean="0"/>
-              <a:t>);</a:t>
-            </a:r>
-          </a:p>
-        </p:txBody>
-      </p:sp>
-      <p:graphicFrame>
-        <p:nvGraphicFramePr>
-          <p:cNvPr id="11" name="Объект 10"/>
-          <p:cNvGraphicFramePr>
-            <a:graphicFrameLocks noChangeAspect="1"/>
-          </p:cNvGraphicFramePr>
-          <p:nvPr/>
-        </p:nvGraphicFramePr>
-        <p:xfrm>
-          <a:off x="1618904" y="584684"/>
-          <a:ext cx="5725404" cy="2156929"/>
-        </p:xfrm>
-        <a:graphic>
-          <a:graphicData uri="http://schemas.openxmlformats.org/presentationml/2006/ole">
-            <p:oleObj spid="_x0000_s2052" name="Visio" r:id="rId5" imgW="5141160" imgH="2102760" progId="Visio.Drawing.11">
-              <p:link updateAutomatic="1"/>
-            </p:oleObj>
-          </a:graphicData>
-        </a:graphic>
-      </p:graphicFrame>
-      <p:sp>
-        <p:nvSpPr>
-          <p:cNvPr id="12" name="TextBox 11"/>
-          <p:cNvSpPr txBox="1"/>
-          <p:nvPr/>
-        </p:nvSpPr>
-        <p:spPr>
-          <a:xfrm>
-            <a:off x="2411760" y="2852936"/>
-            <a:ext cx="4292778" cy="369332"/>
-          </a:xfrm>
-          <a:prstGeom prst="rect">
-            <a:avLst/>
-          </a:prstGeom>
           <a:noFill/>
-        </p:spPr>
-        <p:txBody>
-          <a:bodyPr wrap="square" rtlCol="0">
-            <a:spAutoFit/>
-          </a:bodyPr>
-          <a:lstStyle/>
-          <a:p>
-            <a:pPr algn="ctr"/>
-            <a:r>
-              <a:rPr lang="ru-RU" dirty="0" smtClean="0"/>
-              <a:t>Алгоритм работы сдвигового регистра</a:t>
-            </a:r>
-            <a:endParaRPr lang="ru-RU" dirty="0"/>
-          </a:p>
-        </p:txBody>
-      </p:sp>
-      <p:sp>
-        <p:nvSpPr>
-          <p:cNvPr id="13" name="TextBox 12"/>
-          <p:cNvSpPr txBox="1"/>
-          <p:nvPr/>
-        </p:nvSpPr>
-        <p:spPr>
-          <a:xfrm>
-            <a:off x="1673678" y="4113076"/>
-            <a:ext cx="5868652" cy="369332"/>
-          </a:xfrm>
-          <a:prstGeom prst="rect">
-            <a:avLst/>
-          </a:prstGeom>
-          <a:noFill/>
-        </p:spPr>
-        <p:txBody>
-          <a:bodyPr wrap="square" rtlCol="0" anchor="ctr">
-            <a:spAutoFit/>
-          </a:bodyPr>
-          <a:lstStyle/>
-          <a:p>
-            <a:pPr algn="ctr"/>
-            <a:r>
-              <a:rPr lang="ru-RU" dirty="0" smtClean="0"/>
-              <a:t>Программная реализация сдвигового регистра</a:t>
-            </a:r>
-            <a:endParaRPr lang="ru-RU" dirty="0"/>
-          </a:p>
-        </p:txBody>
-      </p:sp>
-      <p:sp>
-        <p:nvSpPr>
-          <p:cNvPr id="18" name="Скругленный прямоугольник 17"/>
-          <p:cNvSpPr/>
-          <p:nvPr/>
-        </p:nvSpPr>
-        <p:spPr>
-          <a:xfrm>
-            <a:off x="431540" y="4829380"/>
-            <a:ext cx="8280920" cy="1224136"/>
-          </a:xfrm>
-          <a:prstGeom prst="roundRect">
-            <a:avLst/>
-          </a:prstGeom>
-        </p:spPr>
-        <p:style>
-          <a:lnRef idx="2">
-            <a:schemeClr val="accent1">
-              <a:shade val="50000"/>
-            </a:schemeClr>
-          </a:lnRef>
-          <a:fillRef idx="1">
-            <a:schemeClr val="accent1"/>
-          </a:fillRef>
-          <a:effectRef idx="0">
-            <a:schemeClr val="accent1"/>
-          </a:effectRef>
-          <a:fontRef idx="minor">
-            <a:schemeClr val="lt1"/>
-          </a:fontRef>
-        </p:style>
-        <p:txBody>
-          <a:bodyPr rtlCol="0" anchor="ctr"/>
-          <a:lstStyle/>
-          <a:p>
-            <a:pPr algn="ctr"/>
-            <a:endParaRPr lang="ru-RU"/>
-          </a:p>
-        </p:txBody>
-      </p:sp>
-      <p:sp>
-        <p:nvSpPr>
-          <p:cNvPr id="19" name="Прямоугольник 18"/>
-          <p:cNvSpPr/>
-          <p:nvPr/>
-        </p:nvSpPr>
-        <p:spPr>
-          <a:xfrm>
-            <a:off x="0" y="4912422"/>
-            <a:ext cx="9144000" cy="923330"/>
-          </a:xfrm>
-          <a:prstGeom prst="rect">
-            <a:avLst/>
-          </a:prstGeom>
-        </p:spPr>
-        <p:txBody>
-          <a:bodyPr wrap="square" anchor="ctr">
-            <a:spAutoFit/>
-          </a:bodyPr>
-          <a:lstStyle/>
-          <a:p>
-            <a:r>
-              <a:rPr lang="pt-BR" dirty="0" smtClean="0"/>
-              <a:t>        for( ; i &lt; 16; i++ )</a:t>
-            </a:r>
-          </a:p>
-          <a:p>
-            <a:pPr algn="ctr"/>
-            <a:r>
-              <a:rPr lang="pt-BR" dirty="0" smtClean="0"/>
-              <a:t>    R</a:t>
-            </a:r>
-            <a:r>
-              <a:rPr lang="ru-RU" dirty="0" smtClean="0"/>
-              <a:t> +</a:t>
-            </a:r>
-            <a:r>
-              <a:rPr lang="pt-BR" dirty="0" smtClean="0"/>
-              <a:t>= (</a:t>
-            </a:r>
-            <a:r>
-              <a:rPr lang="ru-RU" dirty="0" smtClean="0"/>
-              <a:t> </a:t>
-            </a:r>
-            <a:r>
-              <a:rPr lang="pt-BR" dirty="0" smtClean="0"/>
-              <a:t> (</a:t>
-            </a:r>
-            <a:r>
-              <a:rPr lang="ru-RU" dirty="0" smtClean="0"/>
-              <a:t> </a:t>
-            </a:r>
-            <a:r>
-              <a:rPr lang="pt-BR" dirty="0" smtClean="0"/>
-              <a:t> ( </a:t>
-            </a:r>
-            <a:r>
-              <a:rPr lang="ru-RU" dirty="0" smtClean="0"/>
-              <a:t> </a:t>
-            </a:r>
-            <a:r>
-              <a:rPr lang="pt-BR" dirty="0" smtClean="0"/>
-              <a:t>(</a:t>
-            </a:r>
-            <a:r>
-              <a:rPr lang="ru-RU" dirty="0" smtClean="0"/>
-              <a:t> </a:t>
-            </a:r>
-            <a:r>
-              <a:rPr lang="pt-BR" dirty="0" smtClean="0"/>
-              <a:t>R</a:t>
-            </a:r>
-            <a:r>
-              <a:rPr lang="ru-RU" dirty="0" smtClean="0"/>
-              <a:t> </a:t>
-            </a:r>
-            <a:r>
-              <a:rPr lang="pt-BR" dirty="0" smtClean="0"/>
-              <a:t>&gt;&gt;</a:t>
-            </a:r>
-            <a:r>
-              <a:rPr lang="ru-RU" dirty="0" smtClean="0"/>
-              <a:t> </a:t>
-            </a:r>
-            <a:r>
-              <a:rPr lang="pt-BR" dirty="0" smtClean="0"/>
-              <a:t>6</a:t>
-            </a:r>
-            <a:r>
-              <a:rPr lang="ru-RU" dirty="0" smtClean="0"/>
-              <a:t> </a:t>
-            </a:r>
-            <a:r>
-              <a:rPr lang="pt-BR" dirty="0" smtClean="0"/>
-              <a:t>)</a:t>
-            </a:r>
-            <a:r>
-              <a:rPr lang="ru-RU" dirty="0" smtClean="0"/>
-              <a:t> </a:t>
-            </a:r>
-            <a:r>
-              <a:rPr lang="pt-BR" dirty="0" smtClean="0"/>
-              <a:t> ^</a:t>
-            </a:r>
-            <a:r>
-              <a:rPr lang="ru-RU" dirty="0" smtClean="0"/>
-              <a:t> </a:t>
-            </a:r>
-            <a:r>
-              <a:rPr lang="pt-BR" dirty="0" smtClean="0"/>
-              <a:t> (</a:t>
-            </a:r>
-            <a:r>
-              <a:rPr lang="ru-RU" dirty="0" smtClean="0"/>
-              <a:t> </a:t>
-            </a:r>
-            <a:r>
-              <a:rPr lang="pt-BR" dirty="0" smtClean="0"/>
-              <a:t>R</a:t>
-            </a:r>
-            <a:r>
-              <a:rPr lang="ru-RU" dirty="0" smtClean="0"/>
-              <a:t> </a:t>
-            </a:r>
-            <a:r>
-              <a:rPr lang="pt-BR" dirty="0" smtClean="0"/>
-              <a:t>&gt;&gt;</a:t>
-            </a:r>
-            <a:r>
-              <a:rPr lang="ru-RU" dirty="0" smtClean="0"/>
-              <a:t> </a:t>
-            </a:r>
-            <a:r>
-              <a:rPr lang="pt-BR" dirty="0" smtClean="0"/>
-              <a:t>4</a:t>
-            </a:r>
-            <a:r>
-              <a:rPr lang="ru-RU" dirty="0" smtClean="0"/>
-              <a:t> </a:t>
-            </a:r>
-            <a:r>
-              <a:rPr lang="pt-BR" dirty="0" smtClean="0"/>
-              <a:t>) ^</a:t>
-            </a:r>
-            <a:r>
-              <a:rPr lang="ru-RU" dirty="0" smtClean="0"/>
-              <a:t> </a:t>
-            </a:r>
-            <a:r>
-              <a:rPr lang="pt-BR" dirty="0" smtClean="0"/>
-              <a:t>(</a:t>
-            </a:r>
-            <a:r>
-              <a:rPr lang="ru-RU" dirty="0" smtClean="0"/>
-              <a:t> </a:t>
-            </a:r>
-            <a:r>
-              <a:rPr lang="pt-BR" dirty="0" smtClean="0"/>
-              <a:t>R</a:t>
-            </a:r>
-            <a:r>
-              <a:rPr lang="ru-RU" dirty="0" smtClean="0"/>
-              <a:t> </a:t>
-            </a:r>
-            <a:r>
-              <a:rPr lang="pt-BR" dirty="0" smtClean="0"/>
-              <a:t>&gt;&gt;</a:t>
-            </a:r>
-            <a:r>
-              <a:rPr lang="ru-RU" dirty="0" smtClean="0"/>
-              <a:t> </a:t>
-            </a:r>
-            <a:r>
-              <a:rPr lang="pt-BR" dirty="0" smtClean="0"/>
-              <a:t>1</a:t>
-            </a:r>
-            <a:r>
-              <a:rPr lang="ru-RU" dirty="0" smtClean="0"/>
-              <a:t> </a:t>
-            </a:r>
-            <a:r>
-              <a:rPr lang="pt-BR" dirty="0" smtClean="0"/>
-              <a:t>) ^ R ) &amp; 1</a:t>
-            </a:r>
-            <a:r>
-              <a:rPr lang="ru-RU" dirty="0" smtClean="0"/>
-              <a:t> </a:t>
-            </a:r>
-            <a:r>
-              <a:rPr lang="pt-BR" dirty="0" smtClean="0"/>
-              <a:t> ) &lt;&lt; 11 </a:t>
-            </a:r>
-            <a:r>
-              <a:rPr lang="ru-RU" dirty="0" smtClean="0"/>
-              <a:t> </a:t>
-            </a:r>
-            <a:r>
-              <a:rPr lang="pt-BR" dirty="0" smtClean="0"/>
-              <a:t>) </a:t>
-            </a:r>
-            <a:r>
-              <a:rPr lang="ru-RU" dirty="0" smtClean="0"/>
-              <a:t> </a:t>
-            </a:r>
-            <a:r>
-              <a:rPr lang="pt-BR" dirty="0" smtClean="0"/>
-              <a:t>|</a:t>
-            </a:r>
-            <a:r>
-              <a:rPr lang="ru-RU" dirty="0" smtClean="0"/>
-              <a:t> </a:t>
-            </a:r>
-            <a:r>
-              <a:rPr lang="pt-BR" dirty="0" smtClean="0"/>
-              <a:t> (</a:t>
-            </a:r>
-            <a:r>
-              <a:rPr lang="ru-RU" dirty="0" smtClean="0"/>
-              <a:t> </a:t>
-            </a:r>
-            <a:r>
-              <a:rPr lang="pt-BR" dirty="0" smtClean="0"/>
-              <a:t>R &gt;&gt; 1</a:t>
-            </a:r>
-            <a:r>
-              <a:rPr lang="ru-RU" dirty="0" smtClean="0"/>
-              <a:t> </a:t>
-            </a:r>
-            <a:r>
-              <a:rPr lang="pt-BR" dirty="0" smtClean="0"/>
-              <a:t>);</a:t>
-            </a:r>
-            <a:endParaRPr lang="ru-RU" dirty="0" smtClean="0"/>
-          </a:p>
-          <a:p>
-            <a:r>
-              <a:rPr lang="en-US" dirty="0" smtClean="0"/>
-              <a:t>        R &gt;&gt;= 4;</a:t>
-            </a:r>
-            <a:r>
-              <a:rPr lang="ru-RU" dirty="0" smtClean="0"/>
-              <a:t> //</a:t>
-            </a:r>
-            <a:r>
-              <a:rPr lang="en-US" dirty="0" smtClean="0"/>
-              <a:t> max R == 65 535</a:t>
-            </a:r>
-            <a:endParaRPr lang="pt-BR" dirty="0" smtClean="0"/>
-          </a:p>
-        </p:txBody>
-      </p:sp>
-      <p:sp>
-        <p:nvSpPr>
-          <p:cNvPr id="20" name="TextBox 19"/>
-          <p:cNvSpPr txBox="1"/>
-          <p:nvPr/>
-        </p:nvSpPr>
-        <p:spPr>
-          <a:xfrm>
-            <a:off x="1637674" y="5987025"/>
-            <a:ext cx="5868652" cy="646331"/>
-          </a:xfrm>
-          <a:prstGeom prst="rect">
-            <a:avLst/>
-          </a:prstGeom>
-          <a:noFill/>
-        </p:spPr>
-        <p:txBody>
-          <a:bodyPr wrap="square" rtlCol="0" anchor="ctr">
-            <a:spAutoFit/>
-          </a:bodyPr>
-          <a:lstStyle/>
-          <a:p>
-            <a:pPr algn="ctr"/>
-            <a:r>
-              <a:rPr lang="ru-RU" dirty="0" smtClean="0"/>
-              <a:t>Программная реализация генератора случайных чисел с нормальным распределением</a:t>
-            </a:r>
-            <a:endParaRPr lang="ru-RU" dirty="0"/>
-          </a:p>
-        </p:txBody>
-      </p:sp>
+          <a:ln w="9525">
+            <a:noFill/>
+            <a:miter lim="800000"/>
+            <a:headEnd/>
+            <a:tailEnd/>
+          </a:ln>
+        </p:spPr>
+      </p:pic>
     </p:spTree>
   </p:cSld>
   <p:clrMapOvr>
@@ -17206,6 +17637,46 @@
       </p:grpSpPr>
       <p:sp>
         <p:nvSpPr>
+          <p:cNvPr id="17" name="Скругленный прямоугольник 16"/>
+          <p:cNvSpPr/>
+          <p:nvPr/>
+        </p:nvSpPr>
+        <p:spPr>
+          <a:xfrm>
+            <a:off x="647564" y="3645024"/>
+            <a:ext cx="7920880" cy="396044"/>
+          </a:xfrm>
+          <a:prstGeom prst="roundRect">
+            <a:avLst/>
+          </a:prstGeom>
+        </p:spPr>
+        <p:style>
+          <a:lnRef idx="2">
+            <a:schemeClr val="accent1">
+              <a:shade val="50000"/>
+            </a:schemeClr>
+          </a:lnRef>
+          <a:fillRef idx="1">
+            <a:schemeClr val="accent1"/>
+          </a:fillRef>
+          <a:effectRef idx="0">
+            <a:schemeClr val="accent1"/>
+          </a:effectRef>
+          <a:fontRef idx="minor">
+            <a:schemeClr val="lt1"/>
+          </a:fontRef>
+        </p:style>
+        <p:txBody>
+          <a:bodyPr rtlCol="0" anchor="ctr"/>
+          <a:lstStyle/>
+          <a:p>
+            <a:pPr algn="ctr"/>
+            <a:endParaRPr lang="ru-RU"/>
+          </a:p>
+        </p:txBody>
+      </p:sp>
+      <p:sp>
+        <p:nvSpPr>
           <p:cNvPr id="151554" name="Text Box 2"/>
           <p:cNvSpPr txBox="1">
             <a:spLocks noChangeArrowheads="1"/>
@@ -17353,23 +17824,7 @@
                   <a:schemeClr val="accent2"/>
                 </a:solidFill>
               </a:rPr>
-              <a:t>Операционная</a:t>
-            </a:r>
-            <a:r>
-              <a:rPr lang="uk-UA" sz="1600" b="1" dirty="0" smtClean="0">
-                <a:solidFill>
-                  <a:schemeClr val="accent2"/>
-                </a:solidFill>
-              </a:rPr>
-              <a:t> система </a:t>
-            </a:r>
-            <a:r>
-              <a:rPr lang="en-US" sz="1600" b="1" dirty="0" smtClean="0">
-                <a:solidFill>
-                  <a:schemeClr val="accent2"/>
-                </a:solidFill>
-              </a:rPr>
-              <a:t>FreeRTOS</a:t>
+              <a:t>Программная реализация генератора шума</a:t>
             </a:r>
             <a:endParaRPr lang="ru-RU" sz="1600" b="1" dirty="0">
               <a:solidFill>
@@ -17466,78 +17921,286 @@
           </a:p>
         </p:txBody>
       </p:sp>
-      <p:pic>
-        <p:nvPicPr>
-          <p:cNvPr id="17410" name="Picture 2" descr="E:\Scorpion\images\FreeRTOSlogov1.jpg"/>
-          <p:cNvPicPr>
-            <a:picLocks noChangeAspect="1" noChangeArrowheads="1"/>
-          </p:cNvPicPr>
-          <p:nvPr/>
-        </p:nvPicPr>
-        <p:blipFill>
-          <a:blip r:embed="rId5" cstate="print"/>
-          <a:srcRect/>
-          <a:stretch>
-            <a:fillRect/>
-          </a:stretch>
-        </p:blipFill>
-        <p:spPr bwMode="auto">
-          <a:xfrm>
-            <a:off x="251520" y="728700"/>
-            <a:ext cx="2628292" cy="983238"/>
+      <p:sp>
+        <p:nvSpPr>
+          <p:cNvPr id="9" name="Прямоугольник 8"/>
+          <p:cNvSpPr/>
+          <p:nvPr/>
+        </p:nvSpPr>
+        <p:spPr>
+          <a:xfrm>
+            <a:off x="71500" y="3676382"/>
+            <a:ext cx="9144000" cy="369332"/>
           </a:xfrm>
           <a:prstGeom prst="rect">
             <a:avLst/>
           </a:prstGeom>
-          <a:noFill/>
-        </p:spPr>
-      </p:pic>
+        </p:spPr>
+        <p:txBody>
+          <a:bodyPr wrap="square" anchor="ctr">
+            <a:spAutoFit/>
+          </a:bodyPr>
+          <a:lstStyle/>
+          <a:p>
+            <a:pPr algn="ctr"/>
+            <a:r>
+              <a:rPr lang="pt-BR" dirty="0" smtClean="0"/>
+              <a:t>R</a:t>
+            </a:r>
+            <a:r>
+              <a:rPr lang="ru-RU" dirty="0" smtClean="0"/>
+              <a:t> </a:t>
+            </a:r>
+            <a:r>
+              <a:rPr lang="pt-BR" dirty="0" smtClean="0"/>
+              <a:t>= (</a:t>
+            </a:r>
+            <a:r>
+              <a:rPr lang="ru-RU" dirty="0" smtClean="0"/>
+              <a:t> </a:t>
+            </a:r>
+            <a:r>
+              <a:rPr lang="pt-BR" dirty="0" smtClean="0"/>
+              <a:t> (</a:t>
+            </a:r>
+            <a:r>
+              <a:rPr lang="ru-RU" dirty="0" smtClean="0"/>
+              <a:t> </a:t>
+            </a:r>
+            <a:r>
+              <a:rPr lang="pt-BR" dirty="0" smtClean="0"/>
+              <a:t> ( </a:t>
+            </a:r>
+            <a:r>
+              <a:rPr lang="ru-RU" dirty="0" smtClean="0"/>
+              <a:t> </a:t>
+            </a:r>
+            <a:r>
+              <a:rPr lang="pt-BR" dirty="0" smtClean="0"/>
+              <a:t>(</a:t>
+            </a:r>
+            <a:r>
+              <a:rPr lang="ru-RU" dirty="0" smtClean="0"/>
+              <a:t> </a:t>
+            </a:r>
+            <a:r>
+              <a:rPr lang="pt-BR" dirty="0" smtClean="0"/>
+              <a:t>R</a:t>
+            </a:r>
+            <a:r>
+              <a:rPr lang="ru-RU" dirty="0" smtClean="0"/>
+              <a:t> </a:t>
+            </a:r>
+            <a:r>
+              <a:rPr lang="pt-BR" dirty="0" smtClean="0"/>
+              <a:t>&gt;&gt;</a:t>
+            </a:r>
+            <a:r>
+              <a:rPr lang="ru-RU" dirty="0" smtClean="0"/>
+              <a:t> </a:t>
+            </a:r>
+            <a:r>
+              <a:rPr lang="pt-BR" dirty="0" smtClean="0"/>
+              <a:t>6</a:t>
+            </a:r>
+            <a:r>
+              <a:rPr lang="ru-RU" dirty="0" smtClean="0"/>
+              <a:t> </a:t>
+            </a:r>
+            <a:r>
+              <a:rPr lang="pt-BR" dirty="0" smtClean="0"/>
+              <a:t>)</a:t>
+            </a:r>
+            <a:r>
+              <a:rPr lang="ru-RU" dirty="0" smtClean="0"/>
+              <a:t> </a:t>
+            </a:r>
+            <a:r>
+              <a:rPr lang="pt-BR" dirty="0" smtClean="0"/>
+              <a:t> ^</a:t>
+            </a:r>
+            <a:r>
+              <a:rPr lang="ru-RU" dirty="0" smtClean="0"/>
+              <a:t> </a:t>
+            </a:r>
+            <a:r>
+              <a:rPr lang="pt-BR" dirty="0" smtClean="0"/>
+              <a:t> (</a:t>
+            </a:r>
+            <a:r>
+              <a:rPr lang="ru-RU" dirty="0" smtClean="0"/>
+              <a:t> </a:t>
+            </a:r>
+            <a:r>
+              <a:rPr lang="pt-BR" dirty="0" smtClean="0"/>
+              <a:t>R</a:t>
+            </a:r>
+            <a:r>
+              <a:rPr lang="ru-RU" dirty="0" smtClean="0"/>
+              <a:t> </a:t>
+            </a:r>
+            <a:r>
+              <a:rPr lang="pt-BR" dirty="0" smtClean="0"/>
+              <a:t>&gt;&gt;</a:t>
+            </a:r>
+            <a:r>
+              <a:rPr lang="ru-RU" dirty="0" smtClean="0"/>
+              <a:t> </a:t>
+            </a:r>
+            <a:r>
+              <a:rPr lang="pt-BR" dirty="0" smtClean="0"/>
+              <a:t>4</a:t>
+            </a:r>
+            <a:r>
+              <a:rPr lang="ru-RU" dirty="0" smtClean="0"/>
+              <a:t> </a:t>
+            </a:r>
+            <a:r>
+              <a:rPr lang="pt-BR" dirty="0" smtClean="0"/>
+              <a:t>) ^</a:t>
+            </a:r>
+            <a:r>
+              <a:rPr lang="ru-RU" dirty="0" smtClean="0"/>
+              <a:t> </a:t>
+            </a:r>
+            <a:r>
+              <a:rPr lang="pt-BR" dirty="0" smtClean="0"/>
+              <a:t>(</a:t>
+            </a:r>
+            <a:r>
+              <a:rPr lang="ru-RU" dirty="0" smtClean="0"/>
+              <a:t> </a:t>
+            </a:r>
+            <a:r>
+              <a:rPr lang="pt-BR" dirty="0" smtClean="0"/>
+              <a:t>R</a:t>
+            </a:r>
+            <a:r>
+              <a:rPr lang="ru-RU" dirty="0" smtClean="0"/>
+              <a:t> </a:t>
+            </a:r>
+            <a:r>
+              <a:rPr lang="pt-BR" dirty="0" smtClean="0"/>
+              <a:t>&gt;&gt;</a:t>
+            </a:r>
+            <a:r>
+              <a:rPr lang="ru-RU" dirty="0" smtClean="0"/>
+              <a:t> </a:t>
+            </a:r>
+            <a:r>
+              <a:rPr lang="pt-BR" dirty="0" smtClean="0"/>
+              <a:t>1</a:t>
+            </a:r>
+            <a:r>
+              <a:rPr lang="ru-RU" dirty="0" smtClean="0"/>
+              <a:t> </a:t>
+            </a:r>
+            <a:r>
+              <a:rPr lang="pt-BR" dirty="0" smtClean="0"/>
+              <a:t>) ^ R ) &amp; 1</a:t>
+            </a:r>
+            <a:r>
+              <a:rPr lang="ru-RU" dirty="0" smtClean="0"/>
+              <a:t> </a:t>
+            </a:r>
+            <a:r>
+              <a:rPr lang="pt-BR" dirty="0" smtClean="0"/>
+              <a:t> ) &lt;&lt; 11 </a:t>
+            </a:r>
+            <a:r>
+              <a:rPr lang="ru-RU" dirty="0" smtClean="0"/>
+              <a:t> </a:t>
+            </a:r>
+            <a:r>
+              <a:rPr lang="pt-BR" dirty="0" smtClean="0"/>
+              <a:t>) </a:t>
+            </a:r>
+            <a:r>
+              <a:rPr lang="ru-RU" dirty="0" smtClean="0"/>
+              <a:t> </a:t>
+            </a:r>
+            <a:r>
+              <a:rPr lang="pt-BR" dirty="0" smtClean="0"/>
+              <a:t>|</a:t>
+            </a:r>
+            <a:r>
+              <a:rPr lang="ru-RU" dirty="0" smtClean="0"/>
+              <a:t> </a:t>
+            </a:r>
+            <a:r>
+              <a:rPr lang="pt-BR" dirty="0" smtClean="0"/>
+              <a:t> (</a:t>
+            </a:r>
+            <a:r>
+              <a:rPr lang="ru-RU" dirty="0" smtClean="0"/>
+              <a:t> </a:t>
+            </a:r>
+            <a:r>
+              <a:rPr lang="pt-BR" dirty="0" smtClean="0"/>
+              <a:t>R &gt;&gt; 1</a:t>
+            </a:r>
+            <a:r>
+              <a:rPr lang="ru-RU" dirty="0" smtClean="0"/>
+              <a:t> </a:t>
+            </a:r>
+            <a:r>
+              <a:rPr lang="pt-BR" dirty="0" smtClean="0"/>
+              <a:t>);</a:t>
+            </a:r>
+          </a:p>
+        </p:txBody>
+      </p:sp>
       <p:graphicFrame>
         <p:nvGraphicFramePr>
-          <p:cNvPr id="17411" name="Object 3"/>
+          <p:cNvPr id="11" name="Объект 10"/>
           <p:cNvGraphicFramePr>
             <a:graphicFrameLocks noChangeAspect="1"/>
           </p:cNvGraphicFramePr>
           <p:nvPr/>
         </p:nvGraphicFramePr>
         <p:xfrm>
-          <a:off x="2051720" y="2285542"/>
-          <a:ext cx="5029497" cy="4162165"/>
+          <a:off x="1618904" y="584684"/>
+          <a:ext cx="5725404" cy="2156929"/>
         </p:xfrm>
         <a:graphic>
           <a:graphicData uri="http://schemas.openxmlformats.org/presentationml/2006/ole">
-            <p:oleObj spid="_x0000_s17411" name="Visio" r:id="rId6" imgW="6103800" imgH="5092920" progId="Visio.Drawing.11">
-              <p:embed/>
+            <p:oleObj spid="_x0000_s2052" name="Visio" r:id="rId5" imgW="5141160" imgH="2102760" progId="Visio.Drawing.11">
+              <p:link updateAutomatic="1"/>
             </p:oleObj>
           </a:graphicData>
         </a:graphic>
       </p:graphicFrame>
-      <p:pic>
-        <p:nvPicPr>
-          <p:cNvPr id="17412" name="Picture 4" descr="E:\Scorpion\images\freertos_market_position-600x278.png"/>
-          <p:cNvPicPr>
-            <a:picLocks noChangeAspect="1" noChangeArrowheads="1"/>
-          </p:cNvPicPr>
-          <p:nvPr/>
-        </p:nvPicPr>
-        <p:blipFill>
-          <a:blip r:embed="rId7" cstate="print"/>
-          <a:srcRect/>
-          <a:stretch>
-            <a:fillRect/>
-          </a:stretch>
-        </p:blipFill>
-        <p:spPr bwMode="auto">
-          <a:xfrm>
-            <a:off x="5004048" y="620688"/>
-            <a:ext cx="3600400" cy="1668185"/>
+      <p:sp>
+        <p:nvSpPr>
+          <p:cNvPr id="12" name="TextBox 11"/>
+          <p:cNvSpPr txBox="1"/>
+          <p:nvPr/>
+        </p:nvSpPr>
+        <p:spPr>
+          <a:xfrm>
+            <a:off x="2411760" y="2852936"/>
+            <a:ext cx="4292778" cy="369332"/>
           </a:xfrm>
           <a:prstGeom prst="rect">
             <a:avLst/>
           </a:prstGeom>
           <a:noFill/>
         </p:spPr>
-      </p:pic>
+        <p:txBody>
+          <a:bodyPr wrap="square" rtlCol="0">
+            <a:spAutoFit/>
+          </a:bodyPr>
+          <a:lstStyle/>
+          <a:p>
+            <a:pPr algn="ctr"/>
+            <a:r>
+              <a:rPr lang="ru-RU" dirty="0" smtClean="0"/>
+              <a:t>Алгоритм работы сдвигового регистра</a:t>
+            </a:r>
+            <a:endParaRPr lang="ru-RU" dirty="0"/>
+          </a:p>
+        </p:txBody>
+      </p:sp>
       <p:sp>
         <p:nvSpPr>
           <p:cNvPr id="13" name="TextBox 12"/>
@@ -17546,8 +18209,8 @@
         </p:nvSpPr>
         <p:spPr>
           <a:xfrm>
-            <a:off x="2810699" y="6201308"/>
-            <a:ext cx="3511539" cy="369332"/>
+            <a:off x="1673678" y="4113076"/>
+            <a:ext cx="5868652" cy="369332"/>
           </a:xfrm>
           <a:prstGeom prst="rect">
             <a:avLst/>
@@ -17555,7 +18218,7 @@
           <a:noFill/>
         </p:spPr>
         <p:txBody>
-          <a:bodyPr wrap="none" rtlCol="0">
+          <a:bodyPr wrap="square" rtlCol="0" anchor="ctr">
             <a:spAutoFit/>
           </a:bodyPr>
           <a:lstStyle/>
@@ -17563,7 +18226,329 @@
             <a:pPr algn="ctr"/>
             <a:r>
               <a:rPr lang="ru-RU" dirty="0" smtClean="0"/>
-              <a:t>Структурная схема программы</a:t>
+              <a:t>Программная реализация сдвигового регистра</a:t>
+            </a:r>
+            <a:endParaRPr lang="ru-RU" dirty="0"/>
+          </a:p>
+        </p:txBody>
+      </p:sp>
+      <p:sp>
+        <p:nvSpPr>
+          <p:cNvPr id="18" name="Скругленный прямоугольник 17"/>
+          <p:cNvSpPr/>
+          <p:nvPr/>
+        </p:nvSpPr>
+        <p:spPr>
+          <a:xfrm>
+            <a:off x="431540" y="4829380"/>
+            <a:ext cx="8280920" cy="1224136"/>
+          </a:xfrm>
+          <a:prstGeom prst="roundRect">
+            <a:avLst/>
+          </a:prstGeom>
+        </p:spPr>
+        <p:style>
+          <a:lnRef idx="2">
+            <a:schemeClr val="accent1">
+              <a:shade val="50000"/>
+            </a:schemeClr>
+          </a:lnRef>
+          <a:fillRef idx="1">
+            <a:schemeClr val="accent1"/>
+          </a:fillRef>
+          <a:effectRef idx="0">
+            <a:schemeClr val="accent1"/>
+          </a:effectRef>
+          <a:fontRef idx="minor">
+            <a:schemeClr val="lt1"/>
+          </a:fontRef>
+        </p:style>
+        <p:txBody>
+          <a:bodyPr rtlCol="0" anchor="ctr"/>
+          <a:lstStyle/>
+          <a:p>
+            <a:pPr algn="ctr"/>
+            <a:endParaRPr lang="ru-RU"/>
+          </a:p>
+        </p:txBody>
+      </p:sp>
+      <p:sp>
+        <p:nvSpPr>
+          <p:cNvPr id="19" name="Прямоугольник 18"/>
+          <p:cNvSpPr/>
+          <p:nvPr/>
+        </p:nvSpPr>
+        <p:spPr>
+          <a:xfrm>
+            <a:off x="0" y="4912422"/>
+            <a:ext cx="9144000" cy="923330"/>
+          </a:xfrm>
+          <a:prstGeom prst="rect">
+            <a:avLst/>
+          </a:prstGeom>
+        </p:spPr>
+        <p:txBody>
+          <a:bodyPr wrap="square" anchor="ctr">
+            <a:spAutoFit/>
+          </a:bodyPr>
+          <a:lstStyle/>
+          <a:p>
+            <a:r>
+              <a:rPr lang="pt-BR" dirty="0" smtClean="0"/>
+              <a:t>        for( ; i &lt; 16; i++ )</a:t>
+            </a:r>
+          </a:p>
+          <a:p>
+            <a:pPr algn="ctr"/>
+            <a:r>
+              <a:rPr lang="pt-BR" dirty="0" smtClean="0"/>
+              <a:t>    R</a:t>
+            </a:r>
+            <a:r>
+              <a:rPr lang="ru-RU" dirty="0" smtClean="0"/>
+              <a:t> +</a:t>
+            </a:r>
+            <a:r>
+              <a:rPr lang="pt-BR" dirty="0" smtClean="0"/>
+              <a:t>= (</a:t>
+            </a:r>
+            <a:r>
+              <a:rPr lang="ru-RU" dirty="0" smtClean="0"/>
+              <a:t> </a:t>
+            </a:r>
+            <a:r>
+              <a:rPr lang="pt-BR" dirty="0" smtClean="0"/>
+              <a:t> (</a:t>
+            </a:r>
+            <a:r>
+              <a:rPr lang="ru-RU" dirty="0" smtClean="0"/>
+              <a:t> </a:t>
+            </a:r>
+            <a:r>
+              <a:rPr lang="pt-BR" dirty="0" smtClean="0"/>
+              <a:t> ( </a:t>
+            </a:r>
+            <a:r>
+              <a:rPr lang="ru-RU" dirty="0" smtClean="0"/>
+              <a:t> </a:t>
+            </a:r>
+            <a:r>
+              <a:rPr lang="pt-BR" dirty="0" smtClean="0"/>
+              <a:t>(</a:t>
+            </a:r>
+            <a:r>
+              <a:rPr lang="ru-RU" dirty="0" smtClean="0"/>
+              <a:t> </a:t>
+            </a:r>
+            <a:r>
+              <a:rPr lang="pt-BR" dirty="0" smtClean="0"/>
+              <a:t>R</a:t>
+            </a:r>
+            <a:r>
+              <a:rPr lang="ru-RU" dirty="0" smtClean="0"/>
+              <a:t> </a:t>
+            </a:r>
+            <a:r>
+              <a:rPr lang="pt-BR" dirty="0" smtClean="0"/>
+              <a:t>&gt;&gt;</a:t>
+            </a:r>
+            <a:r>
+              <a:rPr lang="ru-RU" dirty="0" smtClean="0"/>
+              <a:t> </a:t>
+            </a:r>
+            <a:r>
+              <a:rPr lang="pt-BR" dirty="0" smtClean="0"/>
+              <a:t>6</a:t>
+            </a:r>
+            <a:r>
+              <a:rPr lang="ru-RU" dirty="0" smtClean="0"/>
+              <a:t> </a:t>
+            </a:r>
+            <a:r>
+              <a:rPr lang="pt-BR" dirty="0" smtClean="0"/>
+              <a:t>)</a:t>
+            </a:r>
+            <a:r>
+              <a:rPr lang="ru-RU" dirty="0" smtClean="0"/>
+              <a:t> </a:t>
+            </a:r>
+            <a:r>
+              <a:rPr lang="pt-BR" dirty="0" smtClean="0"/>
+              <a:t> ^</a:t>
+            </a:r>
+            <a:r>
+              <a:rPr lang="ru-RU" dirty="0" smtClean="0"/>
+              <a:t> </a:t>
+            </a:r>
+            <a:r>
+              <a:rPr lang="pt-BR" dirty="0" smtClean="0"/>
+              <a:t> (</a:t>
+            </a:r>
+            <a:r>
+              <a:rPr lang="ru-RU" dirty="0" smtClean="0"/>
+              <a:t> </a:t>
+            </a:r>
+            <a:r>
+              <a:rPr lang="pt-BR" dirty="0" smtClean="0"/>
+              <a:t>R</a:t>
+            </a:r>
+            <a:r>
+              <a:rPr lang="ru-RU" dirty="0" smtClean="0"/>
+              <a:t> </a:t>
+            </a:r>
+            <a:r>
+              <a:rPr lang="pt-BR" dirty="0" smtClean="0"/>
+              <a:t>&gt;&gt;</a:t>
+            </a:r>
+            <a:r>
+              <a:rPr lang="ru-RU" dirty="0" smtClean="0"/>
+              <a:t> </a:t>
+            </a:r>
+            <a:r>
+              <a:rPr lang="pt-BR" dirty="0" smtClean="0"/>
+              <a:t>4</a:t>
+            </a:r>
+            <a:r>
+              <a:rPr lang="ru-RU" dirty="0" smtClean="0"/>
+              <a:t> </a:t>
+            </a:r>
+            <a:r>
+              <a:rPr lang="pt-BR" dirty="0" smtClean="0"/>
+              <a:t>) ^</a:t>
+            </a:r>
+            <a:r>
+              <a:rPr lang="ru-RU" dirty="0" smtClean="0"/>
+              <a:t> </a:t>
+            </a:r>
+            <a:r>
+              <a:rPr lang="pt-BR" dirty="0" smtClean="0"/>
+              <a:t>(</a:t>
+            </a:r>
+            <a:r>
+              <a:rPr lang="ru-RU" dirty="0" smtClean="0"/>
+              <a:t> </a:t>
+            </a:r>
+            <a:r>
+              <a:rPr lang="pt-BR" dirty="0" smtClean="0"/>
+              <a:t>R</a:t>
+            </a:r>
+            <a:r>
+              <a:rPr lang="ru-RU" dirty="0" smtClean="0"/>
+              <a:t> </a:t>
+            </a:r>
+            <a:r>
+              <a:rPr lang="pt-BR" dirty="0" smtClean="0"/>
+              <a:t>&gt;&gt;</a:t>
+            </a:r>
+            <a:r>
+              <a:rPr lang="ru-RU" dirty="0" smtClean="0"/>
+              <a:t> </a:t>
+            </a:r>
+            <a:r>
+              <a:rPr lang="pt-BR" dirty="0" smtClean="0"/>
+              <a:t>1</a:t>
+            </a:r>
+            <a:r>
+              <a:rPr lang="ru-RU" dirty="0" smtClean="0"/>
+              <a:t> </a:t>
+            </a:r>
+            <a:r>
+              <a:rPr lang="pt-BR" dirty="0" smtClean="0"/>
+              <a:t>) ^ R ) &amp; 1</a:t>
+            </a:r>
+            <a:r>
+              <a:rPr lang="ru-RU" dirty="0" smtClean="0"/>
+              <a:t> </a:t>
+            </a:r>
+            <a:r>
+              <a:rPr lang="pt-BR" dirty="0" smtClean="0"/>
+              <a:t> ) &lt;&lt; 11 </a:t>
+            </a:r>
+            <a:r>
+              <a:rPr lang="ru-RU" dirty="0" smtClean="0"/>
+              <a:t> </a:t>
+            </a:r>
+            <a:r>
+              <a:rPr lang="pt-BR" dirty="0" smtClean="0"/>
+              <a:t>) </a:t>
+            </a:r>
+            <a:r>
+              <a:rPr lang="ru-RU" dirty="0" smtClean="0"/>
+              <a:t> </a:t>
+            </a:r>
+            <a:r>
+              <a:rPr lang="pt-BR" dirty="0" smtClean="0"/>
+              <a:t>|</a:t>
+            </a:r>
+            <a:r>
+              <a:rPr lang="ru-RU" dirty="0" smtClean="0"/>
+              <a:t> </a:t>
+            </a:r>
+            <a:r>
+              <a:rPr lang="pt-BR" dirty="0" smtClean="0"/>
+              <a:t> (</a:t>
+            </a:r>
+            <a:r>
+              <a:rPr lang="ru-RU" dirty="0" smtClean="0"/>
+              <a:t> </a:t>
+            </a:r>
+            <a:r>
+              <a:rPr lang="pt-BR" dirty="0" smtClean="0"/>
+              <a:t>R &gt;&gt; 1</a:t>
+            </a:r>
+            <a:r>
+              <a:rPr lang="ru-RU" dirty="0" smtClean="0"/>
+              <a:t> </a:t>
+            </a:r>
+            <a:r>
+              <a:rPr lang="pt-BR" dirty="0" smtClean="0"/>
+              <a:t>);</a:t>
+            </a:r>
+            <a:endParaRPr lang="ru-RU" dirty="0" smtClean="0"/>
+          </a:p>
+          <a:p>
+            <a:r>
+              <a:rPr lang="en-US" dirty="0" smtClean="0"/>
+              <a:t>        R &gt;&gt;= 4;</a:t>
+            </a:r>
+            <a:r>
+              <a:rPr lang="ru-RU" dirty="0" smtClean="0"/>
+              <a:t> //</a:t>
+            </a:r>
+            <a:r>
+              <a:rPr lang="en-US" dirty="0" smtClean="0"/>
+              <a:t> max R == 65 535</a:t>
+            </a:r>
+            <a:endParaRPr lang="pt-BR" dirty="0" smtClean="0"/>
+          </a:p>
+        </p:txBody>
+      </p:sp>
+      <p:sp>
+        <p:nvSpPr>
+          <p:cNvPr id="20" name="TextBox 19"/>
+          <p:cNvSpPr txBox="1"/>
+          <p:nvPr/>
+        </p:nvSpPr>
+        <p:spPr>
+          <a:xfrm>
+            <a:off x="1637674" y="5987025"/>
+            <a:ext cx="5868652" cy="646331"/>
+          </a:xfrm>
+          <a:prstGeom prst="rect">
+            <a:avLst/>
+          </a:prstGeom>
+          <a:noFill/>
+        </p:spPr>
+        <p:txBody>
+          <a:bodyPr wrap="square" rtlCol="0" anchor="ctr">
+            <a:spAutoFit/>
+          </a:bodyPr>
+          <a:lstStyle/>
+          <a:p>
+            <a:pPr algn="ctr"/>
+            <a:r>
+              <a:rPr lang="ru-RU" dirty="0" smtClean="0"/>
+              <a:t>Программная реализация генератора случайных чисел с нормальным распределением</a:t>
             </a:r>
             <a:endParaRPr lang="ru-RU" dirty="0"/>
           </a:p>
